--- a/cours/GM - Travaux pratiques.pptx
+++ b/cours/GM - Travaux pratiques.pptx
@@ -5,7 +5,7 @@
     <p:sldMasterId id="2147483651" r:id="rId1"/>
   </p:sldMasterIdLst>
   <p:notesMasterIdLst>
-    <p:notesMasterId r:id="rId25"/>
+    <p:notesMasterId r:id="rId26"/>
   </p:notesMasterIdLst>
   <p:sldIdLst>
     <p:sldId id="256" r:id="rId2"/>
@@ -20,17 +20,18 @@
     <p:sldId id="274" r:id="rId11"/>
     <p:sldId id="275" r:id="rId12"/>
     <p:sldId id="271" r:id="rId13"/>
-    <p:sldId id="278" r:id="rId14"/>
-    <p:sldId id="259" r:id="rId15"/>
-    <p:sldId id="279" r:id="rId16"/>
-    <p:sldId id="280" r:id="rId17"/>
-    <p:sldId id="260" r:id="rId18"/>
-    <p:sldId id="281" r:id="rId19"/>
-    <p:sldId id="273" r:id="rId20"/>
-    <p:sldId id="282" r:id="rId21"/>
-    <p:sldId id="261" r:id="rId22"/>
-    <p:sldId id="263" r:id="rId23"/>
-    <p:sldId id="262" r:id="rId24"/>
+    <p:sldId id="283" r:id="rId14"/>
+    <p:sldId id="278" r:id="rId15"/>
+    <p:sldId id="259" r:id="rId16"/>
+    <p:sldId id="279" r:id="rId17"/>
+    <p:sldId id="280" r:id="rId18"/>
+    <p:sldId id="260" r:id="rId19"/>
+    <p:sldId id="281" r:id="rId20"/>
+    <p:sldId id="273" r:id="rId21"/>
+    <p:sldId id="282" r:id="rId22"/>
+    <p:sldId id="261" r:id="rId23"/>
+    <p:sldId id="263" r:id="rId24"/>
+    <p:sldId id="262" r:id="rId25"/>
   </p:sldIdLst>
   <p:sldSz cx="9144000" cy="6858000" type="screen4x3"/>
   <p:notesSz cx="6858000" cy="9144000"/>
@@ -219,7 +220,7 @@
           <a:p>
             <a:fld id="{05CF0F9A-6161-450D-AD24-FE13ECDFFC91}" type="datetimeFigureOut">
               <a:rPr lang="fr-FR" smtClean="0"/>
-              <a:t>02/05/2021</a:t>
+              <a:t>10/05/2021</a:t>
             </a:fld>
             <a:endParaRPr lang="fr-FR"/>
           </a:p>
@@ -1536,7 +1537,7 @@
           <a:p>
             <a:fld id="{7FED9F59-E5F7-4D0D-AFB1-35ABD0360038}" type="slidenum">
               <a:rPr lang="fr-FR" smtClean="0"/>
-              <a:t>13</a:t>
+              <a:t>14</a:t>
             </a:fld>
             <a:endParaRPr lang="fr-FR"/>
           </a:p>
@@ -1793,7 +1794,7 @@
           <a:p>
             <a:fld id="{7FED9F59-E5F7-4D0D-AFB1-35ABD0360038}" type="slidenum">
               <a:rPr lang="fr-FR" smtClean="0"/>
-              <a:t>14</a:t>
+              <a:t>15</a:t>
             </a:fld>
             <a:endParaRPr lang="fr-FR"/>
           </a:p>
@@ -2261,7 +2262,7 @@
           <a:p>
             <a:fld id="{7FED9F59-E5F7-4D0D-AFB1-35ABD0360038}" type="slidenum">
               <a:rPr lang="fr-FR" smtClean="0"/>
-              <a:t>15</a:t>
+              <a:t>16</a:t>
             </a:fld>
             <a:endParaRPr lang="fr-FR"/>
           </a:p>
@@ -2800,7 +2801,7 @@
           <a:p>
             <a:fld id="{7FED9F59-E5F7-4D0D-AFB1-35ABD0360038}" type="slidenum">
               <a:rPr lang="fr-FR" smtClean="0"/>
-              <a:t>16</a:t>
+              <a:t>17</a:t>
             </a:fld>
             <a:endParaRPr lang="fr-FR"/>
           </a:p>
@@ -3227,7 +3228,7 @@
           <a:p>
             <a:fld id="{7FED9F59-E5F7-4D0D-AFB1-35ABD0360038}" type="slidenum">
               <a:rPr lang="fr-FR" smtClean="0"/>
-              <a:t>17</a:t>
+              <a:t>18</a:t>
             </a:fld>
             <a:endParaRPr lang="fr-FR"/>
           </a:p>
@@ -3469,7 +3470,7 @@
           <a:p>
             <a:fld id="{7FED9F59-E5F7-4D0D-AFB1-35ABD0360038}" type="slidenum">
               <a:rPr lang="fr-FR" smtClean="0"/>
-              <a:t>19</a:t>
+              <a:t>20</a:t>
             </a:fld>
             <a:endParaRPr lang="fr-FR"/>
           </a:p>
@@ -3994,7 +3995,7 @@
           <a:p>
             <a:fld id="{7FED9F59-E5F7-4D0D-AFB1-35ABD0360038}" type="slidenum">
               <a:rPr lang="fr-FR" smtClean="0"/>
-              <a:t>20</a:t>
+              <a:t>21</a:t>
             </a:fld>
             <a:endParaRPr lang="fr-FR"/>
           </a:p>
@@ -4511,7 +4512,7 @@
           <a:p>
             <a:fld id="{7FED9F59-E5F7-4D0D-AFB1-35ABD0360038}" type="slidenum">
               <a:rPr lang="fr-FR" smtClean="0"/>
-              <a:t>21</a:t>
+              <a:t>22</a:t>
             </a:fld>
             <a:endParaRPr lang="fr-FR"/>
           </a:p>
@@ -4905,7 +4906,7 @@
           <a:p>
             <a:fld id="{7FED9F59-E5F7-4D0D-AFB1-35ABD0360038}" type="slidenum">
               <a:rPr lang="fr-FR" smtClean="0"/>
-              <a:t>22</a:t>
+              <a:t>23</a:t>
             </a:fld>
             <a:endParaRPr lang="fr-FR"/>
           </a:p>
@@ -5894,7 +5895,7 @@
           <a:p>
             <a:fld id="{7FED9F59-E5F7-4D0D-AFB1-35ABD0360038}" type="slidenum">
               <a:rPr lang="fr-FR" smtClean="0"/>
-              <a:t>23</a:t>
+              <a:t>24</a:t>
             </a:fld>
             <a:endParaRPr lang="fr-FR"/>
           </a:p>
@@ -7916,11 +7917,7 @@
             </a:pPr>
             <a:r>
               <a:rPr lang="fr-FR" baseline="0" dirty="0" smtClean="0"/>
-              <a:t>3) Localiser le croisement en </a:t>
-            </a:r>
-            <a:r>
-              <a:rPr lang="fr-FR" baseline="0" dirty="0" smtClean="0"/>
-              <a:t>T</a:t>
+              <a:t>3) Localiser le croisement en T</a:t>
             </a:r>
           </a:p>
           <a:p>
@@ -8185,7 +8182,7 @@
           <a:p>
             <a:fld id="{2EECCBB6-C5F9-4F99-A264-BFD13EB95464}" type="datetimeFigureOut">
               <a:rPr lang="fr-FR" smtClean="0"/>
-              <a:t>02/05/2021</a:t>
+              <a:t>10/05/2021</a:t>
             </a:fld>
             <a:endParaRPr lang="fr-FR"/>
           </a:p>
@@ -8355,7 +8352,7 @@
           <a:p>
             <a:fld id="{2EECCBB6-C5F9-4F99-A264-BFD13EB95464}" type="datetimeFigureOut">
               <a:rPr lang="fr-FR" smtClean="0"/>
-              <a:t>02/05/2021</a:t>
+              <a:t>10/05/2021</a:t>
             </a:fld>
             <a:endParaRPr lang="fr-FR"/>
           </a:p>
@@ -8628,7 +8625,7 @@
           <a:p>
             <a:fld id="{2EECCBB6-C5F9-4F99-A264-BFD13EB95464}" type="datetimeFigureOut">
               <a:rPr lang="fr-FR" smtClean="0"/>
-              <a:t>02/05/2021</a:t>
+              <a:t>10/05/2021</a:t>
             </a:fld>
             <a:endParaRPr lang="fr-FR"/>
           </a:p>
@@ -9313,15 +9310,7 @@
           <a:p>
             <a:r>
               <a:rPr lang="fr-FR" dirty="0" smtClean="0"/>
-              <a:t>Définir le point « SAEB </a:t>
-            </a:r>
-            <a:r>
-              <a:rPr lang="fr-FR" dirty="0" smtClean="0"/>
-              <a:t>1» </a:t>
-            </a:r>
-            <a:r>
-              <a:rPr lang="fr-FR" dirty="0" smtClean="0"/>
-              <a:t>comme étant de type SAEB</a:t>
+              <a:t>Définir le point « SAEB 1» comme étant de type SAEB</a:t>
             </a:r>
           </a:p>
           <a:p>
@@ -9457,6 +9446,78 @@
           <a:bodyPr/>
           <a:lstStyle/>
           <a:p>
+            <a:endParaRPr lang="fr-FR"/>
+          </a:p>
+        </p:txBody>
+      </p:sp>
+      <p:sp>
+        <p:nvSpPr>
+          <p:cNvPr id="3" name="Espace réservé du contenu 2"/>
+          <p:cNvSpPr>
+            <a:spLocks noGrp="1"/>
+          </p:cNvSpPr>
+          <p:nvPr>
+            <p:ph idx="1"/>
+          </p:nvPr>
+        </p:nvSpPr>
+        <p:spPr/>
+        <p:txBody>
+          <a:bodyPr/>
+          <a:lstStyle/>
+          <a:p>
+            <a:r>
+              <a:rPr lang="fr-FR" smtClean="0"/>
+              <a:t>Import OSM, VMAP, PDF</a:t>
+            </a:r>
+            <a:endParaRPr lang="fr-FR"/>
+          </a:p>
+        </p:txBody>
+      </p:sp>
+    </p:spTree>
+    <p:extLst>
+      <p:ext uri="{BB962C8B-B14F-4D97-AF65-F5344CB8AC3E}">
+        <p14:creationId xmlns:p14="http://schemas.microsoft.com/office/powerpoint/2010/main" val="1136459414"/>
+      </p:ext>
+    </p:extLst>
+  </p:cSld>
+  <p:clrMapOvr>
+    <a:masterClrMapping/>
+  </p:clrMapOvr>
+</p:sld>
+</file>
+
+<file path=ppt/slides/slide14.xml><?xml version="1.0" encoding="utf-8"?>
+<p:sld xmlns:a="http://schemas.openxmlformats.org/drawingml/2006/main" xmlns:r="http://schemas.openxmlformats.org/officeDocument/2006/relationships" xmlns:p="http://schemas.openxmlformats.org/presentationml/2006/main">
+  <p:cSld>
+    <p:spTree>
+      <p:nvGrpSpPr>
+        <p:cNvPr id="1" name=""/>
+        <p:cNvGrpSpPr/>
+        <p:nvPr/>
+      </p:nvGrpSpPr>
+      <p:grpSpPr>
+        <a:xfrm>
+          <a:off x="0" y="0"/>
+          <a:ext cx="0" cy="0"/>
+          <a:chOff x="0" y="0"/>
+          <a:chExt cx="0" cy="0"/>
+        </a:xfrm>
+      </p:grpSpPr>
+      <p:sp>
+        <p:nvSpPr>
+          <p:cNvPr id="2" name="Titre 1"/>
+          <p:cNvSpPr>
+            <a:spLocks noGrp="1"/>
+          </p:cNvSpPr>
+          <p:nvPr>
+            <p:ph type="title"/>
+          </p:nvPr>
+        </p:nvSpPr>
+        <p:spPr/>
+        <p:txBody>
+          <a:bodyPr/>
+          <a:lstStyle/>
+          <a:p>
             <a:r>
               <a:rPr lang="fr-FR" dirty="0" smtClean="0"/>
               <a:t>Exercice 5</a:t>
@@ -9556,7 +9617,7 @@
 </p:sld>
 </file>
 
-<file path=ppt/slides/slide14.xml><?xml version="1.0" encoding="utf-8"?>
+<file path=ppt/slides/slide15.xml><?xml version="1.0" encoding="utf-8"?>
 <p:sld xmlns:a="http://schemas.openxmlformats.org/drawingml/2006/main" xmlns:r="http://schemas.openxmlformats.org/officeDocument/2006/relationships" xmlns:p="http://schemas.openxmlformats.org/presentationml/2006/main">
   <p:cSld>
     <p:bg>
@@ -9868,296 +9929,6 @@
 </p:sld>
 </file>
 
-<file path=ppt/slides/slide15.xml><?xml version="1.0" encoding="utf-8"?>
-<p:sld xmlns:a="http://schemas.openxmlformats.org/drawingml/2006/main" xmlns:r="http://schemas.openxmlformats.org/officeDocument/2006/relationships" xmlns:p="http://schemas.openxmlformats.org/presentationml/2006/main">
-  <p:cSld>
-    <p:spTree>
-      <p:nvGrpSpPr>
-        <p:cNvPr id="1" name=""/>
-        <p:cNvGrpSpPr/>
-        <p:nvPr/>
-      </p:nvGrpSpPr>
-      <p:grpSpPr>
-        <a:xfrm>
-          <a:off x="0" y="0"/>
-          <a:ext cx="0" cy="0"/>
-          <a:chOff x="0" y="0"/>
-          <a:chExt cx="0" cy="0"/>
-        </a:xfrm>
-      </p:grpSpPr>
-      <p:sp>
-        <p:nvSpPr>
-          <p:cNvPr id="2" name="Titre 1"/>
-          <p:cNvSpPr>
-            <a:spLocks noGrp="1"/>
-          </p:cNvSpPr>
-          <p:nvPr>
-            <p:ph type="title"/>
-          </p:nvPr>
-        </p:nvSpPr>
-        <p:spPr/>
-        <p:txBody>
-          <a:bodyPr/>
-          <a:lstStyle/>
-          <a:p>
-            <a:r>
-              <a:rPr lang="fr-FR" dirty="0" smtClean="0"/>
-              <a:t>Exercice 6</a:t>
-            </a:r>
-            <a:endParaRPr lang="fr-FR" dirty="0"/>
-          </a:p>
-        </p:txBody>
-      </p:sp>
-      <p:sp>
-        <p:nvSpPr>
-          <p:cNvPr id="4" name="Espace réservé du contenu 2"/>
-          <p:cNvSpPr txBox="1">
-            <a:spLocks/>
-          </p:cNvSpPr>
-          <p:nvPr/>
-        </p:nvSpPr>
-        <p:spPr>
-          <a:xfrm>
-            <a:off x="628650" y="1825625"/>
-            <a:ext cx="7886700" cy="4351338"/>
-          </a:xfrm>
-          <a:prstGeom prst="rect">
-            <a:avLst/>
-          </a:prstGeom>
-        </p:spPr>
-        <p:txBody>
-          <a:bodyPr vert="horz" lIns="91440" tIns="45720" rIns="91440" bIns="45720" rtlCol="0">
-            <a:normAutofit/>
-          </a:bodyPr>
-          <a:lstStyle>
-            <a:lvl1pPr marL="228600" indent="-228600" algn="l" defTabSz="914400" rtl="0" eaLnBrk="1" latinLnBrk="0" hangingPunct="1">
-              <a:lnSpc>
-                <a:spcPct val="90000"/>
-              </a:lnSpc>
-              <a:spcBef>
-                <a:spcPts val="1000"/>
-              </a:spcBef>
-              <a:buFont typeface="Arial" panose="020B0604020202020204" pitchFamily="34" charset="0"/>
-              <a:buChar char="•"/>
-              <a:defRPr sz="2800" kern="1200">
-                <a:solidFill>
-                  <a:schemeClr val="tx1"/>
-                </a:solidFill>
-                <a:latin typeface="+mn-lt"/>
-                <a:ea typeface="+mn-ea"/>
-                <a:cs typeface="+mn-cs"/>
-              </a:defRPr>
-            </a:lvl1pPr>
-            <a:lvl2pPr marL="685800" indent="-228600" algn="l" defTabSz="914400" rtl="0" eaLnBrk="1" latinLnBrk="0" hangingPunct="1">
-              <a:lnSpc>
-                <a:spcPct val="90000"/>
-              </a:lnSpc>
-              <a:spcBef>
-                <a:spcPts val="500"/>
-              </a:spcBef>
-              <a:buFont typeface="Arial" panose="020B0604020202020204" pitchFamily="34" charset="0"/>
-              <a:buChar char="•"/>
-              <a:defRPr sz="2400" kern="1200">
-                <a:solidFill>
-                  <a:schemeClr val="tx1"/>
-                </a:solidFill>
-                <a:latin typeface="+mn-lt"/>
-                <a:ea typeface="+mn-ea"/>
-                <a:cs typeface="+mn-cs"/>
-              </a:defRPr>
-            </a:lvl2pPr>
-            <a:lvl3pPr marL="1143000" indent="-228600" algn="l" defTabSz="914400" rtl="0" eaLnBrk="1" latinLnBrk="0" hangingPunct="1">
-              <a:lnSpc>
-                <a:spcPct val="90000"/>
-              </a:lnSpc>
-              <a:spcBef>
-                <a:spcPts val="500"/>
-              </a:spcBef>
-              <a:buFont typeface="Arial" panose="020B0604020202020204" pitchFamily="34" charset="0"/>
-              <a:buChar char="•"/>
-              <a:defRPr sz="2000" kern="1200">
-                <a:solidFill>
-                  <a:schemeClr val="tx1"/>
-                </a:solidFill>
-                <a:latin typeface="+mn-lt"/>
-                <a:ea typeface="+mn-ea"/>
-                <a:cs typeface="+mn-cs"/>
-              </a:defRPr>
-            </a:lvl3pPr>
-            <a:lvl4pPr marL="1600200" indent="-228600" algn="l" defTabSz="914400" rtl="0" eaLnBrk="1" latinLnBrk="0" hangingPunct="1">
-              <a:lnSpc>
-                <a:spcPct val="90000"/>
-              </a:lnSpc>
-              <a:spcBef>
-                <a:spcPts val="500"/>
-              </a:spcBef>
-              <a:buFont typeface="Arial" panose="020B0604020202020204" pitchFamily="34" charset="0"/>
-              <a:buChar char="•"/>
-              <a:defRPr sz="1800" kern="1200">
-                <a:solidFill>
-                  <a:schemeClr val="tx1"/>
-                </a:solidFill>
-                <a:latin typeface="+mn-lt"/>
-                <a:ea typeface="+mn-ea"/>
-                <a:cs typeface="+mn-cs"/>
-              </a:defRPr>
-            </a:lvl4pPr>
-            <a:lvl5pPr marL="2057400" indent="-228600" algn="l" defTabSz="914400" rtl="0" eaLnBrk="1" latinLnBrk="0" hangingPunct="1">
-              <a:lnSpc>
-                <a:spcPct val="90000"/>
-              </a:lnSpc>
-              <a:spcBef>
-                <a:spcPts val="500"/>
-              </a:spcBef>
-              <a:buFont typeface="Arial" panose="020B0604020202020204" pitchFamily="34" charset="0"/>
-              <a:buChar char="•"/>
-              <a:defRPr sz="1800" kern="1200">
-                <a:solidFill>
-                  <a:schemeClr val="tx1"/>
-                </a:solidFill>
-                <a:latin typeface="+mn-lt"/>
-                <a:ea typeface="+mn-ea"/>
-                <a:cs typeface="+mn-cs"/>
-              </a:defRPr>
-            </a:lvl5pPr>
-            <a:lvl6pPr marL="2514600" indent="-228600" algn="l" defTabSz="914400" rtl="0" eaLnBrk="1" latinLnBrk="0" hangingPunct="1">
-              <a:lnSpc>
-                <a:spcPct val="90000"/>
-              </a:lnSpc>
-              <a:spcBef>
-                <a:spcPts val="500"/>
-              </a:spcBef>
-              <a:buFont typeface="Arial" panose="020B0604020202020204" pitchFamily="34" charset="0"/>
-              <a:buChar char="•"/>
-              <a:defRPr sz="1800" kern="1200">
-                <a:solidFill>
-                  <a:schemeClr val="tx1"/>
-                </a:solidFill>
-                <a:latin typeface="+mn-lt"/>
-                <a:ea typeface="+mn-ea"/>
-                <a:cs typeface="+mn-cs"/>
-              </a:defRPr>
-            </a:lvl6pPr>
-            <a:lvl7pPr marL="2971800" indent="-228600" algn="l" defTabSz="914400" rtl="0" eaLnBrk="1" latinLnBrk="0" hangingPunct="1">
-              <a:lnSpc>
-                <a:spcPct val="90000"/>
-              </a:lnSpc>
-              <a:spcBef>
-                <a:spcPts val="500"/>
-              </a:spcBef>
-              <a:buFont typeface="Arial" panose="020B0604020202020204" pitchFamily="34" charset="0"/>
-              <a:buChar char="•"/>
-              <a:defRPr sz="1800" kern="1200">
-                <a:solidFill>
-                  <a:schemeClr val="tx1"/>
-                </a:solidFill>
-                <a:latin typeface="+mn-lt"/>
-                <a:ea typeface="+mn-ea"/>
-                <a:cs typeface="+mn-cs"/>
-              </a:defRPr>
-            </a:lvl7pPr>
-            <a:lvl8pPr marL="3429000" indent="-228600" algn="l" defTabSz="914400" rtl="0" eaLnBrk="1" latinLnBrk="0" hangingPunct="1">
-              <a:lnSpc>
-                <a:spcPct val="90000"/>
-              </a:lnSpc>
-              <a:spcBef>
-                <a:spcPts val="500"/>
-              </a:spcBef>
-              <a:buFont typeface="Arial" panose="020B0604020202020204" pitchFamily="34" charset="0"/>
-              <a:buChar char="•"/>
-              <a:defRPr sz="1800" kern="1200">
-                <a:solidFill>
-                  <a:schemeClr val="tx1"/>
-                </a:solidFill>
-                <a:latin typeface="+mn-lt"/>
-                <a:ea typeface="+mn-ea"/>
-                <a:cs typeface="+mn-cs"/>
-              </a:defRPr>
-            </a:lvl8pPr>
-            <a:lvl9pPr marL="3886200" indent="-228600" algn="l" defTabSz="914400" rtl="0" eaLnBrk="1" latinLnBrk="0" hangingPunct="1">
-              <a:lnSpc>
-                <a:spcPct val="90000"/>
-              </a:lnSpc>
-              <a:spcBef>
-                <a:spcPts val="500"/>
-              </a:spcBef>
-              <a:buFont typeface="Arial" panose="020B0604020202020204" pitchFamily="34" charset="0"/>
-              <a:buChar char="•"/>
-              <a:defRPr sz="1800" kern="1200">
-                <a:solidFill>
-                  <a:schemeClr val="tx1"/>
-                </a:solidFill>
-                <a:latin typeface="+mn-lt"/>
-                <a:ea typeface="+mn-ea"/>
-                <a:cs typeface="+mn-cs"/>
-              </a:defRPr>
-            </a:lvl9pPr>
-          </a:lstStyle>
-          <a:p>
-            <a:r>
-              <a:rPr lang="fr-FR" dirty="0" smtClean="0"/>
-              <a:t>Créer les </a:t>
-            </a:r>
-            <a:r>
-              <a:rPr lang="fr-FR" dirty="0"/>
-              <a:t>points :</a:t>
-            </a:r>
-          </a:p>
-          <a:p>
-            <a:pPr lvl="1"/>
-            <a:r>
-              <a:rPr lang="fr-FR" dirty="0"/>
-              <a:t>SAEB1 en </a:t>
-            </a:r>
-            <a:r>
-              <a:rPr lang="pl-PL" dirty="0"/>
-              <a:t>32 U LV 50716 22826</a:t>
-            </a:r>
-            <a:r>
-              <a:rPr lang="fr-FR" dirty="0"/>
-              <a:t>, avec un point bleu</a:t>
-            </a:r>
-          </a:p>
-          <a:p>
-            <a:pPr lvl="1"/>
-            <a:r>
-              <a:rPr lang="fr-FR" dirty="0"/>
-              <a:t>SAEB2 en </a:t>
-            </a:r>
-            <a:r>
-              <a:rPr lang="pl-PL" dirty="0"/>
-              <a:t>32 U LV 52285 21476</a:t>
-            </a:r>
-            <a:r>
-              <a:rPr lang="fr-FR" dirty="0"/>
-              <a:t>, avec un point rouge</a:t>
-            </a:r>
-          </a:p>
-          <a:p>
-            <a:endParaRPr lang="fr-FR" sz="1800" dirty="0"/>
-          </a:p>
-          <a:p>
-            <a:r>
-              <a:rPr lang="fr-FR" dirty="0" smtClean="0"/>
-              <a:t>Affecter le style « SAEB » aux deux points</a:t>
-            </a:r>
-            <a:endParaRPr lang="fr-FR" dirty="0"/>
-          </a:p>
-        </p:txBody>
-      </p:sp>
-    </p:spTree>
-    <p:extLst>
-      <p:ext uri="{BB962C8B-B14F-4D97-AF65-F5344CB8AC3E}">
-        <p14:creationId xmlns:p14="http://schemas.microsoft.com/office/powerpoint/2010/main" val="3948947225"/>
-      </p:ext>
-    </p:extLst>
-  </p:cSld>
-  <p:clrMapOvr>
-    <a:masterClrMapping/>
-  </p:clrMapOvr>
-</p:sld>
-</file>
-
 <file path=ppt/slides/slide16.xml><?xml version="1.0" encoding="utf-8"?>
 <p:sld xmlns:a="http://schemas.openxmlformats.org/drawingml/2006/main" xmlns:r="http://schemas.openxmlformats.org/officeDocument/2006/relationships" xmlns:p="http://schemas.openxmlformats.org/presentationml/2006/main">
   <p:cSld>
@@ -10386,59 +10157,51 @@
           <a:p>
             <a:r>
               <a:rPr lang="fr-FR" dirty="0" smtClean="0"/>
-              <a:t>A </a:t>
+              <a:t>Créer les </a:t>
             </a:r>
             <a:r>
               <a:rPr lang="fr-FR" dirty="0"/>
-              <a:t>partir de la couche </a:t>
-            </a:r>
-            <a:r>
-              <a:rPr lang="fr-FR" dirty="0" err="1"/>
-              <a:t>villes_ouest</a:t>
-            </a:r>
+              <a:t>points :</a:t>
+            </a:r>
+          </a:p>
+          <a:p>
+            <a:pPr lvl="1"/>
             <a:r>
               <a:rPr lang="fr-FR" dirty="0"/>
-              <a:t> :</a:t>
+              <a:t>SAEB1 en </a:t>
+            </a:r>
+            <a:r>
+              <a:rPr lang="pl-PL" dirty="0"/>
+              <a:t>32 U LV 50716 22826</a:t>
+            </a:r>
+            <a:r>
+              <a:rPr lang="fr-FR" dirty="0"/>
+              <a:t>, avec un point bleu</a:t>
             </a:r>
           </a:p>
           <a:p>
             <a:pPr lvl="1"/>
             <a:r>
               <a:rPr lang="fr-FR" dirty="0"/>
-              <a:t>Créer une surface englobant les villes</a:t>
-            </a:r>
-          </a:p>
-          <a:p>
-            <a:pPr lvl="1"/>
+              <a:t>SAEB2 en </a:t>
+            </a:r>
+            <a:r>
+              <a:rPr lang="pl-PL" dirty="0"/>
+              <a:t>32 U LV 52285 21476</a:t>
+            </a:r>
             <a:r>
               <a:rPr lang="fr-FR" dirty="0"/>
-              <a:t>Calculer un point </a:t>
-            </a:r>
-            <a:r>
-              <a:rPr lang="fr-FR" dirty="0" smtClean="0"/>
-              <a:t>central</a:t>
-            </a:r>
-          </a:p>
-          <a:p>
-            <a:pPr lvl="1"/>
-            <a:endParaRPr lang="fr-FR" dirty="0"/>
-          </a:p>
-          <a:p>
-            <a:r>
-              <a:rPr lang="fr-FR" dirty="0"/>
-              <a:t>Créer une zone tampon de 800m de rayon autour de SAEB1</a:t>
-            </a:r>
-          </a:p>
-          <a:p>
-            <a:endParaRPr lang="fr-FR" dirty="0"/>
-          </a:p>
-          <a:p>
-            <a:r>
-              <a:rPr lang="fr-FR" dirty="0"/>
-              <a:t>Créer deux cercles (range ring) avec rayon de 500m autour de SAEB2</a:t>
-            </a:r>
-          </a:p>
-          <a:p>
+              <a:t>, avec un point rouge</a:t>
+            </a:r>
+          </a:p>
+          <a:p>
+            <a:endParaRPr lang="fr-FR" sz="1800" dirty="0"/>
+          </a:p>
+          <a:p>
+            <a:r>
+              <a:rPr lang="fr-FR" dirty="0" smtClean="0"/>
+              <a:t>Affecter le style « SAEB » aux deux points</a:t>
+            </a:r>
             <a:endParaRPr lang="fr-FR" dirty="0"/>
           </a:p>
         </p:txBody>
@@ -10446,7 +10209,7 @@
     </p:spTree>
     <p:extLst>
       <p:ext uri="{BB962C8B-B14F-4D97-AF65-F5344CB8AC3E}">
-        <p14:creationId xmlns:p14="http://schemas.microsoft.com/office/powerpoint/2010/main" val="3922659249"/>
+        <p14:creationId xmlns:p14="http://schemas.microsoft.com/office/powerpoint/2010/main" val="3948947225"/>
       </p:ext>
     </p:extLst>
   </p:cSld>
@@ -10498,48 +10261,245 @@
       </p:sp>
       <p:sp>
         <p:nvSpPr>
-          <p:cNvPr id="3" name="Espace réservé du contenu 2"/>
-          <p:cNvSpPr>
-            <a:spLocks noGrp="1"/>
+          <p:cNvPr id="4" name="Espace réservé du contenu 2"/>
+          <p:cNvSpPr txBox="1">
+            <a:spLocks/>
           </p:cNvSpPr>
-          <p:nvPr>
-            <p:ph idx="1"/>
-          </p:nvPr>
+          <p:nvPr/>
         </p:nvSpPr>
-        <p:spPr/>
+        <p:spPr>
+          <a:xfrm>
+            <a:off x="628650" y="1825625"/>
+            <a:ext cx="7886700" cy="4351338"/>
+          </a:xfrm>
+          <a:prstGeom prst="rect">
+            <a:avLst/>
+          </a:prstGeom>
+        </p:spPr>
         <p:txBody>
-          <a:bodyPr>
+          <a:bodyPr vert="horz" lIns="91440" tIns="45720" rIns="91440" bIns="45720" rtlCol="0">
             <a:normAutofit/>
           </a:bodyPr>
-          <a:lstStyle/>
-          <a:p>
-            <a:r>
-              <a:rPr lang="fr-FR" dirty="0" smtClean="0"/>
-              <a:t>Créer un catalogue de données DTED et l’importer</a:t>
-            </a:r>
-          </a:p>
-          <a:p>
-            <a:endParaRPr lang="fr-FR" dirty="0" smtClean="0"/>
-          </a:p>
-          <a:p>
-            <a:r>
-              <a:rPr lang="fr-FR" dirty="0" smtClean="0"/>
-              <a:t>Ajouter les données élévations à la couche </a:t>
-            </a:r>
-            <a:r>
-              <a:rPr lang="fr-FR" b="1" dirty="0" err="1" smtClean="0"/>
-              <a:t>villes_ouest.shp</a:t>
-            </a:r>
-            <a:endParaRPr lang="fr-FR" b="1" dirty="0" smtClean="0"/>
-          </a:p>
-          <a:p>
+          <a:lstStyle>
+            <a:lvl1pPr marL="228600" indent="-228600" algn="l" defTabSz="914400" rtl="0" eaLnBrk="1" latinLnBrk="0" hangingPunct="1">
+              <a:lnSpc>
+                <a:spcPct val="90000"/>
+              </a:lnSpc>
+              <a:spcBef>
+                <a:spcPts val="1000"/>
+              </a:spcBef>
+              <a:buFont typeface="Arial" panose="020B0604020202020204" pitchFamily="34" charset="0"/>
+              <a:buChar char="•"/>
+              <a:defRPr sz="2800" kern="1200">
+                <a:solidFill>
+                  <a:schemeClr val="tx1"/>
+                </a:solidFill>
+                <a:latin typeface="+mn-lt"/>
+                <a:ea typeface="+mn-ea"/>
+                <a:cs typeface="+mn-cs"/>
+              </a:defRPr>
+            </a:lvl1pPr>
+            <a:lvl2pPr marL="685800" indent="-228600" algn="l" defTabSz="914400" rtl="0" eaLnBrk="1" latinLnBrk="0" hangingPunct="1">
+              <a:lnSpc>
+                <a:spcPct val="90000"/>
+              </a:lnSpc>
+              <a:spcBef>
+                <a:spcPts val="500"/>
+              </a:spcBef>
+              <a:buFont typeface="Arial" panose="020B0604020202020204" pitchFamily="34" charset="0"/>
+              <a:buChar char="•"/>
+              <a:defRPr sz="2400" kern="1200">
+                <a:solidFill>
+                  <a:schemeClr val="tx1"/>
+                </a:solidFill>
+                <a:latin typeface="+mn-lt"/>
+                <a:ea typeface="+mn-ea"/>
+                <a:cs typeface="+mn-cs"/>
+              </a:defRPr>
+            </a:lvl2pPr>
+            <a:lvl3pPr marL="1143000" indent="-228600" algn="l" defTabSz="914400" rtl="0" eaLnBrk="1" latinLnBrk="0" hangingPunct="1">
+              <a:lnSpc>
+                <a:spcPct val="90000"/>
+              </a:lnSpc>
+              <a:spcBef>
+                <a:spcPts val="500"/>
+              </a:spcBef>
+              <a:buFont typeface="Arial" panose="020B0604020202020204" pitchFamily="34" charset="0"/>
+              <a:buChar char="•"/>
+              <a:defRPr sz="2000" kern="1200">
+                <a:solidFill>
+                  <a:schemeClr val="tx1"/>
+                </a:solidFill>
+                <a:latin typeface="+mn-lt"/>
+                <a:ea typeface="+mn-ea"/>
+                <a:cs typeface="+mn-cs"/>
+              </a:defRPr>
+            </a:lvl3pPr>
+            <a:lvl4pPr marL="1600200" indent="-228600" algn="l" defTabSz="914400" rtl="0" eaLnBrk="1" latinLnBrk="0" hangingPunct="1">
+              <a:lnSpc>
+                <a:spcPct val="90000"/>
+              </a:lnSpc>
+              <a:spcBef>
+                <a:spcPts val="500"/>
+              </a:spcBef>
+              <a:buFont typeface="Arial" panose="020B0604020202020204" pitchFamily="34" charset="0"/>
+              <a:buChar char="•"/>
+              <a:defRPr sz="1800" kern="1200">
+                <a:solidFill>
+                  <a:schemeClr val="tx1"/>
+                </a:solidFill>
+                <a:latin typeface="+mn-lt"/>
+                <a:ea typeface="+mn-ea"/>
+                <a:cs typeface="+mn-cs"/>
+              </a:defRPr>
+            </a:lvl4pPr>
+            <a:lvl5pPr marL="2057400" indent="-228600" algn="l" defTabSz="914400" rtl="0" eaLnBrk="1" latinLnBrk="0" hangingPunct="1">
+              <a:lnSpc>
+                <a:spcPct val="90000"/>
+              </a:lnSpc>
+              <a:spcBef>
+                <a:spcPts val="500"/>
+              </a:spcBef>
+              <a:buFont typeface="Arial" panose="020B0604020202020204" pitchFamily="34" charset="0"/>
+              <a:buChar char="•"/>
+              <a:defRPr sz="1800" kern="1200">
+                <a:solidFill>
+                  <a:schemeClr val="tx1"/>
+                </a:solidFill>
+                <a:latin typeface="+mn-lt"/>
+                <a:ea typeface="+mn-ea"/>
+                <a:cs typeface="+mn-cs"/>
+              </a:defRPr>
+            </a:lvl5pPr>
+            <a:lvl6pPr marL="2514600" indent="-228600" algn="l" defTabSz="914400" rtl="0" eaLnBrk="1" latinLnBrk="0" hangingPunct="1">
+              <a:lnSpc>
+                <a:spcPct val="90000"/>
+              </a:lnSpc>
+              <a:spcBef>
+                <a:spcPts val="500"/>
+              </a:spcBef>
+              <a:buFont typeface="Arial" panose="020B0604020202020204" pitchFamily="34" charset="0"/>
+              <a:buChar char="•"/>
+              <a:defRPr sz="1800" kern="1200">
+                <a:solidFill>
+                  <a:schemeClr val="tx1"/>
+                </a:solidFill>
+                <a:latin typeface="+mn-lt"/>
+                <a:ea typeface="+mn-ea"/>
+                <a:cs typeface="+mn-cs"/>
+              </a:defRPr>
+            </a:lvl6pPr>
+            <a:lvl7pPr marL="2971800" indent="-228600" algn="l" defTabSz="914400" rtl="0" eaLnBrk="1" latinLnBrk="0" hangingPunct="1">
+              <a:lnSpc>
+                <a:spcPct val="90000"/>
+              </a:lnSpc>
+              <a:spcBef>
+                <a:spcPts val="500"/>
+              </a:spcBef>
+              <a:buFont typeface="Arial" panose="020B0604020202020204" pitchFamily="34" charset="0"/>
+              <a:buChar char="•"/>
+              <a:defRPr sz="1800" kern="1200">
+                <a:solidFill>
+                  <a:schemeClr val="tx1"/>
+                </a:solidFill>
+                <a:latin typeface="+mn-lt"/>
+                <a:ea typeface="+mn-ea"/>
+                <a:cs typeface="+mn-cs"/>
+              </a:defRPr>
+            </a:lvl7pPr>
+            <a:lvl8pPr marL="3429000" indent="-228600" algn="l" defTabSz="914400" rtl="0" eaLnBrk="1" latinLnBrk="0" hangingPunct="1">
+              <a:lnSpc>
+                <a:spcPct val="90000"/>
+              </a:lnSpc>
+              <a:spcBef>
+                <a:spcPts val="500"/>
+              </a:spcBef>
+              <a:buFont typeface="Arial" panose="020B0604020202020204" pitchFamily="34" charset="0"/>
+              <a:buChar char="•"/>
+              <a:defRPr sz="1800" kern="1200">
+                <a:solidFill>
+                  <a:schemeClr val="tx1"/>
+                </a:solidFill>
+                <a:latin typeface="+mn-lt"/>
+                <a:ea typeface="+mn-ea"/>
+                <a:cs typeface="+mn-cs"/>
+              </a:defRPr>
+            </a:lvl8pPr>
+            <a:lvl9pPr marL="3886200" indent="-228600" algn="l" defTabSz="914400" rtl="0" eaLnBrk="1" latinLnBrk="0" hangingPunct="1">
+              <a:lnSpc>
+                <a:spcPct val="90000"/>
+              </a:lnSpc>
+              <a:spcBef>
+                <a:spcPts val="500"/>
+              </a:spcBef>
+              <a:buFont typeface="Arial" panose="020B0604020202020204" pitchFamily="34" charset="0"/>
+              <a:buChar char="•"/>
+              <a:defRPr sz="1800" kern="1200">
+                <a:solidFill>
+                  <a:schemeClr val="tx1"/>
+                </a:solidFill>
+                <a:latin typeface="+mn-lt"/>
+                <a:ea typeface="+mn-ea"/>
+                <a:cs typeface="+mn-cs"/>
+              </a:defRPr>
+            </a:lvl9pPr>
+          </a:lstStyle>
+          <a:p>
+            <a:r>
+              <a:rPr lang="fr-FR" dirty="0" smtClean="0"/>
+              <a:t>A </a:t>
+            </a:r>
+            <a:r>
+              <a:rPr lang="fr-FR" dirty="0"/>
+              <a:t>partir de la couche </a:t>
+            </a:r>
+            <a:r>
+              <a:rPr lang="fr-FR" dirty="0" err="1"/>
+              <a:t>villes_ouest</a:t>
+            </a:r>
+            <a:r>
+              <a:rPr lang="fr-FR" dirty="0"/>
+              <a:t> :</a:t>
+            </a:r>
+          </a:p>
+          <a:p>
+            <a:pPr lvl="1"/>
+            <a:r>
+              <a:rPr lang="fr-FR" dirty="0"/>
+              <a:t>Créer une surface englobant les villes</a:t>
+            </a:r>
+          </a:p>
+          <a:p>
+            <a:pPr lvl="1"/>
+            <a:r>
+              <a:rPr lang="fr-FR" dirty="0"/>
+              <a:t>Calculer un point </a:t>
+            </a:r>
+            <a:r>
+              <a:rPr lang="fr-FR" dirty="0" smtClean="0"/>
+              <a:t>central</a:t>
+            </a:r>
+          </a:p>
+          <a:p>
+            <a:pPr lvl="1"/>
             <a:endParaRPr lang="fr-FR" dirty="0"/>
           </a:p>
           <a:p>
             <a:r>
-              <a:rPr lang="fr-FR" dirty="0" smtClean="0"/>
-              <a:t>Faire une recherche pour n’afficher que les localités située à plus de 235m d’altitude</a:t>
-            </a:r>
+              <a:rPr lang="fr-FR" dirty="0"/>
+              <a:t>Créer une zone tampon de 800m de rayon autour de SAEB1</a:t>
+            </a:r>
+          </a:p>
+          <a:p>
+            <a:endParaRPr lang="fr-FR" dirty="0"/>
+          </a:p>
+          <a:p>
+            <a:r>
+              <a:rPr lang="fr-FR" dirty="0"/>
+              <a:t>Créer deux cercles (range ring) avec rayon de 500m autour de SAEB2</a:t>
+            </a:r>
+          </a:p>
+          <a:p>
             <a:endParaRPr lang="fr-FR" dirty="0"/>
           </a:p>
         </p:txBody>
@@ -10547,7 +10507,7 @@
     </p:spTree>
     <p:extLst>
       <p:ext uri="{BB962C8B-B14F-4D97-AF65-F5344CB8AC3E}">
-        <p14:creationId xmlns:p14="http://schemas.microsoft.com/office/powerpoint/2010/main" val="2373127748"/>
+        <p14:creationId xmlns:p14="http://schemas.microsoft.com/office/powerpoint/2010/main" val="3922659249"/>
       </p:ext>
     </p:extLst>
   </p:cSld>
@@ -10589,7 +10549,11 @@
           <a:bodyPr/>
           <a:lstStyle/>
           <a:p>
-            <a:endParaRPr lang="fr-FR"/>
+            <a:r>
+              <a:rPr lang="fr-FR" dirty="0" smtClean="0"/>
+              <a:t>Exercice 6</a:t>
+            </a:r>
+            <a:endParaRPr lang="fr-FR" dirty="0"/>
           </a:p>
         </p:txBody>
       </p:sp>
@@ -10605,30 +10569,37 @@
         </p:nvSpPr>
         <p:spPr/>
         <p:txBody>
-          <a:bodyPr/>
+          <a:bodyPr>
+            <a:normAutofit/>
+          </a:bodyPr>
           <a:lstStyle/>
           <a:p>
             <a:r>
               <a:rPr lang="fr-FR" dirty="0" smtClean="0"/>
-              <a:t>Création d’ile, fusion de zones</a:t>
-            </a:r>
-          </a:p>
-          <a:p>
-            <a:r>
-              <a:rPr lang="fr-FR" dirty="0" smtClean="0"/>
-              <a:t>Utilisation des formules</a:t>
-            </a:r>
-          </a:p>
-          <a:p>
-            <a:r>
-              <a:rPr lang="fr-FR" dirty="0" smtClean="0"/>
-              <a:t>Outil recherche</a:t>
-            </a:r>
-          </a:p>
-          <a:p>
-            <a:r>
-              <a:rPr lang="fr-FR" dirty="0" smtClean="0"/>
-              <a:t>Carte de pentes</a:t>
+              <a:t>Créer un catalogue de données DTED et l’importer</a:t>
+            </a:r>
+          </a:p>
+          <a:p>
+            <a:endParaRPr lang="fr-FR" dirty="0" smtClean="0"/>
+          </a:p>
+          <a:p>
+            <a:r>
+              <a:rPr lang="fr-FR" dirty="0" smtClean="0"/>
+              <a:t>Ajouter les données élévations à la couche </a:t>
+            </a:r>
+            <a:r>
+              <a:rPr lang="fr-FR" b="1" dirty="0" err="1" smtClean="0"/>
+              <a:t>villes_ouest.shp</a:t>
+            </a:r>
+            <a:endParaRPr lang="fr-FR" b="1" dirty="0" smtClean="0"/>
+          </a:p>
+          <a:p>
+            <a:endParaRPr lang="fr-FR" dirty="0"/>
+          </a:p>
+          <a:p>
+            <a:r>
+              <a:rPr lang="fr-FR" dirty="0" smtClean="0"/>
+              <a:t>Faire une recherche pour n’afficher que les localités située à plus de 235m d’altitude</a:t>
             </a:r>
             <a:endParaRPr lang="fr-FR" dirty="0"/>
           </a:p>
@@ -10637,7 +10608,7 @@
     </p:spTree>
     <p:extLst>
       <p:ext uri="{BB962C8B-B14F-4D97-AF65-F5344CB8AC3E}">
-        <p14:creationId xmlns:p14="http://schemas.microsoft.com/office/powerpoint/2010/main" val="3983922173"/>
+        <p14:creationId xmlns:p14="http://schemas.microsoft.com/office/powerpoint/2010/main" val="2373127748"/>
       </p:ext>
     </p:extLst>
   </p:cSld>
@@ -10679,11 +10650,7 @@
           <a:bodyPr/>
           <a:lstStyle/>
           <a:p>
-            <a:r>
-              <a:rPr lang="fr-FR" dirty="0" smtClean="0"/>
-              <a:t>Carte de pente</a:t>
-            </a:r>
-            <a:endParaRPr lang="fr-FR" dirty="0"/>
+            <a:endParaRPr lang="fr-FR"/>
           </a:p>
         </p:txBody>
       </p:sp>
@@ -10699,54 +10666,31 @@
         </p:nvSpPr>
         <p:spPr/>
         <p:txBody>
-          <a:bodyPr>
-            <a:normAutofit lnSpcReduction="10000"/>
-          </a:bodyPr>
+          <a:bodyPr/>
           <a:lstStyle/>
           <a:p>
             <a:r>
-              <a:rPr lang="fr-FR" dirty="0"/>
-              <a:t>Ouvrir exo4_Printzheim.gmw </a:t>
-            </a:r>
-            <a:endParaRPr lang="fr-FR" dirty="0" smtClean="0"/>
-          </a:p>
-          <a:p>
-            <a:endParaRPr lang="fr-FR" dirty="0" smtClean="0"/>
-          </a:p>
-          <a:p>
-            <a:r>
-              <a:rPr lang="fr-FR" dirty="0" smtClean="0"/>
-              <a:t>Créer une carte de pente :</a:t>
-            </a:r>
-          </a:p>
-          <a:p>
-            <a:endParaRPr lang="fr-FR" dirty="0" smtClean="0"/>
-          </a:p>
-          <a:p>
-            <a:r>
-              <a:rPr lang="fr-FR" dirty="0" smtClean="0"/>
-              <a:t>Changer la couleur</a:t>
-            </a:r>
-          </a:p>
-          <a:p>
-            <a:r>
-              <a:rPr lang="fr-FR" dirty="0" smtClean="0"/>
-              <a:t>Définir les min max</a:t>
-            </a:r>
-          </a:p>
-          <a:p>
-            <a:r>
-              <a:rPr lang="fr-FR" dirty="0" smtClean="0"/>
-              <a:t>Mettre la couche relief par-dessus</a:t>
-            </a:r>
-          </a:p>
-          <a:p>
-            <a:r>
-              <a:rPr lang="fr-FR" dirty="0" smtClean="0"/>
-              <a:t>Rendre le blanc invisible, et toute la couche légèrement transparente</a:t>
-            </a:r>
-          </a:p>
-          <a:p>
+              <a:rPr lang="fr-FR" dirty="0" smtClean="0"/>
+              <a:t>Création d’ile, fusion de zones</a:t>
+            </a:r>
+          </a:p>
+          <a:p>
+            <a:r>
+              <a:rPr lang="fr-FR" dirty="0" smtClean="0"/>
+              <a:t>Utilisation des formules</a:t>
+            </a:r>
+          </a:p>
+          <a:p>
+            <a:r>
+              <a:rPr lang="fr-FR" dirty="0" smtClean="0"/>
+              <a:t>Outil recherche</a:t>
+            </a:r>
+          </a:p>
+          <a:p>
+            <a:r>
+              <a:rPr lang="fr-FR" dirty="0" smtClean="0"/>
+              <a:t>Carte de pentes</a:t>
+            </a:r>
             <a:endParaRPr lang="fr-FR" dirty="0"/>
           </a:p>
         </p:txBody>
@@ -10754,7 +10698,7 @@
     </p:spTree>
     <p:extLst>
       <p:ext uri="{BB962C8B-B14F-4D97-AF65-F5344CB8AC3E}">
-        <p14:creationId xmlns:p14="http://schemas.microsoft.com/office/powerpoint/2010/main" val="1443820873"/>
+        <p14:creationId xmlns:p14="http://schemas.microsoft.com/office/powerpoint/2010/main" val="3983922173"/>
       </p:ext>
     </p:extLst>
   </p:cSld>
@@ -10955,7 +10899,7 @@
           <a:p>
             <a:r>
               <a:rPr lang="fr-FR" dirty="0" smtClean="0"/>
-              <a:t>Carte de densité</a:t>
+              <a:t>Carte de pente</a:t>
             </a:r>
             <a:endParaRPr lang="fr-FR" dirty="0"/>
           </a:p>
@@ -10973,45 +10917,54 @@
         </p:nvSpPr>
         <p:spPr/>
         <p:txBody>
-          <a:bodyPr/>
+          <a:bodyPr>
+            <a:normAutofit lnSpcReduction="10000"/>
+          </a:bodyPr>
           <a:lstStyle/>
           <a:p>
             <a:r>
               <a:rPr lang="fr-FR" dirty="0"/>
-              <a:t>Importer </a:t>
-            </a:r>
-            <a:r>
-              <a:rPr lang="fr-FR" b="1" dirty="0" err="1"/>
-              <a:t>Densite.shp</a:t>
-            </a:r>
-            <a:r>
-              <a:rPr lang="fr-FR" dirty="0"/>
-              <a:t> et générer </a:t>
-            </a:r>
-            <a:r>
-              <a:rPr lang="fr-FR" dirty="0" smtClean="0"/>
-              <a:t>une </a:t>
-            </a:r>
-            <a:r>
-              <a:rPr lang="fr-FR" dirty="0"/>
-              <a:t>carte de densité</a:t>
-            </a:r>
-            <a:r>
-              <a:rPr lang="fr-FR" dirty="0" smtClean="0"/>
-              <a:t>.</a:t>
-            </a:r>
-          </a:p>
-          <a:p>
-            <a:endParaRPr lang="fr-FR" dirty="0"/>
-          </a:p>
-          <a:p>
+              <a:t>Ouvrir exo4_Printzheim.gmw </a:t>
+            </a:r>
             <a:endParaRPr lang="fr-FR" dirty="0" smtClean="0"/>
           </a:p>
           <a:p>
-            <a:r>
-              <a:rPr lang="fr-FR" dirty="0" smtClean="0"/>
-              <a:t>Créer une grille qui compte les points contenus</a:t>
-            </a:r>
+            <a:endParaRPr lang="fr-FR" dirty="0" smtClean="0"/>
+          </a:p>
+          <a:p>
+            <a:r>
+              <a:rPr lang="fr-FR" dirty="0" smtClean="0"/>
+              <a:t>Créer une carte de pente :</a:t>
+            </a:r>
+          </a:p>
+          <a:p>
+            <a:endParaRPr lang="fr-FR" dirty="0" smtClean="0"/>
+          </a:p>
+          <a:p>
+            <a:r>
+              <a:rPr lang="fr-FR" dirty="0" smtClean="0"/>
+              <a:t>Changer la couleur</a:t>
+            </a:r>
+          </a:p>
+          <a:p>
+            <a:r>
+              <a:rPr lang="fr-FR" dirty="0" smtClean="0"/>
+              <a:t>Définir les min max</a:t>
+            </a:r>
+          </a:p>
+          <a:p>
+            <a:r>
+              <a:rPr lang="fr-FR" dirty="0" smtClean="0"/>
+              <a:t>Mettre la couche relief par-dessus</a:t>
+            </a:r>
+          </a:p>
+          <a:p>
+            <a:r>
+              <a:rPr lang="fr-FR" dirty="0" smtClean="0"/>
+              <a:t>Rendre le blanc invisible, et toute la couche légèrement transparente</a:t>
+            </a:r>
+          </a:p>
+          <a:p>
             <a:endParaRPr lang="fr-FR" dirty="0"/>
           </a:p>
         </p:txBody>
@@ -11019,7 +10972,7 @@
     </p:spTree>
     <p:extLst>
       <p:ext uri="{BB962C8B-B14F-4D97-AF65-F5344CB8AC3E}">
-        <p14:creationId xmlns:p14="http://schemas.microsoft.com/office/powerpoint/2010/main" val="3236756266"/>
+        <p14:creationId xmlns:p14="http://schemas.microsoft.com/office/powerpoint/2010/main" val="1443820873"/>
       </p:ext>
     </p:extLst>
   </p:cSld>
@@ -11063,7 +11016,7 @@
           <a:p>
             <a:r>
               <a:rPr lang="fr-FR" dirty="0" smtClean="0"/>
-              <a:t>Géo référencement et export</a:t>
+              <a:t>Carte de densité</a:t>
             </a:r>
             <a:endParaRPr lang="fr-FR" dirty="0"/>
           </a:p>
@@ -11081,61 +11034,36 @@
         </p:nvSpPr>
         <p:spPr/>
         <p:txBody>
-          <a:bodyPr>
-            <a:normAutofit/>
-          </a:bodyPr>
+          <a:bodyPr/>
           <a:lstStyle/>
           <a:p>
             <a:r>
-              <a:rPr lang="fr-FR" dirty="0" smtClean="0"/>
+              <a:rPr lang="fr-FR" dirty="0"/>
               <a:t>Importer </a:t>
             </a:r>
             <a:r>
-              <a:rPr lang="fr-FR" b="1" dirty="0" smtClean="0"/>
-              <a:t>alsace-</a:t>
-            </a:r>
-            <a:r>
-              <a:rPr lang="fr-FR" b="1" dirty="0" err="1" smtClean="0"/>
-              <a:t>moselle.tif</a:t>
-            </a:r>
-            <a:r>
-              <a:rPr lang="fr-FR" dirty="0" smtClean="0"/>
-              <a:t>. </a:t>
-            </a:r>
-          </a:p>
-          <a:p>
-            <a:pPr lvl="1"/>
-            <a:r>
-              <a:rPr lang="fr-FR" dirty="0" smtClean="0"/>
-              <a:t>Importer </a:t>
-            </a:r>
-            <a:r>
-              <a:rPr lang="fr-FR" b="1" dirty="0" smtClean="0"/>
-              <a:t>lauterbourg.png</a:t>
-            </a:r>
-            <a:r>
-              <a:rPr lang="fr-FR" dirty="0" smtClean="0"/>
-              <a:t> et la géo-référencer.</a:t>
-            </a:r>
-          </a:p>
-          <a:p>
-            <a:pPr lvl="1"/>
-            <a:r>
-              <a:rPr lang="fr-FR" dirty="0" smtClean="0"/>
-              <a:t>Utiliser l’outil </a:t>
-            </a:r>
-            <a:r>
-              <a:rPr lang="fr-FR" b="1" dirty="0" smtClean="0"/>
-              <a:t>Image </a:t>
-            </a:r>
-            <a:r>
-              <a:rPr lang="fr-FR" b="1" dirty="0" err="1" smtClean="0"/>
-              <a:t>swipe</a:t>
-            </a:r>
-            <a:r>
-              <a:rPr lang="fr-FR" dirty="0" smtClean="0"/>
-              <a:t> pour vérifier la cohérence.</a:t>
-            </a:r>
+              <a:rPr lang="fr-FR" b="1" dirty="0" err="1"/>
+              <a:t>Densite.shp</a:t>
+            </a:r>
+            <a:r>
+              <a:rPr lang="fr-FR" dirty="0"/>
+              <a:t> et générer </a:t>
+            </a:r>
+            <a:r>
+              <a:rPr lang="fr-FR" dirty="0" smtClean="0"/>
+              <a:t>une </a:t>
+            </a:r>
+            <a:r>
+              <a:rPr lang="fr-FR" dirty="0"/>
+              <a:t>carte de densité</a:t>
+            </a:r>
+            <a:r>
+              <a:rPr lang="fr-FR" dirty="0" smtClean="0"/>
+              <a:t>.</a:t>
+            </a:r>
+          </a:p>
+          <a:p>
+            <a:endParaRPr lang="fr-FR" dirty="0"/>
           </a:p>
           <a:p>
             <a:endParaRPr lang="fr-FR" dirty="0" smtClean="0"/>
@@ -11143,33 +11071,16 @@
           <a:p>
             <a:r>
               <a:rPr lang="fr-FR" dirty="0" smtClean="0"/>
-              <a:t>Exporter la couche </a:t>
-            </a:r>
-            <a:r>
-              <a:rPr lang="fr-FR" b="1" dirty="0" smtClean="0"/>
-              <a:t>alsace-</a:t>
-            </a:r>
-            <a:r>
-              <a:rPr lang="fr-FR" b="1" dirty="0" err="1" smtClean="0"/>
-              <a:t>moselle.tif</a:t>
-            </a:r>
-            <a:r>
-              <a:rPr lang="fr-FR" dirty="0" smtClean="0"/>
-              <a:t> et ne garder que la zone entourant Lauterbourg.</a:t>
-            </a:r>
-          </a:p>
-          <a:p>
-            <a:pPr marL="0" indent="0">
-              <a:buNone/>
-            </a:pPr>
-            <a:endParaRPr lang="fr-FR" dirty="0" smtClean="0"/>
+              <a:t>Créer une grille qui compte les points contenus</a:t>
+            </a:r>
+            <a:endParaRPr lang="fr-FR" dirty="0"/>
           </a:p>
         </p:txBody>
       </p:sp>
     </p:spTree>
     <p:extLst>
       <p:ext uri="{BB962C8B-B14F-4D97-AF65-F5344CB8AC3E}">
-        <p14:creationId xmlns:p14="http://schemas.microsoft.com/office/powerpoint/2010/main" val="735760639"/>
+        <p14:creationId xmlns:p14="http://schemas.microsoft.com/office/powerpoint/2010/main" val="3236756266"/>
       </p:ext>
     </p:extLst>
   </p:cSld>
@@ -11213,6 +11124,156 @@
           <a:p>
             <a:r>
               <a:rPr lang="fr-FR" dirty="0" smtClean="0"/>
+              <a:t>Géo référencement et export</a:t>
+            </a:r>
+            <a:endParaRPr lang="fr-FR" dirty="0"/>
+          </a:p>
+        </p:txBody>
+      </p:sp>
+      <p:sp>
+        <p:nvSpPr>
+          <p:cNvPr id="3" name="Espace réservé du contenu 2"/>
+          <p:cNvSpPr>
+            <a:spLocks noGrp="1"/>
+          </p:cNvSpPr>
+          <p:nvPr>
+            <p:ph idx="1"/>
+          </p:nvPr>
+        </p:nvSpPr>
+        <p:spPr/>
+        <p:txBody>
+          <a:bodyPr>
+            <a:normAutofit/>
+          </a:bodyPr>
+          <a:lstStyle/>
+          <a:p>
+            <a:r>
+              <a:rPr lang="fr-FR" dirty="0" smtClean="0"/>
+              <a:t>Importer </a:t>
+            </a:r>
+            <a:r>
+              <a:rPr lang="fr-FR" b="1" dirty="0" smtClean="0"/>
+              <a:t>alsace-</a:t>
+            </a:r>
+            <a:r>
+              <a:rPr lang="fr-FR" b="1" dirty="0" err="1" smtClean="0"/>
+              <a:t>moselle.tif</a:t>
+            </a:r>
+            <a:r>
+              <a:rPr lang="fr-FR" dirty="0" smtClean="0"/>
+              <a:t>. </a:t>
+            </a:r>
+          </a:p>
+          <a:p>
+            <a:pPr lvl="1"/>
+            <a:r>
+              <a:rPr lang="fr-FR" dirty="0" smtClean="0"/>
+              <a:t>Importer </a:t>
+            </a:r>
+            <a:r>
+              <a:rPr lang="fr-FR" b="1" dirty="0" smtClean="0"/>
+              <a:t>lauterbourg.png</a:t>
+            </a:r>
+            <a:r>
+              <a:rPr lang="fr-FR" dirty="0" smtClean="0"/>
+              <a:t> et la géo-référencer.</a:t>
+            </a:r>
+          </a:p>
+          <a:p>
+            <a:pPr lvl="1"/>
+            <a:r>
+              <a:rPr lang="fr-FR" dirty="0" smtClean="0"/>
+              <a:t>Utiliser l’outil </a:t>
+            </a:r>
+            <a:r>
+              <a:rPr lang="fr-FR" b="1" dirty="0" smtClean="0"/>
+              <a:t>Image </a:t>
+            </a:r>
+            <a:r>
+              <a:rPr lang="fr-FR" b="1" dirty="0" err="1" smtClean="0"/>
+              <a:t>swipe</a:t>
+            </a:r>
+            <a:r>
+              <a:rPr lang="fr-FR" dirty="0" smtClean="0"/>
+              <a:t> pour vérifier la cohérence.</a:t>
+            </a:r>
+          </a:p>
+          <a:p>
+            <a:endParaRPr lang="fr-FR" dirty="0" smtClean="0"/>
+          </a:p>
+          <a:p>
+            <a:r>
+              <a:rPr lang="fr-FR" dirty="0" smtClean="0"/>
+              <a:t>Exporter la couche </a:t>
+            </a:r>
+            <a:r>
+              <a:rPr lang="fr-FR" b="1" dirty="0" smtClean="0"/>
+              <a:t>alsace-</a:t>
+            </a:r>
+            <a:r>
+              <a:rPr lang="fr-FR" b="1" dirty="0" err="1" smtClean="0"/>
+              <a:t>moselle.tif</a:t>
+            </a:r>
+            <a:r>
+              <a:rPr lang="fr-FR" dirty="0" smtClean="0"/>
+              <a:t> et ne garder que la zone entourant Lauterbourg.</a:t>
+            </a:r>
+          </a:p>
+          <a:p>
+            <a:pPr marL="0" indent="0">
+              <a:buNone/>
+            </a:pPr>
+            <a:endParaRPr lang="fr-FR" dirty="0" smtClean="0"/>
+          </a:p>
+        </p:txBody>
+      </p:sp>
+    </p:spTree>
+    <p:extLst>
+      <p:ext uri="{BB962C8B-B14F-4D97-AF65-F5344CB8AC3E}">
+        <p14:creationId xmlns:p14="http://schemas.microsoft.com/office/powerpoint/2010/main" val="735760639"/>
+      </p:ext>
+    </p:extLst>
+  </p:cSld>
+  <p:clrMapOvr>
+    <a:masterClrMapping/>
+  </p:clrMapOvr>
+</p:sld>
+</file>
+
+<file path=ppt/slides/slide23.xml><?xml version="1.0" encoding="utf-8"?>
+<p:sld xmlns:a="http://schemas.openxmlformats.org/drawingml/2006/main" xmlns:r="http://schemas.openxmlformats.org/officeDocument/2006/relationships" xmlns:p="http://schemas.openxmlformats.org/presentationml/2006/main">
+  <p:cSld>
+    <p:spTree>
+      <p:nvGrpSpPr>
+        <p:cNvPr id="1" name=""/>
+        <p:cNvGrpSpPr/>
+        <p:nvPr/>
+      </p:nvGrpSpPr>
+      <p:grpSpPr>
+        <a:xfrm>
+          <a:off x="0" y="0"/>
+          <a:ext cx="0" cy="0"/>
+          <a:chOff x="0" y="0"/>
+          <a:chExt cx="0" cy="0"/>
+        </a:xfrm>
+      </p:grpSpPr>
+      <p:sp>
+        <p:nvSpPr>
+          <p:cNvPr id="2" name="Titre 1"/>
+          <p:cNvSpPr>
+            <a:spLocks noGrp="1"/>
+          </p:cNvSpPr>
+          <p:nvPr>
+            <p:ph type="title"/>
+          </p:nvPr>
+        </p:nvSpPr>
+        <p:spPr/>
+        <p:txBody>
+          <a:bodyPr/>
+          <a:lstStyle/>
+          <a:p>
+            <a:r>
+              <a:rPr lang="fr-FR" dirty="0" smtClean="0"/>
               <a:t>Manip surface</a:t>
             </a:r>
             <a:endParaRPr lang="fr-FR" dirty="0"/>
@@ -11359,7 +11420,7 @@
 </p:sld>
 </file>
 
-<file path=ppt/slides/slide23.xml><?xml version="1.0" encoding="utf-8"?>
+<file path=ppt/slides/slide24.xml><?xml version="1.0" encoding="utf-8"?>
 <p:sld xmlns:a="http://schemas.openxmlformats.org/drawingml/2006/main" xmlns:r="http://schemas.openxmlformats.org/officeDocument/2006/relationships" xmlns:p="http://schemas.openxmlformats.org/presentationml/2006/main">
   <p:cSld>
     <p:spTree>
@@ -11892,15 +11953,7 @@
                   <a:srgbClr val="0070C0"/>
                 </a:solidFill>
               </a:rPr>
-              <a:t>PLAE </a:t>
-            </a:r>
-            <a:r>
-              <a:rPr lang="fr-FR" b="1" dirty="0" smtClean="0">
-                <a:solidFill>
-                  <a:srgbClr val="0070C0"/>
-                </a:solidFill>
-              </a:rPr>
-              <a:t>81</a:t>
+              <a:t>PLAE 81</a:t>
             </a:r>
             <a:r>
               <a:rPr lang="fr-FR" dirty="0"/>
@@ -11908,11 +11961,7 @@
             </a:r>
             <a:r>
               <a:rPr lang="fr-FR" dirty="0" smtClean="0"/>
-              <a:t>en 4</a:t>
-            </a:r>
-            <a:r>
-              <a:rPr lang="fr-FR" dirty="0" smtClean="0"/>
-              <a:t>8</a:t>
+              <a:t>en 48</a:t>
             </a:r>
             <a:r>
               <a:rPr lang="fr-FR" dirty="0"/>
@@ -11950,11 +11999,7 @@
             </a:r>
             <a:r>
               <a:rPr lang="fr-FR" dirty="0" smtClean="0"/>
-              <a:t>en 4</a:t>
-            </a:r>
-            <a:r>
-              <a:rPr lang="fr-FR" dirty="0" smtClean="0"/>
-              <a:t>8,905329</a:t>
+              <a:t>en 48,905329</a:t>
             </a:r>
             <a:r>
               <a:rPr lang="fr-FR" dirty="0"/>

--- a/cours/GM - Travaux pratiques.pptx
+++ b/cours/GM - Travaux pratiques.pptx
@@ -2,35 +2,39 @@
 <file path=ppt/presentation.xml><?xml version="1.0" encoding="utf-8"?>
 <p:presentation xmlns:a="http://schemas.openxmlformats.org/drawingml/2006/main" xmlns:r="http://schemas.openxmlformats.org/officeDocument/2006/relationships" xmlns:p="http://schemas.openxmlformats.org/presentationml/2006/main" saveSubsetFonts="1">
   <p:sldMasterIdLst>
-    <p:sldMasterId id="2147483651" r:id="rId1"/>
+    <p:sldMasterId id="2147483654" r:id="rId1"/>
+    <p:sldMasterId id="2147483666" r:id="rId2"/>
   </p:sldMasterIdLst>
   <p:notesMasterIdLst>
-    <p:notesMasterId r:id="rId23"/>
+    <p:notesMasterId r:id="rId27"/>
   </p:notesMasterIdLst>
   <p:sldIdLst>
-    <p:sldId id="256" r:id="rId2"/>
-    <p:sldId id="257" r:id="rId3"/>
-    <p:sldId id="288" r:id="rId4"/>
-    <p:sldId id="268" r:id="rId5"/>
-    <p:sldId id="269" r:id="rId6"/>
-    <p:sldId id="266" r:id="rId7"/>
-    <p:sldId id="267" r:id="rId8"/>
-    <p:sldId id="270" r:id="rId9"/>
-    <p:sldId id="276" r:id="rId10"/>
-    <p:sldId id="277" r:id="rId11"/>
-    <p:sldId id="274" r:id="rId12"/>
-    <p:sldId id="275" r:id="rId13"/>
-    <p:sldId id="283" r:id="rId14"/>
-    <p:sldId id="263" r:id="rId15"/>
-    <p:sldId id="262" r:id="rId16"/>
-    <p:sldId id="285" r:id="rId17"/>
-    <p:sldId id="260" r:id="rId18"/>
-    <p:sldId id="282" r:id="rId19"/>
-    <p:sldId id="287" r:id="rId20"/>
-    <p:sldId id="261" r:id="rId21"/>
-    <p:sldId id="289" r:id="rId22"/>
+    <p:sldId id="256" r:id="rId3"/>
+    <p:sldId id="257" r:id="rId4"/>
+    <p:sldId id="288" r:id="rId5"/>
+    <p:sldId id="268" r:id="rId6"/>
+    <p:sldId id="269" r:id="rId7"/>
+    <p:sldId id="266" r:id="rId8"/>
+    <p:sldId id="267" r:id="rId9"/>
+    <p:sldId id="270" r:id="rId10"/>
+    <p:sldId id="276" r:id="rId11"/>
+    <p:sldId id="277" r:id="rId12"/>
+    <p:sldId id="274" r:id="rId13"/>
+    <p:sldId id="275" r:id="rId14"/>
+    <p:sldId id="283" r:id="rId15"/>
+    <p:sldId id="263" r:id="rId16"/>
+    <p:sldId id="262" r:id="rId17"/>
+    <p:sldId id="285" r:id="rId18"/>
+    <p:sldId id="260" r:id="rId19"/>
+    <p:sldId id="282" r:id="rId20"/>
+    <p:sldId id="287" r:id="rId21"/>
+    <p:sldId id="261" r:id="rId22"/>
+    <p:sldId id="290" r:id="rId23"/>
+    <p:sldId id="292" r:id="rId24"/>
+    <p:sldId id="291" r:id="rId25"/>
+    <p:sldId id="293" r:id="rId26"/>
   </p:sldIdLst>
-  <p:sldSz cx="9144000" cy="6858000" type="screen4x3"/>
+  <p:sldSz cx="12192000" cy="6858000"/>
   <p:notesSz cx="6858000" cy="9144000"/>
   <p:defaultTextStyle>
     <a:defPPr>
@@ -217,7 +221,7 @@
           <a:p>
             <a:fld id="{05CF0F9A-6161-450D-AD24-FE13ECDFFC91}" type="datetimeFigureOut">
               <a:rPr lang="fr-FR" smtClean="0"/>
-              <a:t>11/06/2022</a:t>
+              <a:t>11/08/2022</a:t>
             </a:fld>
             <a:endParaRPr lang="fr-FR"/>
           </a:p>
@@ -235,8 +239,8 @@
         </p:nvSpPr>
         <p:spPr>
           <a:xfrm>
-            <a:off x="1371600" y="1143000"/>
-            <a:ext cx="4114800" cy="3086100"/>
+            <a:off x="685800" y="1143000"/>
+            <a:ext cx="5486400" cy="3086100"/>
           </a:xfrm>
           <a:prstGeom prst="rect">
             <a:avLst/>
@@ -514,8 +518,8 @@
         </p:nvSpPr>
         <p:spPr>
           <a:xfrm>
-            <a:off x="1371600" y="1143000"/>
-            <a:ext cx="4114800" cy="3086100"/>
+            <a:off x="685800" y="1143000"/>
+            <a:ext cx="5486400" cy="3086100"/>
           </a:xfrm>
         </p:spPr>
       </p:sp>
@@ -734,7 +738,12 @@
             <p:ph type="sldImg"/>
           </p:nvPr>
         </p:nvSpPr>
-        <p:spPr/>
+        <p:spPr>
+          <a:xfrm>
+            <a:off x="685800" y="1143000"/>
+            <a:ext cx="5486400" cy="3086100"/>
+          </a:xfrm>
+        </p:spPr>
       </p:sp>
       <p:sp>
         <p:nvSpPr>
@@ -1009,7 +1018,12 @@
             <p:ph type="sldImg"/>
           </p:nvPr>
         </p:nvSpPr>
-        <p:spPr/>
+        <p:spPr>
+          <a:xfrm>
+            <a:off x="685800" y="1143000"/>
+            <a:ext cx="5486400" cy="3086100"/>
+          </a:xfrm>
+        </p:spPr>
       </p:sp>
       <p:sp>
         <p:nvSpPr>
@@ -1552,7 +1566,12 @@
             <p:ph type="sldImg"/>
           </p:nvPr>
         </p:nvSpPr>
-        <p:spPr/>
+        <p:spPr>
+          <a:xfrm>
+            <a:off x="685800" y="1143000"/>
+            <a:ext cx="5486400" cy="3086100"/>
+          </a:xfrm>
+        </p:spPr>
       </p:sp>
       <p:sp>
         <p:nvSpPr>
@@ -1856,8 +1875,8 @@
         </p:nvSpPr>
         <p:spPr>
           <a:xfrm>
-            <a:off x="1371600" y="1143000"/>
-            <a:ext cx="4114800" cy="3086100"/>
+            <a:off x="685800" y="1143000"/>
+            <a:ext cx="5486400" cy="3086100"/>
           </a:xfrm>
         </p:spPr>
       </p:sp>
@@ -2187,8 +2206,8 @@
         </p:nvSpPr>
         <p:spPr>
           <a:xfrm>
-            <a:off x="1371600" y="1143000"/>
-            <a:ext cx="4114800" cy="3086100"/>
+            <a:off x="685800" y="1143000"/>
+            <a:ext cx="5486400" cy="3086100"/>
           </a:xfrm>
         </p:spPr>
       </p:sp>
@@ -2827,7 +2846,12 @@
             <p:ph type="sldImg"/>
           </p:nvPr>
         </p:nvSpPr>
-        <p:spPr/>
+        <p:spPr>
+          <a:xfrm>
+            <a:off x="685800" y="1143000"/>
+            <a:ext cx="5486400" cy="3086100"/>
+          </a:xfrm>
+        </p:spPr>
       </p:sp>
       <p:sp>
         <p:nvSpPr>
@@ -3206,8 +3230,8 @@
         </p:nvSpPr>
         <p:spPr>
           <a:xfrm>
-            <a:off x="1371600" y="1143000"/>
-            <a:ext cx="4114800" cy="3086100"/>
+            <a:off x="685800" y="1143000"/>
+            <a:ext cx="5486400" cy="3086100"/>
           </a:xfrm>
         </p:spPr>
       </p:sp>
@@ -3712,7 +3736,12 @@
             <p:ph type="sldImg"/>
           </p:nvPr>
         </p:nvSpPr>
-        <p:spPr/>
+        <p:spPr>
+          <a:xfrm>
+            <a:off x="685800" y="1143000"/>
+            <a:ext cx="5486400" cy="3086100"/>
+          </a:xfrm>
+        </p:spPr>
       </p:sp>
       <p:sp>
         <p:nvSpPr>
@@ -4322,7 +4351,12 @@
             <p:ph type="sldImg"/>
           </p:nvPr>
         </p:nvSpPr>
-        <p:spPr/>
+        <p:spPr>
+          <a:xfrm>
+            <a:off x="685800" y="1143000"/>
+            <a:ext cx="5486400" cy="3086100"/>
+          </a:xfrm>
+        </p:spPr>
       </p:sp>
       <p:sp>
         <p:nvSpPr>
@@ -4746,8 +4780,8 @@
         </p:nvSpPr>
         <p:spPr>
           <a:xfrm>
-            <a:off x="1371600" y="1143000"/>
-            <a:ext cx="4114800" cy="3086100"/>
+            <a:off x="685800" y="1143000"/>
+            <a:ext cx="5486400" cy="3086100"/>
           </a:xfrm>
         </p:spPr>
       </p:sp>
@@ -5263,8 +5297,8 @@
         </p:nvSpPr>
         <p:spPr>
           <a:xfrm>
-            <a:off x="1371600" y="1143000"/>
-            <a:ext cx="4114800" cy="3086100"/>
+            <a:off x="685800" y="1143000"/>
+            <a:ext cx="5486400" cy="3086100"/>
           </a:xfrm>
         </p:spPr>
       </p:sp>
@@ -5524,7 +5558,305 @@
           <a:bodyPr/>
           <a:lstStyle/>
           <a:p>
-            <a:endParaRPr lang="fr-FR" dirty="0"/>
+            <a:pPr marL="228600" indent="-228600">
+              <a:buAutoNum type="arabicParenR"/>
+            </a:pPr>
+            <a:r>
+              <a:rPr lang="fr-FR" dirty="0" smtClean="0"/>
+              <a:t>Import des relais</a:t>
+            </a:r>
+          </a:p>
+          <a:p>
+            <a:pPr marL="685800" lvl="1" indent="-228600">
+              <a:buAutoNum type="arabicParenR"/>
+            </a:pPr>
+            <a:r>
+              <a:rPr lang="fr-FR" dirty="0" smtClean="0"/>
+              <a:t>Point </a:t>
+            </a:r>
+            <a:r>
+              <a:rPr lang="fr-FR" dirty="0" err="1" smtClean="0"/>
+              <a:t>only</a:t>
+            </a:r>
+            <a:endParaRPr lang="fr-FR" dirty="0" smtClean="0"/>
+          </a:p>
+          <a:p>
+            <a:pPr marL="685800" lvl="1" indent="-228600">
+              <a:buAutoNum type="arabicParenR"/>
+            </a:pPr>
+            <a:r>
+              <a:rPr lang="fr-FR" dirty="0" smtClean="0"/>
+              <a:t>Format : MGRS</a:t>
+            </a:r>
+          </a:p>
+          <a:p>
+            <a:pPr marL="685800" lvl="1" indent="-228600">
+              <a:buAutoNum type="arabicParenR"/>
+            </a:pPr>
+            <a:r>
+              <a:rPr lang="fr-FR" dirty="0" smtClean="0"/>
+              <a:t>Entêtes de colonnes</a:t>
+            </a:r>
+          </a:p>
+          <a:p>
+            <a:pPr marL="685800" lvl="1" indent="-228600">
+              <a:buAutoNum type="arabicParenR"/>
+            </a:pPr>
+            <a:r>
+              <a:rPr lang="fr-FR" dirty="0" smtClean="0"/>
+              <a:t>Pas de données</a:t>
+            </a:r>
+            <a:r>
+              <a:rPr lang="fr-FR" baseline="0" dirty="0" smtClean="0"/>
+              <a:t> d’élévation</a:t>
+            </a:r>
+          </a:p>
+          <a:p>
+            <a:pPr marL="685800" lvl="1" indent="-228600">
+              <a:buAutoNum type="arabicParenR"/>
+            </a:pPr>
+            <a:r>
+              <a:rPr lang="fr-FR" baseline="0" dirty="0" smtClean="0"/>
+              <a:t>Projection : </a:t>
+            </a:r>
+            <a:r>
+              <a:rPr lang="fr-FR" baseline="0" dirty="0" err="1" smtClean="0"/>
+              <a:t>Geographic</a:t>
+            </a:r>
+            <a:r>
+              <a:rPr lang="fr-FR" baseline="0" dirty="0" smtClean="0"/>
+              <a:t>, </a:t>
+            </a:r>
+            <a:r>
+              <a:rPr lang="fr-FR" baseline="0" dirty="0" err="1" smtClean="0"/>
+              <a:t>Datum</a:t>
+            </a:r>
+            <a:r>
+              <a:rPr lang="fr-FR" baseline="0" dirty="0" smtClean="0"/>
+              <a:t> WGS84</a:t>
+            </a:r>
+          </a:p>
+          <a:p>
+            <a:pPr marL="228600" lvl="0" indent="-228600">
+              <a:buAutoNum type="arabicParenR"/>
+            </a:pPr>
+            <a:endParaRPr lang="fr-FR" baseline="0" dirty="0" smtClean="0"/>
+          </a:p>
+          <a:p>
+            <a:pPr marL="228600" lvl="0" indent="-228600">
+              <a:buAutoNum type="arabicParenR"/>
+            </a:pPr>
+            <a:r>
+              <a:rPr lang="fr-FR" baseline="0" dirty="0" smtClean="0"/>
+              <a:t>Effectuer une jointure</a:t>
+            </a:r>
+          </a:p>
+          <a:p>
+            <a:pPr marL="685800" lvl="1" indent="-228600">
+              <a:buAutoNum type="arabicParenR"/>
+            </a:pPr>
+            <a:r>
+              <a:rPr lang="fr-FR" baseline="0" dirty="0" smtClean="0"/>
+              <a:t>Sur la couche relais, clic droit -&gt; LAYER -&gt; JOIN</a:t>
+            </a:r>
+          </a:p>
+          <a:p>
+            <a:pPr marL="685800" lvl="1" indent="-228600">
+              <a:buAutoNum type="arabicParenR"/>
+            </a:pPr>
+            <a:r>
+              <a:rPr lang="fr-FR" dirty="0" smtClean="0"/>
+              <a:t>Sélectionner le fichier relais_data.csv</a:t>
+            </a:r>
+          </a:p>
+          <a:p>
+            <a:pPr marL="685800" lvl="1" indent="-228600">
+              <a:buAutoNum type="arabicParenR"/>
+            </a:pPr>
+            <a:r>
+              <a:rPr lang="fr-FR" dirty="0" err="1" smtClean="0"/>
+              <a:t>Join</a:t>
+            </a:r>
+            <a:r>
+              <a:rPr lang="fr-FR" dirty="0" smtClean="0"/>
+              <a:t> file </a:t>
+            </a:r>
+            <a:r>
+              <a:rPr lang="fr-FR" dirty="0" err="1" smtClean="0"/>
+              <a:t>delimiter</a:t>
+            </a:r>
+            <a:r>
+              <a:rPr lang="fr-FR" baseline="0" dirty="0" smtClean="0"/>
+              <a:t> : semi colon ( ; )</a:t>
+            </a:r>
+            <a:endParaRPr lang="fr-FR" dirty="0" smtClean="0"/>
+          </a:p>
+          <a:p>
+            <a:pPr marL="685800" lvl="1" indent="-228600">
+              <a:buAutoNum type="arabicParenR"/>
+            </a:pPr>
+            <a:r>
+              <a:rPr lang="fr-FR" dirty="0" smtClean="0"/>
+              <a:t>Pour</a:t>
+            </a:r>
+            <a:r>
+              <a:rPr lang="fr-FR" baseline="0" dirty="0" smtClean="0"/>
+              <a:t> « </a:t>
+            </a:r>
+            <a:r>
+              <a:rPr lang="fr-FR" baseline="0" dirty="0" err="1" smtClean="0"/>
+              <a:t>Join</a:t>
+            </a:r>
+            <a:r>
+              <a:rPr lang="fr-FR" baseline="0" dirty="0" smtClean="0"/>
+              <a:t> file </a:t>
+            </a:r>
+            <a:r>
+              <a:rPr lang="fr-FR" baseline="0" dirty="0" err="1" smtClean="0"/>
+              <a:t>attribute</a:t>
+            </a:r>
+            <a:r>
+              <a:rPr lang="fr-FR" baseline="0" dirty="0" smtClean="0"/>
+              <a:t> » et « layer </a:t>
+            </a:r>
+            <a:r>
+              <a:rPr lang="fr-FR" baseline="0" dirty="0" err="1" smtClean="0"/>
+              <a:t>attribute</a:t>
+            </a:r>
+            <a:r>
+              <a:rPr lang="fr-FR" baseline="0" dirty="0" smtClean="0"/>
+              <a:t> », sélectionner OBJECTIF</a:t>
+            </a:r>
+          </a:p>
+          <a:p>
+            <a:pPr marL="228600" lvl="0" indent="-228600">
+              <a:buAutoNum type="arabicParenR"/>
+            </a:pPr>
+            <a:endParaRPr lang="fr-FR" baseline="0" dirty="0" smtClean="0"/>
+          </a:p>
+          <a:p>
+            <a:pPr marL="228600" lvl="0" indent="-228600">
+              <a:buAutoNum type="arabicParenR"/>
+            </a:pPr>
+            <a:r>
+              <a:rPr lang="fr-FR" baseline="0" dirty="0" smtClean="0"/>
+              <a:t>Affecter le type relais</a:t>
+            </a:r>
+          </a:p>
+          <a:p>
+            <a:pPr marL="685800" lvl="1" indent="-228600">
+              <a:buAutoNum type="arabicParenR"/>
+            </a:pPr>
+            <a:r>
+              <a:rPr lang="fr-FR" baseline="0" dirty="0" smtClean="0"/>
+              <a:t>Sur la couche relais, clic droit -&gt; OPTIONS</a:t>
+            </a:r>
+          </a:p>
+          <a:p>
+            <a:pPr marL="685800" lvl="1" indent="-228600">
+              <a:buAutoNum type="arabicParenR"/>
+            </a:pPr>
+            <a:r>
+              <a:rPr lang="fr-FR" baseline="0" dirty="0" smtClean="0"/>
+              <a:t>Onglet « </a:t>
+            </a:r>
+            <a:r>
+              <a:rPr lang="fr-FR" baseline="0" dirty="0" err="1" smtClean="0"/>
+              <a:t>feature</a:t>
+            </a:r>
+            <a:r>
+              <a:rPr lang="fr-FR" baseline="0" dirty="0" smtClean="0"/>
+              <a:t> types », pour Point style, sélectionner le type « relais »</a:t>
+            </a:r>
+          </a:p>
+          <a:p>
+            <a:pPr marL="228600" lvl="0" indent="-228600">
+              <a:buAutoNum type="arabicParenR"/>
+            </a:pPr>
+            <a:endParaRPr lang="fr-FR" baseline="0" dirty="0" smtClean="0"/>
+          </a:p>
+          <a:p>
+            <a:pPr marL="228600" lvl="0" indent="-228600">
+              <a:buAutoNum type="arabicParenR"/>
+            </a:pPr>
+            <a:r>
+              <a:rPr lang="fr-FR" baseline="0" dirty="0" smtClean="0"/>
+              <a:t>Créer une zone tampon</a:t>
+            </a:r>
+          </a:p>
+          <a:p>
+            <a:pPr marL="685800" marR="0" lvl="1" indent="-228600" algn="l" defTabSz="914400" rtl="0" eaLnBrk="1" fontAlgn="auto" latinLnBrk="0" hangingPunct="1">
+              <a:lnSpc>
+                <a:spcPct val="100000"/>
+              </a:lnSpc>
+              <a:spcBef>
+                <a:spcPts val="0"/>
+              </a:spcBef>
+              <a:spcAft>
+                <a:spcPts val="0"/>
+              </a:spcAft>
+              <a:buClrTx/>
+              <a:buSzTx/>
+              <a:buFontTx/>
+              <a:buAutoNum type="arabicParenR"/>
+              <a:tabLst/>
+              <a:defRPr/>
+            </a:pPr>
+            <a:r>
+              <a:rPr lang="fr-FR" baseline="0" dirty="0" smtClean="0"/>
+              <a:t>Sur l</a:t>
+            </a:r>
+            <a:r>
+              <a:rPr lang="fr-FR" baseline="0" dirty="0" smtClean="0"/>
+              <a:t>a couche relais, clic droit -&gt; SELECT</a:t>
+            </a:r>
+          </a:p>
+          <a:p>
+            <a:pPr marL="685800" marR="0" lvl="1" indent="-228600" algn="l" defTabSz="914400" rtl="0" eaLnBrk="1" fontAlgn="auto" latinLnBrk="0" hangingPunct="1">
+              <a:lnSpc>
+                <a:spcPct val="100000"/>
+              </a:lnSpc>
+              <a:spcBef>
+                <a:spcPts val="0"/>
+              </a:spcBef>
+              <a:spcAft>
+                <a:spcPts val="0"/>
+              </a:spcAft>
+              <a:buClrTx/>
+              <a:buSzTx/>
+              <a:buFontTx/>
+              <a:buAutoNum type="arabicParenR"/>
+              <a:tabLst/>
+              <a:defRPr/>
+            </a:pPr>
+            <a:r>
+              <a:rPr lang="fr-FR" baseline="0" dirty="0" smtClean="0"/>
+              <a:t>Sur la carte, clic droit -&gt; </a:t>
+            </a:r>
+            <a:r>
+              <a:rPr lang="fr-FR" baseline="0" dirty="0" err="1" smtClean="0"/>
+              <a:t>Create</a:t>
+            </a:r>
+            <a:r>
+              <a:rPr lang="fr-FR" baseline="0" dirty="0" smtClean="0"/>
+              <a:t> Area/</a:t>
+            </a:r>
+            <a:r>
+              <a:rPr lang="fr-FR" baseline="0" dirty="0" err="1" smtClean="0"/>
+              <a:t>Polygon</a:t>
+            </a:r>
+            <a:r>
+              <a:rPr lang="fr-FR" baseline="0" dirty="0" smtClean="0"/>
+              <a:t> </a:t>
+            </a:r>
+            <a:r>
+              <a:rPr lang="fr-FR" baseline="0" dirty="0" err="1" smtClean="0"/>
+              <a:t>features</a:t>
+            </a:r>
+            <a:r>
+              <a:rPr lang="fr-FR" baseline="0" dirty="0" smtClean="0"/>
+              <a:t> -&gt; BUFFER</a:t>
+            </a:r>
           </a:p>
         </p:txBody>
       </p:sp>
@@ -5554,7 +5886,686 @@
     </p:spTree>
     <p:extLst>
       <p:ext uri="{BB962C8B-B14F-4D97-AF65-F5344CB8AC3E}">
-        <p14:creationId xmlns:p14="http://schemas.microsoft.com/office/powerpoint/2010/main" val="1218944654"/>
+        <p14:creationId xmlns:p14="http://schemas.microsoft.com/office/powerpoint/2010/main" val="353196501"/>
+      </p:ext>
+    </p:extLst>
+  </p:cSld>
+  <p:clrMapOvr>
+    <a:masterClrMapping/>
+  </p:clrMapOvr>
+</p:notes>
+</file>
+
+<file path=ppt/notesSlides/notesSlide21.xml><?xml version="1.0" encoding="utf-8"?>
+<p:notes xmlns:a="http://schemas.openxmlformats.org/drawingml/2006/main" xmlns:r="http://schemas.openxmlformats.org/officeDocument/2006/relationships" xmlns:p="http://schemas.openxmlformats.org/presentationml/2006/main">
+  <p:cSld>
+    <p:spTree>
+      <p:nvGrpSpPr>
+        <p:cNvPr id="1" name=""/>
+        <p:cNvGrpSpPr/>
+        <p:nvPr/>
+      </p:nvGrpSpPr>
+      <p:grpSpPr>
+        <a:xfrm>
+          <a:off x="0" y="0"/>
+          <a:ext cx="0" cy="0"/>
+          <a:chOff x="0" y="0"/>
+          <a:chExt cx="0" cy="0"/>
+        </a:xfrm>
+      </p:grpSpPr>
+      <p:sp>
+        <p:nvSpPr>
+          <p:cNvPr id="2" name="Espace réservé de l'image des diapositives 1"/>
+          <p:cNvSpPr>
+            <a:spLocks noGrp="1" noRot="1" noChangeAspect="1"/>
+          </p:cNvSpPr>
+          <p:nvPr>
+            <p:ph type="sldImg"/>
+          </p:nvPr>
+        </p:nvSpPr>
+        <p:spPr/>
+      </p:sp>
+      <p:sp>
+        <p:nvSpPr>
+          <p:cNvPr id="3" name="Espace réservé des commentaires 2"/>
+          <p:cNvSpPr>
+            <a:spLocks noGrp="1"/>
+          </p:cNvSpPr>
+          <p:nvPr>
+            <p:ph type="body" idx="1"/>
+          </p:nvPr>
+        </p:nvSpPr>
+        <p:spPr/>
+        <p:txBody>
+          <a:bodyPr/>
+          <a:lstStyle/>
+          <a:p>
+            <a:pPr marL="228600" indent="-228600">
+              <a:buAutoNum type="arabicParenR"/>
+            </a:pPr>
+            <a:r>
+              <a:rPr lang="fr-FR" dirty="0" smtClean="0"/>
+              <a:t>Chercher le point haut d’une zone</a:t>
+            </a:r>
+          </a:p>
+          <a:p>
+            <a:pPr marL="685800" lvl="1" indent="-228600">
+              <a:buAutoNum type="arabicParenR"/>
+            </a:pPr>
+            <a:r>
+              <a:rPr lang="fr-FR" dirty="0" smtClean="0"/>
+              <a:t>Tracer</a:t>
+            </a:r>
+            <a:r>
+              <a:rPr lang="fr-FR" baseline="0" dirty="0" smtClean="0"/>
+              <a:t> un rectangle de la zone</a:t>
+            </a:r>
+          </a:p>
+          <a:p>
+            <a:pPr marL="685800" lvl="1" indent="-228600">
+              <a:buAutoNum type="arabicParenR"/>
+            </a:pPr>
+            <a:r>
+              <a:rPr lang="fr-FR" baseline="0" dirty="0" smtClean="0"/>
+              <a:t>Avec le numériseur, sélectionner le rectangle</a:t>
+            </a:r>
+          </a:p>
+          <a:p>
+            <a:pPr marL="685800" lvl="1" indent="-228600">
+              <a:buAutoNum type="arabicParenR"/>
+            </a:pPr>
+            <a:r>
+              <a:rPr lang="fr-FR" baseline="0" dirty="0" smtClean="0"/>
+              <a:t>Clic droit -&gt; </a:t>
+            </a:r>
+            <a:r>
+              <a:rPr lang="fr-FR" baseline="0" dirty="0" err="1" smtClean="0"/>
+              <a:t>Analysis</a:t>
+            </a:r>
+            <a:r>
+              <a:rPr lang="fr-FR" baseline="0" dirty="0" smtClean="0"/>
+              <a:t>/</a:t>
+            </a:r>
+            <a:r>
+              <a:rPr lang="fr-FR" baseline="0" dirty="0" err="1" smtClean="0"/>
+              <a:t>measurement</a:t>
+            </a:r>
+            <a:r>
+              <a:rPr lang="fr-FR" baseline="0" dirty="0" smtClean="0"/>
+              <a:t> -&gt; </a:t>
+            </a:r>
+            <a:r>
+              <a:rPr lang="fr-FR" baseline="0" dirty="0" err="1" smtClean="0"/>
+              <a:t>calculate</a:t>
+            </a:r>
+            <a:r>
+              <a:rPr lang="fr-FR" baseline="0" dirty="0" smtClean="0"/>
+              <a:t> </a:t>
+            </a:r>
+            <a:r>
+              <a:rPr lang="fr-FR" baseline="0" dirty="0" err="1" smtClean="0"/>
+              <a:t>elevation</a:t>
+            </a:r>
+            <a:r>
+              <a:rPr lang="fr-FR" baseline="0" dirty="0" smtClean="0"/>
+              <a:t>/</a:t>
+            </a:r>
+            <a:r>
+              <a:rPr lang="fr-FR" baseline="0" dirty="0" err="1" smtClean="0"/>
+              <a:t>slope</a:t>
+            </a:r>
+            <a:r>
+              <a:rPr lang="fr-FR" baseline="0" dirty="0" smtClean="0"/>
+              <a:t>…</a:t>
+            </a:r>
+          </a:p>
+          <a:p>
+            <a:pPr marL="685800" lvl="1" indent="-228600">
+              <a:buAutoNum type="arabicParenR"/>
+            </a:pPr>
+            <a:r>
+              <a:rPr lang="fr-FR" baseline="0" dirty="0" smtClean="0"/>
+              <a:t>Global mapper créé les points les plus bas et plus haut de la zone</a:t>
+            </a:r>
+          </a:p>
+          <a:p>
+            <a:pPr marL="685800" lvl="1" indent="-228600">
+              <a:buAutoNum type="arabicParenR"/>
+            </a:pPr>
+            <a:endParaRPr lang="fr-FR" baseline="0" dirty="0" smtClean="0"/>
+          </a:p>
+          <a:p>
+            <a:pPr marL="228600" lvl="0" indent="-228600">
+              <a:buAutoNum type="arabicParenR"/>
+            </a:pPr>
+            <a:r>
+              <a:rPr lang="fr-FR" baseline="0" dirty="0" smtClean="0"/>
+              <a:t>Changer d’échelle</a:t>
+            </a:r>
+          </a:p>
+          <a:p>
+            <a:pPr marL="685800" lvl="1" indent="-228600">
+              <a:buAutoNum type="arabicParenR"/>
+            </a:pPr>
+            <a:r>
+              <a:rPr lang="fr-FR" baseline="0" dirty="0" smtClean="0"/>
+              <a:t>Raccourci </a:t>
+            </a:r>
+            <a:r>
+              <a:rPr lang="fr-FR" baseline="0" dirty="0" err="1" smtClean="0"/>
+              <a:t>Maj</a:t>
+            </a:r>
+            <a:r>
+              <a:rPr lang="fr-FR" baseline="0" dirty="0" smtClean="0"/>
+              <a:t> + Z</a:t>
+            </a:r>
+          </a:p>
+          <a:p>
+            <a:pPr marL="685800" lvl="1" indent="-228600">
+              <a:buAutoNum type="arabicParenR"/>
+            </a:pPr>
+            <a:r>
+              <a:rPr lang="fr-FR" baseline="0" dirty="0" smtClean="0"/>
+              <a:t>Ou menu </a:t>
+            </a:r>
+            <a:r>
+              <a:rPr lang="fr-FR" baseline="0" dirty="0" err="1" smtClean="0"/>
+              <a:t>view</a:t>
+            </a:r>
+            <a:r>
+              <a:rPr lang="fr-FR" baseline="0" dirty="0" smtClean="0"/>
+              <a:t> -&gt; Zoom </a:t>
+            </a:r>
+            <a:r>
+              <a:rPr lang="fr-FR" baseline="0" dirty="0" err="1" smtClean="0"/>
+              <a:t>view</a:t>
+            </a:r>
+            <a:r>
+              <a:rPr lang="fr-FR" baseline="0" dirty="0" smtClean="0"/>
+              <a:t> -&gt; Zoom to </a:t>
+            </a:r>
+            <a:r>
+              <a:rPr lang="fr-FR" baseline="0" dirty="0" err="1" smtClean="0"/>
+              <a:t>scale</a:t>
+            </a:r>
+            <a:endParaRPr lang="fr-FR" baseline="0" dirty="0" smtClean="0"/>
+          </a:p>
+          <a:p>
+            <a:pPr marL="685800" lvl="1" indent="-228600">
+              <a:buAutoNum type="arabicParenR"/>
+            </a:pPr>
+            <a:endParaRPr lang="fr-FR" baseline="0" dirty="0" smtClean="0"/>
+          </a:p>
+          <a:p>
+            <a:pPr marL="228600" lvl="0" indent="-228600">
+              <a:buAutoNum type="arabicParenR"/>
+            </a:pPr>
+            <a:r>
+              <a:rPr lang="fr-FR" baseline="0" dirty="0" smtClean="0"/>
+              <a:t>Enregistrer une vue</a:t>
+            </a:r>
+          </a:p>
+          <a:p>
+            <a:pPr marL="685800" lvl="1" indent="-228600">
+              <a:buAutoNum type="arabicParenR"/>
+            </a:pPr>
+            <a:r>
+              <a:rPr lang="fr-FR" baseline="0" dirty="0" smtClean="0"/>
+              <a:t>Menu </a:t>
+            </a:r>
+            <a:r>
+              <a:rPr lang="fr-FR" baseline="0" dirty="0" err="1" smtClean="0"/>
+              <a:t>view</a:t>
+            </a:r>
+            <a:r>
+              <a:rPr lang="fr-FR" baseline="0" dirty="0" smtClean="0"/>
+              <a:t> -&gt; Name and </a:t>
+            </a:r>
+            <a:r>
+              <a:rPr lang="fr-FR" baseline="0" dirty="0" err="1" smtClean="0"/>
+              <a:t>save</a:t>
+            </a:r>
+            <a:r>
+              <a:rPr lang="fr-FR" baseline="0" dirty="0" smtClean="0"/>
+              <a:t> </a:t>
+            </a:r>
+            <a:r>
+              <a:rPr lang="fr-FR" baseline="0" dirty="0" err="1" smtClean="0"/>
+              <a:t>current</a:t>
+            </a:r>
+            <a:r>
+              <a:rPr lang="fr-FR" baseline="0" dirty="0" smtClean="0"/>
+              <a:t> </a:t>
+            </a:r>
+            <a:r>
+              <a:rPr lang="fr-FR" baseline="0" dirty="0" err="1" smtClean="0"/>
+              <a:t>view</a:t>
+            </a:r>
+            <a:endParaRPr lang="fr-FR" dirty="0"/>
+          </a:p>
+        </p:txBody>
+      </p:sp>
+      <p:sp>
+        <p:nvSpPr>
+          <p:cNvPr id="4" name="Espace réservé du numéro de diapositive 3"/>
+          <p:cNvSpPr>
+            <a:spLocks noGrp="1"/>
+          </p:cNvSpPr>
+          <p:nvPr>
+            <p:ph type="sldNum" sz="quarter" idx="10"/>
+          </p:nvPr>
+        </p:nvSpPr>
+        <p:spPr/>
+        <p:txBody>
+          <a:bodyPr/>
+          <a:lstStyle/>
+          <a:p>
+            <a:fld id="{7FED9F59-E5F7-4D0D-AFB1-35ABD0360038}" type="slidenum">
+              <a:rPr lang="fr-FR" smtClean="0"/>
+              <a:t>22</a:t>
+            </a:fld>
+            <a:endParaRPr lang="fr-FR"/>
+          </a:p>
+        </p:txBody>
+      </p:sp>
+    </p:spTree>
+    <p:extLst>
+      <p:ext uri="{BB962C8B-B14F-4D97-AF65-F5344CB8AC3E}">
+        <p14:creationId xmlns:p14="http://schemas.microsoft.com/office/powerpoint/2010/main" val="3745874984"/>
+      </p:ext>
+    </p:extLst>
+  </p:cSld>
+  <p:clrMapOvr>
+    <a:masterClrMapping/>
+  </p:clrMapOvr>
+</p:notes>
+</file>
+
+<file path=ppt/notesSlides/notesSlide22.xml><?xml version="1.0" encoding="utf-8"?>
+<p:notes xmlns:a="http://schemas.openxmlformats.org/drawingml/2006/main" xmlns:r="http://schemas.openxmlformats.org/officeDocument/2006/relationships" xmlns:p="http://schemas.openxmlformats.org/presentationml/2006/main">
+  <p:cSld>
+    <p:spTree>
+      <p:nvGrpSpPr>
+        <p:cNvPr id="1" name=""/>
+        <p:cNvGrpSpPr/>
+        <p:nvPr/>
+      </p:nvGrpSpPr>
+      <p:grpSpPr>
+        <a:xfrm>
+          <a:off x="0" y="0"/>
+          <a:ext cx="0" cy="0"/>
+          <a:chOff x="0" y="0"/>
+          <a:chExt cx="0" cy="0"/>
+        </a:xfrm>
+      </p:grpSpPr>
+      <p:sp>
+        <p:nvSpPr>
+          <p:cNvPr id="2" name="Espace réservé de l'image des diapositives 1"/>
+          <p:cNvSpPr>
+            <a:spLocks noGrp="1" noRot="1" noChangeAspect="1"/>
+          </p:cNvSpPr>
+          <p:nvPr>
+            <p:ph type="sldImg"/>
+          </p:nvPr>
+        </p:nvSpPr>
+        <p:spPr/>
+      </p:sp>
+      <p:sp>
+        <p:nvSpPr>
+          <p:cNvPr id="3" name="Espace réservé des commentaires 2"/>
+          <p:cNvSpPr>
+            <a:spLocks noGrp="1"/>
+          </p:cNvSpPr>
+          <p:nvPr>
+            <p:ph type="body" idx="1"/>
+          </p:nvPr>
+        </p:nvSpPr>
+        <p:spPr/>
+        <p:txBody>
+          <a:bodyPr/>
+          <a:lstStyle/>
+          <a:p>
+            <a:pPr marL="228600" indent="-228600">
+              <a:buAutoNum type="arabicParenR"/>
+            </a:pPr>
+            <a:r>
+              <a:rPr lang="fr-FR" dirty="0" smtClean="0"/>
+              <a:t>Générer</a:t>
+            </a:r>
+            <a:r>
+              <a:rPr lang="fr-FR" baseline="0" dirty="0" smtClean="0"/>
+              <a:t> les lignes de crêtes</a:t>
+            </a:r>
+          </a:p>
+          <a:p>
+            <a:pPr marL="685800" lvl="1" indent="-228600">
+              <a:buAutoNum type="arabicParenR"/>
+            </a:pPr>
+            <a:r>
+              <a:rPr lang="fr-FR" baseline="0" dirty="0" smtClean="0"/>
+              <a:t>Menu </a:t>
+            </a:r>
+            <a:r>
+              <a:rPr lang="fr-FR" baseline="0" dirty="0" err="1" smtClean="0"/>
+              <a:t>Analysis</a:t>
+            </a:r>
+            <a:r>
+              <a:rPr lang="fr-FR" baseline="0" dirty="0" smtClean="0"/>
+              <a:t> -&gt; </a:t>
+            </a:r>
+            <a:r>
+              <a:rPr lang="fr-FR" baseline="0" dirty="0" err="1" smtClean="0"/>
+              <a:t>Find</a:t>
+            </a:r>
+            <a:r>
+              <a:rPr lang="fr-FR" baseline="0" dirty="0" smtClean="0"/>
+              <a:t> </a:t>
+            </a:r>
+            <a:r>
+              <a:rPr lang="fr-FR" baseline="0" dirty="0" err="1" smtClean="0"/>
+              <a:t>ridge</a:t>
+            </a:r>
+            <a:r>
+              <a:rPr lang="fr-FR" baseline="0" dirty="0" smtClean="0"/>
+              <a:t> </a:t>
+            </a:r>
+            <a:r>
+              <a:rPr lang="fr-FR" baseline="0" dirty="0" err="1" smtClean="0"/>
+              <a:t>lines</a:t>
+            </a:r>
+            <a:endParaRPr lang="fr-FR" baseline="0" dirty="0" smtClean="0"/>
+          </a:p>
+          <a:p>
+            <a:pPr marL="685800" lvl="1" indent="-228600">
+              <a:buAutoNum type="arabicParenR"/>
+            </a:pPr>
+            <a:r>
+              <a:rPr lang="fr-FR" baseline="0" dirty="0" err="1" smtClean="0"/>
+              <a:t>Ridge</a:t>
+            </a:r>
+            <a:r>
+              <a:rPr lang="fr-FR" baseline="0" dirty="0" smtClean="0"/>
+              <a:t> </a:t>
+            </a:r>
+            <a:r>
+              <a:rPr lang="fr-FR" baseline="0" dirty="0" err="1" smtClean="0"/>
+              <a:t>cell</a:t>
+            </a:r>
+            <a:r>
+              <a:rPr lang="fr-FR" baseline="0" dirty="0" smtClean="0"/>
+              <a:t> count -&gt; …</a:t>
+            </a:r>
+          </a:p>
+          <a:p>
+            <a:pPr marL="0" indent="0">
+              <a:buNone/>
+            </a:pPr>
+            <a:endParaRPr lang="fr-FR" baseline="0" dirty="0" smtClean="0"/>
+          </a:p>
+          <a:p>
+            <a:pPr marL="228600" indent="-228600">
+              <a:buAutoNum type="arabicParenR"/>
+            </a:pPr>
+            <a:r>
+              <a:rPr lang="fr-FR" baseline="0" dirty="0" smtClean="0"/>
+              <a:t>Générer les lignes de thalweg</a:t>
+            </a:r>
+          </a:p>
+          <a:p>
+            <a:pPr marL="685800" lvl="1" indent="-228600">
+              <a:buAutoNum type="arabicParenR"/>
+            </a:pPr>
+            <a:r>
+              <a:rPr lang="fr-FR" baseline="0" dirty="0" err="1" smtClean="0"/>
+              <a:t>Generate</a:t>
+            </a:r>
+            <a:r>
+              <a:rPr lang="fr-FR" baseline="0" dirty="0" smtClean="0"/>
+              <a:t> </a:t>
+            </a:r>
+            <a:r>
+              <a:rPr lang="fr-FR" baseline="0" dirty="0" err="1" smtClean="0"/>
+              <a:t>watershed</a:t>
+            </a:r>
+            <a:endParaRPr lang="fr-FR" baseline="0" dirty="0" smtClean="0"/>
+          </a:p>
+          <a:p>
+            <a:pPr marL="685800" lvl="1" indent="-228600">
+              <a:buAutoNum type="arabicParenR"/>
+            </a:pPr>
+            <a:r>
+              <a:rPr lang="fr-FR" baseline="0" dirty="0" smtClean="0"/>
+              <a:t>Stream </a:t>
+            </a:r>
+            <a:r>
+              <a:rPr lang="fr-FR" baseline="0" dirty="0" err="1" smtClean="0"/>
+              <a:t>cell</a:t>
+            </a:r>
+            <a:r>
+              <a:rPr lang="fr-FR" baseline="0" dirty="0" smtClean="0"/>
+              <a:t> count &gt; …</a:t>
+            </a:r>
+          </a:p>
+          <a:p>
+            <a:pPr marL="228600" lvl="0" indent="-228600">
+              <a:buAutoNum type="arabicParenR"/>
+            </a:pPr>
+            <a:endParaRPr lang="fr-FR" baseline="0" dirty="0" smtClean="0"/>
+          </a:p>
+          <a:p>
+            <a:pPr marL="228600" lvl="0" indent="-228600">
+              <a:buAutoNum type="arabicParenR"/>
+            </a:pPr>
+            <a:r>
+              <a:rPr lang="fr-FR" baseline="0" dirty="0" smtClean="0"/>
+              <a:t>Importer Quartier Estienne</a:t>
+            </a:r>
+            <a:endParaRPr lang="fr-FR" dirty="0"/>
+          </a:p>
+        </p:txBody>
+      </p:sp>
+      <p:sp>
+        <p:nvSpPr>
+          <p:cNvPr id="4" name="Espace réservé du numéro de diapositive 3"/>
+          <p:cNvSpPr>
+            <a:spLocks noGrp="1"/>
+          </p:cNvSpPr>
+          <p:nvPr>
+            <p:ph type="sldNum" sz="quarter" idx="10"/>
+          </p:nvPr>
+        </p:nvSpPr>
+        <p:spPr/>
+        <p:txBody>
+          <a:bodyPr/>
+          <a:lstStyle/>
+          <a:p>
+            <a:fld id="{7FED9F59-E5F7-4D0D-AFB1-35ABD0360038}" type="slidenum">
+              <a:rPr lang="fr-FR" smtClean="0"/>
+              <a:t>23</a:t>
+            </a:fld>
+            <a:endParaRPr lang="fr-FR"/>
+          </a:p>
+        </p:txBody>
+      </p:sp>
+    </p:spTree>
+    <p:extLst>
+      <p:ext uri="{BB962C8B-B14F-4D97-AF65-F5344CB8AC3E}">
+        <p14:creationId xmlns:p14="http://schemas.microsoft.com/office/powerpoint/2010/main" val="2744707032"/>
+      </p:ext>
+    </p:extLst>
+  </p:cSld>
+  <p:clrMapOvr>
+    <a:masterClrMapping/>
+  </p:clrMapOvr>
+</p:notes>
+</file>
+
+<file path=ppt/notesSlides/notesSlide23.xml><?xml version="1.0" encoding="utf-8"?>
+<p:notes xmlns:a="http://schemas.openxmlformats.org/drawingml/2006/main" xmlns:r="http://schemas.openxmlformats.org/officeDocument/2006/relationships" xmlns:p="http://schemas.openxmlformats.org/presentationml/2006/main">
+  <p:cSld>
+    <p:spTree>
+      <p:nvGrpSpPr>
+        <p:cNvPr id="1" name=""/>
+        <p:cNvGrpSpPr/>
+        <p:nvPr/>
+      </p:nvGrpSpPr>
+      <p:grpSpPr>
+        <a:xfrm>
+          <a:off x="0" y="0"/>
+          <a:ext cx="0" cy="0"/>
+          <a:chOff x="0" y="0"/>
+          <a:chExt cx="0" cy="0"/>
+        </a:xfrm>
+      </p:grpSpPr>
+      <p:sp>
+        <p:nvSpPr>
+          <p:cNvPr id="2" name="Espace réservé de l'image des diapositives 1"/>
+          <p:cNvSpPr>
+            <a:spLocks noGrp="1" noRot="1" noChangeAspect="1"/>
+          </p:cNvSpPr>
+          <p:nvPr>
+            <p:ph type="sldImg"/>
+          </p:nvPr>
+        </p:nvSpPr>
+        <p:spPr>
+          <a:xfrm>
+            <a:off x="685800" y="1143000"/>
+            <a:ext cx="5486400" cy="3086100"/>
+          </a:xfrm>
+        </p:spPr>
+      </p:sp>
+      <p:sp>
+        <p:nvSpPr>
+          <p:cNvPr id="3" name="Espace réservé des commentaires 2"/>
+          <p:cNvSpPr>
+            <a:spLocks noGrp="1"/>
+          </p:cNvSpPr>
+          <p:nvPr>
+            <p:ph type="body" idx="1"/>
+          </p:nvPr>
+        </p:nvSpPr>
+        <p:spPr/>
+        <p:txBody>
+          <a:bodyPr/>
+          <a:lstStyle/>
+          <a:p>
+            <a:pPr marL="228600" indent="-228600">
+              <a:buAutoNum type="arabicParenR"/>
+            </a:pPr>
+            <a:r>
+              <a:rPr lang="fr-FR" dirty="0" smtClean="0"/>
+              <a:t>Importer fr_populatedplaces_p.txt</a:t>
+            </a:r>
+          </a:p>
+          <a:p>
+            <a:pPr marL="228600" indent="-228600">
+              <a:buAutoNum type="arabicParenR"/>
+            </a:pPr>
+            <a:endParaRPr lang="fr-FR" dirty="0" smtClean="0"/>
+          </a:p>
+          <a:p>
+            <a:pPr marL="228600" indent="-228600">
+              <a:buAutoNum type="arabicParenR"/>
+            </a:pPr>
+            <a:r>
+              <a:rPr lang="fr-FR" dirty="0" smtClean="0"/>
+              <a:t>Sauvegarder les villes</a:t>
+            </a:r>
+          </a:p>
+          <a:p>
+            <a:pPr marL="685800" lvl="1" indent="-228600">
+              <a:buAutoNum type="arabicParenR"/>
+            </a:pPr>
+            <a:r>
+              <a:rPr lang="fr-FR" dirty="0" smtClean="0"/>
+              <a:t>Importer le vecteurs région</a:t>
+            </a:r>
+          </a:p>
+          <a:p>
+            <a:pPr marL="685800" lvl="1" indent="-228600">
+              <a:buAutoNum type="arabicParenR"/>
+            </a:pPr>
+            <a:r>
+              <a:rPr lang="fr-FR" dirty="0" smtClean="0"/>
+              <a:t>Avec</a:t>
+            </a:r>
+            <a:r>
+              <a:rPr lang="fr-FR" baseline="0" dirty="0" smtClean="0"/>
+              <a:t> le numériseur sélection la région voulue</a:t>
+            </a:r>
+          </a:p>
+          <a:p>
+            <a:pPr marL="685800" lvl="1" indent="-228600">
+              <a:buAutoNum type="arabicParenR"/>
+            </a:pPr>
+            <a:r>
+              <a:rPr lang="fr-FR" baseline="0" dirty="0" smtClean="0"/>
+              <a:t>Sur la couche villes, clic droit - &gt;LAYER -&gt; EXPORT</a:t>
+            </a:r>
+          </a:p>
+          <a:p>
+            <a:pPr marL="685800" lvl="1" indent="-228600">
+              <a:buAutoNum type="arabicParenR"/>
+            </a:pPr>
+            <a:r>
+              <a:rPr lang="fr-FR" baseline="0" dirty="0" smtClean="0"/>
+              <a:t>Dans l’onglet « export </a:t>
+            </a:r>
+            <a:r>
+              <a:rPr lang="fr-FR" baseline="0" dirty="0" err="1" smtClean="0"/>
+              <a:t>bounds</a:t>
+            </a:r>
+            <a:r>
+              <a:rPr lang="fr-FR" baseline="0" dirty="0" smtClean="0"/>
+              <a:t> », sélectionner « </a:t>
+            </a:r>
+            <a:r>
+              <a:rPr lang="fr-FR" baseline="0" dirty="0" err="1" smtClean="0"/>
+              <a:t>crop</a:t>
+            </a:r>
+            <a:r>
+              <a:rPr lang="fr-FR" baseline="0" dirty="0" smtClean="0"/>
+              <a:t> to </a:t>
+            </a:r>
+            <a:r>
+              <a:rPr lang="fr-FR" baseline="0" dirty="0" err="1" smtClean="0"/>
+              <a:t>selected</a:t>
+            </a:r>
+            <a:r>
+              <a:rPr lang="fr-FR" baseline="0" smtClean="0"/>
+              <a:t> area »</a:t>
+            </a:r>
+            <a:endParaRPr lang="fr-FR" dirty="0"/>
+          </a:p>
+        </p:txBody>
+      </p:sp>
+      <p:sp>
+        <p:nvSpPr>
+          <p:cNvPr id="4" name="Espace réservé du numéro de diapositive 3"/>
+          <p:cNvSpPr>
+            <a:spLocks noGrp="1"/>
+          </p:cNvSpPr>
+          <p:nvPr>
+            <p:ph type="sldNum" sz="quarter" idx="10"/>
+          </p:nvPr>
+        </p:nvSpPr>
+        <p:spPr/>
+        <p:txBody>
+          <a:bodyPr/>
+          <a:lstStyle/>
+          <a:p>
+            <a:fld id="{7FED9F59-E5F7-4D0D-AFB1-35ABD0360038}" type="slidenum">
+              <a:rPr lang="fr-FR" smtClean="0"/>
+              <a:t>24</a:t>
+            </a:fld>
+            <a:endParaRPr lang="fr-FR"/>
+          </a:p>
+        </p:txBody>
+      </p:sp>
+    </p:spTree>
+    <p:extLst>
+      <p:ext uri="{BB962C8B-B14F-4D97-AF65-F5344CB8AC3E}">
+        <p14:creationId xmlns:p14="http://schemas.microsoft.com/office/powerpoint/2010/main" val="411802914"/>
       </p:ext>
     </p:extLst>
   </p:cSld>
@@ -5593,8 +6604,8 @@
         </p:nvSpPr>
         <p:spPr>
           <a:xfrm>
-            <a:off x="1371600" y="1143000"/>
-            <a:ext cx="4114800" cy="3086100"/>
+            <a:off x="685800" y="1143000"/>
+            <a:ext cx="5486400" cy="3086100"/>
           </a:xfrm>
         </p:spPr>
       </p:sp>
@@ -5860,8 +6871,8 @@
         </p:nvSpPr>
         <p:spPr>
           <a:xfrm>
-            <a:off x="1371600" y="1143000"/>
-            <a:ext cx="4114800" cy="3086100"/>
+            <a:off x="685800" y="1143000"/>
+            <a:ext cx="5486400" cy="3086100"/>
           </a:xfrm>
         </p:spPr>
       </p:sp>
@@ -6074,8 +7085,8 @@
         </p:nvSpPr>
         <p:spPr>
           <a:xfrm>
-            <a:off x="1371600" y="1143000"/>
-            <a:ext cx="4114800" cy="3086100"/>
+            <a:off x="685800" y="1143000"/>
+            <a:ext cx="5486400" cy="3086100"/>
           </a:xfrm>
         </p:spPr>
       </p:sp>
@@ -6322,8 +7333,8 @@
         </p:nvSpPr>
         <p:spPr>
           <a:xfrm>
-            <a:off x="1371600" y="1143000"/>
-            <a:ext cx="4114800" cy="3086100"/>
+            <a:off x="685800" y="1143000"/>
+            <a:ext cx="5486400" cy="3086100"/>
           </a:xfrm>
         </p:spPr>
       </p:sp>
@@ -6711,7 +7722,12 @@
             <p:ph type="sldImg"/>
           </p:nvPr>
         </p:nvSpPr>
-        <p:spPr/>
+        <p:spPr>
+          <a:xfrm>
+            <a:off x="685800" y="1143000"/>
+            <a:ext cx="5486400" cy="3086100"/>
+          </a:xfrm>
+        </p:spPr>
       </p:sp>
       <p:sp>
         <p:nvSpPr>
@@ -6948,7 +7964,12 @@
             <p:ph type="sldImg"/>
           </p:nvPr>
         </p:nvSpPr>
-        <p:spPr/>
+        <p:spPr>
+          <a:xfrm>
+            <a:off x="685800" y="1143000"/>
+            <a:ext cx="5486400" cy="3086100"/>
+          </a:xfrm>
+        </p:spPr>
       </p:sp>
       <p:sp>
         <p:nvSpPr>
@@ -7222,7 +8243,12 @@
             <p:ph type="sldImg"/>
           </p:nvPr>
         </p:nvSpPr>
-        <p:spPr/>
+        <p:spPr>
+          <a:xfrm>
+            <a:off x="685800" y="1143000"/>
+            <a:ext cx="5486400" cy="3086100"/>
+          </a:xfrm>
+        </p:spPr>
       </p:sp>
       <p:sp>
         <p:nvSpPr>
@@ -7550,7 +8576,7 @@
       </p:grpSpPr>
       <p:sp>
         <p:nvSpPr>
-          <p:cNvPr id="2" name="Title 1"/>
+          <p:cNvPr id="2" name="Titre 1"/>
           <p:cNvSpPr>
             <a:spLocks noGrp="1"/>
           </p:cNvSpPr>
@@ -7560,8 +8586,578 @@
         </p:nvSpPr>
         <p:spPr>
           <a:xfrm>
-            <a:off x="685800" y="1122363"/>
-            <a:ext cx="7772400" cy="2387600"/>
+            <a:off x="1524000" y="1122363"/>
+            <a:ext cx="9144000" cy="2387600"/>
+          </a:xfrm>
+          <a:prstGeom prst="rect">
+            <a:avLst/>
+          </a:prstGeom>
+        </p:spPr>
+        <p:txBody>
+          <a:bodyPr anchor="b"/>
+          <a:lstStyle>
+            <a:lvl1pPr algn="ctr">
+              <a:defRPr sz="4500"/>
+            </a:lvl1pPr>
+          </a:lstStyle>
+          <a:p>
+            <a:r>
+              <a:rPr lang="fr-FR" smtClean="0"/>
+              <a:t>Modifiez le style du titre</a:t>
+            </a:r>
+            <a:endParaRPr lang="fr-FR"/>
+          </a:p>
+        </p:txBody>
+      </p:sp>
+      <p:sp>
+        <p:nvSpPr>
+          <p:cNvPr id="3" name="Sous-titre 2"/>
+          <p:cNvSpPr>
+            <a:spLocks noGrp="1"/>
+          </p:cNvSpPr>
+          <p:nvPr>
+            <p:ph type="subTitle" idx="1"/>
+          </p:nvPr>
+        </p:nvSpPr>
+        <p:spPr>
+          <a:xfrm>
+            <a:off x="1524000" y="3602038"/>
+            <a:ext cx="9144000" cy="1655762"/>
+          </a:xfrm>
+          <a:prstGeom prst="rect">
+            <a:avLst/>
+          </a:prstGeom>
+        </p:spPr>
+        <p:txBody>
+          <a:bodyPr/>
+          <a:lstStyle>
+            <a:lvl1pPr marL="0" indent="0" algn="ctr">
+              <a:buNone/>
+              <a:defRPr sz="1800"/>
+            </a:lvl1pPr>
+            <a:lvl2pPr marL="342900" indent="0" algn="ctr">
+              <a:buNone/>
+              <a:defRPr sz="1500"/>
+            </a:lvl2pPr>
+            <a:lvl3pPr marL="685800" indent="0" algn="ctr">
+              <a:buNone/>
+              <a:defRPr sz="1350"/>
+            </a:lvl3pPr>
+            <a:lvl4pPr marL="1028700" indent="0" algn="ctr">
+              <a:buNone/>
+              <a:defRPr sz="1200"/>
+            </a:lvl4pPr>
+            <a:lvl5pPr marL="1371600" indent="0" algn="ctr">
+              <a:buNone/>
+              <a:defRPr sz="1200"/>
+            </a:lvl5pPr>
+            <a:lvl6pPr marL="1714500" indent="0" algn="ctr">
+              <a:buNone/>
+              <a:defRPr sz="1200"/>
+            </a:lvl6pPr>
+            <a:lvl7pPr marL="2057400" indent="0" algn="ctr">
+              <a:buNone/>
+              <a:defRPr sz="1200"/>
+            </a:lvl7pPr>
+            <a:lvl8pPr marL="2400300" indent="0" algn="ctr">
+              <a:buNone/>
+              <a:defRPr sz="1200"/>
+            </a:lvl8pPr>
+            <a:lvl9pPr marL="2743200" indent="0" algn="ctr">
+              <a:buNone/>
+              <a:defRPr sz="1200"/>
+            </a:lvl9pPr>
+          </a:lstStyle>
+          <a:p>
+            <a:r>
+              <a:rPr lang="fr-FR" smtClean="0"/>
+              <a:t>Modifier le style des sous-titres du masque</a:t>
+            </a:r>
+            <a:endParaRPr lang="fr-FR"/>
+          </a:p>
+        </p:txBody>
+      </p:sp>
+      <p:sp>
+        <p:nvSpPr>
+          <p:cNvPr id="4" name="Espace réservé de la date 3"/>
+          <p:cNvSpPr>
+            <a:spLocks noGrp="1"/>
+          </p:cNvSpPr>
+          <p:nvPr>
+            <p:ph type="dt" sz="half" idx="10"/>
+          </p:nvPr>
+        </p:nvSpPr>
+        <p:spPr/>
+        <p:txBody>
+          <a:bodyPr/>
+          <a:lstStyle/>
+          <a:p>
+            <a:fld id="{A74F3EA5-292C-4331-BAB5-A6575F471254}" type="datetimeFigureOut">
+              <a:rPr lang="fr-FR" smtClean="0"/>
+              <a:t>11/08/2022</a:t>
+            </a:fld>
+            <a:endParaRPr lang="fr-FR"/>
+          </a:p>
+        </p:txBody>
+      </p:sp>
+      <p:sp>
+        <p:nvSpPr>
+          <p:cNvPr id="5" name="Espace réservé du pied de page 4"/>
+          <p:cNvSpPr>
+            <a:spLocks noGrp="1"/>
+          </p:cNvSpPr>
+          <p:nvPr>
+            <p:ph type="ftr" sz="quarter" idx="11"/>
+          </p:nvPr>
+        </p:nvSpPr>
+        <p:spPr/>
+        <p:txBody>
+          <a:bodyPr/>
+          <a:lstStyle/>
+          <a:p>
+            <a:endParaRPr lang="fr-FR"/>
+          </a:p>
+        </p:txBody>
+      </p:sp>
+      <p:sp>
+        <p:nvSpPr>
+          <p:cNvPr id="6" name="Espace réservé du numéro de diapositive 5"/>
+          <p:cNvSpPr>
+            <a:spLocks noGrp="1"/>
+          </p:cNvSpPr>
+          <p:nvPr>
+            <p:ph type="sldNum" sz="quarter" idx="12"/>
+          </p:nvPr>
+        </p:nvSpPr>
+        <p:spPr/>
+        <p:txBody>
+          <a:bodyPr/>
+          <a:lstStyle/>
+          <a:p>
+            <a:fld id="{0C070781-3C42-4FAC-8567-5AC674719362}" type="slidenum">
+              <a:rPr lang="fr-FR" smtClean="0"/>
+              <a:t>‹N°›</a:t>
+            </a:fld>
+            <a:endParaRPr lang="fr-FR"/>
+          </a:p>
+        </p:txBody>
+      </p:sp>
+    </p:spTree>
+    <p:extLst>
+      <p:ext uri="{BB962C8B-B14F-4D97-AF65-F5344CB8AC3E}">
+        <p14:creationId xmlns:p14="http://schemas.microsoft.com/office/powerpoint/2010/main" val="218770861"/>
+      </p:ext>
+    </p:extLst>
+  </p:cSld>
+  <p:clrMapOvr>
+    <a:masterClrMapping/>
+  </p:clrMapOvr>
+</p:sldLayout>
+</file>
+
+<file path=ppt/slideLayouts/slideLayout10.xml><?xml version="1.0" encoding="utf-8"?>
+<p:sldLayout xmlns:a="http://schemas.openxmlformats.org/drawingml/2006/main" xmlns:r="http://schemas.openxmlformats.org/officeDocument/2006/relationships" xmlns:p="http://schemas.openxmlformats.org/presentationml/2006/main" type="vertTx" preserve="1">
+  <p:cSld name="Titre et texte vertical">
+    <p:spTree>
+      <p:nvGrpSpPr>
+        <p:cNvPr id="1" name=""/>
+        <p:cNvGrpSpPr/>
+        <p:nvPr/>
+      </p:nvGrpSpPr>
+      <p:grpSpPr>
+        <a:xfrm>
+          <a:off x="0" y="0"/>
+          <a:ext cx="0" cy="0"/>
+          <a:chOff x="0" y="0"/>
+          <a:chExt cx="0" cy="0"/>
+        </a:xfrm>
+      </p:grpSpPr>
+      <p:sp>
+        <p:nvSpPr>
+          <p:cNvPr id="2" name="Titre 1"/>
+          <p:cNvSpPr>
+            <a:spLocks noGrp="1"/>
+          </p:cNvSpPr>
+          <p:nvPr>
+            <p:ph type="title"/>
+          </p:nvPr>
+        </p:nvSpPr>
+        <p:spPr>
+          <a:xfrm>
+            <a:off x="838200" y="365127"/>
+            <a:ext cx="10515600" cy="1325563"/>
+          </a:xfrm>
+          <a:prstGeom prst="rect">
+            <a:avLst/>
+          </a:prstGeom>
+        </p:spPr>
+        <p:txBody>
+          <a:bodyPr/>
+          <a:lstStyle/>
+          <a:p>
+            <a:r>
+              <a:rPr lang="fr-FR" smtClean="0"/>
+              <a:t>Modifiez le style du titre</a:t>
+            </a:r>
+            <a:endParaRPr lang="fr-FR"/>
+          </a:p>
+        </p:txBody>
+      </p:sp>
+      <p:sp>
+        <p:nvSpPr>
+          <p:cNvPr id="3" name="Espace réservé du texte vertical 2"/>
+          <p:cNvSpPr>
+            <a:spLocks noGrp="1"/>
+          </p:cNvSpPr>
+          <p:nvPr>
+            <p:ph type="body" orient="vert" idx="1"/>
+          </p:nvPr>
+        </p:nvSpPr>
+        <p:spPr>
+          <a:xfrm>
+            <a:off x="838200" y="1825625"/>
+            <a:ext cx="10515600" cy="4351338"/>
+          </a:xfrm>
+          <a:prstGeom prst="rect">
+            <a:avLst/>
+          </a:prstGeom>
+        </p:spPr>
+        <p:txBody>
+          <a:bodyPr vert="eaVert"/>
+          <a:lstStyle/>
+          <a:p>
+            <a:pPr lvl="0"/>
+            <a:r>
+              <a:rPr lang="fr-FR" smtClean="0"/>
+              <a:t>Modifier les styles du texte du masque</a:t>
+            </a:r>
+          </a:p>
+          <a:p>
+            <a:pPr lvl="1"/>
+            <a:r>
+              <a:rPr lang="fr-FR" smtClean="0"/>
+              <a:t>Deuxième niveau</a:t>
+            </a:r>
+          </a:p>
+          <a:p>
+            <a:pPr lvl="2"/>
+            <a:r>
+              <a:rPr lang="fr-FR" smtClean="0"/>
+              <a:t>Troisième niveau</a:t>
+            </a:r>
+          </a:p>
+          <a:p>
+            <a:pPr lvl="3"/>
+            <a:r>
+              <a:rPr lang="fr-FR" smtClean="0"/>
+              <a:t>Quatrième niveau</a:t>
+            </a:r>
+          </a:p>
+          <a:p>
+            <a:pPr lvl="4"/>
+            <a:r>
+              <a:rPr lang="fr-FR" smtClean="0"/>
+              <a:t>Cinquième niveau</a:t>
+            </a:r>
+            <a:endParaRPr lang="fr-FR"/>
+          </a:p>
+        </p:txBody>
+      </p:sp>
+      <p:sp>
+        <p:nvSpPr>
+          <p:cNvPr id="4" name="Espace réservé de la date 3"/>
+          <p:cNvSpPr>
+            <a:spLocks noGrp="1"/>
+          </p:cNvSpPr>
+          <p:nvPr>
+            <p:ph type="dt" sz="half" idx="10"/>
+          </p:nvPr>
+        </p:nvSpPr>
+        <p:spPr/>
+        <p:txBody>
+          <a:bodyPr/>
+          <a:lstStyle/>
+          <a:p>
+            <a:fld id="{A74F3EA5-292C-4331-BAB5-A6575F471254}" type="datetimeFigureOut">
+              <a:rPr lang="fr-FR" smtClean="0"/>
+              <a:t>11/08/2022</a:t>
+            </a:fld>
+            <a:endParaRPr lang="fr-FR"/>
+          </a:p>
+        </p:txBody>
+      </p:sp>
+      <p:sp>
+        <p:nvSpPr>
+          <p:cNvPr id="5" name="Espace réservé du pied de page 4"/>
+          <p:cNvSpPr>
+            <a:spLocks noGrp="1"/>
+          </p:cNvSpPr>
+          <p:nvPr>
+            <p:ph type="ftr" sz="quarter" idx="11"/>
+          </p:nvPr>
+        </p:nvSpPr>
+        <p:spPr/>
+        <p:txBody>
+          <a:bodyPr/>
+          <a:lstStyle/>
+          <a:p>
+            <a:endParaRPr lang="fr-FR"/>
+          </a:p>
+        </p:txBody>
+      </p:sp>
+      <p:sp>
+        <p:nvSpPr>
+          <p:cNvPr id="6" name="Espace réservé du numéro de diapositive 5"/>
+          <p:cNvSpPr>
+            <a:spLocks noGrp="1"/>
+          </p:cNvSpPr>
+          <p:nvPr>
+            <p:ph type="sldNum" sz="quarter" idx="12"/>
+          </p:nvPr>
+        </p:nvSpPr>
+        <p:spPr/>
+        <p:txBody>
+          <a:bodyPr/>
+          <a:lstStyle/>
+          <a:p>
+            <a:fld id="{0C070781-3C42-4FAC-8567-5AC674719362}" type="slidenum">
+              <a:rPr lang="fr-FR" smtClean="0"/>
+              <a:t>‹N°›</a:t>
+            </a:fld>
+            <a:endParaRPr lang="fr-FR"/>
+          </a:p>
+        </p:txBody>
+      </p:sp>
+    </p:spTree>
+    <p:extLst>
+      <p:ext uri="{BB962C8B-B14F-4D97-AF65-F5344CB8AC3E}">
+        <p14:creationId xmlns:p14="http://schemas.microsoft.com/office/powerpoint/2010/main" val="748375888"/>
+      </p:ext>
+    </p:extLst>
+  </p:cSld>
+  <p:clrMapOvr>
+    <a:masterClrMapping/>
+  </p:clrMapOvr>
+</p:sldLayout>
+</file>
+
+<file path=ppt/slideLayouts/slideLayout11.xml><?xml version="1.0" encoding="utf-8"?>
+<p:sldLayout xmlns:a="http://schemas.openxmlformats.org/drawingml/2006/main" xmlns:r="http://schemas.openxmlformats.org/officeDocument/2006/relationships" xmlns:p="http://schemas.openxmlformats.org/presentationml/2006/main" type="vertTitleAndTx" preserve="1">
+  <p:cSld name="Titre vertical et texte">
+    <p:spTree>
+      <p:nvGrpSpPr>
+        <p:cNvPr id="1" name=""/>
+        <p:cNvGrpSpPr/>
+        <p:nvPr/>
+      </p:nvGrpSpPr>
+      <p:grpSpPr>
+        <a:xfrm>
+          <a:off x="0" y="0"/>
+          <a:ext cx="0" cy="0"/>
+          <a:chOff x="0" y="0"/>
+          <a:chExt cx="0" cy="0"/>
+        </a:xfrm>
+      </p:grpSpPr>
+      <p:sp>
+        <p:nvSpPr>
+          <p:cNvPr id="2" name="Titre vertical 1"/>
+          <p:cNvSpPr>
+            <a:spLocks noGrp="1"/>
+          </p:cNvSpPr>
+          <p:nvPr>
+            <p:ph type="title" orient="vert"/>
+          </p:nvPr>
+        </p:nvSpPr>
+        <p:spPr>
+          <a:xfrm>
+            <a:off x="8724901" y="365125"/>
+            <a:ext cx="2628900" cy="5811838"/>
+          </a:xfrm>
+          <a:prstGeom prst="rect">
+            <a:avLst/>
+          </a:prstGeom>
+        </p:spPr>
+        <p:txBody>
+          <a:bodyPr vert="eaVert"/>
+          <a:lstStyle/>
+          <a:p>
+            <a:r>
+              <a:rPr lang="fr-FR" smtClean="0"/>
+              <a:t>Modifiez le style du titre</a:t>
+            </a:r>
+            <a:endParaRPr lang="fr-FR"/>
+          </a:p>
+        </p:txBody>
+      </p:sp>
+      <p:sp>
+        <p:nvSpPr>
+          <p:cNvPr id="3" name="Espace réservé du texte vertical 2"/>
+          <p:cNvSpPr>
+            <a:spLocks noGrp="1"/>
+          </p:cNvSpPr>
+          <p:nvPr>
+            <p:ph type="body" orient="vert" idx="1"/>
+          </p:nvPr>
+        </p:nvSpPr>
+        <p:spPr>
+          <a:xfrm>
+            <a:off x="838201" y="365125"/>
+            <a:ext cx="7734300" cy="5811838"/>
+          </a:xfrm>
+          <a:prstGeom prst="rect">
+            <a:avLst/>
+          </a:prstGeom>
+        </p:spPr>
+        <p:txBody>
+          <a:bodyPr vert="eaVert"/>
+          <a:lstStyle/>
+          <a:p>
+            <a:pPr lvl="0"/>
+            <a:r>
+              <a:rPr lang="fr-FR" smtClean="0"/>
+              <a:t>Modifier les styles du texte du masque</a:t>
+            </a:r>
+          </a:p>
+          <a:p>
+            <a:pPr lvl="1"/>
+            <a:r>
+              <a:rPr lang="fr-FR" smtClean="0"/>
+              <a:t>Deuxième niveau</a:t>
+            </a:r>
+          </a:p>
+          <a:p>
+            <a:pPr lvl="2"/>
+            <a:r>
+              <a:rPr lang="fr-FR" smtClean="0"/>
+              <a:t>Troisième niveau</a:t>
+            </a:r>
+          </a:p>
+          <a:p>
+            <a:pPr lvl="3"/>
+            <a:r>
+              <a:rPr lang="fr-FR" smtClean="0"/>
+              <a:t>Quatrième niveau</a:t>
+            </a:r>
+          </a:p>
+          <a:p>
+            <a:pPr lvl="4"/>
+            <a:r>
+              <a:rPr lang="fr-FR" smtClean="0"/>
+              <a:t>Cinquième niveau</a:t>
+            </a:r>
+            <a:endParaRPr lang="fr-FR"/>
+          </a:p>
+        </p:txBody>
+      </p:sp>
+      <p:sp>
+        <p:nvSpPr>
+          <p:cNvPr id="4" name="Espace réservé de la date 3"/>
+          <p:cNvSpPr>
+            <a:spLocks noGrp="1"/>
+          </p:cNvSpPr>
+          <p:nvPr>
+            <p:ph type="dt" sz="half" idx="10"/>
+          </p:nvPr>
+        </p:nvSpPr>
+        <p:spPr/>
+        <p:txBody>
+          <a:bodyPr/>
+          <a:lstStyle/>
+          <a:p>
+            <a:fld id="{A74F3EA5-292C-4331-BAB5-A6575F471254}" type="datetimeFigureOut">
+              <a:rPr lang="fr-FR" smtClean="0"/>
+              <a:t>11/08/2022</a:t>
+            </a:fld>
+            <a:endParaRPr lang="fr-FR"/>
+          </a:p>
+        </p:txBody>
+      </p:sp>
+      <p:sp>
+        <p:nvSpPr>
+          <p:cNvPr id="5" name="Espace réservé du pied de page 4"/>
+          <p:cNvSpPr>
+            <a:spLocks noGrp="1"/>
+          </p:cNvSpPr>
+          <p:nvPr>
+            <p:ph type="ftr" sz="quarter" idx="11"/>
+          </p:nvPr>
+        </p:nvSpPr>
+        <p:spPr/>
+        <p:txBody>
+          <a:bodyPr/>
+          <a:lstStyle/>
+          <a:p>
+            <a:endParaRPr lang="fr-FR"/>
+          </a:p>
+        </p:txBody>
+      </p:sp>
+      <p:sp>
+        <p:nvSpPr>
+          <p:cNvPr id="6" name="Espace réservé du numéro de diapositive 5"/>
+          <p:cNvSpPr>
+            <a:spLocks noGrp="1"/>
+          </p:cNvSpPr>
+          <p:nvPr>
+            <p:ph type="sldNum" sz="quarter" idx="12"/>
+          </p:nvPr>
+        </p:nvSpPr>
+        <p:spPr/>
+        <p:txBody>
+          <a:bodyPr/>
+          <a:lstStyle/>
+          <a:p>
+            <a:fld id="{0C070781-3C42-4FAC-8567-5AC674719362}" type="slidenum">
+              <a:rPr lang="fr-FR" smtClean="0"/>
+              <a:t>‹N°›</a:t>
+            </a:fld>
+            <a:endParaRPr lang="fr-FR"/>
+          </a:p>
+        </p:txBody>
+      </p:sp>
+    </p:spTree>
+    <p:extLst>
+      <p:ext uri="{BB962C8B-B14F-4D97-AF65-F5344CB8AC3E}">
+        <p14:creationId xmlns:p14="http://schemas.microsoft.com/office/powerpoint/2010/main" val="1257497913"/>
+      </p:ext>
+    </p:extLst>
+  </p:cSld>
+  <p:clrMapOvr>
+    <a:masterClrMapping/>
+  </p:clrMapOvr>
+</p:sldLayout>
+</file>
+
+<file path=ppt/slideLayouts/slideLayout12.xml><?xml version="1.0" encoding="utf-8"?>
+<p:sldLayout xmlns:a="http://schemas.openxmlformats.org/drawingml/2006/main" xmlns:r="http://schemas.openxmlformats.org/officeDocument/2006/relationships" xmlns:p="http://schemas.openxmlformats.org/presentationml/2006/main" type="title" preserve="1">
+  <p:cSld name="Diapositive de titre">
+    <p:spTree>
+      <p:nvGrpSpPr>
+        <p:cNvPr id="1" name=""/>
+        <p:cNvGrpSpPr/>
+        <p:nvPr/>
+      </p:nvGrpSpPr>
+      <p:grpSpPr>
+        <a:xfrm>
+          <a:off x="0" y="0"/>
+          <a:ext cx="0" cy="0"/>
+          <a:chOff x="0" y="0"/>
+          <a:chExt cx="0" cy="0"/>
+        </a:xfrm>
+      </p:grpSpPr>
+      <p:sp>
+        <p:nvSpPr>
+          <p:cNvPr id="2" name="Title 1"/>
+          <p:cNvSpPr>
+            <a:spLocks noGrp="1"/>
+          </p:cNvSpPr>
+          <p:nvPr>
+            <p:ph type="ctrTitle"/>
+          </p:nvPr>
+        </p:nvSpPr>
+        <p:spPr>
+          <a:xfrm>
+            <a:off x="1524000" y="1122363"/>
+            <a:ext cx="9144000" cy="2387600"/>
           </a:xfrm>
         </p:spPr>
         <p:txBody>
@@ -7592,8 +9188,8 @@
         </p:nvSpPr>
         <p:spPr>
           <a:xfrm>
-            <a:off x="1143000" y="3602038"/>
-            <a:ext cx="6858000" cy="1655762"/>
+            <a:off x="1524000" y="3602038"/>
+            <a:ext cx="9144000" cy="1655762"/>
           </a:xfrm>
         </p:spPr>
         <p:txBody>
@@ -7660,9 +9256,9 @@
           <a:bodyPr/>
           <a:lstStyle/>
           <a:p>
-            <a:fld id="{2EECCBB6-C5F9-4F99-A264-BFD13EB95464}" type="datetimeFigureOut">
-              <a:rPr lang="fr-FR" smtClean="0"/>
-              <a:t>11/06/2022</a:t>
+            <a:fld id="{A74F3EA5-292C-4331-BAB5-A6575F471254}" type="datetimeFigureOut">
+              <a:rPr lang="fr-FR" smtClean="0"/>
+              <a:t>11/08/2022</a:t>
             </a:fld>
             <a:endParaRPr lang="fr-FR"/>
           </a:p>
@@ -7702,7 +9298,7 @@
           <a:bodyPr/>
           <a:lstStyle/>
           <a:p>
-            <a:fld id="{82945A58-3490-464E-99F0-E9AA70B1B42F}" type="slidenum">
+            <a:fld id="{0C070781-3C42-4FAC-8567-5AC674719362}" type="slidenum">
               <a:rPr lang="fr-FR" smtClean="0"/>
               <a:t>‹N°›</a:t>
             </a:fld>
@@ -7713,7 +9309,1512 @@
     </p:spTree>
     <p:extLst>
       <p:ext uri="{BB962C8B-B14F-4D97-AF65-F5344CB8AC3E}">
-        <p14:creationId xmlns:p14="http://schemas.microsoft.com/office/powerpoint/2010/main" val="1839989868"/>
+        <p14:creationId xmlns:p14="http://schemas.microsoft.com/office/powerpoint/2010/main" val="4145100912"/>
+      </p:ext>
+    </p:extLst>
+  </p:cSld>
+  <p:clrMapOvr>
+    <a:masterClrMapping/>
+  </p:clrMapOvr>
+</p:sldLayout>
+</file>
+
+<file path=ppt/slideLayouts/slideLayout13.xml><?xml version="1.0" encoding="utf-8"?>
+<p:sldLayout xmlns:a="http://schemas.openxmlformats.org/drawingml/2006/main" xmlns:r="http://schemas.openxmlformats.org/officeDocument/2006/relationships" xmlns:p="http://schemas.openxmlformats.org/presentationml/2006/main" type="obj" preserve="1">
+  <p:cSld name="Titre et contenu">
+    <p:spTree>
+      <p:nvGrpSpPr>
+        <p:cNvPr id="1" name=""/>
+        <p:cNvGrpSpPr/>
+        <p:nvPr/>
+      </p:nvGrpSpPr>
+      <p:grpSpPr>
+        <a:xfrm>
+          <a:off x="0" y="0"/>
+          <a:ext cx="0" cy="0"/>
+          <a:chOff x="0" y="0"/>
+          <a:chExt cx="0" cy="0"/>
+        </a:xfrm>
+      </p:grpSpPr>
+      <p:sp>
+        <p:nvSpPr>
+          <p:cNvPr id="2" name="Title 1"/>
+          <p:cNvSpPr>
+            <a:spLocks noGrp="1"/>
+          </p:cNvSpPr>
+          <p:nvPr>
+            <p:ph type="title"/>
+          </p:nvPr>
+        </p:nvSpPr>
+        <p:spPr/>
+        <p:txBody>
+          <a:bodyPr/>
+          <a:lstStyle/>
+          <a:p>
+            <a:r>
+              <a:rPr lang="fr-FR" smtClean="0"/>
+              <a:t>Modifiez le style du titre</a:t>
+            </a:r>
+            <a:endParaRPr lang="en-US" dirty="0"/>
+          </a:p>
+        </p:txBody>
+      </p:sp>
+      <p:sp>
+        <p:nvSpPr>
+          <p:cNvPr id="3" name="Content Placeholder 2"/>
+          <p:cNvSpPr>
+            <a:spLocks noGrp="1"/>
+          </p:cNvSpPr>
+          <p:nvPr>
+            <p:ph idx="1"/>
+          </p:nvPr>
+        </p:nvSpPr>
+        <p:spPr/>
+        <p:txBody>
+          <a:bodyPr/>
+          <a:lstStyle/>
+          <a:p>
+            <a:pPr lvl="0"/>
+            <a:r>
+              <a:rPr lang="fr-FR" smtClean="0"/>
+              <a:t>Modifiez les styles du texte du masque</a:t>
+            </a:r>
+          </a:p>
+          <a:p>
+            <a:pPr lvl="1"/>
+            <a:r>
+              <a:rPr lang="fr-FR" smtClean="0"/>
+              <a:t>Deuxième niveau</a:t>
+            </a:r>
+          </a:p>
+          <a:p>
+            <a:pPr lvl="2"/>
+            <a:r>
+              <a:rPr lang="fr-FR" smtClean="0"/>
+              <a:t>Troisième niveau</a:t>
+            </a:r>
+          </a:p>
+          <a:p>
+            <a:pPr lvl="3"/>
+            <a:r>
+              <a:rPr lang="fr-FR" smtClean="0"/>
+              <a:t>Quatrième niveau</a:t>
+            </a:r>
+          </a:p>
+          <a:p>
+            <a:pPr lvl="4"/>
+            <a:r>
+              <a:rPr lang="fr-FR" smtClean="0"/>
+              <a:t>Cinquième niveau</a:t>
+            </a:r>
+            <a:endParaRPr lang="en-US" dirty="0"/>
+          </a:p>
+        </p:txBody>
+      </p:sp>
+      <p:sp>
+        <p:nvSpPr>
+          <p:cNvPr id="4" name="Date Placeholder 3"/>
+          <p:cNvSpPr>
+            <a:spLocks noGrp="1"/>
+          </p:cNvSpPr>
+          <p:nvPr>
+            <p:ph type="dt" sz="half" idx="10"/>
+          </p:nvPr>
+        </p:nvSpPr>
+        <p:spPr/>
+        <p:txBody>
+          <a:bodyPr/>
+          <a:lstStyle/>
+          <a:p>
+            <a:fld id="{A74F3EA5-292C-4331-BAB5-A6575F471254}" type="datetimeFigureOut">
+              <a:rPr lang="fr-FR" smtClean="0"/>
+              <a:t>11/08/2022</a:t>
+            </a:fld>
+            <a:endParaRPr lang="fr-FR"/>
+          </a:p>
+        </p:txBody>
+      </p:sp>
+      <p:sp>
+        <p:nvSpPr>
+          <p:cNvPr id="5" name="Footer Placeholder 4"/>
+          <p:cNvSpPr>
+            <a:spLocks noGrp="1"/>
+          </p:cNvSpPr>
+          <p:nvPr>
+            <p:ph type="ftr" sz="quarter" idx="11"/>
+          </p:nvPr>
+        </p:nvSpPr>
+        <p:spPr/>
+        <p:txBody>
+          <a:bodyPr/>
+          <a:lstStyle/>
+          <a:p>
+            <a:endParaRPr lang="fr-FR"/>
+          </a:p>
+        </p:txBody>
+      </p:sp>
+      <p:sp>
+        <p:nvSpPr>
+          <p:cNvPr id="6" name="Slide Number Placeholder 5"/>
+          <p:cNvSpPr>
+            <a:spLocks noGrp="1"/>
+          </p:cNvSpPr>
+          <p:nvPr>
+            <p:ph type="sldNum" sz="quarter" idx="12"/>
+          </p:nvPr>
+        </p:nvSpPr>
+        <p:spPr/>
+        <p:txBody>
+          <a:bodyPr/>
+          <a:lstStyle/>
+          <a:p>
+            <a:fld id="{0C070781-3C42-4FAC-8567-5AC674719362}" type="slidenum">
+              <a:rPr lang="fr-FR" smtClean="0"/>
+              <a:t>‹N°›</a:t>
+            </a:fld>
+            <a:endParaRPr lang="fr-FR"/>
+          </a:p>
+        </p:txBody>
+      </p:sp>
+    </p:spTree>
+    <p:extLst>
+      <p:ext uri="{BB962C8B-B14F-4D97-AF65-F5344CB8AC3E}">
+        <p14:creationId xmlns:p14="http://schemas.microsoft.com/office/powerpoint/2010/main" val="1936113772"/>
+      </p:ext>
+    </p:extLst>
+  </p:cSld>
+  <p:clrMapOvr>
+    <a:masterClrMapping/>
+  </p:clrMapOvr>
+</p:sldLayout>
+</file>
+
+<file path=ppt/slideLayouts/slideLayout14.xml><?xml version="1.0" encoding="utf-8"?>
+<p:sldLayout xmlns:a="http://schemas.openxmlformats.org/drawingml/2006/main" xmlns:r="http://schemas.openxmlformats.org/officeDocument/2006/relationships" xmlns:p="http://schemas.openxmlformats.org/presentationml/2006/main" type="secHead" preserve="1">
+  <p:cSld name="Titre de section">
+    <p:spTree>
+      <p:nvGrpSpPr>
+        <p:cNvPr id="1" name=""/>
+        <p:cNvGrpSpPr/>
+        <p:nvPr/>
+      </p:nvGrpSpPr>
+      <p:grpSpPr>
+        <a:xfrm>
+          <a:off x="0" y="0"/>
+          <a:ext cx="0" cy="0"/>
+          <a:chOff x="0" y="0"/>
+          <a:chExt cx="0" cy="0"/>
+        </a:xfrm>
+      </p:grpSpPr>
+      <p:sp>
+        <p:nvSpPr>
+          <p:cNvPr id="2" name="Title 1"/>
+          <p:cNvSpPr>
+            <a:spLocks noGrp="1"/>
+          </p:cNvSpPr>
+          <p:nvPr>
+            <p:ph type="title"/>
+          </p:nvPr>
+        </p:nvSpPr>
+        <p:spPr>
+          <a:xfrm>
+            <a:off x="831850" y="1709738"/>
+            <a:ext cx="10515600" cy="2852737"/>
+          </a:xfrm>
+        </p:spPr>
+        <p:txBody>
+          <a:bodyPr anchor="b"/>
+          <a:lstStyle>
+            <a:lvl1pPr>
+              <a:defRPr sz="6000"/>
+            </a:lvl1pPr>
+          </a:lstStyle>
+          <a:p>
+            <a:r>
+              <a:rPr lang="fr-FR" smtClean="0"/>
+              <a:t>Modifiez le style du titre</a:t>
+            </a:r>
+            <a:endParaRPr lang="en-US" dirty="0"/>
+          </a:p>
+        </p:txBody>
+      </p:sp>
+      <p:sp>
+        <p:nvSpPr>
+          <p:cNvPr id="3" name="Text Placeholder 2"/>
+          <p:cNvSpPr>
+            <a:spLocks noGrp="1"/>
+          </p:cNvSpPr>
+          <p:nvPr>
+            <p:ph type="body" idx="1"/>
+          </p:nvPr>
+        </p:nvSpPr>
+        <p:spPr>
+          <a:xfrm>
+            <a:off x="831850" y="4589463"/>
+            <a:ext cx="10515600" cy="1500187"/>
+          </a:xfrm>
+        </p:spPr>
+        <p:txBody>
+          <a:bodyPr/>
+          <a:lstStyle>
+            <a:lvl1pPr marL="0" indent="0">
+              <a:buNone/>
+              <a:defRPr sz="2400">
+                <a:solidFill>
+                  <a:schemeClr val="tx1">
+                    <a:tint val="75000"/>
+                  </a:schemeClr>
+                </a:solidFill>
+              </a:defRPr>
+            </a:lvl1pPr>
+            <a:lvl2pPr marL="457200" indent="0">
+              <a:buNone/>
+              <a:defRPr sz="2000">
+                <a:solidFill>
+                  <a:schemeClr val="tx1">
+                    <a:tint val="75000"/>
+                  </a:schemeClr>
+                </a:solidFill>
+              </a:defRPr>
+            </a:lvl2pPr>
+            <a:lvl3pPr marL="914400" indent="0">
+              <a:buNone/>
+              <a:defRPr sz="1800">
+                <a:solidFill>
+                  <a:schemeClr val="tx1">
+                    <a:tint val="75000"/>
+                  </a:schemeClr>
+                </a:solidFill>
+              </a:defRPr>
+            </a:lvl3pPr>
+            <a:lvl4pPr marL="1371600" indent="0">
+              <a:buNone/>
+              <a:defRPr sz="1600">
+                <a:solidFill>
+                  <a:schemeClr val="tx1">
+                    <a:tint val="75000"/>
+                  </a:schemeClr>
+                </a:solidFill>
+              </a:defRPr>
+            </a:lvl4pPr>
+            <a:lvl5pPr marL="1828800" indent="0">
+              <a:buNone/>
+              <a:defRPr sz="1600">
+                <a:solidFill>
+                  <a:schemeClr val="tx1">
+                    <a:tint val="75000"/>
+                  </a:schemeClr>
+                </a:solidFill>
+              </a:defRPr>
+            </a:lvl5pPr>
+            <a:lvl6pPr marL="2286000" indent="0">
+              <a:buNone/>
+              <a:defRPr sz="1600">
+                <a:solidFill>
+                  <a:schemeClr val="tx1">
+                    <a:tint val="75000"/>
+                  </a:schemeClr>
+                </a:solidFill>
+              </a:defRPr>
+            </a:lvl6pPr>
+            <a:lvl7pPr marL="2743200" indent="0">
+              <a:buNone/>
+              <a:defRPr sz="1600">
+                <a:solidFill>
+                  <a:schemeClr val="tx1">
+                    <a:tint val="75000"/>
+                  </a:schemeClr>
+                </a:solidFill>
+              </a:defRPr>
+            </a:lvl7pPr>
+            <a:lvl8pPr marL="3200400" indent="0">
+              <a:buNone/>
+              <a:defRPr sz="1600">
+                <a:solidFill>
+                  <a:schemeClr val="tx1">
+                    <a:tint val="75000"/>
+                  </a:schemeClr>
+                </a:solidFill>
+              </a:defRPr>
+            </a:lvl8pPr>
+            <a:lvl9pPr marL="3657600" indent="0">
+              <a:buNone/>
+              <a:defRPr sz="1600">
+                <a:solidFill>
+                  <a:schemeClr val="tx1">
+                    <a:tint val="75000"/>
+                  </a:schemeClr>
+                </a:solidFill>
+              </a:defRPr>
+            </a:lvl9pPr>
+          </a:lstStyle>
+          <a:p>
+            <a:pPr lvl="0"/>
+            <a:r>
+              <a:rPr lang="fr-FR" smtClean="0"/>
+              <a:t>Modifiez les styles du texte du masque</a:t>
+            </a:r>
+          </a:p>
+        </p:txBody>
+      </p:sp>
+      <p:sp>
+        <p:nvSpPr>
+          <p:cNvPr id="4" name="Date Placeholder 3"/>
+          <p:cNvSpPr>
+            <a:spLocks noGrp="1"/>
+          </p:cNvSpPr>
+          <p:nvPr>
+            <p:ph type="dt" sz="half" idx="10"/>
+          </p:nvPr>
+        </p:nvSpPr>
+        <p:spPr/>
+        <p:txBody>
+          <a:bodyPr/>
+          <a:lstStyle/>
+          <a:p>
+            <a:fld id="{A74F3EA5-292C-4331-BAB5-A6575F471254}" type="datetimeFigureOut">
+              <a:rPr lang="fr-FR" smtClean="0"/>
+              <a:t>11/08/2022</a:t>
+            </a:fld>
+            <a:endParaRPr lang="fr-FR"/>
+          </a:p>
+        </p:txBody>
+      </p:sp>
+      <p:sp>
+        <p:nvSpPr>
+          <p:cNvPr id="5" name="Footer Placeholder 4"/>
+          <p:cNvSpPr>
+            <a:spLocks noGrp="1"/>
+          </p:cNvSpPr>
+          <p:nvPr>
+            <p:ph type="ftr" sz="quarter" idx="11"/>
+          </p:nvPr>
+        </p:nvSpPr>
+        <p:spPr/>
+        <p:txBody>
+          <a:bodyPr/>
+          <a:lstStyle/>
+          <a:p>
+            <a:endParaRPr lang="fr-FR"/>
+          </a:p>
+        </p:txBody>
+      </p:sp>
+      <p:sp>
+        <p:nvSpPr>
+          <p:cNvPr id="6" name="Slide Number Placeholder 5"/>
+          <p:cNvSpPr>
+            <a:spLocks noGrp="1"/>
+          </p:cNvSpPr>
+          <p:nvPr>
+            <p:ph type="sldNum" sz="quarter" idx="12"/>
+          </p:nvPr>
+        </p:nvSpPr>
+        <p:spPr/>
+        <p:txBody>
+          <a:bodyPr/>
+          <a:lstStyle/>
+          <a:p>
+            <a:fld id="{0C070781-3C42-4FAC-8567-5AC674719362}" type="slidenum">
+              <a:rPr lang="fr-FR" smtClean="0"/>
+              <a:t>‹N°›</a:t>
+            </a:fld>
+            <a:endParaRPr lang="fr-FR"/>
+          </a:p>
+        </p:txBody>
+      </p:sp>
+    </p:spTree>
+    <p:extLst>
+      <p:ext uri="{BB962C8B-B14F-4D97-AF65-F5344CB8AC3E}">
+        <p14:creationId xmlns:p14="http://schemas.microsoft.com/office/powerpoint/2010/main" val="2737355847"/>
+      </p:ext>
+    </p:extLst>
+  </p:cSld>
+  <p:clrMapOvr>
+    <a:masterClrMapping/>
+  </p:clrMapOvr>
+</p:sldLayout>
+</file>
+
+<file path=ppt/slideLayouts/slideLayout15.xml><?xml version="1.0" encoding="utf-8"?>
+<p:sldLayout xmlns:a="http://schemas.openxmlformats.org/drawingml/2006/main" xmlns:r="http://schemas.openxmlformats.org/officeDocument/2006/relationships" xmlns:p="http://schemas.openxmlformats.org/presentationml/2006/main" type="twoObj" preserve="1">
+  <p:cSld name="Deux contenus">
+    <p:spTree>
+      <p:nvGrpSpPr>
+        <p:cNvPr id="1" name=""/>
+        <p:cNvGrpSpPr/>
+        <p:nvPr/>
+      </p:nvGrpSpPr>
+      <p:grpSpPr>
+        <a:xfrm>
+          <a:off x="0" y="0"/>
+          <a:ext cx="0" cy="0"/>
+          <a:chOff x="0" y="0"/>
+          <a:chExt cx="0" cy="0"/>
+        </a:xfrm>
+      </p:grpSpPr>
+      <p:sp>
+        <p:nvSpPr>
+          <p:cNvPr id="2" name="Title 1"/>
+          <p:cNvSpPr>
+            <a:spLocks noGrp="1"/>
+          </p:cNvSpPr>
+          <p:nvPr>
+            <p:ph type="title"/>
+          </p:nvPr>
+        </p:nvSpPr>
+        <p:spPr/>
+        <p:txBody>
+          <a:bodyPr/>
+          <a:lstStyle/>
+          <a:p>
+            <a:r>
+              <a:rPr lang="fr-FR" smtClean="0"/>
+              <a:t>Modifiez le style du titre</a:t>
+            </a:r>
+            <a:endParaRPr lang="en-US" dirty="0"/>
+          </a:p>
+        </p:txBody>
+      </p:sp>
+      <p:sp>
+        <p:nvSpPr>
+          <p:cNvPr id="3" name="Content Placeholder 2"/>
+          <p:cNvSpPr>
+            <a:spLocks noGrp="1"/>
+          </p:cNvSpPr>
+          <p:nvPr>
+            <p:ph sz="half" idx="1"/>
+          </p:nvPr>
+        </p:nvSpPr>
+        <p:spPr>
+          <a:xfrm>
+            <a:off x="838200" y="1825625"/>
+            <a:ext cx="5181600" cy="4351338"/>
+          </a:xfrm>
+        </p:spPr>
+        <p:txBody>
+          <a:bodyPr/>
+          <a:lstStyle/>
+          <a:p>
+            <a:pPr lvl="0"/>
+            <a:r>
+              <a:rPr lang="fr-FR" smtClean="0"/>
+              <a:t>Modifiez les styles du texte du masque</a:t>
+            </a:r>
+          </a:p>
+          <a:p>
+            <a:pPr lvl="1"/>
+            <a:r>
+              <a:rPr lang="fr-FR" smtClean="0"/>
+              <a:t>Deuxième niveau</a:t>
+            </a:r>
+          </a:p>
+          <a:p>
+            <a:pPr lvl="2"/>
+            <a:r>
+              <a:rPr lang="fr-FR" smtClean="0"/>
+              <a:t>Troisième niveau</a:t>
+            </a:r>
+          </a:p>
+          <a:p>
+            <a:pPr lvl="3"/>
+            <a:r>
+              <a:rPr lang="fr-FR" smtClean="0"/>
+              <a:t>Quatrième niveau</a:t>
+            </a:r>
+          </a:p>
+          <a:p>
+            <a:pPr lvl="4"/>
+            <a:r>
+              <a:rPr lang="fr-FR" smtClean="0"/>
+              <a:t>Cinquième niveau</a:t>
+            </a:r>
+            <a:endParaRPr lang="en-US" dirty="0"/>
+          </a:p>
+        </p:txBody>
+      </p:sp>
+      <p:sp>
+        <p:nvSpPr>
+          <p:cNvPr id="4" name="Content Placeholder 3"/>
+          <p:cNvSpPr>
+            <a:spLocks noGrp="1"/>
+          </p:cNvSpPr>
+          <p:nvPr>
+            <p:ph sz="half" idx="2"/>
+          </p:nvPr>
+        </p:nvSpPr>
+        <p:spPr>
+          <a:xfrm>
+            <a:off x="6172200" y="1825625"/>
+            <a:ext cx="5181600" cy="4351338"/>
+          </a:xfrm>
+        </p:spPr>
+        <p:txBody>
+          <a:bodyPr/>
+          <a:lstStyle/>
+          <a:p>
+            <a:pPr lvl="0"/>
+            <a:r>
+              <a:rPr lang="fr-FR" smtClean="0"/>
+              <a:t>Modifiez les styles du texte du masque</a:t>
+            </a:r>
+          </a:p>
+          <a:p>
+            <a:pPr lvl="1"/>
+            <a:r>
+              <a:rPr lang="fr-FR" smtClean="0"/>
+              <a:t>Deuxième niveau</a:t>
+            </a:r>
+          </a:p>
+          <a:p>
+            <a:pPr lvl="2"/>
+            <a:r>
+              <a:rPr lang="fr-FR" smtClean="0"/>
+              <a:t>Troisième niveau</a:t>
+            </a:r>
+          </a:p>
+          <a:p>
+            <a:pPr lvl="3"/>
+            <a:r>
+              <a:rPr lang="fr-FR" smtClean="0"/>
+              <a:t>Quatrième niveau</a:t>
+            </a:r>
+          </a:p>
+          <a:p>
+            <a:pPr lvl="4"/>
+            <a:r>
+              <a:rPr lang="fr-FR" smtClean="0"/>
+              <a:t>Cinquième niveau</a:t>
+            </a:r>
+            <a:endParaRPr lang="en-US" dirty="0"/>
+          </a:p>
+        </p:txBody>
+      </p:sp>
+      <p:sp>
+        <p:nvSpPr>
+          <p:cNvPr id="5" name="Date Placeholder 4"/>
+          <p:cNvSpPr>
+            <a:spLocks noGrp="1"/>
+          </p:cNvSpPr>
+          <p:nvPr>
+            <p:ph type="dt" sz="half" idx="10"/>
+          </p:nvPr>
+        </p:nvSpPr>
+        <p:spPr/>
+        <p:txBody>
+          <a:bodyPr/>
+          <a:lstStyle/>
+          <a:p>
+            <a:fld id="{A74F3EA5-292C-4331-BAB5-A6575F471254}" type="datetimeFigureOut">
+              <a:rPr lang="fr-FR" smtClean="0"/>
+              <a:t>11/08/2022</a:t>
+            </a:fld>
+            <a:endParaRPr lang="fr-FR"/>
+          </a:p>
+        </p:txBody>
+      </p:sp>
+      <p:sp>
+        <p:nvSpPr>
+          <p:cNvPr id="6" name="Footer Placeholder 5"/>
+          <p:cNvSpPr>
+            <a:spLocks noGrp="1"/>
+          </p:cNvSpPr>
+          <p:nvPr>
+            <p:ph type="ftr" sz="quarter" idx="11"/>
+          </p:nvPr>
+        </p:nvSpPr>
+        <p:spPr/>
+        <p:txBody>
+          <a:bodyPr/>
+          <a:lstStyle/>
+          <a:p>
+            <a:endParaRPr lang="fr-FR"/>
+          </a:p>
+        </p:txBody>
+      </p:sp>
+      <p:sp>
+        <p:nvSpPr>
+          <p:cNvPr id="7" name="Slide Number Placeholder 6"/>
+          <p:cNvSpPr>
+            <a:spLocks noGrp="1"/>
+          </p:cNvSpPr>
+          <p:nvPr>
+            <p:ph type="sldNum" sz="quarter" idx="12"/>
+          </p:nvPr>
+        </p:nvSpPr>
+        <p:spPr/>
+        <p:txBody>
+          <a:bodyPr/>
+          <a:lstStyle/>
+          <a:p>
+            <a:fld id="{0C070781-3C42-4FAC-8567-5AC674719362}" type="slidenum">
+              <a:rPr lang="fr-FR" smtClean="0"/>
+              <a:t>‹N°›</a:t>
+            </a:fld>
+            <a:endParaRPr lang="fr-FR"/>
+          </a:p>
+        </p:txBody>
+      </p:sp>
+    </p:spTree>
+    <p:extLst>
+      <p:ext uri="{BB962C8B-B14F-4D97-AF65-F5344CB8AC3E}">
+        <p14:creationId xmlns:p14="http://schemas.microsoft.com/office/powerpoint/2010/main" val="701592519"/>
+      </p:ext>
+    </p:extLst>
+  </p:cSld>
+  <p:clrMapOvr>
+    <a:masterClrMapping/>
+  </p:clrMapOvr>
+</p:sldLayout>
+</file>
+
+<file path=ppt/slideLayouts/slideLayout16.xml><?xml version="1.0" encoding="utf-8"?>
+<p:sldLayout xmlns:a="http://schemas.openxmlformats.org/drawingml/2006/main" xmlns:r="http://schemas.openxmlformats.org/officeDocument/2006/relationships" xmlns:p="http://schemas.openxmlformats.org/presentationml/2006/main" type="twoTxTwoObj" preserve="1">
+  <p:cSld name="Comparaison">
+    <p:spTree>
+      <p:nvGrpSpPr>
+        <p:cNvPr id="1" name=""/>
+        <p:cNvGrpSpPr/>
+        <p:nvPr/>
+      </p:nvGrpSpPr>
+      <p:grpSpPr>
+        <a:xfrm>
+          <a:off x="0" y="0"/>
+          <a:ext cx="0" cy="0"/>
+          <a:chOff x="0" y="0"/>
+          <a:chExt cx="0" cy="0"/>
+        </a:xfrm>
+      </p:grpSpPr>
+      <p:sp>
+        <p:nvSpPr>
+          <p:cNvPr id="2" name="Title 1"/>
+          <p:cNvSpPr>
+            <a:spLocks noGrp="1"/>
+          </p:cNvSpPr>
+          <p:nvPr>
+            <p:ph type="title"/>
+          </p:nvPr>
+        </p:nvSpPr>
+        <p:spPr>
+          <a:xfrm>
+            <a:off x="839788" y="365125"/>
+            <a:ext cx="10515600" cy="1325563"/>
+          </a:xfrm>
+        </p:spPr>
+        <p:txBody>
+          <a:bodyPr/>
+          <a:lstStyle/>
+          <a:p>
+            <a:r>
+              <a:rPr lang="fr-FR" smtClean="0"/>
+              <a:t>Modifiez le style du titre</a:t>
+            </a:r>
+            <a:endParaRPr lang="en-US" dirty="0"/>
+          </a:p>
+        </p:txBody>
+      </p:sp>
+      <p:sp>
+        <p:nvSpPr>
+          <p:cNvPr id="3" name="Text Placeholder 2"/>
+          <p:cNvSpPr>
+            <a:spLocks noGrp="1"/>
+          </p:cNvSpPr>
+          <p:nvPr>
+            <p:ph type="body" idx="1"/>
+          </p:nvPr>
+        </p:nvSpPr>
+        <p:spPr>
+          <a:xfrm>
+            <a:off x="839788" y="1681163"/>
+            <a:ext cx="5157787" cy="823912"/>
+          </a:xfrm>
+        </p:spPr>
+        <p:txBody>
+          <a:bodyPr anchor="b"/>
+          <a:lstStyle>
+            <a:lvl1pPr marL="0" indent="0">
+              <a:buNone/>
+              <a:defRPr sz="2400" b="1"/>
+            </a:lvl1pPr>
+            <a:lvl2pPr marL="457200" indent="0">
+              <a:buNone/>
+              <a:defRPr sz="2000" b="1"/>
+            </a:lvl2pPr>
+            <a:lvl3pPr marL="914400" indent="0">
+              <a:buNone/>
+              <a:defRPr sz="1800" b="1"/>
+            </a:lvl3pPr>
+            <a:lvl4pPr marL="1371600" indent="0">
+              <a:buNone/>
+              <a:defRPr sz="1600" b="1"/>
+            </a:lvl4pPr>
+            <a:lvl5pPr marL="1828800" indent="0">
+              <a:buNone/>
+              <a:defRPr sz="1600" b="1"/>
+            </a:lvl5pPr>
+            <a:lvl6pPr marL="2286000" indent="0">
+              <a:buNone/>
+              <a:defRPr sz="1600" b="1"/>
+            </a:lvl6pPr>
+            <a:lvl7pPr marL="2743200" indent="0">
+              <a:buNone/>
+              <a:defRPr sz="1600" b="1"/>
+            </a:lvl7pPr>
+            <a:lvl8pPr marL="3200400" indent="0">
+              <a:buNone/>
+              <a:defRPr sz="1600" b="1"/>
+            </a:lvl8pPr>
+            <a:lvl9pPr marL="3657600" indent="0">
+              <a:buNone/>
+              <a:defRPr sz="1600" b="1"/>
+            </a:lvl9pPr>
+          </a:lstStyle>
+          <a:p>
+            <a:pPr lvl="0"/>
+            <a:r>
+              <a:rPr lang="fr-FR" smtClean="0"/>
+              <a:t>Modifiez les styles du texte du masque</a:t>
+            </a:r>
+          </a:p>
+        </p:txBody>
+      </p:sp>
+      <p:sp>
+        <p:nvSpPr>
+          <p:cNvPr id="4" name="Content Placeholder 3"/>
+          <p:cNvSpPr>
+            <a:spLocks noGrp="1"/>
+          </p:cNvSpPr>
+          <p:nvPr>
+            <p:ph sz="half" idx="2"/>
+          </p:nvPr>
+        </p:nvSpPr>
+        <p:spPr>
+          <a:xfrm>
+            <a:off x="839788" y="2505075"/>
+            <a:ext cx="5157787" cy="3684588"/>
+          </a:xfrm>
+        </p:spPr>
+        <p:txBody>
+          <a:bodyPr/>
+          <a:lstStyle/>
+          <a:p>
+            <a:pPr lvl="0"/>
+            <a:r>
+              <a:rPr lang="fr-FR" smtClean="0"/>
+              <a:t>Modifiez les styles du texte du masque</a:t>
+            </a:r>
+          </a:p>
+          <a:p>
+            <a:pPr lvl="1"/>
+            <a:r>
+              <a:rPr lang="fr-FR" smtClean="0"/>
+              <a:t>Deuxième niveau</a:t>
+            </a:r>
+          </a:p>
+          <a:p>
+            <a:pPr lvl="2"/>
+            <a:r>
+              <a:rPr lang="fr-FR" smtClean="0"/>
+              <a:t>Troisième niveau</a:t>
+            </a:r>
+          </a:p>
+          <a:p>
+            <a:pPr lvl="3"/>
+            <a:r>
+              <a:rPr lang="fr-FR" smtClean="0"/>
+              <a:t>Quatrième niveau</a:t>
+            </a:r>
+          </a:p>
+          <a:p>
+            <a:pPr lvl="4"/>
+            <a:r>
+              <a:rPr lang="fr-FR" smtClean="0"/>
+              <a:t>Cinquième niveau</a:t>
+            </a:r>
+            <a:endParaRPr lang="en-US" dirty="0"/>
+          </a:p>
+        </p:txBody>
+      </p:sp>
+      <p:sp>
+        <p:nvSpPr>
+          <p:cNvPr id="5" name="Text Placeholder 4"/>
+          <p:cNvSpPr>
+            <a:spLocks noGrp="1"/>
+          </p:cNvSpPr>
+          <p:nvPr>
+            <p:ph type="body" sz="quarter" idx="3"/>
+          </p:nvPr>
+        </p:nvSpPr>
+        <p:spPr>
+          <a:xfrm>
+            <a:off x="6172200" y="1681163"/>
+            <a:ext cx="5183188" cy="823912"/>
+          </a:xfrm>
+        </p:spPr>
+        <p:txBody>
+          <a:bodyPr anchor="b"/>
+          <a:lstStyle>
+            <a:lvl1pPr marL="0" indent="0">
+              <a:buNone/>
+              <a:defRPr sz="2400" b="1"/>
+            </a:lvl1pPr>
+            <a:lvl2pPr marL="457200" indent="0">
+              <a:buNone/>
+              <a:defRPr sz="2000" b="1"/>
+            </a:lvl2pPr>
+            <a:lvl3pPr marL="914400" indent="0">
+              <a:buNone/>
+              <a:defRPr sz="1800" b="1"/>
+            </a:lvl3pPr>
+            <a:lvl4pPr marL="1371600" indent="0">
+              <a:buNone/>
+              <a:defRPr sz="1600" b="1"/>
+            </a:lvl4pPr>
+            <a:lvl5pPr marL="1828800" indent="0">
+              <a:buNone/>
+              <a:defRPr sz="1600" b="1"/>
+            </a:lvl5pPr>
+            <a:lvl6pPr marL="2286000" indent="0">
+              <a:buNone/>
+              <a:defRPr sz="1600" b="1"/>
+            </a:lvl6pPr>
+            <a:lvl7pPr marL="2743200" indent="0">
+              <a:buNone/>
+              <a:defRPr sz="1600" b="1"/>
+            </a:lvl7pPr>
+            <a:lvl8pPr marL="3200400" indent="0">
+              <a:buNone/>
+              <a:defRPr sz="1600" b="1"/>
+            </a:lvl8pPr>
+            <a:lvl9pPr marL="3657600" indent="0">
+              <a:buNone/>
+              <a:defRPr sz="1600" b="1"/>
+            </a:lvl9pPr>
+          </a:lstStyle>
+          <a:p>
+            <a:pPr lvl="0"/>
+            <a:r>
+              <a:rPr lang="fr-FR" smtClean="0"/>
+              <a:t>Modifiez les styles du texte du masque</a:t>
+            </a:r>
+          </a:p>
+        </p:txBody>
+      </p:sp>
+      <p:sp>
+        <p:nvSpPr>
+          <p:cNvPr id="6" name="Content Placeholder 5"/>
+          <p:cNvSpPr>
+            <a:spLocks noGrp="1"/>
+          </p:cNvSpPr>
+          <p:nvPr>
+            <p:ph sz="quarter" idx="4"/>
+          </p:nvPr>
+        </p:nvSpPr>
+        <p:spPr>
+          <a:xfrm>
+            <a:off x="6172200" y="2505075"/>
+            <a:ext cx="5183188" cy="3684588"/>
+          </a:xfrm>
+        </p:spPr>
+        <p:txBody>
+          <a:bodyPr/>
+          <a:lstStyle/>
+          <a:p>
+            <a:pPr lvl="0"/>
+            <a:r>
+              <a:rPr lang="fr-FR" smtClean="0"/>
+              <a:t>Modifiez les styles du texte du masque</a:t>
+            </a:r>
+          </a:p>
+          <a:p>
+            <a:pPr lvl="1"/>
+            <a:r>
+              <a:rPr lang="fr-FR" smtClean="0"/>
+              <a:t>Deuxième niveau</a:t>
+            </a:r>
+          </a:p>
+          <a:p>
+            <a:pPr lvl="2"/>
+            <a:r>
+              <a:rPr lang="fr-FR" smtClean="0"/>
+              <a:t>Troisième niveau</a:t>
+            </a:r>
+          </a:p>
+          <a:p>
+            <a:pPr lvl="3"/>
+            <a:r>
+              <a:rPr lang="fr-FR" smtClean="0"/>
+              <a:t>Quatrième niveau</a:t>
+            </a:r>
+          </a:p>
+          <a:p>
+            <a:pPr lvl="4"/>
+            <a:r>
+              <a:rPr lang="fr-FR" smtClean="0"/>
+              <a:t>Cinquième niveau</a:t>
+            </a:r>
+            <a:endParaRPr lang="en-US" dirty="0"/>
+          </a:p>
+        </p:txBody>
+      </p:sp>
+      <p:sp>
+        <p:nvSpPr>
+          <p:cNvPr id="7" name="Date Placeholder 6"/>
+          <p:cNvSpPr>
+            <a:spLocks noGrp="1"/>
+          </p:cNvSpPr>
+          <p:nvPr>
+            <p:ph type="dt" sz="half" idx="10"/>
+          </p:nvPr>
+        </p:nvSpPr>
+        <p:spPr/>
+        <p:txBody>
+          <a:bodyPr/>
+          <a:lstStyle/>
+          <a:p>
+            <a:fld id="{A74F3EA5-292C-4331-BAB5-A6575F471254}" type="datetimeFigureOut">
+              <a:rPr lang="fr-FR" smtClean="0"/>
+              <a:t>11/08/2022</a:t>
+            </a:fld>
+            <a:endParaRPr lang="fr-FR"/>
+          </a:p>
+        </p:txBody>
+      </p:sp>
+      <p:sp>
+        <p:nvSpPr>
+          <p:cNvPr id="8" name="Footer Placeholder 7"/>
+          <p:cNvSpPr>
+            <a:spLocks noGrp="1"/>
+          </p:cNvSpPr>
+          <p:nvPr>
+            <p:ph type="ftr" sz="quarter" idx="11"/>
+          </p:nvPr>
+        </p:nvSpPr>
+        <p:spPr/>
+        <p:txBody>
+          <a:bodyPr/>
+          <a:lstStyle/>
+          <a:p>
+            <a:endParaRPr lang="fr-FR"/>
+          </a:p>
+        </p:txBody>
+      </p:sp>
+      <p:sp>
+        <p:nvSpPr>
+          <p:cNvPr id="9" name="Slide Number Placeholder 8"/>
+          <p:cNvSpPr>
+            <a:spLocks noGrp="1"/>
+          </p:cNvSpPr>
+          <p:nvPr>
+            <p:ph type="sldNum" sz="quarter" idx="12"/>
+          </p:nvPr>
+        </p:nvSpPr>
+        <p:spPr/>
+        <p:txBody>
+          <a:bodyPr/>
+          <a:lstStyle/>
+          <a:p>
+            <a:fld id="{0C070781-3C42-4FAC-8567-5AC674719362}" type="slidenum">
+              <a:rPr lang="fr-FR" smtClean="0"/>
+              <a:t>‹N°›</a:t>
+            </a:fld>
+            <a:endParaRPr lang="fr-FR"/>
+          </a:p>
+        </p:txBody>
+      </p:sp>
+    </p:spTree>
+    <p:extLst>
+      <p:ext uri="{BB962C8B-B14F-4D97-AF65-F5344CB8AC3E}">
+        <p14:creationId xmlns:p14="http://schemas.microsoft.com/office/powerpoint/2010/main" val="680317183"/>
+      </p:ext>
+    </p:extLst>
+  </p:cSld>
+  <p:clrMapOvr>
+    <a:masterClrMapping/>
+  </p:clrMapOvr>
+</p:sldLayout>
+</file>
+
+<file path=ppt/slideLayouts/slideLayout17.xml><?xml version="1.0" encoding="utf-8"?>
+<p:sldLayout xmlns:a="http://schemas.openxmlformats.org/drawingml/2006/main" xmlns:r="http://schemas.openxmlformats.org/officeDocument/2006/relationships" xmlns:p="http://schemas.openxmlformats.org/presentationml/2006/main" type="titleOnly" preserve="1">
+  <p:cSld name="Titre seul">
+    <p:spTree>
+      <p:nvGrpSpPr>
+        <p:cNvPr id="1" name=""/>
+        <p:cNvGrpSpPr/>
+        <p:nvPr/>
+      </p:nvGrpSpPr>
+      <p:grpSpPr>
+        <a:xfrm>
+          <a:off x="0" y="0"/>
+          <a:ext cx="0" cy="0"/>
+          <a:chOff x="0" y="0"/>
+          <a:chExt cx="0" cy="0"/>
+        </a:xfrm>
+      </p:grpSpPr>
+      <p:sp>
+        <p:nvSpPr>
+          <p:cNvPr id="2" name="Title 1"/>
+          <p:cNvSpPr>
+            <a:spLocks noGrp="1"/>
+          </p:cNvSpPr>
+          <p:nvPr>
+            <p:ph type="title"/>
+          </p:nvPr>
+        </p:nvSpPr>
+        <p:spPr/>
+        <p:txBody>
+          <a:bodyPr/>
+          <a:lstStyle/>
+          <a:p>
+            <a:r>
+              <a:rPr lang="fr-FR" smtClean="0"/>
+              <a:t>Modifiez le style du titre</a:t>
+            </a:r>
+            <a:endParaRPr lang="en-US" dirty="0"/>
+          </a:p>
+        </p:txBody>
+      </p:sp>
+      <p:sp>
+        <p:nvSpPr>
+          <p:cNvPr id="3" name="Date Placeholder 2"/>
+          <p:cNvSpPr>
+            <a:spLocks noGrp="1"/>
+          </p:cNvSpPr>
+          <p:nvPr>
+            <p:ph type="dt" sz="half" idx="10"/>
+          </p:nvPr>
+        </p:nvSpPr>
+        <p:spPr/>
+        <p:txBody>
+          <a:bodyPr/>
+          <a:lstStyle/>
+          <a:p>
+            <a:fld id="{A74F3EA5-292C-4331-BAB5-A6575F471254}" type="datetimeFigureOut">
+              <a:rPr lang="fr-FR" smtClean="0"/>
+              <a:t>11/08/2022</a:t>
+            </a:fld>
+            <a:endParaRPr lang="fr-FR"/>
+          </a:p>
+        </p:txBody>
+      </p:sp>
+      <p:sp>
+        <p:nvSpPr>
+          <p:cNvPr id="4" name="Footer Placeholder 3"/>
+          <p:cNvSpPr>
+            <a:spLocks noGrp="1"/>
+          </p:cNvSpPr>
+          <p:nvPr>
+            <p:ph type="ftr" sz="quarter" idx="11"/>
+          </p:nvPr>
+        </p:nvSpPr>
+        <p:spPr/>
+        <p:txBody>
+          <a:bodyPr/>
+          <a:lstStyle/>
+          <a:p>
+            <a:endParaRPr lang="fr-FR"/>
+          </a:p>
+        </p:txBody>
+      </p:sp>
+      <p:sp>
+        <p:nvSpPr>
+          <p:cNvPr id="5" name="Slide Number Placeholder 4"/>
+          <p:cNvSpPr>
+            <a:spLocks noGrp="1"/>
+          </p:cNvSpPr>
+          <p:nvPr>
+            <p:ph type="sldNum" sz="quarter" idx="12"/>
+          </p:nvPr>
+        </p:nvSpPr>
+        <p:spPr/>
+        <p:txBody>
+          <a:bodyPr/>
+          <a:lstStyle/>
+          <a:p>
+            <a:fld id="{0C070781-3C42-4FAC-8567-5AC674719362}" type="slidenum">
+              <a:rPr lang="fr-FR" smtClean="0"/>
+              <a:t>‹N°›</a:t>
+            </a:fld>
+            <a:endParaRPr lang="fr-FR"/>
+          </a:p>
+        </p:txBody>
+      </p:sp>
+    </p:spTree>
+    <p:extLst>
+      <p:ext uri="{BB962C8B-B14F-4D97-AF65-F5344CB8AC3E}">
+        <p14:creationId xmlns:p14="http://schemas.microsoft.com/office/powerpoint/2010/main" val="2552781641"/>
+      </p:ext>
+    </p:extLst>
+  </p:cSld>
+  <p:clrMapOvr>
+    <a:masterClrMapping/>
+  </p:clrMapOvr>
+</p:sldLayout>
+</file>
+
+<file path=ppt/slideLayouts/slideLayout18.xml><?xml version="1.0" encoding="utf-8"?>
+<p:sldLayout xmlns:a="http://schemas.openxmlformats.org/drawingml/2006/main" xmlns:r="http://schemas.openxmlformats.org/officeDocument/2006/relationships" xmlns:p="http://schemas.openxmlformats.org/presentationml/2006/main" type="blank" preserve="1">
+  <p:cSld name="Vide">
+    <p:spTree>
+      <p:nvGrpSpPr>
+        <p:cNvPr id="1" name=""/>
+        <p:cNvGrpSpPr/>
+        <p:nvPr/>
+      </p:nvGrpSpPr>
+      <p:grpSpPr>
+        <a:xfrm>
+          <a:off x="0" y="0"/>
+          <a:ext cx="0" cy="0"/>
+          <a:chOff x="0" y="0"/>
+          <a:chExt cx="0" cy="0"/>
+        </a:xfrm>
+      </p:grpSpPr>
+      <p:sp>
+        <p:nvSpPr>
+          <p:cNvPr id="2" name="Date Placeholder 1"/>
+          <p:cNvSpPr>
+            <a:spLocks noGrp="1"/>
+          </p:cNvSpPr>
+          <p:nvPr>
+            <p:ph type="dt" sz="half" idx="10"/>
+          </p:nvPr>
+        </p:nvSpPr>
+        <p:spPr/>
+        <p:txBody>
+          <a:bodyPr/>
+          <a:lstStyle/>
+          <a:p>
+            <a:fld id="{A74F3EA5-292C-4331-BAB5-A6575F471254}" type="datetimeFigureOut">
+              <a:rPr lang="fr-FR" smtClean="0"/>
+              <a:t>11/08/2022</a:t>
+            </a:fld>
+            <a:endParaRPr lang="fr-FR"/>
+          </a:p>
+        </p:txBody>
+      </p:sp>
+      <p:sp>
+        <p:nvSpPr>
+          <p:cNvPr id="3" name="Footer Placeholder 2"/>
+          <p:cNvSpPr>
+            <a:spLocks noGrp="1"/>
+          </p:cNvSpPr>
+          <p:nvPr>
+            <p:ph type="ftr" sz="quarter" idx="11"/>
+          </p:nvPr>
+        </p:nvSpPr>
+        <p:spPr/>
+        <p:txBody>
+          <a:bodyPr/>
+          <a:lstStyle/>
+          <a:p>
+            <a:endParaRPr lang="fr-FR"/>
+          </a:p>
+        </p:txBody>
+      </p:sp>
+      <p:sp>
+        <p:nvSpPr>
+          <p:cNvPr id="4" name="Slide Number Placeholder 3"/>
+          <p:cNvSpPr>
+            <a:spLocks noGrp="1"/>
+          </p:cNvSpPr>
+          <p:nvPr>
+            <p:ph type="sldNum" sz="quarter" idx="12"/>
+          </p:nvPr>
+        </p:nvSpPr>
+        <p:spPr/>
+        <p:txBody>
+          <a:bodyPr/>
+          <a:lstStyle/>
+          <a:p>
+            <a:fld id="{0C070781-3C42-4FAC-8567-5AC674719362}" type="slidenum">
+              <a:rPr lang="fr-FR" smtClean="0"/>
+              <a:t>‹N°›</a:t>
+            </a:fld>
+            <a:endParaRPr lang="fr-FR"/>
+          </a:p>
+        </p:txBody>
+      </p:sp>
+    </p:spTree>
+    <p:extLst>
+      <p:ext uri="{BB962C8B-B14F-4D97-AF65-F5344CB8AC3E}">
+        <p14:creationId xmlns:p14="http://schemas.microsoft.com/office/powerpoint/2010/main" val="2293650262"/>
+      </p:ext>
+    </p:extLst>
+  </p:cSld>
+  <p:clrMapOvr>
+    <a:masterClrMapping/>
+  </p:clrMapOvr>
+</p:sldLayout>
+</file>
+
+<file path=ppt/slideLayouts/slideLayout19.xml><?xml version="1.0" encoding="utf-8"?>
+<p:sldLayout xmlns:a="http://schemas.openxmlformats.org/drawingml/2006/main" xmlns:r="http://schemas.openxmlformats.org/officeDocument/2006/relationships" xmlns:p="http://schemas.openxmlformats.org/presentationml/2006/main" type="objTx" preserve="1">
+  <p:cSld name="Contenu avec légende">
+    <p:spTree>
+      <p:nvGrpSpPr>
+        <p:cNvPr id="1" name=""/>
+        <p:cNvGrpSpPr/>
+        <p:nvPr/>
+      </p:nvGrpSpPr>
+      <p:grpSpPr>
+        <a:xfrm>
+          <a:off x="0" y="0"/>
+          <a:ext cx="0" cy="0"/>
+          <a:chOff x="0" y="0"/>
+          <a:chExt cx="0" cy="0"/>
+        </a:xfrm>
+      </p:grpSpPr>
+      <p:sp>
+        <p:nvSpPr>
+          <p:cNvPr id="2" name="Title 1"/>
+          <p:cNvSpPr>
+            <a:spLocks noGrp="1"/>
+          </p:cNvSpPr>
+          <p:nvPr>
+            <p:ph type="title"/>
+          </p:nvPr>
+        </p:nvSpPr>
+        <p:spPr>
+          <a:xfrm>
+            <a:off x="839788" y="457200"/>
+            <a:ext cx="3932237" cy="1600200"/>
+          </a:xfrm>
+        </p:spPr>
+        <p:txBody>
+          <a:bodyPr anchor="b"/>
+          <a:lstStyle>
+            <a:lvl1pPr>
+              <a:defRPr sz="3200"/>
+            </a:lvl1pPr>
+          </a:lstStyle>
+          <a:p>
+            <a:r>
+              <a:rPr lang="fr-FR" smtClean="0"/>
+              <a:t>Modifiez le style du titre</a:t>
+            </a:r>
+            <a:endParaRPr lang="en-US" dirty="0"/>
+          </a:p>
+        </p:txBody>
+      </p:sp>
+      <p:sp>
+        <p:nvSpPr>
+          <p:cNvPr id="3" name="Content Placeholder 2"/>
+          <p:cNvSpPr>
+            <a:spLocks noGrp="1"/>
+          </p:cNvSpPr>
+          <p:nvPr>
+            <p:ph idx="1"/>
+          </p:nvPr>
+        </p:nvSpPr>
+        <p:spPr>
+          <a:xfrm>
+            <a:off x="5183188" y="987425"/>
+            <a:ext cx="6172200" cy="4873625"/>
+          </a:xfrm>
+        </p:spPr>
+        <p:txBody>
+          <a:bodyPr/>
+          <a:lstStyle>
+            <a:lvl1pPr>
+              <a:defRPr sz="3200"/>
+            </a:lvl1pPr>
+            <a:lvl2pPr>
+              <a:defRPr sz="2800"/>
+            </a:lvl2pPr>
+            <a:lvl3pPr>
+              <a:defRPr sz="2400"/>
+            </a:lvl3pPr>
+            <a:lvl4pPr>
+              <a:defRPr sz="2000"/>
+            </a:lvl4pPr>
+            <a:lvl5pPr>
+              <a:defRPr sz="2000"/>
+            </a:lvl5pPr>
+            <a:lvl6pPr>
+              <a:defRPr sz="2000"/>
+            </a:lvl6pPr>
+            <a:lvl7pPr>
+              <a:defRPr sz="2000"/>
+            </a:lvl7pPr>
+            <a:lvl8pPr>
+              <a:defRPr sz="2000"/>
+            </a:lvl8pPr>
+            <a:lvl9pPr>
+              <a:defRPr sz="2000"/>
+            </a:lvl9pPr>
+          </a:lstStyle>
+          <a:p>
+            <a:pPr lvl="0"/>
+            <a:r>
+              <a:rPr lang="fr-FR" smtClean="0"/>
+              <a:t>Modifiez les styles du texte du masque</a:t>
+            </a:r>
+          </a:p>
+          <a:p>
+            <a:pPr lvl="1"/>
+            <a:r>
+              <a:rPr lang="fr-FR" smtClean="0"/>
+              <a:t>Deuxième niveau</a:t>
+            </a:r>
+          </a:p>
+          <a:p>
+            <a:pPr lvl="2"/>
+            <a:r>
+              <a:rPr lang="fr-FR" smtClean="0"/>
+              <a:t>Troisième niveau</a:t>
+            </a:r>
+          </a:p>
+          <a:p>
+            <a:pPr lvl="3"/>
+            <a:r>
+              <a:rPr lang="fr-FR" smtClean="0"/>
+              <a:t>Quatrième niveau</a:t>
+            </a:r>
+          </a:p>
+          <a:p>
+            <a:pPr lvl="4"/>
+            <a:r>
+              <a:rPr lang="fr-FR" smtClean="0"/>
+              <a:t>Cinquième niveau</a:t>
+            </a:r>
+            <a:endParaRPr lang="en-US" dirty="0"/>
+          </a:p>
+        </p:txBody>
+      </p:sp>
+      <p:sp>
+        <p:nvSpPr>
+          <p:cNvPr id="4" name="Text Placeholder 3"/>
+          <p:cNvSpPr>
+            <a:spLocks noGrp="1"/>
+          </p:cNvSpPr>
+          <p:nvPr>
+            <p:ph type="body" sz="half" idx="2"/>
+          </p:nvPr>
+        </p:nvSpPr>
+        <p:spPr>
+          <a:xfrm>
+            <a:off x="839788" y="2057400"/>
+            <a:ext cx="3932237" cy="3811588"/>
+          </a:xfrm>
+        </p:spPr>
+        <p:txBody>
+          <a:bodyPr/>
+          <a:lstStyle>
+            <a:lvl1pPr marL="0" indent="0">
+              <a:buNone/>
+              <a:defRPr sz="1600"/>
+            </a:lvl1pPr>
+            <a:lvl2pPr marL="457200" indent="0">
+              <a:buNone/>
+              <a:defRPr sz="1400"/>
+            </a:lvl2pPr>
+            <a:lvl3pPr marL="914400" indent="0">
+              <a:buNone/>
+              <a:defRPr sz="1200"/>
+            </a:lvl3pPr>
+            <a:lvl4pPr marL="1371600" indent="0">
+              <a:buNone/>
+              <a:defRPr sz="1000"/>
+            </a:lvl4pPr>
+            <a:lvl5pPr marL="1828800" indent="0">
+              <a:buNone/>
+              <a:defRPr sz="1000"/>
+            </a:lvl5pPr>
+            <a:lvl6pPr marL="2286000" indent="0">
+              <a:buNone/>
+              <a:defRPr sz="1000"/>
+            </a:lvl6pPr>
+            <a:lvl7pPr marL="2743200" indent="0">
+              <a:buNone/>
+              <a:defRPr sz="1000"/>
+            </a:lvl7pPr>
+            <a:lvl8pPr marL="3200400" indent="0">
+              <a:buNone/>
+              <a:defRPr sz="1000"/>
+            </a:lvl8pPr>
+            <a:lvl9pPr marL="3657600" indent="0">
+              <a:buNone/>
+              <a:defRPr sz="1000"/>
+            </a:lvl9pPr>
+          </a:lstStyle>
+          <a:p>
+            <a:pPr lvl="0"/>
+            <a:r>
+              <a:rPr lang="fr-FR" smtClean="0"/>
+              <a:t>Modifiez les styles du texte du masque</a:t>
+            </a:r>
+          </a:p>
+        </p:txBody>
+      </p:sp>
+      <p:sp>
+        <p:nvSpPr>
+          <p:cNvPr id="5" name="Date Placeholder 4"/>
+          <p:cNvSpPr>
+            <a:spLocks noGrp="1"/>
+          </p:cNvSpPr>
+          <p:nvPr>
+            <p:ph type="dt" sz="half" idx="10"/>
+          </p:nvPr>
+        </p:nvSpPr>
+        <p:spPr/>
+        <p:txBody>
+          <a:bodyPr/>
+          <a:lstStyle/>
+          <a:p>
+            <a:fld id="{A74F3EA5-292C-4331-BAB5-A6575F471254}" type="datetimeFigureOut">
+              <a:rPr lang="fr-FR" smtClean="0"/>
+              <a:t>11/08/2022</a:t>
+            </a:fld>
+            <a:endParaRPr lang="fr-FR"/>
+          </a:p>
+        </p:txBody>
+      </p:sp>
+      <p:sp>
+        <p:nvSpPr>
+          <p:cNvPr id="6" name="Footer Placeholder 5"/>
+          <p:cNvSpPr>
+            <a:spLocks noGrp="1"/>
+          </p:cNvSpPr>
+          <p:nvPr>
+            <p:ph type="ftr" sz="quarter" idx="11"/>
+          </p:nvPr>
+        </p:nvSpPr>
+        <p:spPr/>
+        <p:txBody>
+          <a:bodyPr/>
+          <a:lstStyle/>
+          <a:p>
+            <a:endParaRPr lang="fr-FR"/>
+          </a:p>
+        </p:txBody>
+      </p:sp>
+      <p:sp>
+        <p:nvSpPr>
+          <p:cNvPr id="7" name="Slide Number Placeholder 6"/>
+          <p:cNvSpPr>
+            <a:spLocks noGrp="1"/>
+          </p:cNvSpPr>
+          <p:nvPr>
+            <p:ph type="sldNum" sz="quarter" idx="12"/>
+          </p:nvPr>
+        </p:nvSpPr>
+        <p:spPr/>
+        <p:txBody>
+          <a:bodyPr/>
+          <a:lstStyle/>
+          <a:p>
+            <a:fld id="{0C070781-3C42-4FAC-8567-5AC674719362}" type="slidenum">
+              <a:rPr lang="fr-FR" smtClean="0"/>
+              <a:t>‹N°›</a:t>
+            </a:fld>
+            <a:endParaRPr lang="fr-FR"/>
+          </a:p>
+        </p:txBody>
+      </p:sp>
+    </p:spTree>
+    <p:extLst>
+      <p:ext uri="{BB962C8B-B14F-4D97-AF65-F5344CB8AC3E}">
+        <p14:creationId xmlns:p14="http://schemas.microsoft.com/office/powerpoint/2010/main" val="2416142584"/>
       </p:ext>
     </p:extLst>
   </p:cSld>
@@ -7742,7 +10843,7 @@
       </p:grpSpPr>
       <p:sp>
         <p:nvSpPr>
-          <p:cNvPr id="2" name="Title 1"/>
+          <p:cNvPr id="2" name="Titre 1"/>
           <p:cNvSpPr>
             <a:spLocks noGrp="1"/>
           </p:cNvSpPr>
@@ -7750,200 +10851,2412 @@
             <p:ph type="title"/>
           </p:nvPr>
         </p:nvSpPr>
-        <p:spPr/>
-        <p:txBody>
-          <a:bodyPr/>
-          <a:lstStyle/>
-          <a:p>
-            <a:r>
-              <a:rPr lang="fr-FR" smtClean="0"/>
-              <a:t>Modifiez le style du titre</a:t>
-            </a:r>
-            <a:endParaRPr lang="en-US" dirty="0"/>
-          </a:p>
-        </p:txBody>
-      </p:sp>
-      <p:sp>
-        <p:nvSpPr>
-          <p:cNvPr id="3" name="Content Placeholder 2"/>
-          <p:cNvSpPr>
-            <a:spLocks noGrp="1"/>
-          </p:cNvSpPr>
-          <p:nvPr>
-            <p:ph idx="1"/>
-          </p:nvPr>
-        </p:nvSpPr>
-        <p:spPr/>
-        <p:txBody>
-          <a:bodyPr/>
-          <a:lstStyle/>
-          <a:p>
-            <a:pPr lvl="0"/>
-            <a:r>
-              <a:rPr lang="fr-FR" smtClean="0"/>
-              <a:t>Modifiez les styles du texte du masque</a:t>
-            </a:r>
-          </a:p>
-          <a:p>
-            <a:pPr lvl="1"/>
-            <a:r>
-              <a:rPr lang="fr-FR" smtClean="0"/>
-              <a:t>Deuxième niveau</a:t>
-            </a:r>
-          </a:p>
-          <a:p>
-            <a:pPr lvl="2"/>
-            <a:r>
-              <a:rPr lang="fr-FR" smtClean="0"/>
-              <a:t>Troisième niveau</a:t>
-            </a:r>
-          </a:p>
-          <a:p>
-            <a:pPr lvl="3"/>
-            <a:r>
-              <a:rPr lang="fr-FR" smtClean="0"/>
-              <a:t>Quatrième niveau</a:t>
-            </a:r>
-          </a:p>
-          <a:p>
-            <a:pPr lvl="4"/>
-            <a:r>
-              <a:rPr lang="fr-FR" smtClean="0"/>
-              <a:t>Cinquième niveau</a:t>
-            </a:r>
-            <a:endParaRPr lang="en-US" dirty="0"/>
-          </a:p>
-        </p:txBody>
-      </p:sp>
-      <p:sp>
-        <p:nvSpPr>
-          <p:cNvPr id="4" name="Date Placeholder 3"/>
-          <p:cNvSpPr>
-            <a:spLocks noGrp="1"/>
-          </p:cNvSpPr>
-          <p:nvPr>
-            <p:ph type="dt" sz="half" idx="10"/>
-          </p:nvPr>
-        </p:nvSpPr>
-        <p:spPr/>
-        <p:txBody>
-          <a:bodyPr/>
-          <a:lstStyle/>
-          <a:p>
-            <a:fld id="{2EECCBB6-C5F9-4F99-A264-BFD13EB95464}" type="datetimeFigureOut">
-              <a:rPr lang="fr-FR" smtClean="0"/>
-              <a:t>11/06/2022</a:t>
-            </a:fld>
-            <a:endParaRPr lang="fr-FR"/>
-          </a:p>
-        </p:txBody>
-      </p:sp>
-      <p:sp>
-        <p:nvSpPr>
-          <p:cNvPr id="5" name="Footer Placeholder 4"/>
-          <p:cNvSpPr>
-            <a:spLocks noGrp="1"/>
-          </p:cNvSpPr>
-          <p:nvPr>
-            <p:ph type="ftr" sz="quarter" idx="11"/>
-          </p:nvPr>
-        </p:nvSpPr>
-        <p:spPr/>
-        <p:txBody>
-          <a:bodyPr/>
-          <a:lstStyle/>
-          <a:p>
-            <a:endParaRPr lang="fr-FR"/>
-          </a:p>
-        </p:txBody>
-      </p:sp>
-      <p:sp>
-        <p:nvSpPr>
-          <p:cNvPr id="6" name="Slide Number Placeholder 5"/>
-          <p:cNvSpPr>
-            <a:spLocks noGrp="1"/>
-          </p:cNvSpPr>
-          <p:nvPr>
-            <p:ph type="sldNum" sz="quarter" idx="12"/>
-          </p:nvPr>
-        </p:nvSpPr>
-        <p:spPr/>
-        <p:txBody>
-          <a:bodyPr/>
-          <a:lstStyle/>
-          <a:p>
-            <a:fld id="{82945A58-3490-464E-99F0-E9AA70B1B42F}" type="slidenum">
-              <a:rPr lang="fr-FR" smtClean="0"/>
-              <a:t>‹N°›</a:t>
-            </a:fld>
-            <a:endParaRPr lang="fr-FR"/>
-          </a:p>
-        </p:txBody>
-      </p:sp>
-      <p:pic>
-        <p:nvPicPr>
-          <p:cNvPr id="7" name="Image 6"/>
-          <p:cNvPicPr>
-            <a:picLocks noChangeAspect="1"/>
-          </p:cNvPicPr>
-          <p:nvPr userDrawn="1"/>
-        </p:nvPicPr>
-        <p:blipFill>
-          <a:blip r:embed="rId2">
-            <a:extLst>
-              <a:ext uri="{28A0092B-C50C-407E-A947-70E740481C1C}">
-                <a14:useLocalDpi xmlns:a14="http://schemas.microsoft.com/office/drawing/2010/main" val="0"/>
-              </a:ext>
-            </a:extLst>
-          </a:blip>
-          <a:stretch>
-            <a:fillRect/>
-          </a:stretch>
-        </p:blipFill>
         <p:spPr>
           <a:xfrm>
-            <a:off x="8199037" y="-4760"/>
-            <a:ext cx="944962" cy="944962"/>
+            <a:off x="838200" y="365127"/>
+            <a:ext cx="10515600" cy="1325563"/>
           </a:xfrm>
           <a:prstGeom prst="rect">
             <a:avLst/>
           </a:prstGeom>
         </p:spPr>
-      </p:pic>
-      <p:pic>
-        <p:nvPicPr>
-          <p:cNvPr id="8" name="Image 7"/>
-          <p:cNvPicPr>
-            <a:picLocks noChangeAspect="1"/>
-          </p:cNvPicPr>
-          <p:nvPr userDrawn="1"/>
-        </p:nvPicPr>
-        <p:blipFill>
-          <a:blip r:embed="rId3">
-            <a:extLst>
-              <a:ext uri="{28A0092B-C50C-407E-A947-70E740481C1C}">
-                <a14:useLocalDpi xmlns:a14="http://schemas.microsoft.com/office/drawing/2010/main" val="0"/>
-              </a:ext>
-            </a:extLst>
-          </a:blip>
-          <a:stretch>
-            <a:fillRect/>
-          </a:stretch>
-        </p:blipFill>
+        <p:txBody>
+          <a:bodyPr/>
+          <a:lstStyle/>
+          <a:p>
+            <a:r>
+              <a:rPr lang="fr-FR" smtClean="0"/>
+              <a:t>Modifiez le style du titre</a:t>
+            </a:r>
+            <a:endParaRPr lang="fr-FR"/>
+          </a:p>
+        </p:txBody>
+      </p:sp>
+      <p:sp>
+        <p:nvSpPr>
+          <p:cNvPr id="3" name="Espace réservé du contenu 2"/>
+          <p:cNvSpPr>
+            <a:spLocks noGrp="1"/>
+          </p:cNvSpPr>
+          <p:nvPr>
+            <p:ph idx="1"/>
+          </p:nvPr>
+        </p:nvSpPr>
         <p:spPr>
           <a:xfrm>
-            <a:off x="0" y="-4761"/>
-            <a:ext cx="1060796" cy="944962"/>
+            <a:off x="838200" y="1825625"/>
+            <a:ext cx="10515600" cy="4351338"/>
           </a:xfrm>
           <a:prstGeom prst="rect">
             <a:avLst/>
           </a:prstGeom>
         </p:spPr>
-      </p:pic>
+        <p:txBody>
+          <a:bodyPr/>
+          <a:lstStyle/>
+          <a:p>
+            <a:pPr lvl="0"/>
+            <a:r>
+              <a:rPr lang="fr-FR" smtClean="0"/>
+              <a:t>Modifier les styles du texte du masque</a:t>
+            </a:r>
+          </a:p>
+          <a:p>
+            <a:pPr lvl="1"/>
+            <a:r>
+              <a:rPr lang="fr-FR" smtClean="0"/>
+              <a:t>Deuxième niveau</a:t>
+            </a:r>
+          </a:p>
+          <a:p>
+            <a:pPr lvl="2"/>
+            <a:r>
+              <a:rPr lang="fr-FR" smtClean="0"/>
+              <a:t>Troisième niveau</a:t>
+            </a:r>
+          </a:p>
+          <a:p>
+            <a:pPr lvl="3"/>
+            <a:r>
+              <a:rPr lang="fr-FR" smtClean="0"/>
+              <a:t>Quatrième niveau</a:t>
+            </a:r>
+          </a:p>
+          <a:p>
+            <a:pPr lvl="4"/>
+            <a:r>
+              <a:rPr lang="fr-FR" smtClean="0"/>
+              <a:t>Cinquième niveau</a:t>
+            </a:r>
+            <a:endParaRPr lang="fr-FR"/>
+          </a:p>
+        </p:txBody>
+      </p:sp>
+      <p:sp>
+        <p:nvSpPr>
+          <p:cNvPr id="4" name="Espace réservé de la date 3"/>
+          <p:cNvSpPr>
+            <a:spLocks noGrp="1"/>
+          </p:cNvSpPr>
+          <p:nvPr>
+            <p:ph type="dt" sz="half" idx="10"/>
+          </p:nvPr>
+        </p:nvSpPr>
+        <p:spPr/>
+        <p:txBody>
+          <a:bodyPr/>
+          <a:lstStyle/>
+          <a:p>
+            <a:fld id="{A74F3EA5-292C-4331-BAB5-A6575F471254}" type="datetimeFigureOut">
+              <a:rPr lang="fr-FR" smtClean="0"/>
+              <a:t>11/08/2022</a:t>
+            </a:fld>
+            <a:endParaRPr lang="fr-FR"/>
+          </a:p>
+        </p:txBody>
+      </p:sp>
+      <p:sp>
+        <p:nvSpPr>
+          <p:cNvPr id="5" name="Espace réservé du pied de page 4"/>
+          <p:cNvSpPr>
+            <a:spLocks noGrp="1"/>
+          </p:cNvSpPr>
+          <p:nvPr>
+            <p:ph type="ftr" sz="quarter" idx="11"/>
+          </p:nvPr>
+        </p:nvSpPr>
+        <p:spPr/>
+        <p:txBody>
+          <a:bodyPr/>
+          <a:lstStyle/>
+          <a:p>
+            <a:endParaRPr lang="fr-FR"/>
+          </a:p>
+        </p:txBody>
+      </p:sp>
+      <p:sp>
+        <p:nvSpPr>
+          <p:cNvPr id="6" name="Espace réservé du numéro de diapositive 5"/>
+          <p:cNvSpPr>
+            <a:spLocks noGrp="1"/>
+          </p:cNvSpPr>
+          <p:nvPr>
+            <p:ph type="sldNum" sz="quarter" idx="12"/>
+          </p:nvPr>
+        </p:nvSpPr>
+        <p:spPr/>
+        <p:txBody>
+          <a:bodyPr/>
+          <a:lstStyle/>
+          <a:p>
+            <a:fld id="{0C070781-3C42-4FAC-8567-5AC674719362}" type="slidenum">
+              <a:rPr lang="fr-FR" smtClean="0"/>
+              <a:t>‹N°›</a:t>
+            </a:fld>
+            <a:endParaRPr lang="fr-FR"/>
+          </a:p>
+        </p:txBody>
+      </p:sp>
     </p:spTree>
     <p:extLst>
       <p:ext uri="{BB962C8B-B14F-4D97-AF65-F5344CB8AC3E}">
-        <p14:creationId xmlns:p14="http://schemas.microsoft.com/office/powerpoint/2010/main" val="2447944355"/>
+        <p14:creationId xmlns:p14="http://schemas.microsoft.com/office/powerpoint/2010/main" val="905822107"/>
+      </p:ext>
+    </p:extLst>
+  </p:cSld>
+  <p:clrMapOvr>
+    <a:masterClrMapping/>
+  </p:clrMapOvr>
+</p:sldLayout>
+</file>
+
+<file path=ppt/slideLayouts/slideLayout20.xml><?xml version="1.0" encoding="utf-8"?>
+<p:sldLayout xmlns:a="http://schemas.openxmlformats.org/drawingml/2006/main" xmlns:r="http://schemas.openxmlformats.org/officeDocument/2006/relationships" xmlns:p="http://schemas.openxmlformats.org/presentationml/2006/main" type="picTx" preserve="1">
+  <p:cSld name="Image avec légende">
+    <p:spTree>
+      <p:nvGrpSpPr>
+        <p:cNvPr id="1" name=""/>
+        <p:cNvGrpSpPr/>
+        <p:nvPr/>
+      </p:nvGrpSpPr>
+      <p:grpSpPr>
+        <a:xfrm>
+          <a:off x="0" y="0"/>
+          <a:ext cx="0" cy="0"/>
+          <a:chOff x="0" y="0"/>
+          <a:chExt cx="0" cy="0"/>
+        </a:xfrm>
+      </p:grpSpPr>
+      <p:sp>
+        <p:nvSpPr>
+          <p:cNvPr id="2" name="Title 1"/>
+          <p:cNvSpPr>
+            <a:spLocks noGrp="1"/>
+          </p:cNvSpPr>
+          <p:nvPr>
+            <p:ph type="title"/>
+          </p:nvPr>
+        </p:nvSpPr>
+        <p:spPr>
+          <a:xfrm>
+            <a:off x="839788" y="457200"/>
+            <a:ext cx="3932237" cy="1600200"/>
+          </a:xfrm>
+        </p:spPr>
+        <p:txBody>
+          <a:bodyPr anchor="b"/>
+          <a:lstStyle>
+            <a:lvl1pPr>
+              <a:defRPr sz="3200"/>
+            </a:lvl1pPr>
+          </a:lstStyle>
+          <a:p>
+            <a:r>
+              <a:rPr lang="fr-FR" smtClean="0"/>
+              <a:t>Modifiez le style du titre</a:t>
+            </a:r>
+            <a:endParaRPr lang="en-US" dirty="0"/>
+          </a:p>
+        </p:txBody>
+      </p:sp>
+      <p:sp>
+        <p:nvSpPr>
+          <p:cNvPr id="3" name="Picture Placeholder 2"/>
+          <p:cNvSpPr>
+            <a:spLocks noGrp="1" noChangeAspect="1"/>
+          </p:cNvSpPr>
+          <p:nvPr>
+            <p:ph type="pic" idx="1"/>
+          </p:nvPr>
+        </p:nvSpPr>
+        <p:spPr>
+          <a:xfrm>
+            <a:off x="5183188" y="987425"/>
+            <a:ext cx="6172200" cy="4873625"/>
+          </a:xfrm>
+        </p:spPr>
+        <p:txBody>
+          <a:bodyPr anchor="t"/>
+          <a:lstStyle>
+            <a:lvl1pPr marL="0" indent="0">
+              <a:buNone/>
+              <a:defRPr sz="3200"/>
+            </a:lvl1pPr>
+            <a:lvl2pPr marL="457200" indent="0">
+              <a:buNone/>
+              <a:defRPr sz="2800"/>
+            </a:lvl2pPr>
+            <a:lvl3pPr marL="914400" indent="0">
+              <a:buNone/>
+              <a:defRPr sz="2400"/>
+            </a:lvl3pPr>
+            <a:lvl4pPr marL="1371600" indent="0">
+              <a:buNone/>
+              <a:defRPr sz="2000"/>
+            </a:lvl4pPr>
+            <a:lvl5pPr marL="1828800" indent="0">
+              <a:buNone/>
+              <a:defRPr sz="2000"/>
+            </a:lvl5pPr>
+            <a:lvl6pPr marL="2286000" indent="0">
+              <a:buNone/>
+              <a:defRPr sz="2000"/>
+            </a:lvl6pPr>
+            <a:lvl7pPr marL="2743200" indent="0">
+              <a:buNone/>
+              <a:defRPr sz="2000"/>
+            </a:lvl7pPr>
+            <a:lvl8pPr marL="3200400" indent="0">
+              <a:buNone/>
+              <a:defRPr sz="2000"/>
+            </a:lvl8pPr>
+            <a:lvl9pPr marL="3657600" indent="0">
+              <a:buNone/>
+              <a:defRPr sz="2000"/>
+            </a:lvl9pPr>
+          </a:lstStyle>
+          <a:p>
+            <a:r>
+              <a:rPr lang="fr-FR" smtClean="0"/>
+              <a:t>Cliquez sur l'icône pour ajouter une image</a:t>
+            </a:r>
+            <a:endParaRPr lang="en-US" dirty="0"/>
+          </a:p>
+        </p:txBody>
+      </p:sp>
+      <p:sp>
+        <p:nvSpPr>
+          <p:cNvPr id="4" name="Text Placeholder 3"/>
+          <p:cNvSpPr>
+            <a:spLocks noGrp="1"/>
+          </p:cNvSpPr>
+          <p:nvPr>
+            <p:ph type="body" sz="half" idx="2"/>
+          </p:nvPr>
+        </p:nvSpPr>
+        <p:spPr>
+          <a:xfrm>
+            <a:off x="839788" y="2057400"/>
+            <a:ext cx="3932237" cy="3811588"/>
+          </a:xfrm>
+        </p:spPr>
+        <p:txBody>
+          <a:bodyPr/>
+          <a:lstStyle>
+            <a:lvl1pPr marL="0" indent="0">
+              <a:buNone/>
+              <a:defRPr sz="1600"/>
+            </a:lvl1pPr>
+            <a:lvl2pPr marL="457200" indent="0">
+              <a:buNone/>
+              <a:defRPr sz="1400"/>
+            </a:lvl2pPr>
+            <a:lvl3pPr marL="914400" indent="0">
+              <a:buNone/>
+              <a:defRPr sz="1200"/>
+            </a:lvl3pPr>
+            <a:lvl4pPr marL="1371600" indent="0">
+              <a:buNone/>
+              <a:defRPr sz="1000"/>
+            </a:lvl4pPr>
+            <a:lvl5pPr marL="1828800" indent="0">
+              <a:buNone/>
+              <a:defRPr sz="1000"/>
+            </a:lvl5pPr>
+            <a:lvl6pPr marL="2286000" indent="0">
+              <a:buNone/>
+              <a:defRPr sz="1000"/>
+            </a:lvl6pPr>
+            <a:lvl7pPr marL="2743200" indent="0">
+              <a:buNone/>
+              <a:defRPr sz="1000"/>
+            </a:lvl7pPr>
+            <a:lvl8pPr marL="3200400" indent="0">
+              <a:buNone/>
+              <a:defRPr sz="1000"/>
+            </a:lvl8pPr>
+            <a:lvl9pPr marL="3657600" indent="0">
+              <a:buNone/>
+              <a:defRPr sz="1000"/>
+            </a:lvl9pPr>
+          </a:lstStyle>
+          <a:p>
+            <a:pPr lvl="0"/>
+            <a:r>
+              <a:rPr lang="fr-FR" smtClean="0"/>
+              <a:t>Modifiez les styles du texte du masque</a:t>
+            </a:r>
+          </a:p>
+        </p:txBody>
+      </p:sp>
+      <p:sp>
+        <p:nvSpPr>
+          <p:cNvPr id="5" name="Date Placeholder 4"/>
+          <p:cNvSpPr>
+            <a:spLocks noGrp="1"/>
+          </p:cNvSpPr>
+          <p:nvPr>
+            <p:ph type="dt" sz="half" idx="10"/>
+          </p:nvPr>
+        </p:nvSpPr>
+        <p:spPr/>
+        <p:txBody>
+          <a:bodyPr/>
+          <a:lstStyle/>
+          <a:p>
+            <a:fld id="{A74F3EA5-292C-4331-BAB5-A6575F471254}" type="datetimeFigureOut">
+              <a:rPr lang="fr-FR" smtClean="0"/>
+              <a:t>11/08/2022</a:t>
+            </a:fld>
+            <a:endParaRPr lang="fr-FR"/>
+          </a:p>
+        </p:txBody>
+      </p:sp>
+      <p:sp>
+        <p:nvSpPr>
+          <p:cNvPr id="6" name="Footer Placeholder 5"/>
+          <p:cNvSpPr>
+            <a:spLocks noGrp="1"/>
+          </p:cNvSpPr>
+          <p:nvPr>
+            <p:ph type="ftr" sz="quarter" idx="11"/>
+          </p:nvPr>
+        </p:nvSpPr>
+        <p:spPr/>
+        <p:txBody>
+          <a:bodyPr/>
+          <a:lstStyle/>
+          <a:p>
+            <a:endParaRPr lang="fr-FR"/>
+          </a:p>
+        </p:txBody>
+      </p:sp>
+      <p:sp>
+        <p:nvSpPr>
+          <p:cNvPr id="7" name="Slide Number Placeholder 6"/>
+          <p:cNvSpPr>
+            <a:spLocks noGrp="1"/>
+          </p:cNvSpPr>
+          <p:nvPr>
+            <p:ph type="sldNum" sz="quarter" idx="12"/>
+          </p:nvPr>
+        </p:nvSpPr>
+        <p:spPr/>
+        <p:txBody>
+          <a:bodyPr/>
+          <a:lstStyle/>
+          <a:p>
+            <a:fld id="{0C070781-3C42-4FAC-8567-5AC674719362}" type="slidenum">
+              <a:rPr lang="fr-FR" smtClean="0"/>
+              <a:t>‹N°›</a:t>
+            </a:fld>
+            <a:endParaRPr lang="fr-FR"/>
+          </a:p>
+        </p:txBody>
+      </p:sp>
+    </p:spTree>
+    <p:extLst>
+      <p:ext uri="{BB962C8B-B14F-4D97-AF65-F5344CB8AC3E}">
+        <p14:creationId xmlns:p14="http://schemas.microsoft.com/office/powerpoint/2010/main" val="4248942469"/>
+      </p:ext>
+    </p:extLst>
+  </p:cSld>
+  <p:clrMapOvr>
+    <a:masterClrMapping/>
+  </p:clrMapOvr>
+</p:sldLayout>
+</file>
+
+<file path=ppt/slideLayouts/slideLayout21.xml><?xml version="1.0" encoding="utf-8"?>
+<p:sldLayout xmlns:a="http://schemas.openxmlformats.org/drawingml/2006/main" xmlns:r="http://schemas.openxmlformats.org/officeDocument/2006/relationships" xmlns:p="http://schemas.openxmlformats.org/presentationml/2006/main" type="vertTx" preserve="1">
+  <p:cSld name="Titre et texte vertical">
+    <p:spTree>
+      <p:nvGrpSpPr>
+        <p:cNvPr id="1" name=""/>
+        <p:cNvGrpSpPr/>
+        <p:nvPr/>
+      </p:nvGrpSpPr>
+      <p:grpSpPr>
+        <a:xfrm>
+          <a:off x="0" y="0"/>
+          <a:ext cx="0" cy="0"/>
+          <a:chOff x="0" y="0"/>
+          <a:chExt cx="0" cy="0"/>
+        </a:xfrm>
+      </p:grpSpPr>
+      <p:sp>
+        <p:nvSpPr>
+          <p:cNvPr id="2" name="Title 1"/>
+          <p:cNvSpPr>
+            <a:spLocks noGrp="1"/>
+          </p:cNvSpPr>
+          <p:nvPr>
+            <p:ph type="title"/>
+          </p:nvPr>
+        </p:nvSpPr>
+        <p:spPr/>
+        <p:txBody>
+          <a:bodyPr/>
+          <a:lstStyle/>
+          <a:p>
+            <a:r>
+              <a:rPr lang="fr-FR" smtClean="0"/>
+              <a:t>Modifiez le style du titre</a:t>
+            </a:r>
+            <a:endParaRPr lang="en-US" dirty="0"/>
+          </a:p>
+        </p:txBody>
+      </p:sp>
+      <p:sp>
+        <p:nvSpPr>
+          <p:cNvPr id="3" name="Vertical Text Placeholder 2"/>
+          <p:cNvSpPr>
+            <a:spLocks noGrp="1"/>
+          </p:cNvSpPr>
+          <p:nvPr>
+            <p:ph type="body" orient="vert" idx="1"/>
+          </p:nvPr>
+        </p:nvSpPr>
+        <p:spPr/>
+        <p:txBody>
+          <a:bodyPr vert="eaVert"/>
+          <a:lstStyle/>
+          <a:p>
+            <a:pPr lvl="0"/>
+            <a:r>
+              <a:rPr lang="fr-FR" smtClean="0"/>
+              <a:t>Modifiez les styles du texte du masque</a:t>
+            </a:r>
+          </a:p>
+          <a:p>
+            <a:pPr lvl="1"/>
+            <a:r>
+              <a:rPr lang="fr-FR" smtClean="0"/>
+              <a:t>Deuxième niveau</a:t>
+            </a:r>
+          </a:p>
+          <a:p>
+            <a:pPr lvl="2"/>
+            <a:r>
+              <a:rPr lang="fr-FR" smtClean="0"/>
+              <a:t>Troisième niveau</a:t>
+            </a:r>
+          </a:p>
+          <a:p>
+            <a:pPr lvl="3"/>
+            <a:r>
+              <a:rPr lang="fr-FR" smtClean="0"/>
+              <a:t>Quatrième niveau</a:t>
+            </a:r>
+          </a:p>
+          <a:p>
+            <a:pPr lvl="4"/>
+            <a:r>
+              <a:rPr lang="fr-FR" smtClean="0"/>
+              <a:t>Cinquième niveau</a:t>
+            </a:r>
+            <a:endParaRPr lang="en-US" dirty="0"/>
+          </a:p>
+        </p:txBody>
+      </p:sp>
+      <p:sp>
+        <p:nvSpPr>
+          <p:cNvPr id="4" name="Date Placeholder 3"/>
+          <p:cNvSpPr>
+            <a:spLocks noGrp="1"/>
+          </p:cNvSpPr>
+          <p:nvPr>
+            <p:ph type="dt" sz="half" idx="10"/>
+          </p:nvPr>
+        </p:nvSpPr>
+        <p:spPr/>
+        <p:txBody>
+          <a:bodyPr/>
+          <a:lstStyle/>
+          <a:p>
+            <a:fld id="{A74F3EA5-292C-4331-BAB5-A6575F471254}" type="datetimeFigureOut">
+              <a:rPr lang="fr-FR" smtClean="0"/>
+              <a:t>11/08/2022</a:t>
+            </a:fld>
+            <a:endParaRPr lang="fr-FR"/>
+          </a:p>
+        </p:txBody>
+      </p:sp>
+      <p:sp>
+        <p:nvSpPr>
+          <p:cNvPr id="5" name="Footer Placeholder 4"/>
+          <p:cNvSpPr>
+            <a:spLocks noGrp="1"/>
+          </p:cNvSpPr>
+          <p:nvPr>
+            <p:ph type="ftr" sz="quarter" idx="11"/>
+          </p:nvPr>
+        </p:nvSpPr>
+        <p:spPr/>
+        <p:txBody>
+          <a:bodyPr/>
+          <a:lstStyle/>
+          <a:p>
+            <a:endParaRPr lang="fr-FR"/>
+          </a:p>
+        </p:txBody>
+      </p:sp>
+      <p:sp>
+        <p:nvSpPr>
+          <p:cNvPr id="6" name="Slide Number Placeholder 5"/>
+          <p:cNvSpPr>
+            <a:spLocks noGrp="1"/>
+          </p:cNvSpPr>
+          <p:nvPr>
+            <p:ph type="sldNum" sz="quarter" idx="12"/>
+          </p:nvPr>
+        </p:nvSpPr>
+        <p:spPr/>
+        <p:txBody>
+          <a:bodyPr/>
+          <a:lstStyle/>
+          <a:p>
+            <a:fld id="{0C070781-3C42-4FAC-8567-5AC674719362}" type="slidenum">
+              <a:rPr lang="fr-FR" smtClean="0"/>
+              <a:t>‹N°›</a:t>
+            </a:fld>
+            <a:endParaRPr lang="fr-FR"/>
+          </a:p>
+        </p:txBody>
+      </p:sp>
+    </p:spTree>
+    <p:extLst>
+      <p:ext uri="{BB962C8B-B14F-4D97-AF65-F5344CB8AC3E}">
+        <p14:creationId xmlns:p14="http://schemas.microsoft.com/office/powerpoint/2010/main" val="691732703"/>
+      </p:ext>
+    </p:extLst>
+  </p:cSld>
+  <p:clrMapOvr>
+    <a:masterClrMapping/>
+  </p:clrMapOvr>
+</p:sldLayout>
+</file>
+
+<file path=ppt/slideLayouts/slideLayout22.xml><?xml version="1.0" encoding="utf-8"?>
+<p:sldLayout xmlns:a="http://schemas.openxmlformats.org/drawingml/2006/main" xmlns:r="http://schemas.openxmlformats.org/officeDocument/2006/relationships" xmlns:p="http://schemas.openxmlformats.org/presentationml/2006/main" type="vertTitleAndTx" preserve="1">
+  <p:cSld name="Titre vertical et texte">
+    <p:spTree>
+      <p:nvGrpSpPr>
+        <p:cNvPr id="1" name=""/>
+        <p:cNvGrpSpPr/>
+        <p:nvPr/>
+      </p:nvGrpSpPr>
+      <p:grpSpPr>
+        <a:xfrm>
+          <a:off x="0" y="0"/>
+          <a:ext cx="0" cy="0"/>
+          <a:chOff x="0" y="0"/>
+          <a:chExt cx="0" cy="0"/>
+        </a:xfrm>
+      </p:grpSpPr>
+      <p:sp>
+        <p:nvSpPr>
+          <p:cNvPr id="2" name="Vertical Title 1"/>
+          <p:cNvSpPr>
+            <a:spLocks noGrp="1"/>
+          </p:cNvSpPr>
+          <p:nvPr>
+            <p:ph type="title" orient="vert"/>
+          </p:nvPr>
+        </p:nvSpPr>
+        <p:spPr>
+          <a:xfrm>
+            <a:off x="8724900" y="365125"/>
+            <a:ext cx="2628900" cy="5811838"/>
+          </a:xfrm>
+        </p:spPr>
+        <p:txBody>
+          <a:bodyPr vert="eaVert"/>
+          <a:lstStyle/>
+          <a:p>
+            <a:r>
+              <a:rPr lang="fr-FR" smtClean="0"/>
+              <a:t>Modifiez le style du titre</a:t>
+            </a:r>
+            <a:endParaRPr lang="en-US" dirty="0"/>
+          </a:p>
+        </p:txBody>
+      </p:sp>
+      <p:sp>
+        <p:nvSpPr>
+          <p:cNvPr id="3" name="Vertical Text Placeholder 2"/>
+          <p:cNvSpPr>
+            <a:spLocks noGrp="1"/>
+          </p:cNvSpPr>
+          <p:nvPr>
+            <p:ph type="body" orient="vert" idx="1"/>
+          </p:nvPr>
+        </p:nvSpPr>
+        <p:spPr>
+          <a:xfrm>
+            <a:off x="838200" y="365125"/>
+            <a:ext cx="7734300" cy="5811838"/>
+          </a:xfrm>
+        </p:spPr>
+        <p:txBody>
+          <a:bodyPr vert="eaVert"/>
+          <a:lstStyle/>
+          <a:p>
+            <a:pPr lvl="0"/>
+            <a:r>
+              <a:rPr lang="fr-FR" smtClean="0"/>
+              <a:t>Modifiez les styles du texte du masque</a:t>
+            </a:r>
+          </a:p>
+          <a:p>
+            <a:pPr lvl="1"/>
+            <a:r>
+              <a:rPr lang="fr-FR" smtClean="0"/>
+              <a:t>Deuxième niveau</a:t>
+            </a:r>
+          </a:p>
+          <a:p>
+            <a:pPr lvl="2"/>
+            <a:r>
+              <a:rPr lang="fr-FR" smtClean="0"/>
+              <a:t>Troisième niveau</a:t>
+            </a:r>
+          </a:p>
+          <a:p>
+            <a:pPr lvl="3"/>
+            <a:r>
+              <a:rPr lang="fr-FR" smtClean="0"/>
+              <a:t>Quatrième niveau</a:t>
+            </a:r>
+          </a:p>
+          <a:p>
+            <a:pPr lvl="4"/>
+            <a:r>
+              <a:rPr lang="fr-FR" smtClean="0"/>
+              <a:t>Cinquième niveau</a:t>
+            </a:r>
+            <a:endParaRPr lang="en-US" dirty="0"/>
+          </a:p>
+        </p:txBody>
+      </p:sp>
+      <p:sp>
+        <p:nvSpPr>
+          <p:cNvPr id="4" name="Date Placeholder 3"/>
+          <p:cNvSpPr>
+            <a:spLocks noGrp="1"/>
+          </p:cNvSpPr>
+          <p:nvPr>
+            <p:ph type="dt" sz="half" idx="10"/>
+          </p:nvPr>
+        </p:nvSpPr>
+        <p:spPr/>
+        <p:txBody>
+          <a:bodyPr/>
+          <a:lstStyle/>
+          <a:p>
+            <a:fld id="{A74F3EA5-292C-4331-BAB5-A6575F471254}" type="datetimeFigureOut">
+              <a:rPr lang="fr-FR" smtClean="0"/>
+              <a:t>11/08/2022</a:t>
+            </a:fld>
+            <a:endParaRPr lang="fr-FR"/>
+          </a:p>
+        </p:txBody>
+      </p:sp>
+      <p:sp>
+        <p:nvSpPr>
+          <p:cNvPr id="5" name="Footer Placeholder 4"/>
+          <p:cNvSpPr>
+            <a:spLocks noGrp="1"/>
+          </p:cNvSpPr>
+          <p:nvPr>
+            <p:ph type="ftr" sz="quarter" idx="11"/>
+          </p:nvPr>
+        </p:nvSpPr>
+        <p:spPr/>
+        <p:txBody>
+          <a:bodyPr/>
+          <a:lstStyle/>
+          <a:p>
+            <a:endParaRPr lang="fr-FR"/>
+          </a:p>
+        </p:txBody>
+      </p:sp>
+      <p:sp>
+        <p:nvSpPr>
+          <p:cNvPr id="6" name="Slide Number Placeholder 5"/>
+          <p:cNvSpPr>
+            <a:spLocks noGrp="1"/>
+          </p:cNvSpPr>
+          <p:nvPr>
+            <p:ph type="sldNum" sz="quarter" idx="12"/>
+          </p:nvPr>
+        </p:nvSpPr>
+        <p:spPr/>
+        <p:txBody>
+          <a:bodyPr/>
+          <a:lstStyle/>
+          <a:p>
+            <a:fld id="{0C070781-3C42-4FAC-8567-5AC674719362}" type="slidenum">
+              <a:rPr lang="fr-FR" smtClean="0"/>
+              <a:t>‹N°›</a:t>
+            </a:fld>
+            <a:endParaRPr lang="fr-FR"/>
+          </a:p>
+        </p:txBody>
+      </p:sp>
+    </p:spTree>
+    <p:extLst>
+      <p:ext uri="{BB962C8B-B14F-4D97-AF65-F5344CB8AC3E}">
+        <p14:creationId xmlns:p14="http://schemas.microsoft.com/office/powerpoint/2010/main" val="2684841991"/>
+      </p:ext>
+    </p:extLst>
+  </p:cSld>
+  <p:clrMapOvr>
+    <a:masterClrMapping/>
+  </p:clrMapOvr>
+</p:sldLayout>
+</file>
+
+<file path=ppt/slideLayouts/slideLayout3.xml><?xml version="1.0" encoding="utf-8"?>
+<p:sldLayout xmlns:a="http://schemas.openxmlformats.org/drawingml/2006/main" xmlns:r="http://schemas.openxmlformats.org/officeDocument/2006/relationships" xmlns:p="http://schemas.openxmlformats.org/presentationml/2006/main" type="secHead" preserve="1">
+  <p:cSld name="Titre de section">
+    <p:spTree>
+      <p:nvGrpSpPr>
+        <p:cNvPr id="1" name=""/>
+        <p:cNvGrpSpPr/>
+        <p:nvPr/>
+      </p:nvGrpSpPr>
+      <p:grpSpPr>
+        <a:xfrm>
+          <a:off x="0" y="0"/>
+          <a:ext cx="0" cy="0"/>
+          <a:chOff x="0" y="0"/>
+          <a:chExt cx="0" cy="0"/>
+        </a:xfrm>
+      </p:grpSpPr>
+      <p:sp>
+        <p:nvSpPr>
+          <p:cNvPr id="2" name="Titre 1"/>
+          <p:cNvSpPr>
+            <a:spLocks noGrp="1"/>
+          </p:cNvSpPr>
+          <p:nvPr>
+            <p:ph type="title"/>
+          </p:nvPr>
+        </p:nvSpPr>
+        <p:spPr>
+          <a:xfrm>
+            <a:off x="831851" y="1709740"/>
+            <a:ext cx="10515600" cy="2852737"/>
+          </a:xfrm>
+          <a:prstGeom prst="rect">
+            <a:avLst/>
+          </a:prstGeom>
+        </p:spPr>
+        <p:txBody>
+          <a:bodyPr anchor="b"/>
+          <a:lstStyle>
+            <a:lvl1pPr>
+              <a:defRPr sz="4500"/>
+            </a:lvl1pPr>
+          </a:lstStyle>
+          <a:p>
+            <a:r>
+              <a:rPr lang="fr-FR" smtClean="0"/>
+              <a:t>Modifiez le style du titre</a:t>
+            </a:r>
+            <a:endParaRPr lang="fr-FR"/>
+          </a:p>
+        </p:txBody>
+      </p:sp>
+      <p:sp>
+        <p:nvSpPr>
+          <p:cNvPr id="3" name="Espace réservé du texte 2"/>
+          <p:cNvSpPr>
+            <a:spLocks noGrp="1"/>
+          </p:cNvSpPr>
+          <p:nvPr>
+            <p:ph type="body" idx="1"/>
+          </p:nvPr>
+        </p:nvSpPr>
+        <p:spPr>
+          <a:xfrm>
+            <a:off x="831851" y="4589465"/>
+            <a:ext cx="10515600" cy="1500187"/>
+          </a:xfrm>
+          <a:prstGeom prst="rect">
+            <a:avLst/>
+          </a:prstGeom>
+        </p:spPr>
+        <p:txBody>
+          <a:bodyPr/>
+          <a:lstStyle>
+            <a:lvl1pPr marL="0" indent="0">
+              <a:buNone/>
+              <a:defRPr sz="1800">
+                <a:solidFill>
+                  <a:schemeClr val="tx1">
+                    <a:tint val="75000"/>
+                  </a:schemeClr>
+                </a:solidFill>
+              </a:defRPr>
+            </a:lvl1pPr>
+            <a:lvl2pPr marL="342900" indent="0">
+              <a:buNone/>
+              <a:defRPr sz="1500">
+                <a:solidFill>
+                  <a:schemeClr val="tx1">
+                    <a:tint val="75000"/>
+                  </a:schemeClr>
+                </a:solidFill>
+              </a:defRPr>
+            </a:lvl2pPr>
+            <a:lvl3pPr marL="685800" indent="0">
+              <a:buNone/>
+              <a:defRPr sz="1350">
+                <a:solidFill>
+                  <a:schemeClr val="tx1">
+                    <a:tint val="75000"/>
+                  </a:schemeClr>
+                </a:solidFill>
+              </a:defRPr>
+            </a:lvl3pPr>
+            <a:lvl4pPr marL="1028700" indent="0">
+              <a:buNone/>
+              <a:defRPr sz="1200">
+                <a:solidFill>
+                  <a:schemeClr val="tx1">
+                    <a:tint val="75000"/>
+                  </a:schemeClr>
+                </a:solidFill>
+              </a:defRPr>
+            </a:lvl4pPr>
+            <a:lvl5pPr marL="1371600" indent="0">
+              <a:buNone/>
+              <a:defRPr sz="1200">
+                <a:solidFill>
+                  <a:schemeClr val="tx1">
+                    <a:tint val="75000"/>
+                  </a:schemeClr>
+                </a:solidFill>
+              </a:defRPr>
+            </a:lvl5pPr>
+            <a:lvl6pPr marL="1714500" indent="0">
+              <a:buNone/>
+              <a:defRPr sz="1200">
+                <a:solidFill>
+                  <a:schemeClr val="tx1">
+                    <a:tint val="75000"/>
+                  </a:schemeClr>
+                </a:solidFill>
+              </a:defRPr>
+            </a:lvl6pPr>
+            <a:lvl7pPr marL="2057400" indent="0">
+              <a:buNone/>
+              <a:defRPr sz="1200">
+                <a:solidFill>
+                  <a:schemeClr val="tx1">
+                    <a:tint val="75000"/>
+                  </a:schemeClr>
+                </a:solidFill>
+              </a:defRPr>
+            </a:lvl7pPr>
+            <a:lvl8pPr marL="2400300" indent="0">
+              <a:buNone/>
+              <a:defRPr sz="1200">
+                <a:solidFill>
+                  <a:schemeClr val="tx1">
+                    <a:tint val="75000"/>
+                  </a:schemeClr>
+                </a:solidFill>
+              </a:defRPr>
+            </a:lvl8pPr>
+            <a:lvl9pPr marL="2743200" indent="0">
+              <a:buNone/>
+              <a:defRPr sz="1200">
+                <a:solidFill>
+                  <a:schemeClr val="tx1">
+                    <a:tint val="75000"/>
+                  </a:schemeClr>
+                </a:solidFill>
+              </a:defRPr>
+            </a:lvl9pPr>
+          </a:lstStyle>
+          <a:p>
+            <a:pPr lvl="0"/>
+            <a:r>
+              <a:rPr lang="fr-FR" smtClean="0"/>
+              <a:t>Modifier les styles du texte du masque</a:t>
+            </a:r>
+          </a:p>
+        </p:txBody>
+      </p:sp>
+      <p:sp>
+        <p:nvSpPr>
+          <p:cNvPr id="4" name="Espace réservé de la date 3"/>
+          <p:cNvSpPr>
+            <a:spLocks noGrp="1"/>
+          </p:cNvSpPr>
+          <p:nvPr>
+            <p:ph type="dt" sz="half" idx="10"/>
+          </p:nvPr>
+        </p:nvSpPr>
+        <p:spPr/>
+        <p:txBody>
+          <a:bodyPr/>
+          <a:lstStyle/>
+          <a:p>
+            <a:fld id="{A74F3EA5-292C-4331-BAB5-A6575F471254}" type="datetimeFigureOut">
+              <a:rPr lang="fr-FR" smtClean="0"/>
+              <a:t>11/08/2022</a:t>
+            </a:fld>
+            <a:endParaRPr lang="fr-FR"/>
+          </a:p>
+        </p:txBody>
+      </p:sp>
+      <p:sp>
+        <p:nvSpPr>
+          <p:cNvPr id="5" name="Espace réservé du pied de page 4"/>
+          <p:cNvSpPr>
+            <a:spLocks noGrp="1"/>
+          </p:cNvSpPr>
+          <p:nvPr>
+            <p:ph type="ftr" sz="quarter" idx="11"/>
+          </p:nvPr>
+        </p:nvSpPr>
+        <p:spPr/>
+        <p:txBody>
+          <a:bodyPr/>
+          <a:lstStyle/>
+          <a:p>
+            <a:endParaRPr lang="fr-FR"/>
+          </a:p>
+        </p:txBody>
+      </p:sp>
+      <p:sp>
+        <p:nvSpPr>
+          <p:cNvPr id="6" name="Espace réservé du numéro de diapositive 5"/>
+          <p:cNvSpPr>
+            <a:spLocks noGrp="1"/>
+          </p:cNvSpPr>
+          <p:nvPr>
+            <p:ph type="sldNum" sz="quarter" idx="12"/>
+          </p:nvPr>
+        </p:nvSpPr>
+        <p:spPr/>
+        <p:txBody>
+          <a:bodyPr/>
+          <a:lstStyle/>
+          <a:p>
+            <a:fld id="{0C070781-3C42-4FAC-8567-5AC674719362}" type="slidenum">
+              <a:rPr lang="fr-FR" smtClean="0"/>
+              <a:t>‹N°›</a:t>
+            </a:fld>
+            <a:endParaRPr lang="fr-FR"/>
+          </a:p>
+        </p:txBody>
+      </p:sp>
+    </p:spTree>
+    <p:extLst>
+      <p:ext uri="{BB962C8B-B14F-4D97-AF65-F5344CB8AC3E}">
+        <p14:creationId xmlns:p14="http://schemas.microsoft.com/office/powerpoint/2010/main" val="1471850860"/>
+      </p:ext>
+    </p:extLst>
+  </p:cSld>
+  <p:clrMapOvr>
+    <a:masterClrMapping/>
+  </p:clrMapOvr>
+</p:sldLayout>
+</file>
+
+<file path=ppt/slideLayouts/slideLayout4.xml><?xml version="1.0" encoding="utf-8"?>
+<p:sldLayout xmlns:a="http://schemas.openxmlformats.org/drawingml/2006/main" xmlns:r="http://schemas.openxmlformats.org/officeDocument/2006/relationships" xmlns:p="http://schemas.openxmlformats.org/presentationml/2006/main" type="twoObj" preserve="1">
+  <p:cSld name="Deux contenus">
+    <p:spTree>
+      <p:nvGrpSpPr>
+        <p:cNvPr id="1" name=""/>
+        <p:cNvGrpSpPr/>
+        <p:nvPr/>
+      </p:nvGrpSpPr>
+      <p:grpSpPr>
+        <a:xfrm>
+          <a:off x="0" y="0"/>
+          <a:ext cx="0" cy="0"/>
+          <a:chOff x="0" y="0"/>
+          <a:chExt cx="0" cy="0"/>
+        </a:xfrm>
+      </p:grpSpPr>
+      <p:sp>
+        <p:nvSpPr>
+          <p:cNvPr id="2" name="Titre 1"/>
+          <p:cNvSpPr>
+            <a:spLocks noGrp="1"/>
+          </p:cNvSpPr>
+          <p:nvPr>
+            <p:ph type="title"/>
+          </p:nvPr>
+        </p:nvSpPr>
+        <p:spPr>
+          <a:xfrm>
+            <a:off x="838200" y="365127"/>
+            <a:ext cx="10515600" cy="1325563"/>
+          </a:xfrm>
+          <a:prstGeom prst="rect">
+            <a:avLst/>
+          </a:prstGeom>
+        </p:spPr>
+        <p:txBody>
+          <a:bodyPr/>
+          <a:lstStyle/>
+          <a:p>
+            <a:r>
+              <a:rPr lang="fr-FR" smtClean="0"/>
+              <a:t>Modifiez le style du titre</a:t>
+            </a:r>
+            <a:endParaRPr lang="fr-FR"/>
+          </a:p>
+        </p:txBody>
+      </p:sp>
+      <p:sp>
+        <p:nvSpPr>
+          <p:cNvPr id="3" name="Espace réservé du contenu 2"/>
+          <p:cNvSpPr>
+            <a:spLocks noGrp="1"/>
+          </p:cNvSpPr>
+          <p:nvPr>
+            <p:ph sz="half" idx="1"/>
+          </p:nvPr>
+        </p:nvSpPr>
+        <p:spPr>
+          <a:xfrm>
+            <a:off x="838200" y="1825625"/>
+            <a:ext cx="5181600" cy="4351338"/>
+          </a:xfrm>
+          <a:prstGeom prst="rect">
+            <a:avLst/>
+          </a:prstGeom>
+        </p:spPr>
+        <p:txBody>
+          <a:bodyPr/>
+          <a:lstStyle/>
+          <a:p>
+            <a:pPr lvl="0"/>
+            <a:r>
+              <a:rPr lang="fr-FR" smtClean="0"/>
+              <a:t>Modifier les styles du texte du masque</a:t>
+            </a:r>
+          </a:p>
+          <a:p>
+            <a:pPr lvl="1"/>
+            <a:r>
+              <a:rPr lang="fr-FR" smtClean="0"/>
+              <a:t>Deuxième niveau</a:t>
+            </a:r>
+          </a:p>
+          <a:p>
+            <a:pPr lvl="2"/>
+            <a:r>
+              <a:rPr lang="fr-FR" smtClean="0"/>
+              <a:t>Troisième niveau</a:t>
+            </a:r>
+          </a:p>
+          <a:p>
+            <a:pPr lvl="3"/>
+            <a:r>
+              <a:rPr lang="fr-FR" smtClean="0"/>
+              <a:t>Quatrième niveau</a:t>
+            </a:r>
+          </a:p>
+          <a:p>
+            <a:pPr lvl="4"/>
+            <a:r>
+              <a:rPr lang="fr-FR" smtClean="0"/>
+              <a:t>Cinquième niveau</a:t>
+            </a:r>
+            <a:endParaRPr lang="fr-FR"/>
+          </a:p>
+        </p:txBody>
+      </p:sp>
+      <p:sp>
+        <p:nvSpPr>
+          <p:cNvPr id="4" name="Espace réservé du contenu 3"/>
+          <p:cNvSpPr>
+            <a:spLocks noGrp="1"/>
+          </p:cNvSpPr>
+          <p:nvPr>
+            <p:ph sz="half" idx="2"/>
+          </p:nvPr>
+        </p:nvSpPr>
+        <p:spPr>
+          <a:xfrm>
+            <a:off x="6172200" y="1825625"/>
+            <a:ext cx="5181600" cy="4351338"/>
+          </a:xfrm>
+          <a:prstGeom prst="rect">
+            <a:avLst/>
+          </a:prstGeom>
+        </p:spPr>
+        <p:txBody>
+          <a:bodyPr/>
+          <a:lstStyle/>
+          <a:p>
+            <a:pPr lvl="0"/>
+            <a:r>
+              <a:rPr lang="fr-FR" smtClean="0"/>
+              <a:t>Modifier les styles du texte du masque</a:t>
+            </a:r>
+          </a:p>
+          <a:p>
+            <a:pPr lvl="1"/>
+            <a:r>
+              <a:rPr lang="fr-FR" smtClean="0"/>
+              <a:t>Deuxième niveau</a:t>
+            </a:r>
+          </a:p>
+          <a:p>
+            <a:pPr lvl="2"/>
+            <a:r>
+              <a:rPr lang="fr-FR" smtClean="0"/>
+              <a:t>Troisième niveau</a:t>
+            </a:r>
+          </a:p>
+          <a:p>
+            <a:pPr lvl="3"/>
+            <a:r>
+              <a:rPr lang="fr-FR" smtClean="0"/>
+              <a:t>Quatrième niveau</a:t>
+            </a:r>
+          </a:p>
+          <a:p>
+            <a:pPr lvl="4"/>
+            <a:r>
+              <a:rPr lang="fr-FR" smtClean="0"/>
+              <a:t>Cinquième niveau</a:t>
+            </a:r>
+            <a:endParaRPr lang="fr-FR"/>
+          </a:p>
+        </p:txBody>
+      </p:sp>
+      <p:sp>
+        <p:nvSpPr>
+          <p:cNvPr id="5" name="Espace réservé de la date 4"/>
+          <p:cNvSpPr>
+            <a:spLocks noGrp="1"/>
+          </p:cNvSpPr>
+          <p:nvPr>
+            <p:ph type="dt" sz="half" idx="10"/>
+          </p:nvPr>
+        </p:nvSpPr>
+        <p:spPr/>
+        <p:txBody>
+          <a:bodyPr/>
+          <a:lstStyle/>
+          <a:p>
+            <a:fld id="{A74F3EA5-292C-4331-BAB5-A6575F471254}" type="datetimeFigureOut">
+              <a:rPr lang="fr-FR" smtClean="0"/>
+              <a:t>11/08/2022</a:t>
+            </a:fld>
+            <a:endParaRPr lang="fr-FR"/>
+          </a:p>
+        </p:txBody>
+      </p:sp>
+      <p:sp>
+        <p:nvSpPr>
+          <p:cNvPr id="6" name="Espace réservé du pied de page 5"/>
+          <p:cNvSpPr>
+            <a:spLocks noGrp="1"/>
+          </p:cNvSpPr>
+          <p:nvPr>
+            <p:ph type="ftr" sz="quarter" idx="11"/>
+          </p:nvPr>
+        </p:nvSpPr>
+        <p:spPr/>
+        <p:txBody>
+          <a:bodyPr/>
+          <a:lstStyle/>
+          <a:p>
+            <a:endParaRPr lang="fr-FR"/>
+          </a:p>
+        </p:txBody>
+      </p:sp>
+      <p:sp>
+        <p:nvSpPr>
+          <p:cNvPr id="7" name="Espace réservé du numéro de diapositive 6"/>
+          <p:cNvSpPr>
+            <a:spLocks noGrp="1"/>
+          </p:cNvSpPr>
+          <p:nvPr>
+            <p:ph type="sldNum" sz="quarter" idx="12"/>
+          </p:nvPr>
+        </p:nvSpPr>
+        <p:spPr/>
+        <p:txBody>
+          <a:bodyPr/>
+          <a:lstStyle/>
+          <a:p>
+            <a:fld id="{0C070781-3C42-4FAC-8567-5AC674719362}" type="slidenum">
+              <a:rPr lang="fr-FR" smtClean="0"/>
+              <a:t>‹N°›</a:t>
+            </a:fld>
+            <a:endParaRPr lang="fr-FR"/>
+          </a:p>
+        </p:txBody>
+      </p:sp>
+    </p:spTree>
+    <p:extLst>
+      <p:ext uri="{BB962C8B-B14F-4D97-AF65-F5344CB8AC3E}">
+        <p14:creationId xmlns:p14="http://schemas.microsoft.com/office/powerpoint/2010/main" val="491242493"/>
+      </p:ext>
+    </p:extLst>
+  </p:cSld>
+  <p:clrMapOvr>
+    <a:masterClrMapping/>
+  </p:clrMapOvr>
+</p:sldLayout>
+</file>
+
+<file path=ppt/slideLayouts/slideLayout5.xml><?xml version="1.0" encoding="utf-8"?>
+<p:sldLayout xmlns:a="http://schemas.openxmlformats.org/drawingml/2006/main" xmlns:r="http://schemas.openxmlformats.org/officeDocument/2006/relationships" xmlns:p="http://schemas.openxmlformats.org/presentationml/2006/main" type="twoTxTwoObj" preserve="1">
+  <p:cSld name="Comparaison">
+    <p:spTree>
+      <p:nvGrpSpPr>
+        <p:cNvPr id="1" name=""/>
+        <p:cNvGrpSpPr/>
+        <p:nvPr/>
+      </p:nvGrpSpPr>
+      <p:grpSpPr>
+        <a:xfrm>
+          <a:off x="0" y="0"/>
+          <a:ext cx="0" cy="0"/>
+          <a:chOff x="0" y="0"/>
+          <a:chExt cx="0" cy="0"/>
+        </a:xfrm>
+      </p:grpSpPr>
+      <p:sp>
+        <p:nvSpPr>
+          <p:cNvPr id="2" name="Titre 1"/>
+          <p:cNvSpPr>
+            <a:spLocks noGrp="1"/>
+          </p:cNvSpPr>
+          <p:nvPr>
+            <p:ph type="title"/>
+          </p:nvPr>
+        </p:nvSpPr>
+        <p:spPr>
+          <a:xfrm>
+            <a:off x="839788" y="365127"/>
+            <a:ext cx="10515600" cy="1325563"/>
+          </a:xfrm>
+          <a:prstGeom prst="rect">
+            <a:avLst/>
+          </a:prstGeom>
+        </p:spPr>
+        <p:txBody>
+          <a:bodyPr/>
+          <a:lstStyle/>
+          <a:p>
+            <a:r>
+              <a:rPr lang="fr-FR" smtClean="0"/>
+              <a:t>Modifiez le style du titre</a:t>
+            </a:r>
+            <a:endParaRPr lang="fr-FR"/>
+          </a:p>
+        </p:txBody>
+      </p:sp>
+      <p:sp>
+        <p:nvSpPr>
+          <p:cNvPr id="3" name="Espace réservé du texte 2"/>
+          <p:cNvSpPr>
+            <a:spLocks noGrp="1"/>
+          </p:cNvSpPr>
+          <p:nvPr>
+            <p:ph type="body" idx="1"/>
+          </p:nvPr>
+        </p:nvSpPr>
+        <p:spPr>
+          <a:xfrm>
+            <a:off x="839789" y="1681163"/>
+            <a:ext cx="5157787" cy="823912"/>
+          </a:xfrm>
+          <a:prstGeom prst="rect">
+            <a:avLst/>
+          </a:prstGeom>
+        </p:spPr>
+        <p:txBody>
+          <a:bodyPr anchor="b"/>
+          <a:lstStyle>
+            <a:lvl1pPr marL="0" indent="0">
+              <a:buNone/>
+              <a:defRPr sz="1800" b="1"/>
+            </a:lvl1pPr>
+            <a:lvl2pPr marL="342900" indent="0">
+              <a:buNone/>
+              <a:defRPr sz="1500" b="1"/>
+            </a:lvl2pPr>
+            <a:lvl3pPr marL="685800" indent="0">
+              <a:buNone/>
+              <a:defRPr sz="1350" b="1"/>
+            </a:lvl3pPr>
+            <a:lvl4pPr marL="1028700" indent="0">
+              <a:buNone/>
+              <a:defRPr sz="1200" b="1"/>
+            </a:lvl4pPr>
+            <a:lvl5pPr marL="1371600" indent="0">
+              <a:buNone/>
+              <a:defRPr sz="1200" b="1"/>
+            </a:lvl5pPr>
+            <a:lvl6pPr marL="1714500" indent="0">
+              <a:buNone/>
+              <a:defRPr sz="1200" b="1"/>
+            </a:lvl6pPr>
+            <a:lvl7pPr marL="2057400" indent="0">
+              <a:buNone/>
+              <a:defRPr sz="1200" b="1"/>
+            </a:lvl7pPr>
+            <a:lvl8pPr marL="2400300" indent="0">
+              <a:buNone/>
+              <a:defRPr sz="1200" b="1"/>
+            </a:lvl8pPr>
+            <a:lvl9pPr marL="2743200" indent="0">
+              <a:buNone/>
+              <a:defRPr sz="1200" b="1"/>
+            </a:lvl9pPr>
+          </a:lstStyle>
+          <a:p>
+            <a:pPr lvl="0"/>
+            <a:r>
+              <a:rPr lang="fr-FR" smtClean="0"/>
+              <a:t>Modifier les styles du texte du masque</a:t>
+            </a:r>
+          </a:p>
+        </p:txBody>
+      </p:sp>
+      <p:sp>
+        <p:nvSpPr>
+          <p:cNvPr id="4" name="Espace réservé du contenu 3"/>
+          <p:cNvSpPr>
+            <a:spLocks noGrp="1"/>
+          </p:cNvSpPr>
+          <p:nvPr>
+            <p:ph sz="half" idx="2"/>
+          </p:nvPr>
+        </p:nvSpPr>
+        <p:spPr>
+          <a:xfrm>
+            <a:off x="839789" y="2505075"/>
+            <a:ext cx="5157787" cy="3684588"/>
+          </a:xfrm>
+          <a:prstGeom prst="rect">
+            <a:avLst/>
+          </a:prstGeom>
+        </p:spPr>
+        <p:txBody>
+          <a:bodyPr/>
+          <a:lstStyle/>
+          <a:p>
+            <a:pPr lvl="0"/>
+            <a:r>
+              <a:rPr lang="fr-FR" smtClean="0"/>
+              <a:t>Modifier les styles du texte du masque</a:t>
+            </a:r>
+          </a:p>
+          <a:p>
+            <a:pPr lvl="1"/>
+            <a:r>
+              <a:rPr lang="fr-FR" smtClean="0"/>
+              <a:t>Deuxième niveau</a:t>
+            </a:r>
+          </a:p>
+          <a:p>
+            <a:pPr lvl="2"/>
+            <a:r>
+              <a:rPr lang="fr-FR" smtClean="0"/>
+              <a:t>Troisième niveau</a:t>
+            </a:r>
+          </a:p>
+          <a:p>
+            <a:pPr lvl="3"/>
+            <a:r>
+              <a:rPr lang="fr-FR" smtClean="0"/>
+              <a:t>Quatrième niveau</a:t>
+            </a:r>
+          </a:p>
+          <a:p>
+            <a:pPr lvl="4"/>
+            <a:r>
+              <a:rPr lang="fr-FR" smtClean="0"/>
+              <a:t>Cinquième niveau</a:t>
+            </a:r>
+            <a:endParaRPr lang="fr-FR"/>
+          </a:p>
+        </p:txBody>
+      </p:sp>
+      <p:sp>
+        <p:nvSpPr>
+          <p:cNvPr id="5" name="Espace réservé du texte 4"/>
+          <p:cNvSpPr>
+            <a:spLocks noGrp="1"/>
+          </p:cNvSpPr>
+          <p:nvPr>
+            <p:ph type="body" sz="quarter" idx="3"/>
+          </p:nvPr>
+        </p:nvSpPr>
+        <p:spPr>
+          <a:xfrm>
+            <a:off x="6172201" y="1681163"/>
+            <a:ext cx="5183188" cy="823912"/>
+          </a:xfrm>
+          <a:prstGeom prst="rect">
+            <a:avLst/>
+          </a:prstGeom>
+        </p:spPr>
+        <p:txBody>
+          <a:bodyPr anchor="b"/>
+          <a:lstStyle>
+            <a:lvl1pPr marL="0" indent="0">
+              <a:buNone/>
+              <a:defRPr sz="1800" b="1"/>
+            </a:lvl1pPr>
+            <a:lvl2pPr marL="342900" indent="0">
+              <a:buNone/>
+              <a:defRPr sz="1500" b="1"/>
+            </a:lvl2pPr>
+            <a:lvl3pPr marL="685800" indent="0">
+              <a:buNone/>
+              <a:defRPr sz="1350" b="1"/>
+            </a:lvl3pPr>
+            <a:lvl4pPr marL="1028700" indent="0">
+              <a:buNone/>
+              <a:defRPr sz="1200" b="1"/>
+            </a:lvl4pPr>
+            <a:lvl5pPr marL="1371600" indent="0">
+              <a:buNone/>
+              <a:defRPr sz="1200" b="1"/>
+            </a:lvl5pPr>
+            <a:lvl6pPr marL="1714500" indent="0">
+              <a:buNone/>
+              <a:defRPr sz="1200" b="1"/>
+            </a:lvl6pPr>
+            <a:lvl7pPr marL="2057400" indent="0">
+              <a:buNone/>
+              <a:defRPr sz="1200" b="1"/>
+            </a:lvl7pPr>
+            <a:lvl8pPr marL="2400300" indent="0">
+              <a:buNone/>
+              <a:defRPr sz="1200" b="1"/>
+            </a:lvl8pPr>
+            <a:lvl9pPr marL="2743200" indent="0">
+              <a:buNone/>
+              <a:defRPr sz="1200" b="1"/>
+            </a:lvl9pPr>
+          </a:lstStyle>
+          <a:p>
+            <a:pPr lvl="0"/>
+            <a:r>
+              <a:rPr lang="fr-FR" smtClean="0"/>
+              <a:t>Modifier les styles du texte du masque</a:t>
+            </a:r>
+          </a:p>
+        </p:txBody>
+      </p:sp>
+      <p:sp>
+        <p:nvSpPr>
+          <p:cNvPr id="6" name="Espace réservé du contenu 5"/>
+          <p:cNvSpPr>
+            <a:spLocks noGrp="1"/>
+          </p:cNvSpPr>
+          <p:nvPr>
+            <p:ph sz="quarter" idx="4"/>
+          </p:nvPr>
+        </p:nvSpPr>
+        <p:spPr>
+          <a:xfrm>
+            <a:off x="6172201" y="2505075"/>
+            <a:ext cx="5183188" cy="3684588"/>
+          </a:xfrm>
+          <a:prstGeom prst="rect">
+            <a:avLst/>
+          </a:prstGeom>
+        </p:spPr>
+        <p:txBody>
+          <a:bodyPr/>
+          <a:lstStyle/>
+          <a:p>
+            <a:pPr lvl="0"/>
+            <a:r>
+              <a:rPr lang="fr-FR" smtClean="0"/>
+              <a:t>Modifier les styles du texte du masque</a:t>
+            </a:r>
+          </a:p>
+          <a:p>
+            <a:pPr lvl="1"/>
+            <a:r>
+              <a:rPr lang="fr-FR" smtClean="0"/>
+              <a:t>Deuxième niveau</a:t>
+            </a:r>
+          </a:p>
+          <a:p>
+            <a:pPr lvl="2"/>
+            <a:r>
+              <a:rPr lang="fr-FR" smtClean="0"/>
+              <a:t>Troisième niveau</a:t>
+            </a:r>
+          </a:p>
+          <a:p>
+            <a:pPr lvl="3"/>
+            <a:r>
+              <a:rPr lang="fr-FR" smtClean="0"/>
+              <a:t>Quatrième niveau</a:t>
+            </a:r>
+          </a:p>
+          <a:p>
+            <a:pPr lvl="4"/>
+            <a:r>
+              <a:rPr lang="fr-FR" smtClean="0"/>
+              <a:t>Cinquième niveau</a:t>
+            </a:r>
+            <a:endParaRPr lang="fr-FR"/>
+          </a:p>
+        </p:txBody>
+      </p:sp>
+      <p:sp>
+        <p:nvSpPr>
+          <p:cNvPr id="7" name="Espace réservé de la date 6"/>
+          <p:cNvSpPr>
+            <a:spLocks noGrp="1"/>
+          </p:cNvSpPr>
+          <p:nvPr>
+            <p:ph type="dt" sz="half" idx="10"/>
+          </p:nvPr>
+        </p:nvSpPr>
+        <p:spPr/>
+        <p:txBody>
+          <a:bodyPr/>
+          <a:lstStyle/>
+          <a:p>
+            <a:fld id="{A74F3EA5-292C-4331-BAB5-A6575F471254}" type="datetimeFigureOut">
+              <a:rPr lang="fr-FR" smtClean="0"/>
+              <a:t>11/08/2022</a:t>
+            </a:fld>
+            <a:endParaRPr lang="fr-FR"/>
+          </a:p>
+        </p:txBody>
+      </p:sp>
+      <p:sp>
+        <p:nvSpPr>
+          <p:cNvPr id="8" name="Espace réservé du pied de page 7"/>
+          <p:cNvSpPr>
+            <a:spLocks noGrp="1"/>
+          </p:cNvSpPr>
+          <p:nvPr>
+            <p:ph type="ftr" sz="quarter" idx="11"/>
+          </p:nvPr>
+        </p:nvSpPr>
+        <p:spPr/>
+        <p:txBody>
+          <a:bodyPr/>
+          <a:lstStyle/>
+          <a:p>
+            <a:endParaRPr lang="fr-FR"/>
+          </a:p>
+        </p:txBody>
+      </p:sp>
+      <p:sp>
+        <p:nvSpPr>
+          <p:cNvPr id="9" name="Espace réservé du numéro de diapositive 8"/>
+          <p:cNvSpPr>
+            <a:spLocks noGrp="1"/>
+          </p:cNvSpPr>
+          <p:nvPr>
+            <p:ph type="sldNum" sz="quarter" idx="12"/>
+          </p:nvPr>
+        </p:nvSpPr>
+        <p:spPr/>
+        <p:txBody>
+          <a:bodyPr/>
+          <a:lstStyle/>
+          <a:p>
+            <a:fld id="{0C070781-3C42-4FAC-8567-5AC674719362}" type="slidenum">
+              <a:rPr lang="fr-FR" smtClean="0"/>
+              <a:t>‹N°›</a:t>
+            </a:fld>
+            <a:endParaRPr lang="fr-FR"/>
+          </a:p>
+        </p:txBody>
+      </p:sp>
+    </p:spTree>
+    <p:extLst>
+      <p:ext uri="{BB962C8B-B14F-4D97-AF65-F5344CB8AC3E}">
+        <p14:creationId xmlns:p14="http://schemas.microsoft.com/office/powerpoint/2010/main" val="3418102333"/>
+      </p:ext>
+    </p:extLst>
+  </p:cSld>
+  <p:clrMapOvr>
+    <a:masterClrMapping/>
+  </p:clrMapOvr>
+</p:sldLayout>
+</file>
+
+<file path=ppt/slideLayouts/slideLayout6.xml><?xml version="1.0" encoding="utf-8"?>
+<p:sldLayout xmlns:a="http://schemas.openxmlformats.org/drawingml/2006/main" xmlns:r="http://schemas.openxmlformats.org/officeDocument/2006/relationships" xmlns:p="http://schemas.openxmlformats.org/presentationml/2006/main" type="titleOnly" preserve="1">
+  <p:cSld name="Titre seul">
+    <p:spTree>
+      <p:nvGrpSpPr>
+        <p:cNvPr id="1" name=""/>
+        <p:cNvGrpSpPr/>
+        <p:nvPr/>
+      </p:nvGrpSpPr>
+      <p:grpSpPr>
+        <a:xfrm>
+          <a:off x="0" y="0"/>
+          <a:ext cx="0" cy="0"/>
+          <a:chOff x="0" y="0"/>
+          <a:chExt cx="0" cy="0"/>
+        </a:xfrm>
+      </p:grpSpPr>
+      <p:sp>
+        <p:nvSpPr>
+          <p:cNvPr id="2" name="Titre 1"/>
+          <p:cNvSpPr>
+            <a:spLocks noGrp="1"/>
+          </p:cNvSpPr>
+          <p:nvPr>
+            <p:ph type="title"/>
+          </p:nvPr>
+        </p:nvSpPr>
+        <p:spPr>
+          <a:xfrm>
+            <a:off x="838200" y="365127"/>
+            <a:ext cx="10515600" cy="1325563"/>
+          </a:xfrm>
+          <a:prstGeom prst="rect">
+            <a:avLst/>
+          </a:prstGeom>
+        </p:spPr>
+        <p:txBody>
+          <a:bodyPr/>
+          <a:lstStyle/>
+          <a:p>
+            <a:r>
+              <a:rPr lang="fr-FR" smtClean="0"/>
+              <a:t>Modifiez le style du titre</a:t>
+            </a:r>
+            <a:endParaRPr lang="fr-FR"/>
+          </a:p>
+        </p:txBody>
+      </p:sp>
+      <p:sp>
+        <p:nvSpPr>
+          <p:cNvPr id="3" name="Espace réservé de la date 2"/>
+          <p:cNvSpPr>
+            <a:spLocks noGrp="1"/>
+          </p:cNvSpPr>
+          <p:nvPr>
+            <p:ph type="dt" sz="half" idx="10"/>
+          </p:nvPr>
+        </p:nvSpPr>
+        <p:spPr/>
+        <p:txBody>
+          <a:bodyPr/>
+          <a:lstStyle/>
+          <a:p>
+            <a:fld id="{A74F3EA5-292C-4331-BAB5-A6575F471254}" type="datetimeFigureOut">
+              <a:rPr lang="fr-FR" smtClean="0"/>
+              <a:t>11/08/2022</a:t>
+            </a:fld>
+            <a:endParaRPr lang="fr-FR"/>
+          </a:p>
+        </p:txBody>
+      </p:sp>
+      <p:sp>
+        <p:nvSpPr>
+          <p:cNvPr id="4" name="Espace réservé du pied de page 3"/>
+          <p:cNvSpPr>
+            <a:spLocks noGrp="1"/>
+          </p:cNvSpPr>
+          <p:nvPr>
+            <p:ph type="ftr" sz="quarter" idx="11"/>
+          </p:nvPr>
+        </p:nvSpPr>
+        <p:spPr/>
+        <p:txBody>
+          <a:bodyPr/>
+          <a:lstStyle/>
+          <a:p>
+            <a:endParaRPr lang="fr-FR"/>
+          </a:p>
+        </p:txBody>
+      </p:sp>
+      <p:sp>
+        <p:nvSpPr>
+          <p:cNvPr id="5" name="Espace réservé du numéro de diapositive 4"/>
+          <p:cNvSpPr>
+            <a:spLocks noGrp="1"/>
+          </p:cNvSpPr>
+          <p:nvPr>
+            <p:ph type="sldNum" sz="quarter" idx="12"/>
+          </p:nvPr>
+        </p:nvSpPr>
+        <p:spPr/>
+        <p:txBody>
+          <a:bodyPr/>
+          <a:lstStyle/>
+          <a:p>
+            <a:fld id="{0C070781-3C42-4FAC-8567-5AC674719362}" type="slidenum">
+              <a:rPr lang="fr-FR" smtClean="0"/>
+              <a:t>‹N°›</a:t>
+            </a:fld>
+            <a:endParaRPr lang="fr-FR"/>
+          </a:p>
+        </p:txBody>
+      </p:sp>
+    </p:spTree>
+    <p:extLst>
+      <p:ext uri="{BB962C8B-B14F-4D97-AF65-F5344CB8AC3E}">
+        <p14:creationId xmlns:p14="http://schemas.microsoft.com/office/powerpoint/2010/main" val="3877265473"/>
+      </p:ext>
+    </p:extLst>
+  </p:cSld>
+  <p:clrMapOvr>
+    <a:masterClrMapping/>
+  </p:clrMapOvr>
+</p:sldLayout>
+</file>
+
+<file path=ppt/slideLayouts/slideLayout7.xml><?xml version="1.0" encoding="utf-8"?>
+<p:sldLayout xmlns:a="http://schemas.openxmlformats.org/drawingml/2006/main" xmlns:r="http://schemas.openxmlformats.org/officeDocument/2006/relationships" xmlns:p="http://schemas.openxmlformats.org/presentationml/2006/main" type="blank" preserve="1">
+  <p:cSld name="Vide">
+    <p:spTree>
+      <p:nvGrpSpPr>
+        <p:cNvPr id="1" name=""/>
+        <p:cNvGrpSpPr/>
+        <p:nvPr/>
+      </p:nvGrpSpPr>
+      <p:grpSpPr>
+        <a:xfrm>
+          <a:off x="0" y="0"/>
+          <a:ext cx="0" cy="0"/>
+          <a:chOff x="0" y="0"/>
+          <a:chExt cx="0" cy="0"/>
+        </a:xfrm>
+      </p:grpSpPr>
+      <p:sp>
+        <p:nvSpPr>
+          <p:cNvPr id="2" name="Espace réservé de la date 1"/>
+          <p:cNvSpPr>
+            <a:spLocks noGrp="1"/>
+          </p:cNvSpPr>
+          <p:nvPr>
+            <p:ph type="dt" sz="half" idx="10"/>
+          </p:nvPr>
+        </p:nvSpPr>
+        <p:spPr/>
+        <p:txBody>
+          <a:bodyPr/>
+          <a:lstStyle/>
+          <a:p>
+            <a:fld id="{A74F3EA5-292C-4331-BAB5-A6575F471254}" type="datetimeFigureOut">
+              <a:rPr lang="fr-FR" smtClean="0"/>
+              <a:t>11/08/2022</a:t>
+            </a:fld>
+            <a:endParaRPr lang="fr-FR"/>
+          </a:p>
+        </p:txBody>
+      </p:sp>
+      <p:sp>
+        <p:nvSpPr>
+          <p:cNvPr id="3" name="Espace réservé du pied de page 2"/>
+          <p:cNvSpPr>
+            <a:spLocks noGrp="1"/>
+          </p:cNvSpPr>
+          <p:nvPr>
+            <p:ph type="ftr" sz="quarter" idx="11"/>
+          </p:nvPr>
+        </p:nvSpPr>
+        <p:spPr/>
+        <p:txBody>
+          <a:bodyPr/>
+          <a:lstStyle/>
+          <a:p>
+            <a:endParaRPr lang="fr-FR"/>
+          </a:p>
+        </p:txBody>
+      </p:sp>
+      <p:sp>
+        <p:nvSpPr>
+          <p:cNvPr id="4" name="Espace réservé du numéro de diapositive 3"/>
+          <p:cNvSpPr>
+            <a:spLocks noGrp="1"/>
+          </p:cNvSpPr>
+          <p:nvPr>
+            <p:ph type="sldNum" sz="quarter" idx="12"/>
+          </p:nvPr>
+        </p:nvSpPr>
+        <p:spPr/>
+        <p:txBody>
+          <a:bodyPr/>
+          <a:lstStyle/>
+          <a:p>
+            <a:fld id="{0C070781-3C42-4FAC-8567-5AC674719362}" type="slidenum">
+              <a:rPr lang="fr-FR" smtClean="0"/>
+              <a:t>‹N°›</a:t>
+            </a:fld>
+            <a:endParaRPr lang="fr-FR"/>
+          </a:p>
+        </p:txBody>
+      </p:sp>
+    </p:spTree>
+    <p:extLst>
+      <p:ext uri="{BB962C8B-B14F-4D97-AF65-F5344CB8AC3E}">
+        <p14:creationId xmlns:p14="http://schemas.microsoft.com/office/powerpoint/2010/main" val="3317098477"/>
+      </p:ext>
+    </p:extLst>
+  </p:cSld>
+  <p:clrMapOvr>
+    <a:masterClrMapping/>
+  </p:clrMapOvr>
+</p:sldLayout>
+</file>
+
+<file path=ppt/slideLayouts/slideLayout8.xml><?xml version="1.0" encoding="utf-8"?>
+<p:sldLayout xmlns:a="http://schemas.openxmlformats.org/drawingml/2006/main" xmlns:r="http://schemas.openxmlformats.org/officeDocument/2006/relationships" xmlns:p="http://schemas.openxmlformats.org/presentationml/2006/main" type="objTx" preserve="1">
+  <p:cSld name="Contenu avec légende">
+    <p:spTree>
+      <p:nvGrpSpPr>
+        <p:cNvPr id="1" name=""/>
+        <p:cNvGrpSpPr/>
+        <p:nvPr/>
+      </p:nvGrpSpPr>
+      <p:grpSpPr>
+        <a:xfrm>
+          <a:off x="0" y="0"/>
+          <a:ext cx="0" cy="0"/>
+          <a:chOff x="0" y="0"/>
+          <a:chExt cx="0" cy="0"/>
+        </a:xfrm>
+      </p:grpSpPr>
+      <p:sp>
+        <p:nvSpPr>
+          <p:cNvPr id="2" name="Titre 1"/>
+          <p:cNvSpPr>
+            <a:spLocks noGrp="1"/>
+          </p:cNvSpPr>
+          <p:nvPr>
+            <p:ph type="title"/>
+          </p:nvPr>
+        </p:nvSpPr>
+        <p:spPr>
+          <a:xfrm>
+            <a:off x="839788" y="457200"/>
+            <a:ext cx="3932237" cy="1600200"/>
+          </a:xfrm>
+          <a:prstGeom prst="rect">
+            <a:avLst/>
+          </a:prstGeom>
+        </p:spPr>
+        <p:txBody>
+          <a:bodyPr anchor="b"/>
+          <a:lstStyle>
+            <a:lvl1pPr>
+              <a:defRPr sz="2400"/>
+            </a:lvl1pPr>
+          </a:lstStyle>
+          <a:p>
+            <a:r>
+              <a:rPr lang="fr-FR" smtClean="0"/>
+              <a:t>Modifiez le style du titre</a:t>
+            </a:r>
+            <a:endParaRPr lang="fr-FR"/>
+          </a:p>
+        </p:txBody>
+      </p:sp>
+      <p:sp>
+        <p:nvSpPr>
+          <p:cNvPr id="3" name="Espace réservé du contenu 2"/>
+          <p:cNvSpPr>
+            <a:spLocks noGrp="1"/>
+          </p:cNvSpPr>
+          <p:nvPr>
+            <p:ph idx="1"/>
+          </p:nvPr>
+        </p:nvSpPr>
+        <p:spPr>
+          <a:xfrm>
+            <a:off x="5183188" y="987427"/>
+            <a:ext cx="6172200" cy="4873625"/>
+          </a:xfrm>
+          <a:prstGeom prst="rect">
+            <a:avLst/>
+          </a:prstGeom>
+        </p:spPr>
+        <p:txBody>
+          <a:bodyPr/>
+          <a:lstStyle>
+            <a:lvl1pPr>
+              <a:defRPr sz="2400"/>
+            </a:lvl1pPr>
+            <a:lvl2pPr>
+              <a:defRPr sz="2100"/>
+            </a:lvl2pPr>
+            <a:lvl3pPr>
+              <a:defRPr sz="1800"/>
+            </a:lvl3pPr>
+            <a:lvl4pPr>
+              <a:defRPr sz="1500"/>
+            </a:lvl4pPr>
+            <a:lvl5pPr>
+              <a:defRPr sz="1500"/>
+            </a:lvl5pPr>
+            <a:lvl6pPr>
+              <a:defRPr sz="1500"/>
+            </a:lvl6pPr>
+            <a:lvl7pPr>
+              <a:defRPr sz="1500"/>
+            </a:lvl7pPr>
+            <a:lvl8pPr>
+              <a:defRPr sz="1500"/>
+            </a:lvl8pPr>
+            <a:lvl9pPr>
+              <a:defRPr sz="1500"/>
+            </a:lvl9pPr>
+          </a:lstStyle>
+          <a:p>
+            <a:pPr lvl="0"/>
+            <a:r>
+              <a:rPr lang="fr-FR" smtClean="0"/>
+              <a:t>Modifier les styles du texte du masque</a:t>
+            </a:r>
+          </a:p>
+          <a:p>
+            <a:pPr lvl="1"/>
+            <a:r>
+              <a:rPr lang="fr-FR" smtClean="0"/>
+              <a:t>Deuxième niveau</a:t>
+            </a:r>
+          </a:p>
+          <a:p>
+            <a:pPr lvl="2"/>
+            <a:r>
+              <a:rPr lang="fr-FR" smtClean="0"/>
+              <a:t>Troisième niveau</a:t>
+            </a:r>
+          </a:p>
+          <a:p>
+            <a:pPr lvl="3"/>
+            <a:r>
+              <a:rPr lang="fr-FR" smtClean="0"/>
+              <a:t>Quatrième niveau</a:t>
+            </a:r>
+          </a:p>
+          <a:p>
+            <a:pPr lvl="4"/>
+            <a:r>
+              <a:rPr lang="fr-FR" smtClean="0"/>
+              <a:t>Cinquième niveau</a:t>
+            </a:r>
+            <a:endParaRPr lang="fr-FR"/>
+          </a:p>
+        </p:txBody>
+      </p:sp>
+      <p:sp>
+        <p:nvSpPr>
+          <p:cNvPr id="4" name="Espace réservé du texte 3"/>
+          <p:cNvSpPr>
+            <a:spLocks noGrp="1"/>
+          </p:cNvSpPr>
+          <p:nvPr>
+            <p:ph type="body" sz="half" idx="2"/>
+          </p:nvPr>
+        </p:nvSpPr>
+        <p:spPr>
+          <a:xfrm>
+            <a:off x="839788" y="2057400"/>
+            <a:ext cx="3932237" cy="3811588"/>
+          </a:xfrm>
+          <a:prstGeom prst="rect">
+            <a:avLst/>
+          </a:prstGeom>
+        </p:spPr>
+        <p:txBody>
+          <a:bodyPr/>
+          <a:lstStyle>
+            <a:lvl1pPr marL="0" indent="0">
+              <a:buNone/>
+              <a:defRPr sz="1200"/>
+            </a:lvl1pPr>
+            <a:lvl2pPr marL="342900" indent="0">
+              <a:buNone/>
+              <a:defRPr sz="1050"/>
+            </a:lvl2pPr>
+            <a:lvl3pPr marL="685800" indent="0">
+              <a:buNone/>
+              <a:defRPr sz="900"/>
+            </a:lvl3pPr>
+            <a:lvl4pPr marL="1028700" indent="0">
+              <a:buNone/>
+              <a:defRPr sz="750"/>
+            </a:lvl4pPr>
+            <a:lvl5pPr marL="1371600" indent="0">
+              <a:buNone/>
+              <a:defRPr sz="750"/>
+            </a:lvl5pPr>
+            <a:lvl6pPr marL="1714500" indent="0">
+              <a:buNone/>
+              <a:defRPr sz="750"/>
+            </a:lvl6pPr>
+            <a:lvl7pPr marL="2057400" indent="0">
+              <a:buNone/>
+              <a:defRPr sz="750"/>
+            </a:lvl7pPr>
+            <a:lvl8pPr marL="2400300" indent="0">
+              <a:buNone/>
+              <a:defRPr sz="750"/>
+            </a:lvl8pPr>
+            <a:lvl9pPr marL="2743200" indent="0">
+              <a:buNone/>
+              <a:defRPr sz="750"/>
+            </a:lvl9pPr>
+          </a:lstStyle>
+          <a:p>
+            <a:pPr lvl="0"/>
+            <a:r>
+              <a:rPr lang="fr-FR" smtClean="0"/>
+              <a:t>Modifier les styles du texte du masque</a:t>
+            </a:r>
+          </a:p>
+        </p:txBody>
+      </p:sp>
+      <p:sp>
+        <p:nvSpPr>
+          <p:cNvPr id="5" name="Espace réservé de la date 4"/>
+          <p:cNvSpPr>
+            <a:spLocks noGrp="1"/>
+          </p:cNvSpPr>
+          <p:nvPr>
+            <p:ph type="dt" sz="half" idx="10"/>
+          </p:nvPr>
+        </p:nvSpPr>
+        <p:spPr/>
+        <p:txBody>
+          <a:bodyPr/>
+          <a:lstStyle/>
+          <a:p>
+            <a:fld id="{A74F3EA5-292C-4331-BAB5-A6575F471254}" type="datetimeFigureOut">
+              <a:rPr lang="fr-FR" smtClean="0"/>
+              <a:t>11/08/2022</a:t>
+            </a:fld>
+            <a:endParaRPr lang="fr-FR"/>
+          </a:p>
+        </p:txBody>
+      </p:sp>
+      <p:sp>
+        <p:nvSpPr>
+          <p:cNvPr id="6" name="Espace réservé du pied de page 5"/>
+          <p:cNvSpPr>
+            <a:spLocks noGrp="1"/>
+          </p:cNvSpPr>
+          <p:nvPr>
+            <p:ph type="ftr" sz="quarter" idx="11"/>
+          </p:nvPr>
+        </p:nvSpPr>
+        <p:spPr/>
+        <p:txBody>
+          <a:bodyPr/>
+          <a:lstStyle/>
+          <a:p>
+            <a:endParaRPr lang="fr-FR"/>
+          </a:p>
+        </p:txBody>
+      </p:sp>
+      <p:sp>
+        <p:nvSpPr>
+          <p:cNvPr id="7" name="Espace réservé du numéro de diapositive 6"/>
+          <p:cNvSpPr>
+            <a:spLocks noGrp="1"/>
+          </p:cNvSpPr>
+          <p:nvPr>
+            <p:ph type="sldNum" sz="quarter" idx="12"/>
+          </p:nvPr>
+        </p:nvSpPr>
+        <p:spPr/>
+        <p:txBody>
+          <a:bodyPr/>
+          <a:lstStyle/>
+          <a:p>
+            <a:fld id="{0C070781-3C42-4FAC-8567-5AC674719362}" type="slidenum">
+              <a:rPr lang="fr-FR" smtClean="0"/>
+              <a:t>‹N°›</a:t>
+            </a:fld>
+            <a:endParaRPr lang="fr-FR"/>
+          </a:p>
+        </p:txBody>
+      </p:sp>
+    </p:spTree>
+    <p:extLst>
+      <p:ext uri="{BB962C8B-B14F-4D97-AF65-F5344CB8AC3E}">
+        <p14:creationId xmlns:p14="http://schemas.microsoft.com/office/powerpoint/2010/main" val="1918182322"/>
+      </p:ext>
+    </p:extLst>
+  </p:cSld>
+  <p:clrMapOvr>
+    <a:masterClrMapping/>
+  </p:clrMapOvr>
+</p:sldLayout>
+</file>
+
+<file path=ppt/slideLayouts/slideLayout9.xml><?xml version="1.0" encoding="utf-8"?>
+<p:sldLayout xmlns:a="http://schemas.openxmlformats.org/drawingml/2006/main" xmlns:r="http://schemas.openxmlformats.org/officeDocument/2006/relationships" xmlns:p="http://schemas.openxmlformats.org/presentationml/2006/main" type="picTx" preserve="1">
+  <p:cSld name="Image avec légende">
+    <p:spTree>
+      <p:nvGrpSpPr>
+        <p:cNvPr id="1" name=""/>
+        <p:cNvGrpSpPr/>
+        <p:nvPr/>
+      </p:nvGrpSpPr>
+      <p:grpSpPr>
+        <a:xfrm>
+          <a:off x="0" y="0"/>
+          <a:ext cx="0" cy="0"/>
+          <a:chOff x="0" y="0"/>
+          <a:chExt cx="0" cy="0"/>
+        </a:xfrm>
+      </p:grpSpPr>
+      <p:sp>
+        <p:nvSpPr>
+          <p:cNvPr id="2" name="Titre 1"/>
+          <p:cNvSpPr>
+            <a:spLocks noGrp="1"/>
+          </p:cNvSpPr>
+          <p:nvPr>
+            <p:ph type="title"/>
+          </p:nvPr>
+        </p:nvSpPr>
+        <p:spPr>
+          <a:xfrm>
+            <a:off x="839788" y="457200"/>
+            <a:ext cx="3932237" cy="1600200"/>
+          </a:xfrm>
+          <a:prstGeom prst="rect">
+            <a:avLst/>
+          </a:prstGeom>
+        </p:spPr>
+        <p:txBody>
+          <a:bodyPr anchor="b"/>
+          <a:lstStyle>
+            <a:lvl1pPr>
+              <a:defRPr sz="2400"/>
+            </a:lvl1pPr>
+          </a:lstStyle>
+          <a:p>
+            <a:r>
+              <a:rPr lang="fr-FR" smtClean="0"/>
+              <a:t>Modifiez le style du titre</a:t>
+            </a:r>
+            <a:endParaRPr lang="fr-FR"/>
+          </a:p>
+        </p:txBody>
+      </p:sp>
+      <p:sp>
+        <p:nvSpPr>
+          <p:cNvPr id="3" name="Espace réservé pour une image  2"/>
+          <p:cNvSpPr>
+            <a:spLocks noGrp="1"/>
+          </p:cNvSpPr>
+          <p:nvPr>
+            <p:ph type="pic" idx="1"/>
+          </p:nvPr>
+        </p:nvSpPr>
+        <p:spPr>
+          <a:xfrm>
+            <a:off x="5183188" y="987427"/>
+            <a:ext cx="6172200" cy="4873625"/>
+          </a:xfrm>
+          <a:prstGeom prst="rect">
+            <a:avLst/>
+          </a:prstGeom>
+        </p:spPr>
+        <p:txBody>
+          <a:bodyPr/>
+          <a:lstStyle>
+            <a:lvl1pPr marL="0" indent="0">
+              <a:buNone/>
+              <a:defRPr sz="2400"/>
+            </a:lvl1pPr>
+            <a:lvl2pPr marL="342900" indent="0">
+              <a:buNone/>
+              <a:defRPr sz="2100"/>
+            </a:lvl2pPr>
+            <a:lvl3pPr marL="685800" indent="0">
+              <a:buNone/>
+              <a:defRPr sz="1800"/>
+            </a:lvl3pPr>
+            <a:lvl4pPr marL="1028700" indent="0">
+              <a:buNone/>
+              <a:defRPr sz="1500"/>
+            </a:lvl4pPr>
+            <a:lvl5pPr marL="1371600" indent="0">
+              <a:buNone/>
+              <a:defRPr sz="1500"/>
+            </a:lvl5pPr>
+            <a:lvl6pPr marL="1714500" indent="0">
+              <a:buNone/>
+              <a:defRPr sz="1500"/>
+            </a:lvl6pPr>
+            <a:lvl7pPr marL="2057400" indent="0">
+              <a:buNone/>
+              <a:defRPr sz="1500"/>
+            </a:lvl7pPr>
+            <a:lvl8pPr marL="2400300" indent="0">
+              <a:buNone/>
+              <a:defRPr sz="1500"/>
+            </a:lvl8pPr>
+            <a:lvl9pPr marL="2743200" indent="0">
+              <a:buNone/>
+              <a:defRPr sz="1500"/>
+            </a:lvl9pPr>
+          </a:lstStyle>
+          <a:p>
+            <a:endParaRPr lang="fr-FR"/>
+          </a:p>
+        </p:txBody>
+      </p:sp>
+      <p:sp>
+        <p:nvSpPr>
+          <p:cNvPr id="4" name="Espace réservé du texte 3"/>
+          <p:cNvSpPr>
+            <a:spLocks noGrp="1"/>
+          </p:cNvSpPr>
+          <p:nvPr>
+            <p:ph type="body" sz="half" idx="2"/>
+          </p:nvPr>
+        </p:nvSpPr>
+        <p:spPr>
+          <a:xfrm>
+            <a:off x="839788" y="2057400"/>
+            <a:ext cx="3932237" cy="3811588"/>
+          </a:xfrm>
+          <a:prstGeom prst="rect">
+            <a:avLst/>
+          </a:prstGeom>
+        </p:spPr>
+        <p:txBody>
+          <a:bodyPr/>
+          <a:lstStyle>
+            <a:lvl1pPr marL="0" indent="0">
+              <a:buNone/>
+              <a:defRPr sz="1200"/>
+            </a:lvl1pPr>
+            <a:lvl2pPr marL="342900" indent="0">
+              <a:buNone/>
+              <a:defRPr sz="1050"/>
+            </a:lvl2pPr>
+            <a:lvl3pPr marL="685800" indent="0">
+              <a:buNone/>
+              <a:defRPr sz="900"/>
+            </a:lvl3pPr>
+            <a:lvl4pPr marL="1028700" indent="0">
+              <a:buNone/>
+              <a:defRPr sz="750"/>
+            </a:lvl4pPr>
+            <a:lvl5pPr marL="1371600" indent="0">
+              <a:buNone/>
+              <a:defRPr sz="750"/>
+            </a:lvl5pPr>
+            <a:lvl6pPr marL="1714500" indent="0">
+              <a:buNone/>
+              <a:defRPr sz="750"/>
+            </a:lvl6pPr>
+            <a:lvl7pPr marL="2057400" indent="0">
+              <a:buNone/>
+              <a:defRPr sz="750"/>
+            </a:lvl7pPr>
+            <a:lvl8pPr marL="2400300" indent="0">
+              <a:buNone/>
+              <a:defRPr sz="750"/>
+            </a:lvl8pPr>
+            <a:lvl9pPr marL="2743200" indent="0">
+              <a:buNone/>
+              <a:defRPr sz="750"/>
+            </a:lvl9pPr>
+          </a:lstStyle>
+          <a:p>
+            <a:pPr lvl="0"/>
+            <a:r>
+              <a:rPr lang="fr-FR" smtClean="0"/>
+              <a:t>Modifier les styles du texte du masque</a:t>
+            </a:r>
+          </a:p>
+        </p:txBody>
+      </p:sp>
+      <p:sp>
+        <p:nvSpPr>
+          <p:cNvPr id="5" name="Espace réservé de la date 4"/>
+          <p:cNvSpPr>
+            <a:spLocks noGrp="1"/>
+          </p:cNvSpPr>
+          <p:nvPr>
+            <p:ph type="dt" sz="half" idx="10"/>
+          </p:nvPr>
+        </p:nvSpPr>
+        <p:spPr/>
+        <p:txBody>
+          <a:bodyPr/>
+          <a:lstStyle/>
+          <a:p>
+            <a:fld id="{A74F3EA5-292C-4331-BAB5-A6575F471254}" type="datetimeFigureOut">
+              <a:rPr lang="fr-FR" smtClean="0"/>
+              <a:t>11/08/2022</a:t>
+            </a:fld>
+            <a:endParaRPr lang="fr-FR"/>
+          </a:p>
+        </p:txBody>
+      </p:sp>
+      <p:sp>
+        <p:nvSpPr>
+          <p:cNvPr id="6" name="Espace réservé du pied de page 5"/>
+          <p:cNvSpPr>
+            <a:spLocks noGrp="1"/>
+          </p:cNvSpPr>
+          <p:nvPr>
+            <p:ph type="ftr" sz="quarter" idx="11"/>
+          </p:nvPr>
+        </p:nvSpPr>
+        <p:spPr/>
+        <p:txBody>
+          <a:bodyPr/>
+          <a:lstStyle/>
+          <a:p>
+            <a:endParaRPr lang="fr-FR"/>
+          </a:p>
+        </p:txBody>
+      </p:sp>
+      <p:sp>
+        <p:nvSpPr>
+          <p:cNvPr id="7" name="Espace réservé du numéro de diapositive 6"/>
+          <p:cNvSpPr>
+            <a:spLocks noGrp="1"/>
+          </p:cNvSpPr>
+          <p:nvPr>
+            <p:ph type="sldNum" sz="quarter" idx="12"/>
+          </p:nvPr>
+        </p:nvSpPr>
+        <p:spPr/>
+        <p:txBody>
+          <a:bodyPr/>
+          <a:lstStyle/>
+          <a:p>
+            <a:fld id="{0C070781-3C42-4FAC-8567-5AC674719362}" type="slidenum">
+              <a:rPr lang="fr-FR" smtClean="0"/>
+              <a:t>‹N°›</a:t>
+            </a:fld>
+            <a:endParaRPr lang="fr-FR"/>
+          </a:p>
+        </p:txBody>
+      </p:sp>
+    </p:spTree>
+    <p:extLst>
+      <p:ext uri="{BB962C8B-B14F-4D97-AF65-F5344CB8AC3E}">
+        <p14:creationId xmlns:p14="http://schemas.microsoft.com/office/powerpoint/2010/main" val="3134195316"/>
       </p:ext>
     </p:extLst>
   </p:cSld>
@@ -7954,6 +13267,751 @@
 </file>
 
 <file path=ppt/slideMasters/slideMaster1.xml><?xml version="1.0" encoding="utf-8"?>
+<p:sldMaster xmlns:a="http://schemas.openxmlformats.org/drawingml/2006/main" xmlns:r="http://schemas.openxmlformats.org/officeDocument/2006/relationships" xmlns:p="http://schemas.openxmlformats.org/presentationml/2006/main" preserve="1">
+  <p:cSld>
+    <p:bg>
+      <p:bgRef idx="1001">
+        <a:schemeClr val="bg1"/>
+      </p:bgRef>
+    </p:bg>
+    <p:spTree>
+      <p:nvGrpSpPr>
+        <p:cNvPr id="1" name=""/>
+        <p:cNvGrpSpPr/>
+        <p:nvPr/>
+      </p:nvGrpSpPr>
+      <p:grpSpPr>
+        <a:xfrm>
+          <a:off x="0" y="0"/>
+          <a:ext cx="0" cy="0"/>
+          <a:chOff x="0" y="0"/>
+          <a:chExt cx="0" cy="0"/>
+        </a:xfrm>
+      </p:grpSpPr>
+      <p:sp>
+        <p:nvSpPr>
+          <p:cNvPr id="4" name="Espace réservé de la date 3"/>
+          <p:cNvSpPr>
+            <a:spLocks noGrp="1"/>
+          </p:cNvSpPr>
+          <p:nvPr>
+            <p:ph type="dt" sz="half" idx="2"/>
+          </p:nvPr>
+        </p:nvSpPr>
+        <p:spPr>
+          <a:xfrm>
+            <a:off x="838200" y="6356352"/>
+            <a:ext cx="2743200" cy="365125"/>
+          </a:xfrm>
+          <a:prstGeom prst="rect">
+            <a:avLst/>
+          </a:prstGeom>
+        </p:spPr>
+        <p:txBody>
+          <a:bodyPr vert="horz" lIns="91440" tIns="45720" rIns="91440" bIns="45720" rtlCol="0" anchor="ctr"/>
+          <a:lstStyle>
+            <a:lvl1pPr algn="l">
+              <a:defRPr sz="900">
+                <a:solidFill>
+                  <a:schemeClr val="tx1">
+                    <a:tint val="75000"/>
+                  </a:schemeClr>
+                </a:solidFill>
+              </a:defRPr>
+            </a:lvl1pPr>
+          </a:lstStyle>
+          <a:p>
+            <a:fld id="{A74F3EA5-292C-4331-BAB5-A6575F471254}" type="datetimeFigureOut">
+              <a:rPr lang="fr-FR" smtClean="0"/>
+              <a:t>11/08/2022</a:t>
+            </a:fld>
+            <a:endParaRPr lang="fr-FR"/>
+          </a:p>
+        </p:txBody>
+      </p:sp>
+      <p:sp>
+        <p:nvSpPr>
+          <p:cNvPr id="5" name="Espace réservé du pied de page 4"/>
+          <p:cNvSpPr>
+            <a:spLocks noGrp="1"/>
+          </p:cNvSpPr>
+          <p:nvPr>
+            <p:ph type="ftr" sz="quarter" idx="3"/>
+          </p:nvPr>
+        </p:nvSpPr>
+        <p:spPr>
+          <a:xfrm>
+            <a:off x="4038600" y="6356352"/>
+            <a:ext cx="4114800" cy="365125"/>
+          </a:xfrm>
+          <a:prstGeom prst="rect">
+            <a:avLst/>
+          </a:prstGeom>
+        </p:spPr>
+        <p:txBody>
+          <a:bodyPr vert="horz" lIns="91440" tIns="45720" rIns="91440" bIns="45720" rtlCol="0" anchor="ctr"/>
+          <a:lstStyle>
+            <a:lvl1pPr algn="ctr">
+              <a:defRPr sz="900">
+                <a:solidFill>
+                  <a:schemeClr val="tx1">
+                    <a:tint val="75000"/>
+                  </a:schemeClr>
+                </a:solidFill>
+              </a:defRPr>
+            </a:lvl1pPr>
+          </a:lstStyle>
+          <a:p>
+            <a:endParaRPr lang="fr-FR"/>
+          </a:p>
+        </p:txBody>
+      </p:sp>
+      <p:sp>
+        <p:nvSpPr>
+          <p:cNvPr id="6" name="Espace réservé du numéro de diapositive 5"/>
+          <p:cNvSpPr>
+            <a:spLocks noGrp="1"/>
+          </p:cNvSpPr>
+          <p:nvPr>
+            <p:ph type="sldNum" sz="quarter" idx="4"/>
+          </p:nvPr>
+        </p:nvSpPr>
+        <p:spPr>
+          <a:xfrm>
+            <a:off x="8610600" y="6356352"/>
+            <a:ext cx="2743200" cy="365125"/>
+          </a:xfrm>
+          <a:prstGeom prst="rect">
+            <a:avLst/>
+          </a:prstGeom>
+        </p:spPr>
+        <p:txBody>
+          <a:bodyPr vert="horz" lIns="91440" tIns="45720" rIns="91440" bIns="45720" rtlCol="0" anchor="ctr"/>
+          <a:lstStyle>
+            <a:lvl1pPr algn="r">
+              <a:defRPr sz="900">
+                <a:solidFill>
+                  <a:schemeClr val="tx1">
+                    <a:tint val="75000"/>
+                  </a:schemeClr>
+                </a:solidFill>
+              </a:defRPr>
+            </a:lvl1pPr>
+          </a:lstStyle>
+          <a:p>
+            <a:fld id="{0C070781-3C42-4FAC-8567-5AC674719362}" type="slidenum">
+              <a:rPr lang="fr-FR" smtClean="0"/>
+              <a:t>‹N°›</a:t>
+            </a:fld>
+            <a:endParaRPr lang="fr-FR"/>
+          </a:p>
+        </p:txBody>
+      </p:sp>
+      <p:pic>
+        <p:nvPicPr>
+          <p:cNvPr id="7" name="Picture 22" descr="D:\utilisateurs\u.canet1\Pictures\comnrens.png"/>
+          <p:cNvPicPr>
+            <a:picLocks noChangeAspect="1" noChangeArrowheads="1"/>
+          </p:cNvPicPr>
+          <p:nvPr userDrawn="1"/>
+        </p:nvPicPr>
+        <p:blipFill rotWithShape="1">
+          <a:blip r:embed="rId13" cstate="email">
+            <a:extLst>
+              <a:ext uri="{28A0092B-C50C-407E-A947-70E740481C1C}">
+                <a14:useLocalDpi xmlns:a14="http://schemas.microsoft.com/office/drawing/2010/main"/>
+              </a:ext>
+            </a:extLst>
+          </a:blip>
+          <a:srcRect b="-357"/>
+          <a:stretch/>
+        </p:blipFill>
+        <p:spPr bwMode="auto">
+          <a:xfrm>
+            <a:off x="88778" y="29854"/>
+            <a:ext cx="736847" cy="1148705"/>
+          </a:xfrm>
+          <a:prstGeom prst="rect">
+            <a:avLst/>
+          </a:prstGeom>
+          <a:noFill/>
+          <a:effectLst>
+            <a:outerShdw blurRad="50800" dist="63500" algn="l" rotWithShape="0">
+              <a:prstClr val="black">
+                <a:alpha val="40000"/>
+              </a:prstClr>
+            </a:outerShdw>
+          </a:effectLst>
+          <a:extLst>
+            <a:ext uri="{909E8E84-426E-40DD-AFC4-6F175D3DCCD1}">
+              <a14:hiddenFill xmlns:a14="http://schemas.microsoft.com/office/drawing/2010/main">
+                <a:solidFill>
+                  <a:srgbClr val="FFFFFF"/>
+                </a:solidFill>
+              </a14:hiddenFill>
+            </a:ext>
+          </a:extLst>
+        </p:spPr>
+      </p:pic>
+      <p:pic>
+        <p:nvPicPr>
+          <p:cNvPr id="8" name="Image 7" descr="M:\15-PUBLIC\5 - BOI\7_INS\00-Instruction générale\Logos unités\54RT.png"/>
+          <p:cNvPicPr/>
+          <p:nvPr userDrawn="1"/>
+        </p:nvPicPr>
+        <p:blipFill>
+          <a:blip r:embed="rId14" cstate="email">
+            <a:extLst>
+              <a:ext uri="{28A0092B-C50C-407E-A947-70E740481C1C}">
+                <a14:useLocalDpi xmlns:a14="http://schemas.microsoft.com/office/drawing/2010/main"/>
+              </a:ext>
+            </a:extLst>
+          </a:blip>
+          <a:srcRect/>
+          <a:stretch>
+            <a:fillRect/>
+          </a:stretch>
+        </p:blipFill>
+        <p:spPr bwMode="auto">
+          <a:xfrm>
+            <a:off x="11282447" y="102947"/>
+            <a:ext cx="805180" cy="792480"/>
+          </a:xfrm>
+          <a:prstGeom prst="rect">
+            <a:avLst/>
+          </a:prstGeom>
+          <a:ln>
+            <a:noFill/>
+          </a:ln>
+          <a:effectLst>
+            <a:outerShdw blurRad="190500" algn="tl" rotWithShape="0">
+              <a:srgbClr val="000000">
+                <a:alpha val="70000"/>
+              </a:srgbClr>
+            </a:outerShdw>
+          </a:effectLst>
+        </p:spPr>
+      </p:pic>
+      <p:sp>
+        <p:nvSpPr>
+          <p:cNvPr id="9" name="Text Box 8"/>
+          <p:cNvSpPr txBox="1">
+            <a:spLocks noChangeArrowheads="1"/>
+          </p:cNvSpPr>
+          <p:nvPr userDrawn="1"/>
+        </p:nvSpPr>
+        <p:spPr bwMode="auto">
+          <a:xfrm>
+            <a:off x="4114800" y="-38100"/>
+            <a:ext cx="3962400" cy="213585"/>
+          </a:xfrm>
+          <a:prstGeom prst="rect">
+            <a:avLst/>
+          </a:prstGeom>
+          <a:noFill/>
+          <a:ln>
+            <a:noFill/>
+          </a:ln>
+          <a:effectLst/>
+          <a:extLst/>
+        </p:spPr>
+        <p:txBody>
+          <a:bodyPr>
+            <a:spAutoFit/>
+          </a:bodyPr>
+          <a:lstStyle>
+            <a:lvl1pPr eaLnBrk="0" hangingPunct="0">
+              <a:defRPr>
+                <a:solidFill>
+                  <a:schemeClr val="tx1"/>
+                </a:solidFill>
+                <a:latin typeface="Arial" charset="0"/>
+              </a:defRPr>
+            </a:lvl1pPr>
+            <a:lvl2pPr marL="742950" indent="-285750" eaLnBrk="0" hangingPunct="0">
+              <a:defRPr>
+                <a:solidFill>
+                  <a:schemeClr val="tx1"/>
+                </a:solidFill>
+                <a:latin typeface="Arial" charset="0"/>
+              </a:defRPr>
+            </a:lvl2pPr>
+            <a:lvl3pPr marL="1143000" indent="-228600" eaLnBrk="0" hangingPunct="0">
+              <a:defRPr>
+                <a:solidFill>
+                  <a:schemeClr val="tx1"/>
+                </a:solidFill>
+                <a:latin typeface="Arial" charset="0"/>
+              </a:defRPr>
+            </a:lvl3pPr>
+            <a:lvl4pPr marL="1600200" indent="-228600" eaLnBrk="0" hangingPunct="0">
+              <a:defRPr>
+                <a:solidFill>
+                  <a:schemeClr val="tx1"/>
+                </a:solidFill>
+                <a:latin typeface="Arial" charset="0"/>
+              </a:defRPr>
+            </a:lvl4pPr>
+            <a:lvl5pPr marL="2057400" indent="-228600" eaLnBrk="0" hangingPunct="0">
+              <a:defRPr>
+                <a:solidFill>
+                  <a:schemeClr val="tx1"/>
+                </a:solidFill>
+                <a:latin typeface="Arial" charset="0"/>
+              </a:defRPr>
+            </a:lvl5pPr>
+            <a:lvl6pPr marL="2514600" indent="-228600" algn="ctr" eaLnBrk="0" fontAlgn="base" hangingPunct="0">
+              <a:spcBef>
+                <a:spcPct val="0"/>
+              </a:spcBef>
+              <a:spcAft>
+                <a:spcPct val="0"/>
+              </a:spcAft>
+              <a:defRPr>
+                <a:solidFill>
+                  <a:schemeClr val="tx1"/>
+                </a:solidFill>
+                <a:latin typeface="Arial" charset="0"/>
+              </a:defRPr>
+            </a:lvl6pPr>
+            <a:lvl7pPr marL="2971800" indent="-228600" algn="ctr" eaLnBrk="0" fontAlgn="base" hangingPunct="0">
+              <a:spcBef>
+                <a:spcPct val="0"/>
+              </a:spcBef>
+              <a:spcAft>
+                <a:spcPct val="0"/>
+              </a:spcAft>
+              <a:defRPr>
+                <a:solidFill>
+                  <a:schemeClr val="tx1"/>
+                </a:solidFill>
+                <a:latin typeface="Arial" charset="0"/>
+              </a:defRPr>
+            </a:lvl7pPr>
+            <a:lvl8pPr marL="3429000" indent="-228600" algn="ctr" eaLnBrk="0" fontAlgn="base" hangingPunct="0">
+              <a:spcBef>
+                <a:spcPct val="0"/>
+              </a:spcBef>
+              <a:spcAft>
+                <a:spcPct val="0"/>
+              </a:spcAft>
+              <a:defRPr>
+                <a:solidFill>
+                  <a:schemeClr val="tx1"/>
+                </a:solidFill>
+                <a:latin typeface="Arial" charset="0"/>
+              </a:defRPr>
+            </a:lvl8pPr>
+            <a:lvl9pPr marL="3886200" indent="-228600" algn="ctr" eaLnBrk="0" fontAlgn="base" hangingPunct="0">
+              <a:spcBef>
+                <a:spcPct val="0"/>
+              </a:spcBef>
+              <a:spcAft>
+                <a:spcPct val="0"/>
+              </a:spcAft>
+              <a:defRPr>
+                <a:solidFill>
+                  <a:schemeClr val="tx1"/>
+                </a:solidFill>
+                <a:latin typeface="Arial" charset="0"/>
+              </a:defRPr>
+            </a:lvl9pPr>
+          </a:lstStyle>
+          <a:p>
+            <a:pPr algn="ctr" eaLnBrk="1" fontAlgn="base" hangingPunct="1">
+              <a:spcBef>
+                <a:spcPct val="50000"/>
+              </a:spcBef>
+              <a:spcAft>
+                <a:spcPct val="0"/>
+              </a:spcAft>
+              <a:defRPr/>
+            </a:pPr>
+            <a:r>
+              <a:rPr lang="fr-FR" sz="788" b="1" dirty="0" smtClean="0">
+                <a:solidFill>
+                  <a:srgbClr val="FF0000"/>
+                </a:solidFill>
+              </a:rPr>
+              <a:t>DIFFUSION RESTREINTE</a:t>
+            </a:r>
+          </a:p>
+        </p:txBody>
+      </p:sp>
+      <p:pic>
+        <p:nvPicPr>
+          <p:cNvPr id="11" name="Picture 6"/>
+          <p:cNvPicPr>
+            <a:picLocks noChangeAspect="1" noChangeArrowheads="1"/>
+          </p:cNvPicPr>
+          <p:nvPr userDrawn="1"/>
+        </p:nvPicPr>
+        <p:blipFill>
+          <a:blip r:embed="rId15" cstate="email">
+            <a:lum bright="70000" contrast="-70000"/>
+            <a:extLst>
+              <a:ext uri="{28A0092B-C50C-407E-A947-70E740481C1C}">
+                <a14:useLocalDpi xmlns:a14="http://schemas.microsoft.com/office/drawing/2010/main"/>
+              </a:ext>
+            </a:extLst>
+          </a:blip>
+          <a:srcRect/>
+          <a:stretch>
+            <a:fillRect/>
+          </a:stretch>
+        </p:blipFill>
+        <p:spPr bwMode="auto">
+          <a:xfrm>
+            <a:off x="570718" y="1274151"/>
+            <a:ext cx="11050565" cy="5082199"/>
+          </a:xfrm>
+          <a:prstGeom prst="rect">
+            <a:avLst/>
+          </a:prstGeom>
+          <a:noFill/>
+          <a:ln>
+            <a:noFill/>
+          </a:ln>
+          <a:effectLst/>
+          <a:extLst>
+            <a:ext uri="{909E8E84-426E-40DD-AFC4-6F175D3DCCD1}">
+              <a14:hiddenFill xmlns:a14="http://schemas.microsoft.com/office/drawing/2010/main">
+                <a:blipFill dpi="0" rotWithShape="0">
+                  <a:blip/>
+                  <a:srcRect/>
+                  <a:stretch>
+                    <a:fillRect/>
+                  </a:stretch>
+                </a:blipFill>
+              </a14:hiddenFill>
+            </a:ext>
+            <a:ext uri="{91240B29-F687-4F45-9708-019B960494DF}">
+              <a14:hiddenLine xmlns:a14="http://schemas.microsoft.com/office/drawing/2010/main" w="9525">
+                <a:solidFill>
+                  <a:srgbClr val="808080"/>
+                </a:solidFill>
+                <a:round/>
+                <a:headEnd/>
+                <a:tailEnd/>
+              </a14:hiddenLine>
+            </a:ext>
+            <a:ext uri="{AF507438-7753-43E0-B8FC-AC1667EBCBE1}">
+              <a14:hiddenEffects xmlns:a14="http://schemas.microsoft.com/office/drawing/2010/main">
+                <a:effectLst>
+                  <a:outerShdw dist="35921" dir="2700000" algn="ctr" rotWithShape="0">
+                    <a:srgbClr val="808080"/>
+                  </a:outerShdw>
+                </a:effectLst>
+              </a14:hiddenEffects>
+            </a:ext>
+          </a:extLst>
+        </p:spPr>
+      </p:pic>
+    </p:spTree>
+    <p:extLst>
+      <p:ext uri="{BB962C8B-B14F-4D97-AF65-F5344CB8AC3E}">
+        <p14:creationId xmlns:p14="http://schemas.microsoft.com/office/powerpoint/2010/main" val="2351078870"/>
+      </p:ext>
+    </p:extLst>
+  </p:cSld>
+  <p:clrMap bg1="lt1" tx1="dk1" bg2="lt2" tx2="dk2" accent1="accent1" accent2="accent2" accent3="accent3" accent4="accent4" accent5="accent5" accent6="accent6" hlink="hlink" folHlink="folHlink"/>
+  <p:sldLayoutIdLst>
+    <p:sldLayoutId id="2147483655" r:id="rId1"/>
+    <p:sldLayoutId id="2147483656" r:id="rId2"/>
+    <p:sldLayoutId id="2147483657" r:id="rId3"/>
+    <p:sldLayoutId id="2147483658" r:id="rId4"/>
+    <p:sldLayoutId id="2147483659" r:id="rId5"/>
+    <p:sldLayoutId id="2147483660" r:id="rId6"/>
+    <p:sldLayoutId id="2147483661" r:id="rId7"/>
+    <p:sldLayoutId id="2147483662" r:id="rId8"/>
+    <p:sldLayoutId id="2147483663" r:id="rId9"/>
+    <p:sldLayoutId id="2147483664" r:id="rId10"/>
+    <p:sldLayoutId id="2147483665" r:id="rId11"/>
+  </p:sldLayoutIdLst>
+  <p:txStyles>
+    <p:titleStyle>
+      <a:lvl1pPr algn="l" defTabSz="685800" rtl="0" eaLnBrk="1" latinLnBrk="0" hangingPunct="1">
+        <a:lnSpc>
+          <a:spcPct val="90000"/>
+        </a:lnSpc>
+        <a:spcBef>
+          <a:spcPct val="0"/>
+        </a:spcBef>
+        <a:buNone/>
+        <a:defRPr sz="3300" kern="1200">
+          <a:solidFill>
+            <a:schemeClr val="tx1"/>
+          </a:solidFill>
+          <a:latin typeface="+mj-lt"/>
+          <a:ea typeface="+mj-ea"/>
+          <a:cs typeface="+mj-cs"/>
+        </a:defRPr>
+      </a:lvl1pPr>
+    </p:titleStyle>
+    <p:bodyStyle>
+      <a:lvl1pPr marL="171450" indent="-171450" algn="l" defTabSz="685800" rtl="0" eaLnBrk="1" latinLnBrk="0" hangingPunct="1">
+        <a:lnSpc>
+          <a:spcPct val="90000"/>
+        </a:lnSpc>
+        <a:spcBef>
+          <a:spcPts val="750"/>
+        </a:spcBef>
+        <a:buFont typeface="Arial" panose="020B0604020202020204" pitchFamily="34" charset="0"/>
+        <a:buChar char="•"/>
+        <a:defRPr sz="2100" kern="1200">
+          <a:solidFill>
+            <a:schemeClr val="tx1"/>
+          </a:solidFill>
+          <a:latin typeface="+mn-lt"/>
+          <a:ea typeface="+mn-ea"/>
+          <a:cs typeface="+mn-cs"/>
+        </a:defRPr>
+      </a:lvl1pPr>
+      <a:lvl2pPr marL="514350" indent="-171450" algn="l" defTabSz="685800" rtl="0" eaLnBrk="1" latinLnBrk="0" hangingPunct="1">
+        <a:lnSpc>
+          <a:spcPct val="90000"/>
+        </a:lnSpc>
+        <a:spcBef>
+          <a:spcPts val="375"/>
+        </a:spcBef>
+        <a:buFont typeface="Arial" panose="020B0604020202020204" pitchFamily="34" charset="0"/>
+        <a:buChar char="•"/>
+        <a:defRPr sz="1800" kern="1200">
+          <a:solidFill>
+            <a:schemeClr val="tx1"/>
+          </a:solidFill>
+          <a:latin typeface="+mn-lt"/>
+          <a:ea typeface="+mn-ea"/>
+          <a:cs typeface="+mn-cs"/>
+        </a:defRPr>
+      </a:lvl2pPr>
+      <a:lvl3pPr marL="857250" indent="-171450" algn="l" defTabSz="685800" rtl="0" eaLnBrk="1" latinLnBrk="0" hangingPunct="1">
+        <a:lnSpc>
+          <a:spcPct val="90000"/>
+        </a:lnSpc>
+        <a:spcBef>
+          <a:spcPts val="375"/>
+        </a:spcBef>
+        <a:buFont typeface="Arial" panose="020B0604020202020204" pitchFamily="34" charset="0"/>
+        <a:buChar char="•"/>
+        <a:defRPr sz="1500" kern="1200">
+          <a:solidFill>
+            <a:schemeClr val="tx1"/>
+          </a:solidFill>
+          <a:latin typeface="+mn-lt"/>
+          <a:ea typeface="+mn-ea"/>
+          <a:cs typeface="+mn-cs"/>
+        </a:defRPr>
+      </a:lvl3pPr>
+      <a:lvl4pPr marL="1200150" indent="-171450" algn="l" defTabSz="685800" rtl="0" eaLnBrk="1" latinLnBrk="0" hangingPunct="1">
+        <a:lnSpc>
+          <a:spcPct val="90000"/>
+        </a:lnSpc>
+        <a:spcBef>
+          <a:spcPts val="375"/>
+        </a:spcBef>
+        <a:buFont typeface="Arial" panose="020B0604020202020204" pitchFamily="34" charset="0"/>
+        <a:buChar char="•"/>
+        <a:defRPr sz="1350" kern="1200">
+          <a:solidFill>
+            <a:schemeClr val="tx1"/>
+          </a:solidFill>
+          <a:latin typeface="+mn-lt"/>
+          <a:ea typeface="+mn-ea"/>
+          <a:cs typeface="+mn-cs"/>
+        </a:defRPr>
+      </a:lvl4pPr>
+      <a:lvl5pPr marL="1543050" indent="-171450" algn="l" defTabSz="685800" rtl="0" eaLnBrk="1" latinLnBrk="0" hangingPunct="1">
+        <a:lnSpc>
+          <a:spcPct val="90000"/>
+        </a:lnSpc>
+        <a:spcBef>
+          <a:spcPts val="375"/>
+        </a:spcBef>
+        <a:buFont typeface="Arial" panose="020B0604020202020204" pitchFamily="34" charset="0"/>
+        <a:buChar char="•"/>
+        <a:defRPr sz="1350" kern="1200">
+          <a:solidFill>
+            <a:schemeClr val="tx1"/>
+          </a:solidFill>
+          <a:latin typeface="+mn-lt"/>
+          <a:ea typeface="+mn-ea"/>
+          <a:cs typeface="+mn-cs"/>
+        </a:defRPr>
+      </a:lvl5pPr>
+      <a:lvl6pPr marL="1885950" indent="-171450" algn="l" defTabSz="685800" rtl="0" eaLnBrk="1" latinLnBrk="0" hangingPunct="1">
+        <a:lnSpc>
+          <a:spcPct val="90000"/>
+        </a:lnSpc>
+        <a:spcBef>
+          <a:spcPts val="375"/>
+        </a:spcBef>
+        <a:buFont typeface="Arial" panose="020B0604020202020204" pitchFamily="34" charset="0"/>
+        <a:buChar char="•"/>
+        <a:defRPr sz="1350" kern="1200">
+          <a:solidFill>
+            <a:schemeClr val="tx1"/>
+          </a:solidFill>
+          <a:latin typeface="+mn-lt"/>
+          <a:ea typeface="+mn-ea"/>
+          <a:cs typeface="+mn-cs"/>
+        </a:defRPr>
+      </a:lvl6pPr>
+      <a:lvl7pPr marL="2228850" indent="-171450" algn="l" defTabSz="685800" rtl="0" eaLnBrk="1" latinLnBrk="0" hangingPunct="1">
+        <a:lnSpc>
+          <a:spcPct val="90000"/>
+        </a:lnSpc>
+        <a:spcBef>
+          <a:spcPts val="375"/>
+        </a:spcBef>
+        <a:buFont typeface="Arial" panose="020B0604020202020204" pitchFamily="34" charset="0"/>
+        <a:buChar char="•"/>
+        <a:defRPr sz="1350" kern="1200">
+          <a:solidFill>
+            <a:schemeClr val="tx1"/>
+          </a:solidFill>
+          <a:latin typeface="+mn-lt"/>
+          <a:ea typeface="+mn-ea"/>
+          <a:cs typeface="+mn-cs"/>
+        </a:defRPr>
+      </a:lvl7pPr>
+      <a:lvl8pPr marL="2571750" indent="-171450" algn="l" defTabSz="685800" rtl="0" eaLnBrk="1" latinLnBrk="0" hangingPunct="1">
+        <a:lnSpc>
+          <a:spcPct val="90000"/>
+        </a:lnSpc>
+        <a:spcBef>
+          <a:spcPts val="375"/>
+        </a:spcBef>
+        <a:buFont typeface="Arial" panose="020B0604020202020204" pitchFamily="34" charset="0"/>
+        <a:buChar char="•"/>
+        <a:defRPr sz="1350" kern="1200">
+          <a:solidFill>
+            <a:schemeClr val="tx1"/>
+          </a:solidFill>
+          <a:latin typeface="+mn-lt"/>
+          <a:ea typeface="+mn-ea"/>
+          <a:cs typeface="+mn-cs"/>
+        </a:defRPr>
+      </a:lvl8pPr>
+      <a:lvl9pPr marL="2914650" indent="-171450" algn="l" defTabSz="685800" rtl="0" eaLnBrk="1" latinLnBrk="0" hangingPunct="1">
+        <a:lnSpc>
+          <a:spcPct val="90000"/>
+        </a:lnSpc>
+        <a:spcBef>
+          <a:spcPts val="375"/>
+        </a:spcBef>
+        <a:buFont typeface="Arial" panose="020B0604020202020204" pitchFamily="34" charset="0"/>
+        <a:buChar char="•"/>
+        <a:defRPr sz="1350" kern="1200">
+          <a:solidFill>
+            <a:schemeClr val="tx1"/>
+          </a:solidFill>
+          <a:latin typeface="+mn-lt"/>
+          <a:ea typeface="+mn-ea"/>
+          <a:cs typeface="+mn-cs"/>
+        </a:defRPr>
+      </a:lvl9pPr>
+    </p:bodyStyle>
+    <p:otherStyle>
+      <a:defPPr>
+        <a:defRPr lang="fr-FR"/>
+      </a:defPPr>
+      <a:lvl1pPr marL="0" algn="l" defTabSz="685800" rtl="0" eaLnBrk="1" latinLnBrk="0" hangingPunct="1">
+        <a:defRPr sz="1350" kern="1200">
+          <a:solidFill>
+            <a:schemeClr val="tx1"/>
+          </a:solidFill>
+          <a:latin typeface="+mn-lt"/>
+          <a:ea typeface="+mn-ea"/>
+          <a:cs typeface="+mn-cs"/>
+        </a:defRPr>
+      </a:lvl1pPr>
+      <a:lvl2pPr marL="342900" algn="l" defTabSz="685800" rtl="0" eaLnBrk="1" latinLnBrk="0" hangingPunct="1">
+        <a:defRPr sz="1350" kern="1200">
+          <a:solidFill>
+            <a:schemeClr val="tx1"/>
+          </a:solidFill>
+          <a:latin typeface="+mn-lt"/>
+          <a:ea typeface="+mn-ea"/>
+          <a:cs typeface="+mn-cs"/>
+        </a:defRPr>
+      </a:lvl2pPr>
+      <a:lvl3pPr marL="685800" algn="l" defTabSz="685800" rtl="0" eaLnBrk="1" latinLnBrk="0" hangingPunct="1">
+        <a:defRPr sz="1350" kern="1200">
+          <a:solidFill>
+            <a:schemeClr val="tx1"/>
+          </a:solidFill>
+          <a:latin typeface="+mn-lt"/>
+          <a:ea typeface="+mn-ea"/>
+          <a:cs typeface="+mn-cs"/>
+        </a:defRPr>
+      </a:lvl3pPr>
+      <a:lvl4pPr marL="1028700" algn="l" defTabSz="685800" rtl="0" eaLnBrk="1" latinLnBrk="0" hangingPunct="1">
+        <a:defRPr sz="1350" kern="1200">
+          <a:solidFill>
+            <a:schemeClr val="tx1"/>
+          </a:solidFill>
+          <a:latin typeface="+mn-lt"/>
+          <a:ea typeface="+mn-ea"/>
+          <a:cs typeface="+mn-cs"/>
+        </a:defRPr>
+      </a:lvl4pPr>
+      <a:lvl5pPr marL="1371600" algn="l" defTabSz="685800" rtl="0" eaLnBrk="1" latinLnBrk="0" hangingPunct="1">
+        <a:defRPr sz="1350" kern="1200">
+          <a:solidFill>
+            <a:schemeClr val="tx1"/>
+          </a:solidFill>
+          <a:latin typeface="+mn-lt"/>
+          <a:ea typeface="+mn-ea"/>
+          <a:cs typeface="+mn-cs"/>
+        </a:defRPr>
+      </a:lvl5pPr>
+      <a:lvl6pPr marL="1714500" algn="l" defTabSz="685800" rtl="0" eaLnBrk="1" latinLnBrk="0" hangingPunct="1">
+        <a:defRPr sz="1350" kern="1200">
+          <a:solidFill>
+            <a:schemeClr val="tx1"/>
+          </a:solidFill>
+          <a:latin typeface="+mn-lt"/>
+          <a:ea typeface="+mn-ea"/>
+          <a:cs typeface="+mn-cs"/>
+        </a:defRPr>
+      </a:lvl6pPr>
+      <a:lvl7pPr marL="2057400" algn="l" defTabSz="685800" rtl="0" eaLnBrk="1" latinLnBrk="0" hangingPunct="1">
+        <a:defRPr sz="1350" kern="1200">
+          <a:solidFill>
+            <a:schemeClr val="tx1"/>
+          </a:solidFill>
+          <a:latin typeface="+mn-lt"/>
+          <a:ea typeface="+mn-ea"/>
+          <a:cs typeface="+mn-cs"/>
+        </a:defRPr>
+      </a:lvl7pPr>
+      <a:lvl8pPr marL="2400300" algn="l" defTabSz="685800" rtl="0" eaLnBrk="1" latinLnBrk="0" hangingPunct="1">
+        <a:defRPr sz="1350" kern="1200">
+          <a:solidFill>
+            <a:schemeClr val="tx1"/>
+          </a:solidFill>
+          <a:latin typeface="+mn-lt"/>
+          <a:ea typeface="+mn-ea"/>
+          <a:cs typeface="+mn-cs"/>
+        </a:defRPr>
+      </a:lvl8pPr>
+      <a:lvl9pPr marL="2743200" algn="l" defTabSz="685800" rtl="0" eaLnBrk="1" latinLnBrk="0" hangingPunct="1">
+        <a:defRPr sz="1350" kern="1200">
+          <a:solidFill>
+            <a:schemeClr val="tx1"/>
+          </a:solidFill>
+          <a:latin typeface="+mn-lt"/>
+          <a:ea typeface="+mn-ea"/>
+          <a:cs typeface="+mn-cs"/>
+        </a:defRPr>
+      </a:lvl9pPr>
+    </p:otherStyle>
+  </p:txStyles>
+</p:sldMaster>
+</file>
+
+<file path=ppt/slideMasters/slideMaster2.xml><?xml version="1.0" encoding="utf-8"?>
 <p:sldMaster xmlns:a="http://schemas.openxmlformats.org/drawingml/2006/main" xmlns:r="http://schemas.openxmlformats.org/officeDocument/2006/relationships" xmlns:p="http://schemas.openxmlformats.org/presentationml/2006/main">
   <p:cSld>
     <p:bg>
@@ -7987,8 +14045,8 @@
         </p:nvSpPr>
         <p:spPr>
           <a:xfrm>
-            <a:off x="628650" y="365126"/>
-            <a:ext cx="7886700" cy="1325563"/>
+            <a:off x="838200" y="365125"/>
+            <a:ext cx="10515600" cy="1325563"/>
           </a:xfrm>
           <a:prstGeom prst="rect">
             <a:avLst/>
@@ -8020,8 +14078,8 @@
         </p:nvSpPr>
         <p:spPr>
           <a:xfrm>
-            <a:off x="628650" y="1825625"/>
-            <a:ext cx="7886700" cy="4351338"/>
+            <a:off x="838200" y="1825625"/>
+            <a:ext cx="10515600" cy="4351338"/>
           </a:xfrm>
           <a:prstGeom prst="rect">
             <a:avLst/>
@@ -8082,8 +14140,8 @@
         </p:nvSpPr>
         <p:spPr>
           <a:xfrm>
-            <a:off x="628650" y="6356351"/>
-            <a:ext cx="2057400" cy="365125"/>
+            <a:off x="838200" y="6356350"/>
+            <a:ext cx="2743200" cy="365125"/>
           </a:xfrm>
           <a:prstGeom prst="rect">
             <a:avLst/>
@@ -8103,9 +14161,9 @@
             </a:lvl1pPr>
           </a:lstStyle>
           <a:p>
-            <a:fld id="{2EECCBB6-C5F9-4F99-A264-BFD13EB95464}" type="datetimeFigureOut">
-              <a:rPr lang="fr-FR" smtClean="0"/>
-              <a:t>11/06/2022</a:t>
+            <a:fld id="{A74F3EA5-292C-4331-BAB5-A6575F471254}" type="datetimeFigureOut">
+              <a:rPr lang="fr-FR" smtClean="0"/>
+              <a:t>11/08/2022</a:t>
             </a:fld>
             <a:endParaRPr lang="fr-FR"/>
           </a:p>
@@ -8123,8 +14181,8 @@
         </p:nvSpPr>
         <p:spPr>
           <a:xfrm>
-            <a:off x="3028950" y="6356351"/>
-            <a:ext cx="3086100" cy="365125"/>
+            <a:off x="4038600" y="6356350"/>
+            <a:ext cx="4114800" cy="365125"/>
           </a:xfrm>
           <a:prstGeom prst="rect">
             <a:avLst/>
@@ -8160,8 +14218,8 @@
         </p:nvSpPr>
         <p:spPr>
           <a:xfrm>
-            <a:off x="6457950" y="6356351"/>
-            <a:ext cx="2057400" cy="365125"/>
+            <a:off x="8610600" y="6356350"/>
+            <a:ext cx="2743200" cy="365125"/>
           </a:xfrm>
           <a:prstGeom prst="rect">
             <a:avLst/>
@@ -8181,7 +14239,7 @@
             </a:lvl1pPr>
           </a:lstStyle>
           <a:p>
-            <a:fld id="{82945A58-3490-464E-99F0-E9AA70B1B42F}" type="slidenum">
+            <a:fld id="{0C070781-3C42-4FAC-8567-5AC674719362}" type="slidenum">
               <a:rPr lang="fr-FR" smtClean="0"/>
               <a:t>‹N°›</a:t>
             </a:fld>
@@ -8191,45 +14249,324 @@
       </p:sp>
       <p:pic>
         <p:nvPicPr>
-          <p:cNvPr id="8" name="Image 7"/>
+          <p:cNvPr id="7" name="Picture 22" descr="D:\utilisateurs\u.canet1\Pictures\comnrens.png"/>
           <p:cNvPicPr>
-            <a:picLocks noChangeAspect="1"/>
+            <a:picLocks noChangeAspect="1" noChangeArrowheads="1"/>
+          </p:cNvPicPr>
+          <p:nvPr userDrawn="1"/>
+        </p:nvPicPr>
+        <p:blipFill rotWithShape="1">
+          <a:blip r:embed="rId13" cstate="email">
+            <a:extLst>
+              <a:ext uri="{28A0092B-C50C-407E-A947-70E740481C1C}">
+                <a14:useLocalDpi xmlns:a14="http://schemas.microsoft.com/office/drawing/2010/main"/>
+              </a:ext>
+            </a:extLst>
+          </a:blip>
+          <a:srcRect b="-357"/>
+          <a:stretch/>
+        </p:blipFill>
+        <p:spPr bwMode="auto">
+          <a:xfrm>
+            <a:off x="88778" y="29854"/>
+            <a:ext cx="736847" cy="1148705"/>
+          </a:xfrm>
+          <a:prstGeom prst="rect">
+            <a:avLst/>
+          </a:prstGeom>
+          <a:noFill/>
+          <a:effectLst>
+            <a:outerShdw blurRad="50800" dist="63500" algn="l" rotWithShape="0">
+              <a:prstClr val="black">
+                <a:alpha val="40000"/>
+              </a:prstClr>
+            </a:outerShdw>
+          </a:effectLst>
+          <a:extLst>
+            <a:ext uri="{909E8E84-426E-40DD-AFC4-6F175D3DCCD1}">
+              <a14:hiddenFill xmlns:a14="http://schemas.microsoft.com/office/drawing/2010/main">
+                <a:solidFill>
+                  <a:srgbClr val="FFFFFF"/>
+                </a:solidFill>
+              </a14:hiddenFill>
+            </a:ext>
+          </a:extLst>
+        </p:spPr>
+      </p:pic>
+      <p:pic>
+        <p:nvPicPr>
+          <p:cNvPr id="8" name="Image 7" descr="M:\15-PUBLIC\5 - BOI\7_INS\00-Instruction générale\Logos unités\54RT.png"/>
+          <p:cNvPicPr/>
+          <p:nvPr userDrawn="1"/>
+        </p:nvPicPr>
+        <p:blipFill>
+          <a:blip r:embed="rId14" cstate="email">
+            <a:extLst>
+              <a:ext uri="{28A0092B-C50C-407E-A947-70E740481C1C}">
+                <a14:useLocalDpi xmlns:a14="http://schemas.microsoft.com/office/drawing/2010/main"/>
+              </a:ext>
+            </a:extLst>
+          </a:blip>
+          <a:srcRect/>
+          <a:stretch>
+            <a:fillRect/>
+          </a:stretch>
+        </p:blipFill>
+        <p:spPr bwMode="auto">
+          <a:xfrm>
+            <a:off x="11282447" y="102947"/>
+            <a:ext cx="805180" cy="792480"/>
+          </a:xfrm>
+          <a:prstGeom prst="rect">
+            <a:avLst/>
+          </a:prstGeom>
+          <a:ln>
+            <a:noFill/>
+          </a:ln>
+          <a:effectLst>
+            <a:outerShdw blurRad="190500" algn="tl" rotWithShape="0">
+              <a:srgbClr val="000000">
+                <a:alpha val="70000"/>
+              </a:srgbClr>
+            </a:outerShdw>
+          </a:effectLst>
+        </p:spPr>
+      </p:pic>
+      <p:sp>
+        <p:nvSpPr>
+          <p:cNvPr id="9" name="Text Box 8"/>
+          <p:cNvSpPr txBox="1">
+            <a:spLocks noChangeArrowheads="1"/>
+          </p:cNvSpPr>
+          <p:nvPr userDrawn="1"/>
+        </p:nvSpPr>
+        <p:spPr bwMode="auto">
+          <a:xfrm>
+            <a:off x="4114800" y="-38100"/>
+            <a:ext cx="3962400" cy="213585"/>
+          </a:xfrm>
+          <a:prstGeom prst="rect">
+            <a:avLst/>
+          </a:prstGeom>
+          <a:noFill/>
+          <a:ln>
+            <a:noFill/>
+          </a:ln>
+          <a:effectLst/>
+          <a:extLst/>
+        </p:spPr>
+        <p:txBody>
+          <a:bodyPr>
+            <a:spAutoFit/>
+          </a:bodyPr>
+          <a:lstStyle>
+            <a:lvl1pPr eaLnBrk="0" hangingPunct="0">
+              <a:defRPr>
+                <a:solidFill>
+                  <a:schemeClr val="tx1"/>
+                </a:solidFill>
+                <a:latin typeface="Arial" charset="0"/>
+              </a:defRPr>
+            </a:lvl1pPr>
+            <a:lvl2pPr marL="742950" indent="-285750" eaLnBrk="0" hangingPunct="0">
+              <a:defRPr>
+                <a:solidFill>
+                  <a:schemeClr val="tx1"/>
+                </a:solidFill>
+                <a:latin typeface="Arial" charset="0"/>
+              </a:defRPr>
+            </a:lvl2pPr>
+            <a:lvl3pPr marL="1143000" indent="-228600" eaLnBrk="0" hangingPunct="0">
+              <a:defRPr>
+                <a:solidFill>
+                  <a:schemeClr val="tx1"/>
+                </a:solidFill>
+                <a:latin typeface="Arial" charset="0"/>
+              </a:defRPr>
+            </a:lvl3pPr>
+            <a:lvl4pPr marL="1600200" indent="-228600" eaLnBrk="0" hangingPunct="0">
+              <a:defRPr>
+                <a:solidFill>
+                  <a:schemeClr val="tx1"/>
+                </a:solidFill>
+                <a:latin typeface="Arial" charset="0"/>
+              </a:defRPr>
+            </a:lvl4pPr>
+            <a:lvl5pPr marL="2057400" indent="-228600" eaLnBrk="0" hangingPunct="0">
+              <a:defRPr>
+                <a:solidFill>
+                  <a:schemeClr val="tx1"/>
+                </a:solidFill>
+                <a:latin typeface="Arial" charset="0"/>
+              </a:defRPr>
+            </a:lvl5pPr>
+            <a:lvl6pPr marL="2514600" indent="-228600" algn="ctr" eaLnBrk="0" fontAlgn="base" hangingPunct="0">
+              <a:spcBef>
+                <a:spcPct val="0"/>
+              </a:spcBef>
+              <a:spcAft>
+                <a:spcPct val="0"/>
+              </a:spcAft>
+              <a:defRPr>
+                <a:solidFill>
+                  <a:schemeClr val="tx1"/>
+                </a:solidFill>
+                <a:latin typeface="Arial" charset="0"/>
+              </a:defRPr>
+            </a:lvl6pPr>
+            <a:lvl7pPr marL="2971800" indent="-228600" algn="ctr" eaLnBrk="0" fontAlgn="base" hangingPunct="0">
+              <a:spcBef>
+                <a:spcPct val="0"/>
+              </a:spcBef>
+              <a:spcAft>
+                <a:spcPct val="0"/>
+              </a:spcAft>
+              <a:defRPr>
+                <a:solidFill>
+                  <a:schemeClr val="tx1"/>
+                </a:solidFill>
+                <a:latin typeface="Arial" charset="0"/>
+              </a:defRPr>
+            </a:lvl7pPr>
+            <a:lvl8pPr marL="3429000" indent="-228600" algn="ctr" eaLnBrk="0" fontAlgn="base" hangingPunct="0">
+              <a:spcBef>
+                <a:spcPct val="0"/>
+              </a:spcBef>
+              <a:spcAft>
+                <a:spcPct val="0"/>
+              </a:spcAft>
+              <a:defRPr>
+                <a:solidFill>
+                  <a:schemeClr val="tx1"/>
+                </a:solidFill>
+                <a:latin typeface="Arial" charset="0"/>
+              </a:defRPr>
+            </a:lvl8pPr>
+            <a:lvl9pPr marL="3886200" indent="-228600" algn="ctr" eaLnBrk="0" fontAlgn="base" hangingPunct="0">
+              <a:spcBef>
+                <a:spcPct val="0"/>
+              </a:spcBef>
+              <a:spcAft>
+                <a:spcPct val="0"/>
+              </a:spcAft>
+              <a:defRPr>
+                <a:solidFill>
+                  <a:schemeClr val="tx1"/>
+                </a:solidFill>
+                <a:latin typeface="Arial" charset="0"/>
+              </a:defRPr>
+            </a:lvl9pPr>
+          </a:lstStyle>
+          <a:p>
+            <a:pPr algn="ctr" eaLnBrk="1" fontAlgn="base" hangingPunct="1">
+              <a:spcBef>
+                <a:spcPct val="50000"/>
+              </a:spcBef>
+              <a:spcAft>
+                <a:spcPct val="0"/>
+              </a:spcAft>
+              <a:defRPr/>
+            </a:pPr>
+            <a:r>
+              <a:rPr lang="fr-FR" sz="788" b="1" dirty="0" smtClean="0">
+                <a:solidFill>
+                  <a:srgbClr val="FF0000"/>
+                </a:solidFill>
+              </a:rPr>
+              <a:t>DIFFUSION RESTREINTE</a:t>
+            </a:r>
+          </a:p>
+        </p:txBody>
+      </p:sp>
+      <p:pic>
+        <p:nvPicPr>
+          <p:cNvPr id="10" name="Picture 6"/>
+          <p:cNvPicPr>
+            <a:picLocks noChangeAspect="1" noChangeArrowheads="1"/>
           </p:cNvPicPr>
           <p:nvPr userDrawn="1"/>
         </p:nvPicPr>
         <p:blipFill>
-          <a:blip r:embed="rId4">
+          <a:blip r:embed="rId15" cstate="email">
+            <a:lum bright="70000" contrast="-70000"/>
             <a:extLst>
               <a:ext uri="{28A0092B-C50C-407E-A947-70E740481C1C}">
-                <a14:useLocalDpi xmlns:a14="http://schemas.microsoft.com/office/drawing/2010/main" val="0"/>
+                <a14:useLocalDpi xmlns:a14="http://schemas.microsoft.com/office/drawing/2010/main"/>
               </a:ext>
             </a:extLst>
           </a:blip>
+          <a:srcRect/>
           <a:stretch>
             <a:fillRect/>
           </a:stretch>
         </p:blipFill>
-        <p:spPr>
+        <p:spPr bwMode="auto">
           <a:xfrm>
-            <a:off x="0" y="0"/>
-            <a:ext cx="9144000" cy="6858000"/>
+            <a:off x="570718" y="1274151"/>
+            <a:ext cx="11050565" cy="5082199"/>
           </a:xfrm>
           <a:prstGeom prst="rect">
             <a:avLst/>
           </a:prstGeom>
+          <a:noFill/>
+          <a:ln>
+            <a:noFill/>
+          </a:ln>
+          <a:effectLst/>
+          <a:extLst>
+            <a:ext uri="{909E8E84-426E-40DD-AFC4-6F175D3DCCD1}">
+              <a14:hiddenFill xmlns:a14="http://schemas.microsoft.com/office/drawing/2010/main">
+                <a:blipFill dpi="0" rotWithShape="0">
+                  <a:blip/>
+                  <a:srcRect/>
+                  <a:stretch>
+                    <a:fillRect/>
+                  </a:stretch>
+                </a:blipFill>
+              </a14:hiddenFill>
+            </a:ext>
+            <a:ext uri="{91240B29-F687-4F45-9708-019B960494DF}">
+              <a14:hiddenLine xmlns:a14="http://schemas.microsoft.com/office/drawing/2010/main" w="9525">
+                <a:solidFill>
+                  <a:srgbClr val="808080"/>
+                </a:solidFill>
+                <a:round/>
+                <a:headEnd/>
+                <a:tailEnd/>
+              </a14:hiddenLine>
+            </a:ext>
+            <a:ext uri="{AF507438-7753-43E0-B8FC-AC1667EBCBE1}">
+              <a14:hiddenEffects xmlns:a14="http://schemas.microsoft.com/office/drawing/2010/main">
+                <a:effectLst>
+                  <a:outerShdw dist="35921" dir="2700000" algn="ctr" rotWithShape="0">
+                    <a:srgbClr val="808080"/>
+                  </a:outerShdw>
+                </a:effectLst>
+              </a14:hiddenEffects>
+            </a:ext>
+          </a:extLst>
         </p:spPr>
       </p:pic>
     </p:spTree>
     <p:extLst>
       <p:ext uri="{BB962C8B-B14F-4D97-AF65-F5344CB8AC3E}">
-        <p14:creationId xmlns:p14="http://schemas.microsoft.com/office/powerpoint/2010/main" val="528834883"/>
+        <p14:creationId xmlns:p14="http://schemas.microsoft.com/office/powerpoint/2010/main" val="1232020650"/>
       </p:ext>
     </p:extLst>
   </p:cSld>
   <p:clrMap bg1="lt1" tx1="dk1" bg2="lt2" tx2="dk2" accent1="accent1" accent2="accent2" accent3="accent3" accent4="accent4" accent5="accent5" accent6="accent6" hlink="hlink" folHlink="folHlink"/>
   <p:sldLayoutIdLst>
-    <p:sldLayoutId id="2147483652" r:id="rId1"/>
-    <p:sldLayoutId id="2147483653" r:id="rId2"/>
+    <p:sldLayoutId id="2147483667" r:id="rId1"/>
+    <p:sldLayoutId id="2147483668" r:id="rId2"/>
+    <p:sldLayoutId id="2147483669" r:id="rId3"/>
+    <p:sldLayoutId id="2147483670" r:id="rId4"/>
+    <p:sldLayoutId id="2147483671" r:id="rId5"/>
+    <p:sldLayoutId id="2147483672" r:id="rId6"/>
+    <p:sldLayoutId id="2147483673" r:id="rId7"/>
+    <p:sldLayoutId id="2147483674" r:id="rId8"/>
+    <p:sldLayoutId id="2147483675" r:id="rId9"/>
+    <p:sldLayoutId id="2147483676" r:id="rId10"/>
+    <p:sldLayoutId id="2147483677" r:id="rId11"/>
   </p:sldLayoutIdLst>
   <p:txStyles>
     <p:titleStyle>
@@ -8640,12 +14977,7 @@
             <p:ph idx="1"/>
           </p:nvPr>
         </p:nvSpPr>
-        <p:spPr>
-          <a:xfrm>
-            <a:off x="628650" y="1825625"/>
-            <a:ext cx="8144647" cy="4351338"/>
-          </a:xfrm>
-        </p:spPr>
+        <p:spPr/>
         <p:txBody>
           <a:bodyPr/>
           <a:lstStyle/>
@@ -8782,12 +15114,7 @@
             <p:ph idx="1"/>
           </p:nvPr>
         </p:nvSpPr>
-        <p:spPr>
-          <a:xfrm>
-            <a:off x="628650" y="1825625"/>
-            <a:ext cx="8217176" cy="4351338"/>
-          </a:xfrm>
-        </p:spPr>
+        <p:spPr/>
         <p:txBody>
           <a:bodyPr>
             <a:normAutofit/>
@@ -8903,12 +15230,7 @@
             <p:ph idx="1"/>
           </p:nvPr>
         </p:nvSpPr>
-        <p:spPr>
-          <a:xfrm>
-            <a:off x="628650" y="1825625"/>
-            <a:ext cx="8515350" cy="4351338"/>
-          </a:xfrm>
-        </p:spPr>
+        <p:spPr/>
         <p:txBody>
           <a:bodyPr>
             <a:normAutofit/>
@@ -8956,15 +15278,7 @@
           <a:p>
             <a:r>
               <a:rPr lang="fr-FR" dirty="0" smtClean="0"/>
-              <a:t>Créer le style de point « VAB » </a:t>
-            </a:r>
-            <a:r>
-              <a:rPr lang="fr-FR" dirty="0" smtClean="0"/>
-              <a:t>avec le </a:t>
-            </a:r>
-            <a:r>
-              <a:rPr lang="fr-FR" dirty="0" smtClean="0"/>
-              <a:t>symbole VAB</a:t>
+              <a:t>Créer le style de point « VAB » avec le symbole VAB</a:t>
             </a:r>
           </a:p>
           <a:p>
@@ -9025,6 +15339,29 @@
       </p:grpSpPr>
       <p:sp>
         <p:nvSpPr>
+          <p:cNvPr id="5" name="Titre 1"/>
+          <p:cNvSpPr>
+            <a:spLocks noGrp="1"/>
+          </p:cNvSpPr>
+          <p:nvPr>
+            <p:ph type="title"/>
+          </p:nvPr>
+        </p:nvSpPr>
+        <p:spPr/>
+        <p:txBody>
+          <a:bodyPr/>
+          <a:lstStyle/>
+          <a:p>
+            <a:r>
+              <a:rPr lang="fr-FR" dirty="0" smtClean="0"/>
+              <a:t>Exercice 5</a:t>
+            </a:r>
+            <a:endParaRPr lang="fr-FR" dirty="0"/>
+          </a:p>
+        </p:txBody>
+      </p:sp>
+      <p:sp>
+        <p:nvSpPr>
           <p:cNvPr id="3" name="Espace réservé du contenu 2"/>
           <p:cNvSpPr>
             <a:spLocks noGrp="1"/>
@@ -9033,15 +15370,10 @@
             <p:ph idx="1"/>
           </p:nvPr>
         </p:nvSpPr>
-        <p:spPr>
-          <a:xfrm>
-            <a:off x="628650" y="1825624"/>
-            <a:ext cx="8515350" cy="4810307"/>
-          </a:xfrm>
-        </p:spPr>
+        <p:spPr/>
         <p:txBody>
           <a:bodyPr>
-            <a:normAutofit fontScale="92500" lnSpcReduction="10000"/>
+            <a:normAutofit fontScale="92500" lnSpcReduction="20000"/>
           </a:bodyPr>
           <a:lstStyle/>
           <a:p>
@@ -9134,34 +15466,6 @@
               <a:rPr lang="fr-FR" dirty="0" smtClean="0"/>
               <a:t>Tirets jaunes, épaisseur de 3 pixels</a:t>
             </a:r>
-          </a:p>
-        </p:txBody>
-      </p:sp>
-      <p:sp>
-        <p:nvSpPr>
-          <p:cNvPr id="5" name="Titre 1"/>
-          <p:cNvSpPr>
-            <a:spLocks noGrp="1"/>
-          </p:cNvSpPr>
-          <p:nvPr>
-            <p:ph type="title"/>
-          </p:nvPr>
-        </p:nvSpPr>
-        <p:spPr>
-          <a:xfrm>
-            <a:off x="628650" y="365126"/>
-            <a:ext cx="7886700" cy="1325563"/>
-          </a:xfrm>
-        </p:spPr>
-        <p:txBody>
-          <a:bodyPr/>
-          <a:lstStyle/>
-          <a:p>
-            <a:r>
-              <a:rPr lang="fr-FR" dirty="0" smtClean="0"/>
-              <a:t>Exercice 5</a:t>
-            </a:r>
-            <a:endParaRPr lang="fr-FR" dirty="0"/>
           </a:p>
         </p:txBody>
       </p:sp>
@@ -9228,12 +15532,7 @@
             <p:ph idx="1"/>
           </p:nvPr>
         </p:nvSpPr>
-        <p:spPr>
-          <a:xfrm>
-            <a:off x="628650" y="1825624"/>
-            <a:ext cx="8210550" cy="3628119"/>
-          </a:xfrm>
-        </p:spPr>
+        <p:spPr/>
         <p:txBody>
           <a:bodyPr>
             <a:normAutofit/>
@@ -9411,12 +15710,7 @@
             <p:ph idx="1"/>
           </p:nvPr>
         </p:nvSpPr>
-        <p:spPr>
-          <a:xfrm>
-            <a:off x="628649" y="1825625"/>
-            <a:ext cx="8243501" cy="4822310"/>
-          </a:xfrm>
-        </p:spPr>
+        <p:spPr/>
         <p:txBody>
           <a:bodyPr>
             <a:normAutofit/>
@@ -9672,12 +15966,7 @@
             <p:ph idx="1"/>
           </p:nvPr>
         </p:nvSpPr>
-        <p:spPr>
-          <a:xfrm>
-            <a:off x="628650" y="1825625"/>
-            <a:ext cx="8274718" cy="4351338"/>
-          </a:xfrm>
-        </p:spPr>
+        <p:spPr/>
         <p:txBody>
           <a:bodyPr>
             <a:normAutofit/>
@@ -10037,12 +16326,7 @@
             <p:ph idx="1"/>
           </p:nvPr>
         </p:nvSpPr>
-        <p:spPr>
-          <a:xfrm>
-            <a:off x="628650" y="1825625"/>
-            <a:ext cx="8245186" cy="4614932"/>
-          </a:xfrm>
-        </p:spPr>
+        <p:spPr/>
         <p:txBody>
           <a:bodyPr>
             <a:normAutofit/>
@@ -10051,11 +16335,7 @@
           <a:p>
             <a:r>
               <a:rPr lang="fr-FR" dirty="0" smtClean="0"/>
-              <a:t>Importer </a:t>
-            </a:r>
-            <a:r>
-              <a:rPr lang="fr-FR" dirty="0" smtClean="0"/>
-              <a:t>les fichiers </a:t>
+              <a:t>Importer les fichiers </a:t>
             </a:r>
             <a:r>
               <a:rPr lang="fr-FR" b="1" dirty="0" smtClean="0"/>
@@ -10068,11 +16348,7 @@
           <a:p>
             <a:r>
               <a:rPr lang="fr-FR" dirty="0" smtClean="0"/>
-              <a:t>Importer </a:t>
-            </a:r>
-            <a:r>
-              <a:rPr lang="fr-FR" dirty="0" smtClean="0"/>
-              <a:t>tout le dossier </a:t>
+              <a:t>Importer tout le dossier </a:t>
             </a:r>
             <a:r>
               <a:rPr lang="fr-FR" b="1" dirty="0" smtClean="0"/>
@@ -10302,7 +16578,7 @@
           <a:p>
             <a:r>
               <a:rPr lang="fr-FR" dirty="0" smtClean="0"/>
-              <a:t>A rajouter</a:t>
+              <a:t>Exercice 8</a:t>
             </a:r>
             <a:endParaRPr lang="fr-FR" dirty="0"/>
           </a:p>
@@ -10325,49 +16601,46 @@
           <a:p>
             <a:r>
               <a:rPr lang="fr-FR" dirty="0" smtClean="0"/>
-              <a:t>Jointure</a:t>
-            </a:r>
-          </a:p>
-          <a:p>
-            <a:r>
-              <a:rPr lang="fr-FR" dirty="0" smtClean="0"/>
-              <a:t>Restaurer élément supprimé</a:t>
-            </a:r>
-          </a:p>
-          <a:p>
-            <a:r>
-              <a:rPr lang="fr-FR" dirty="0" smtClean="0"/>
-              <a:t>Enregistrer une vue (sur </a:t>
-            </a:r>
-            <a:r>
-              <a:rPr lang="fr-FR" dirty="0" err="1" smtClean="0"/>
-              <a:t>printzheim</a:t>
-            </a:r>
-            <a:r>
-              <a:rPr lang="fr-FR" dirty="0" smtClean="0"/>
-              <a:t>)</a:t>
-            </a:r>
+              <a:t>Importer relais.csv</a:t>
+            </a:r>
+          </a:p>
+          <a:p>
+            <a:endParaRPr lang="fr-FR" dirty="0"/>
+          </a:p>
+          <a:p>
+            <a:r>
+              <a:rPr lang="fr-FR" dirty="0" smtClean="0"/>
+              <a:t>Effectuer une jointure avec relais_data.csv</a:t>
+            </a:r>
+          </a:p>
+          <a:p>
+            <a:pPr lvl="1"/>
+            <a:r>
+              <a:rPr lang="fr-FR" dirty="0" smtClean="0"/>
+              <a:t>Sur l’attribut OBJECTID</a:t>
+            </a:r>
+          </a:p>
+          <a:p>
+            <a:pPr lvl="1"/>
+            <a:endParaRPr lang="fr-FR" dirty="0"/>
+          </a:p>
+          <a:p>
+            <a:r>
+              <a:rPr lang="fr-FR" dirty="0" smtClean="0"/>
+              <a:t>Affecter le type « relais » aux points de la couches relais</a:t>
+            </a:r>
+          </a:p>
+          <a:p>
             <a:endParaRPr lang="fr-FR" dirty="0" smtClean="0"/>
           </a:p>
           <a:p>
             <a:r>
               <a:rPr lang="fr-FR" dirty="0" smtClean="0"/>
-              <a:t>Générer ligne de crêtes et </a:t>
-            </a:r>
-            <a:r>
-              <a:rPr lang="fr-FR" dirty="0" smtClean="0"/>
-              <a:t>thalweg</a:t>
-            </a:r>
-          </a:p>
-          <a:p>
-            <a:r>
-              <a:rPr lang="fr-FR" dirty="0" smtClean="0"/>
-              <a:t>Trouver le point le plus haut </a:t>
-            </a:r>
-            <a:r>
-              <a:rPr lang="fr-FR" smtClean="0"/>
-              <a:t>d’une zone</a:t>
-            </a:r>
+              <a:t>Générer une zone tampon autour de chaque relais</a:t>
+            </a:r>
+            <a:endParaRPr lang="fr-FR" dirty="0"/>
+          </a:p>
+          <a:p>
             <a:endParaRPr lang="fr-FR" dirty="0"/>
           </a:p>
         </p:txBody>
@@ -10375,7 +16648,343 @@
     </p:spTree>
     <p:extLst>
       <p:ext uri="{BB962C8B-B14F-4D97-AF65-F5344CB8AC3E}">
-        <p14:creationId xmlns:p14="http://schemas.microsoft.com/office/powerpoint/2010/main" val="1989889154"/>
+        <p14:creationId xmlns:p14="http://schemas.microsoft.com/office/powerpoint/2010/main" val="1675770178"/>
+      </p:ext>
+    </p:extLst>
+  </p:cSld>
+  <p:clrMapOvr>
+    <a:masterClrMapping/>
+  </p:clrMapOvr>
+</p:sld>
+</file>
+
+<file path=ppt/slides/slide22.xml><?xml version="1.0" encoding="utf-8"?>
+<p:sld xmlns:a="http://schemas.openxmlformats.org/drawingml/2006/main" xmlns:r="http://schemas.openxmlformats.org/officeDocument/2006/relationships" xmlns:p="http://schemas.openxmlformats.org/presentationml/2006/main">
+  <p:cSld>
+    <p:spTree>
+      <p:nvGrpSpPr>
+        <p:cNvPr id="1" name=""/>
+        <p:cNvGrpSpPr/>
+        <p:nvPr/>
+      </p:nvGrpSpPr>
+      <p:grpSpPr>
+        <a:xfrm>
+          <a:off x="0" y="0"/>
+          <a:ext cx="0" cy="0"/>
+          <a:chOff x="0" y="0"/>
+          <a:chExt cx="0" cy="0"/>
+        </a:xfrm>
+      </p:grpSpPr>
+      <p:sp>
+        <p:nvSpPr>
+          <p:cNvPr id="4" name="Titre 3"/>
+          <p:cNvSpPr>
+            <a:spLocks noGrp="1"/>
+          </p:cNvSpPr>
+          <p:nvPr>
+            <p:ph type="title"/>
+          </p:nvPr>
+        </p:nvSpPr>
+        <p:spPr/>
+        <p:txBody>
+          <a:bodyPr/>
+          <a:lstStyle/>
+          <a:p>
+            <a:r>
+              <a:rPr lang="fr-FR" dirty="0" smtClean="0"/>
+              <a:t>Exercice 8</a:t>
+            </a:r>
+            <a:endParaRPr lang="fr-FR" dirty="0"/>
+          </a:p>
+        </p:txBody>
+      </p:sp>
+      <p:sp>
+        <p:nvSpPr>
+          <p:cNvPr id="3" name="Espace réservé du contenu 2"/>
+          <p:cNvSpPr>
+            <a:spLocks noGrp="1"/>
+          </p:cNvSpPr>
+          <p:nvPr>
+            <p:ph idx="1"/>
+          </p:nvPr>
+        </p:nvSpPr>
+        <p:spPr/>
+        <p:txBody>
+          <a:bodyPr/>
+          <a:lstStyle/>
+          <a:p>
+            <a:r>
+              <a:rPr lang="fr-FR" dirty="0" smtClean="0"/>
+              <a:t>Importer données </a:t>
+            </a:r>
+            <a:r>
+              <a:rPr lang="fr-FR" dirty="0" err="1" smtClean="0"/>
+              <a:t>printzheim</a:t>
+            </a:r>
+            <a:endParaRPr lang="fr-FR" dirty="0" smtClean="0"/>
+          </a:p>
+          <a:p>
+            <a:pPr lvl="1"/>
+            <a:r>
+              <a:rPr lang="fr-FR" dirty="0" err="1" smtClean="0"/>
+              <a:t>Carto</a:t>
+            </a:r>
+            <a:endParaRPr lang="fr-FR" dirty="0" smtClean="0"/>
+          </a:p>
+          <a:p>
+            <a:pPr lvl="1"/>
+            <a:r>
+              <a:rPr lang="fr-FR" dirty="0" smtClean="0"/>
+              <a:t>Relief</a:t>
+            </a:r>
+            <a:endParaRPr lang="fr-FR" dirty="0"/>
+          </a:p>
+          <a:p>
+            <a:endParaRPr lang="fr-FR" dirty="0" smtClean="0"/>
+          </a:p>
+          <a:p>
+            <a:r>
+              <a:rPr lang="fr-FR" dirty="0" smtClean="0"/>
+              <a:t>Chercher le point le plus haut de la zone</a:t>
+            </a:r>
+          </a:p>
+          <a:p>
+            <a:endParaRPr lang="fr-FR" dirty="0" smtClean="0"/>
+          </a:p>
+          <a:p>
+            <a:r>
+              <a:rPr lang="fr-FR" dirty="0" smtClean="0"/>
+              <a:t>Afficher à l’échelle 1:30000</a:t>
+            </a:r>
+          </a:p>
+          <a:p>
+            <a:endParaRPr lang="fr-FR" dirty="0"/>
+          </a:p>
+          <a:p>
+            <a:r>
+              <a:rPr lang="fr-FR" dirty="0" smtClean="0"/>
+              <a:t>Enregistrer une vue</a:t>
+            </a:r>
+            <a:endParaRPr lang="fr-FR" dirty="0"/>
+          </a:p>
+        </p:txBody>
+      </p:sp>
+    </p:spTree>
+    <p:extLst>
+      <p:ext uri="{BB962C8B-B14F-4D97-AF65-F5344CB8AC3E}">
+        <p14:creationId xmlns:p14="http://schemas.microsoft.com/office/powerpoint/2010/main" val="1877121751"/>
+      </p:ext>
+    </p:extLst>
+  </p:cSld>
+  <p:clrMapOvr>
+    <a:masterClrMapping/>
+  </p:clrMapOvr>
+</p:sld>
+</file>
+
+<file path=ppt/slides/slide23.xml><?xml version="1.0" encoding="utf-8"?>
+<p:sld xmlns:a="http://schemas.openxmlformats.org/drawingml/2006/main" xmlns:r="http://schemas.openxmlformats.org/officeDocument/2006/relationships" xmlns:p="http://schemas.openxmlformats.org/presentationml/2006/main">
+  <p:cSld>
+    <p:spTree>
+      <p:nvGrpSpPr>
+        <p:cNvPr id="1" name=""/>
+        <p:cNvGrpSpPr/>
+        <p:nvPr/>
+      </p:nvGrpSpPr>
+      <p:grpSpPr>
+        <a:xfrm>
+          <a:off x="0" y="0"/>
+          <a:ext cx="0" cy="0"/>
+          <a:chOff x="0" y="0"/>
+          <a:chExt cx="0" cy="0"/>
+        </a:xfrm>
+      </p:grpSpPr>
+      <p:sp>
+        <p:nvSpPr>
+          <p:cNvPr id="2" name="Titre 1"/>
+          <p:cNvSpPr>
+            <a:spLocks noGrp="1"/>
+          </p:cNvSpPr>
+          <p:nvPr>
+            <p:ph type="title"/>
+          </p:nvPr>
+        </p:nvSpPr>
+        <p:spPr/>
+        <p:txBody>
+          <a:bodyPr/>
+          <a:lstStyle/>
+          <a:p>
+            <a:r>
+              <a:rPr lang="fr-FR" dirty="0" smtClean="0"/>
+              <a:t>Exercice 9</a:t>
+            </a:r>
+            <a:endParaRPr lang="fr-FR" dirty="0"/>
+          </a:p>
+        </p:txBody>
+      </p:sp>
+      <p:sp>
+        <p:nvSpPr>
+          <p:cNvPr id="3" name="Espace réservé du contenu 2"/>
+          <p:cNvSpPr>
+            <a:spLocks noGrp="1"/>
+          </p:cNvSpPr>
+          <p:nvPr>
+            <p:ph idx="1"/>
+          </p:nvPr>
+        </p:nvSpPr>
+        <p:spPr/>
+        <p:txBody>
+          <a:bodyPr/>
+          <a:lstStyle/>
+          <a:p>
+            <a:r>
+              <a:rPr lang="fr-FR" dirty="0" smtClean="0"/>
+              <a:t>Générer les lignes de crêtes</a:t>
+            </a:r>
+          </a:p>
+          <a:p>
+            <a:endParaRPr lang="fr-FR" dirty="0"/>
+          </a:p>
+          <a:p>
+            <a:r>
+              <a:rPr lang="fr-FR" dirty="0" smtClean="0"/>
+              <a:t>Générer les lignes de thalweg</a:t>
+            </a:r>
+          </a:p>
+          <a:p>
+            <a:endParaRPr lang="fr-FR" dirty="0"/>
+          </a:p>
+          <a:p>
+            <a:r>
+              <a:rPr lang="fr-FR" dirty="0" smtClean="0"/>
+              <a:t>Importer Quartier </a:t>
+            </a:r>
+            <a:r>
+              <a:rPr lang="fr-FR" dirty="0" err="1" smtClean="0"/>
+              <a:t>Estienne.osm</a:t>
+            </a:r>
+            <a:endParaRPr lang="fr-FR" dirty="0" smtClean="0"/>
+          </a:p>
+          <a:p>
+            <a:endParaRPr lang="fr-FR" dirty="0"/>
+          </a:p>
+          <a:p>
+            <a:endParaRPr lang="fr-FR" dirty="0"/>
+          </a:p>
+        </p:txBody>
+      </p:sp>
+    </p:spTree>
+    <p:extLst>
+      <p:ext uri="{BB962C8B-B14F-4D97-AF65-F5344CB8AC3E}">
+        <p14:creationId xmlns:p14="http://schemas.microsoft.com/office/powerpoint/2010/main" val="2091622215"/>
+      </p:ext>
+    </p:extLst>
+  </p:cSld>
+  <p:clrMapOvr>
+    <a:masterClrMapping/>
+  </p:clrMapOvr>
+</p:sld>
+</file>
+
+<file path=ppt/slides/slide24.xml><?xml version="1.0" encoding="utf-8"?>
+<p:sld xmlns:a="http://schemas.openxmlformats.org/drawingml/2006/main" xmlns:r="http://schemas.openxmlformats.org/officeDocument/2006/relationships" xmlns:p="http://schemas.openxmlformats.org/presentationml/2006/main">
+  <p:cSld>
+    <p:spTree>
+      <p:nvGrpSpPr>
+        <p:cNvPr id="1" name=""/>
+        <p:cNvGrpSpPr/>
+        <p:nvPr/>
+      </p:nvGrpSpPr>
+      <p:grpSpPr>
+        <a:xfrm>
+          <a:off x="0" y="0"/>
+          <a:ext cx="0" cy="0"/>
+          <a:chOff x="0" y="0"/>
+          <a:chExt cx="0" cy="0"/>
+        </a:xfrm>
+      </p:grpSpPr>
+      <p:sp>
+        <p:nvSpPr>
+          <p:cNvPr id="2" name="Titre 1"/>
+          <p:cNvSpPr>
+            <a:spLocks noGrp="1"/>
+          </p:cNvSpPr>
+          <p:nvPr>
+            <p:ph type="title"/>
+          </p:nvPr>
+        </p:nvSpPr>
+        <p:spPr/>
+        <p:txBody>
+          <a:bodyPr/>
+          <a:lstStyle/>
+          <a:p>
+            <a:r>
+              <a:rPr lang="fr-FR" dirty="0" smtClean="0"/>
+              <a:t>Exercice 9</a:t>
+            </a:r>
+            <a:endParaRPr lang="fr-FR" dirty="0"/>
+          </a:p>
+        </p:txBody>
+      </p:sp>
+      <p:sp>
+        <p:nvSpPr>
+          <p:cNvPr id="3" name="Espace réservé du contenu 2"/>
+          <p:cNvSpPr>
+            <a:spLocks noGrp="1"/>
+          </p:cNvSpPr>
+          <p:nvPr>
+            <p:ph idx="1"/>
+          </p:nvPr>
+        </p:nvSpPr>
+        <p:spPr/>
+        <p:txBody>
+          <a:bodyPr/>
+          <a:lstStyle/>
+          <a:p>
+            <a:r>
+              <a:rPr lang="fr-FR" dirty="0"/>
+              <a:t>Importer </a:t>
+            </a:r>
+            <a:r>
+              <a:rPr lang="fr-FR" dirty="0" smtClean="0"/>
+              <a:t>fr_populatedplaces_p.txt</a:t>
+            </a:r>
+          </a:p>
+          <a:p>
+            <a:endParaRPr lang="fr-FR" dirty="0" smtClean="0"/>
+          </a:p>
+          <a:p>
+            <a:r>
+              <a:rPr lang="fr-FR" dirty="0" smtClean="0"/>
+              <a:t>Sauvegarder les villes d’alsace dans un nouveau fichier</a:t>
+            </a:r>
+          </a:p>
+          <a:p>
+            <a:pPr lvl="1"/>
+            <a:r>
+              <a:rPr lang="fr-FR" dirty="0" smtClean="0"/>
+              <a:t>Importer région</a:t>
+            </a:r>
+          </a:p>
+          <a:p>
+            <a:pPr lvl="1"/>
+            <a:r>
+              <a:rPr lang="fr-FR" dirty="0" smtClean="0"/>
+              <a:t>Exporter selon contour</a:t>
+            </a:r>
+          </a:p>
+          <a:p>
+            <a:endParaRPr lang="fr-FR" dirty="0"/>
+          </a:p>
+          <a:p>
+            <a:endParaRPr lang="fr-FR" dirty="0"/>
+          </a:p>
+        </p:txBody>
+      </p:sp>
+    </p:spTree>
+    <p:extLst>
+      <p:ext uri="{BB962C8B-B14F-4D97-AF65-F5344CB8AC3E}">
+        <p14:creationId xmlns:p14="http://schemas.microsoft.com/office/powerpoint/2010/main" val="1102591644"/>
       </p:ext>
     </p:extLst>
   </p:cSld>
@@ -10435,12 +17044,7 @@
             <p:ph idx="1"/>
           </p:nvPr>
         </p:nvSpPr>
-        <p:spPr>
-          <a:xfrm>
-            <a:off x="628650" y="1825625"/>
-            <a:ext cx="8245186" cy="4614932"/>
-          </a:xfrm>
-        </p:spPr>
+        <p:spPr/>
         <p:txBody>
           <a:bodyPr>
             <a:normAutofit/>
@@ -10578,12 +17182,7 @@
             <p:ph idx="1"/>
           </p:nvPr>
         </p:nvSpPr>
-        <p:spPr>
-          <a:xfrm>
-            <a:off x="628650" y="1825624"/>
-            <a:ext cx="8245186" cy="4833593"/>
-          </a:xfrm>
-        </p:spPr>
+        <p:spPr/>
         <p:txBody>
           <a:bodyPr>
             <a:normAutofit/>
@@ -10747,12 +17346,7 @@
             <p:ph idx="1"/>
           </p:nvPr>
         </p:nvSpPr>
-        <p:spPr>
-          <a:xfrm>
-            <a:off x="628650" y="1825624"/>
-            <a:ext cx="8515350" cy="4833593"/>
-          </a:xfrm>
-        </p:spPr>
+        <p:spPr/>
         <p:txBody>
           <a:bodyPr>
             <a:normAutofit/>
@@ -10877,15 +17471,10 @@
             <p:ph idx="1"/>
           </p:nvPr>
         </p:nvSpPr>
-        <p:spPr>
-          <a:xfrm>
-            <a:off x="628650" y="1858874"/>
-            <a:ext cx="8245186" cy="4999126"/>
-          </a:xfrm>
-        </p:spPr>
+        <p:spPr/>
         <p:txBody>
           <a:bodyPr>
-            <a:normAutofit fontScale="92500" lnSpcReduction="20000"/>
+            <a:normAutofit fontScale="85000" lnSpcReduction="20000"/>
           </a:bodyPr>
           <a:lstStyle/>
           <a:p>
@@ -11021,13 +17610,13 @@
           <p:nvPr>
             <p:extLst>
               <p:ext uri="{D42A27DB-BD31-4B8C-83A1-F6EECF244321}">
-                <p14:modId xmlns:p14="http://schemas.microsoft.com/office/powerpoint/2010/main" val="380278922"/>
+                <p14:modId xmlns:p14="http://schemas.microsoft.com/office/powerpoint/2010/main" val="2453657310"/>
               </p:ext>
             </p:extLst>
           </p:nvPr>
         </p:nvGraphicFramePr>
         <p:xfrm>
-          <a:off x="3425800" y="4474355"/>
+          <a:off x="4675480" y="4090307"/>
           <a:ext cx="3025836" cy="1379912"/>
         </p:xfrm>
         <a:graphic>
@@ -11305,15 +17894,10 @@
             <p:ph idx="1"/>
           </p:nvPr>
         </p:nvSpPr>
-        <p:spPr>
-          <a:xfrm>
-            <a:off x="628650" y="1858873"/>
-            <a:ext cx="8245186" cy="4621439"/>
-          </a:xfrm>
-        </p:spPr>
+        <p:spPr/>
         <p:txBody>
           <a:bodyPr>
-            <a:normAutofit lnSpcReduction="10000"/>
+            <a:normAutofit fontScale="92500" lnSpcReduction="10000"/>
           </a:bodyPr>
           <a:lstStyle/>
           <a:p>
@@ -11445,12 +18029,7 @@
             <p:ph idx="1"/>
           </p:nvPr>
         </p:nvSpPr>
-        <p:spPr>
-          <a:xfrm>
-            <a:off x="628650" y="1825625"/>
-            <a:ext cx="8356324" cy="4351338"/>
-          </a:xfrm>
-        </p:spPr>
+        <p:spPr/>
         <p:txBody>
           <a:bodyPr>
             <a:normAutofit/>
@@ -11565,12 +18144,7 @@
             <p:ph idx="1"/>
           </p:nvPr>
         </p:nvSpPr>
-        <p:spPr>
-          <a:xfrm>
-            <a:off x="628650" y="1825624"/>
-            <a:ext cx="8217176" cy="4595053"/>
-          </a:xfrm>
-        </p:spPr>
+        <p:spPr/>
         <p:txBody>
           <a:bodyPr>
             <a:normAutofit/>
@@ -11681,7 +18255,268 @@
 </file>
 
 <file path=ppt/theme/theme1.xml><?xml version="1.0" encoding="utf-8"?>
-<a:theme xmlns:a="http://schemas.openxmlformats.org/drawingml/2006/main" name="Thème Office">
+<a:theme xmlns:a="http://schemas.openxmlformats.org/drawingml/2006/main" name="1_Thème Office">
+  <a:themeElements>
+    <a:clrScheme name="Office">
+      <a:dk1>
+        <a:sysClr val="windowText" lastClr="000000"/>
+      </a:dk1>
+      <a:lt1>
+        <a:sysClr val="window" lastClr="FFFFFF"/>
+      </a:lt1>
+      <a:dk2>
+        <a:srgbClr val="44546A"/>
+      </a:dk2>
+      <a:lt2>
+        <a:srgbClr val="E7E6E6"/>
+      </a:lt2>
+      <a:accent1>
+        <a:srgbClr val="5B9BD5"/>
+      </a:accent1>
+      <a:accent2>
+        <a:srgbClr val="ED7D31"/>
+      </a:accent2>
+      <a:accent3>
+        <a:srgbClr val="A5A5A5"/>
+      </a:accent3>
+      <a:accent4>
+        <a:srgbClr val="FFC000"/>
+      </a:accent4>
+      <a:accent5>
+        <a:srgbClr val="4472C4"/>
+      </a:accent5>
+      <a:accent6>
+        <a:srgbClr val="70AD47"/>
+      </a:accent6>
+      <a:hlink>
+        <a:srgbClr val="0563C1"/>
+      </a:hlink>
+      <a:folHlink>
+        <a:srgbClr val="954F72"/>
+      </a:folHlink>
+    </a:clrScheme>
+    <a:fontScheme name="Office">
+      <a:majorFont>
+        <a:latin typeface="Calibri Light" panose="020F0302020204030204"/>
+        <a:ea typeface=""/>
+        <a:cs typeface=""/>
+        <a:font script="Jpan" typeface="游ゴシック Light"/>
+        <a:font script="Hang" typeface="맑은 고딕"/>
+        <a:font script="Hans" typeface="等线 Light"/>
+        <a:font script="Hant" typeface="新細明體"/>
+        <a:font script="Arab" typeface="Times New Roman"/>
+        <a:font script="Hebr" typeface="Times New Roman"/>
+        <a:font script="Thai" typeface="Angsana New"/>
+        <a:font script="Ethi" typeface="Nyala"/>
+        <a:font script="Beng" typeface="Vrinda"/>
+        <a:font script="Gujr" typeface="Shruti"/>
+        <a:font script="Khmr" typeface="MoolBoran"/>
+        <a:font script="Knda" typeface="Tunga"/>
+        <a:font script="Guru" typeface="Raavi"/>
+        <a:font script="Cans" typeface="Euphemia"/>
+        <a:font script="Cher" typeface="Plantagenet Cherokee"/>
+        <a:font script="Yiii" typeface="Microsoft Yi Baiti"/>
+        <a:font script="Tibt" typeface="Microsoft Himalaya"/>
+        <a:font script="Thaa" typeface="MV Boli"/>
+        <a:font script="Deva" typeface="Mangal"/>
+        <a:font script="Telu" typeface="Gautami"/>
+        <a:font script="Taml" typeface="Latha"/>
+        <a:font script="Syrc" typeface="Estrangelo Edessa"/>
+        <a:font script="Orya" typeface="Kalinga"/>
+        <a:font script="Mlym" typeface="Kartika"/>
+        <a:font script="Laoo" typeface="DokChampa"/>
+        <a:font script="Sinh" typeface="Iskoola Pota"/>
+        <a:font script="Mong" typeface="Mongolian Baiti"/>
+        <a:font script="Viet" typeface="Times New Roman"/>
+        <a:font script="Uigh" typeface="Microsoft Uighur"/>
+        <a:font script="Geor" typeface="Sylfaen"/>
+      </a:majorFont>
+      <a:minorFont>
+        <a:latin typeface="Calibri" panose="020F0502020204030204"/>
+        <a:ea typeface=""/>
+        <a:cs typeface=""/>
+        <a:font script="Jpan" typeface="游ゴシック"/>
+        <a:font script="Hang" typeface="맑은 고딕"/>
+        <a:font script="Hans" typeface="等线"/>
+        <a:font script="Hant" typeface="新細明體"/>
+        <a:font script="Arab" typeface="Arial"/>
+        <a:font script="Hebr" typeface="Arial"/>
+        <a:font script="Thai" typeface="Cordia New"/>
+        <a:font script="Ethi" typeface="Nyala"/>
+        <a:font script="Beng" typeface="Vrinda"/>
+        <a:font script="Gujr" typeface="Shruti"/>
+        <a:font script="Khmr" typeface="DaunPenh"/>
+        <a:font script="Knda" typeface="Tunga"/>
+        <a:font script="Guru" typeface="Raavi"/>
+        <a:font script="Cans" typeface="Euphemia"/>
+        <a:font script="Cher" typeface="Plantagenet Cherokee"/>
+        <a:font script="Yiii" typeface="Microsoft Yi Baiti"/>
+        <a:font script="Tibt" typeface="Microsoft Himalaya"/>
+        <a:font script="Thaa" typeface="MV Boli"/>
+        <a:font script="Deva" typeface="Mangal"/>
+        <a:font script="Telu" typeface="Gautami"/>
+        <a:font script="Taml" typeface="Latha"/>
+        <a:font script="Syrc" typeface="Estrangelo Edessa"/>
+        <a:font script="Orya" typeface="Kalinga"/>
+        <a:font script="Mlym" typeface="Kartika"/>
+        <a:font script="Laoo" typeface="DokChampa"/>
+        <a:font script="Sinh" typeface="Iskoola Pota"/>
+        <a:font script="Mong" typeface="Mongolian Baiti"/>
+        <a:font script="Viet" typeface="Arial"/>
+        <a:font script="Uigh" typeface="Microsoft Uighur"/>
+        <a:font script="Geor" typeface="Sylfaen"/>
+      </a:minorFont>
+    </a:fontScheme>
+    <a:fmtScheme name="Office">
+      <a:fillStyleLst>
+        <a:solidFill>
+          <a:schemeClr val="phClr"/>
+        </a:solidFill>
+        <a:gradFill rotWithShape="1">
+          <a:gsLst>
+            <a:gs pos="0">
+              <a:schemeClr val="phClr">
+                <a:lumMod val="110000"/>
+                <a:satMod val="105000"/>
+                <a:tint val="67000"/>
+              </a:schemeClr>
+            </a:gs>
+            <a:gs pos="50000">
+              <a:schemeClr val="phClr">
+                <a:lumMod val="105000"/>
+                <a:satMod val="103000"/>
+                <a:tint val="73000"/>
+              </a:schemeClr>
+            </a:gs>
+            <a:gs pos="100000">
+              <a:schemeClr val="phClr">
+                <a:lumMod val="105000"/>
+                <a:satMod val="109000"/>
+                <a:tint val="81000"/>
+              </a:schemeClr>
+            </a:gs>
+          </a:gsLst>
+          <a:lin ang="5400000" scaled="0"/>
+        </a:gradFill>
+        <a:gradFill rotWithShape="1">
+          <a:gsLst>
+            <a:gs pos="0">
+              <a:schemeClr val="phClr">
+                <a:satMod val="103000"/>
+                <a:lumMod val="102000"/>
+                <a:tint val="94000"/>
+              </a:schemeClr>
+            </a:gs>
+            <a:gs pos="50000">
+              <a:schemeClr val="phClr">
+                <a:satMod val="110000"/>
+                <a:lumMod val="100000"/>
+                <a:shade val="100000"/>
+              </a:schemeClr>
+            </a:gs>
+            <a:gs pos="100000">
+              <a:schemeClr val="phClr">
+                <a:lumMod val="99000"/>
+                <a:satMod val="120000"/>
+                <a:shade val="78000"/>
+              </a:schemeClr>
+            </a:gs>
+          </a:gsLst>
+          <a:lin ang="5400000" scaled="0"/>
+        </a:gradFill>
+      </a:fillStyleLst>
+      <a:lnStyleLst>
+        <a:ln w="6350" cap="flat" cmpd="sng" algn="ctr">
+          <a:solidFill>
+            <a:schemeClr val="phClr"/>
+          </a:solidFill>
+          <a:prstDash val="solid"/>
+          <a:miter lim="800000"/>
+        </a:ln>
+        <a:ln w="12700" cap="flat" cmpd="sng" algn="ctr">
+          <a:solidFill>
+            <a:schemeClr val="phClr"/>
+          </a:solidFill>
+          <a:prstDash val="solid"/>
+          <a:miter lim="800000"/>
+        </a:ln>
+        <a:ln w="19050" cap="flat" cmpd="sng" algn="ctr">
+          <a:solidFill>
+            <a:schemeClr val="phClr"/>
+          </a:solidFill>
+          <a:prstDash val="solid"/>
+          <a:miter lim="800000"/>
+        </a:ln>
+      </a:lnStyleLst>
+      <a:effectStyleLst>
+        <a:effectStyle>
+          <a:effectLst/>
+        </a:effectStyle>
+        <a:effectStyle>
+          <a:effectLst/>
+        </a:effectStyle>
+        <a:effectStyle>
+          <a:effectLst>
+            <a:outerShdw blurRad="57150" dist="19050" dir="5400000" algn="ctr" rotWithShape="0">
+              <a:srgbClr val="000000">
+                <a:alpha val="63000"/>
+              </a:srgbClr>
+            </a:outerShdw>
+          </a:effectLst>
+        </a:effectStyle>
+      </a:effectStyleLst>
+      <a:bgFillStyleLst>
+        <a:solidFill>
+          <a:schemeClr val="phClr"/>
+        </a:solidFill>
+        <a:solidFill>
+          <a:schemeClr val="phClr">
+            <a:tint val="95000"/>
+            <a:satMod val="170000"/>
+          </a:schemeClr>
+        </a:solidFill>
+        <a:gradFill rotWithShape="1">
+          <a:gsLst>
+            <a:gs pos="0">
+              <a:schemeClr val="phClr">
+                <a:tint val="93000"/>
+                <a:satMod val="150000"/>
+                <a:shade val="98000"/>
+                <a:lumMod val="102000"/>
+              </a:schemeClr>
+            </a:gs>
+            <a:gs pos="50000">
+              <a:schemeClr val="phClr">
+                <a:tint val="98000"/>
+                <a:satMod val="130000"/>
+                <a:shade val="90000"/>
+                <a:lumMod val="103000"/>
+              </a:schemeClr>
+            </a:gs>
+            <a:gs pos="100000">
+              <a:schemeClr val="phClr">
+                <a:shade val="63000"/>
+                <a:satMod val="120000"/>
+              </a:schemeClr>
+            </a:gs>
+          </a:gsLst>
+          <a:lin ang="5400000" scaled="0"/>
+        </a:gradFill>
+      </a:bgFillStyleLst>
+    </a:fmtScheme>
+  </a:themeElements>
+  <a:objectDefaults/>
+  <a:extraClrSchemeLst/>
+  <a:extLst>
+    <a:ext uri="{05A4C25C-085E-4340-85A3-A5531E510DB2}">
+      <thm15:themeFamily xmlns:thm15="http://schemas.microsoft.com/office/thememl/2012/main" name="Office Theme" id="{62F939B6-93AF-4DB8-9C6B-D6C7DFDC589F}" vid="{4A3C46E8-61CC-4603-A589-7422A47A8E4A}"/>
+    </a:ext>
+  </a:extLst>
+</a:theme>
+</file>
+
+<file path=ppt/theme/theme2.xml><?xml version="1.0" encoding="utf-8"?>
+<a:theme xmlns:a="http://schemas.openxmlformats.org/drawingml/2006/main" name="2_Thème Office">
   <a:themeElements>
     <a:clrScheme name="Thème Office">
       <a:dk1>
@@ -11941,7 +18776,7 @@
 </a:theme>
 </file>
 
-<file path=ppt/theme/theme2.xml><?xml version="1.0" encoding="utf-8"?>
+<file path=ppt/theme/theme3.xml><?xml version="1.0" encoding="utf-8"?>
 <a:theme xmlns:a="http://schemas.openxmlformats.org/drawingml/2006/main" name="Thème Office">
   <a:themeElements>
     <a:clrScheme name="Office">
@@ -12200,47 +19035,4 @@
     </a:ext>
   </a:extLst>
 </a:theme>
-</file>
-
-<file path=ppt/theme/themeOverride1.xml><?xml version="1.0" encoding="utf-8"?>
-<a:themeOverride xmlns:a="http://schemas.openxmlformats.org/drawingml/2006/main">
-  <a:clrScheme name="Thème Office">
-    <a:dk1>
-      <a:sysClr val="windowText" lastClr="000000"/>
-    </a:dk1>
-    <a:lt1>
-      <a:sysClr val="window" lastClr="FFFFFF"/>
-    </a:lt1>
-    <a:dk2>
-      <a:srgbClr val="44546A"/>
-    </a:dk2>
-    <a:lt2>
-      <a:srgbClr val="E7E6E6"/>
-    </a:lt2>
-    <a:accent1>
-      <a:srgbClr val="5B9BD5"/>
-    </a:accent1>
-    <a:accent2>
-      <a:srgbClr val="ED7D31"/>
-    </a:accent2>
-    <a:accent3>
-      <a:srgbClr val="A5A5A5"/>
-    </a:accent3>
-    <a:accent4>
-      <a:srgbClr val="FFC000"/>
-    </a:accent4>
-    <a:accent5>
-      <a:srgbClr val="4472C4"/>
-    </a:accent5>
-    <a:accent6>
-      <a:srgbClr val="70AD47"/>
-    </a:accent6>
-    <a:hlink>
-      <a:srgbClr val="0563C1"/>
-    </a:hlink>
-    <a:folHlink>
-      <a:srgbClr val="954F72"/>
-    </a:folHlink>
-  </a:clrScheme>
-</a:themeOverride>
 </file>
--- a/cours/GM - Travaux pratiques.pptx
+++ b/cours/GM - Travaux pratiques.pptx
@@ -6,33 +6,36 @@
     <p:sldMasterId id="2147483666" r:id="rId2"/>
   </p:sldMasterIdLst>
   <p:notesMasterIdLst>
-    <p:notesMasterId r:id="rId27"/>
+    <p:notesMasterId r:id="rId30"/>
   </p:notesMasterIdLst>
   <p:sldIdLst>
-    <p:sldId id="256" r:id="rId3"/>
-    <p:sldId id="257" r:id="rId4"/>
-    <p:sldId id="288" r:id="rId5"/>
-    <p:sldId id="268" r:id="rId6"/>
-    <p:sldId id="269" r:id="rId7"/>
-    <p:sldId id="266" r:id="rId8"/>
-    <p:sldId id="267" r:id="rId9"/>
-    <p:sldId id="270" r:id="rId10"/>
-    <p:sldId id="276" r:id="rId11"/>
-    <p:sldId id="277" r:id="rId12"/>
-    <p:sldId id="274" r:id="rId13"/>
-    <p:sldId id="275" r:id="rId14"/>
-    <p:sldId id="283" r:id="rId15"/>
-    <p:sldId id="263" r:id="rId16"/>
-    <p:sldId id="262" r:id="rId17"/>
-    <p:sldId id="285" r:id="rId18"/>
-    <p:sldId id="260" r:id="rId19"/>
-    <p:sldId id="282" r:id="rId20"/>
-    <p:sldId id="287" r:id="rId21"/>
-    <p:sldId id="261" r:id="rId22"/>
-    <p:sldId id="290" r:id="rId23"/>
-    <p:sldId id="292" r:id="rId24"/>
-    <p:sldId id="291" r:id="rId25"/>
-    <p:sldId id="293" r:id="rId26"/>
+    <p:sldId id="297" r:id="rId3"/>
+    <p:sldId id="256" r:id="rId4"/>
+    <p:sldId id="257" r:id="rId5"/>
+    <p:sldId id="288" r:id="rId6"/>
+    <p:sldId id="268" r:id="rId7"/>
+    <p:sldId id="269" r:id="rId8"/>
+    <p:sldId id="266" r:id="rId9"/>
+    <p:sldId id="267" r:id="rId10"/>
+    <p:sldId id="270" r:id="rId11"/>
+    <p:sldId id="276" r:id="rId12"/>
+    <p:sldId id="277" r:id="rId13"/>
+    <p:sldId id="274" r:id="rId14"/>
+    <p:sldId id="275" r:id="rId15"/>
+    <p:sldId id="283" r:id="rId16"/>
+    <p:sldId id="263" r:id="rId17"/>
+    <p:sldId id="262" r:id="rId18"/>
+    <p:sldId id="285" r:id="rId19"/>
+    <p:sldId id="260" r:id="rId20"/>
+    <p:sldId id="282" r:id="rId21"/>
+    <p:sldId id="287" r:id="rId22"/>
+    <p:sldId id="261" r:id="rId23"/>
+    <p:sldId id="290" r:id="rId24"/>
+    <p:sldId id="292" r:id="rId25"/>
+    <p:sldId id="291" r:id="rId26"/>
+    <p:sldId id="293" r:id="rId27"/>
+    <p:sldId id="295" r:id="rId28"/>
+    <p:sldId id="296" r:id="rId29"/>
   </p:sldIdLst>
   <p:sldSz cx="12192000" cy="6858000"/>
   <p:notesSz cx="6858000" cy="9144000"/>
@@ -221,7 +224,7 @@
           <a:p>
             <a:fld id="{05CF0F9A-6161-450D-AD24-FE13ECDFFC91}" type="datetimeFigureOut">
               <a:rPr lang="fr-FR" smtClean="0"/>
-              <a:t>11/08/2022</a:t>
+              <a:t>06/09/2022</a:t>
             </a:fld>
             <a:endParaRPr lang="fr-FR"/>
           </a:p>
@@ -692,7 +695,7 @@
           <a:p>
             <a:fld id="{7FED9F59-E5F7-4D0D-AFB1-35ABD0360038}" type="slidenum">
               <a:rPr lang="fr-FR" smtClean="0"/>
-              <a:t>2</a:t>
+              <a:t>3</a:t>
             </a:fld>
             <a:endParaRPr lang="fr-FR"/>
           </a:p>
@@ -972,7 +975,7 @@
           <a:p>
             <a:fld id="{7FED9F59-E5F7-4D0D-AFB1-35ABD0360038}" type="slidenum">
               <a:rPr lang="fr-FR" smtClean="0"/>
-              <a:t>11</a:t>
+              <a:t>12</a:t>
             </a:fld>
             <a:endParaRPr lang="fr-FR"/>
           </a:p>
@@ -1520,7 +1523,7 @@
           <a:p>
             <a:fld id="{7FED9F59-E5F7-4D0D-AFB1-35ABD0360038}" type="slidenum">
               <a:rPr lang="fr-FR" smtClean="0"/>
-              <a:t>12</a:t>
+              <a:t>13</a:t>
             </a:fld>
             <a:endParaRPr lang="fr-FR"/>
           </a:p>
@@ -1827,7 +1830,7 @@
           <a:p>
             <a:fld id="{7FED9F59-E5F7-4D0D-AFB1-35ABD0360038}" type="slidenum">
               <a:rPr lang="fr-FR" smtClean="0"/>
-              <a:t>13</a:t>
+              <a:t>14</a:t>
             </a:fld>
             <a:endParaRPr lang="fr-FR"/>
           </a:p>
@@ -2158,7 +2161,7 @@
           <a:p>
             <a:fld id="{7FED9F59-E5F7-4D0D-AFB1-35ABD0360038}" type="slidenum">
               <a:rPr lang="fr-FR" smtClean="0"/>
-              <a:t>14</a:t>
+              <a:t>15</a:t>
             </a:fld>
             <a:endParaRPr lang="fr-FR"/>
           </a:p>
@@ -2800,7 +2803,7 @@
           <a:p>
             <a:fld id="{7FED9F59-E5F7-4D0D-AFB1-35ABD0360038}" type="slidenum">
               <a:rPr lang="fr-FR" smtClean="0"/>
-              <a:t>15</a:t>
+              <a:t>16</a:t>
             </a:fld>
             <a:endParaRPr lang="fr-FR"/>
           </a:p>
@@ -3182,7 +3185,7 @@
           <a:p>
             <a:fld id="{7FED9F59-E5F7-4D0D-AFB1-35ABD0360038}" type="slidenum">
               <a:rPr lang="fr-FR" smtClean="0"/>
-              <a:t>16</a:t>
+              <a:t>17</a:t>
             </a:fld>
             <a:endParaRPr lang="fr-FR"/>
           </a:p>
@@ -3690,7 +3693,7 @@
           <a:p>
             <a:fld id="{7FED9F59-E5F7-4D0D-AFB1-35ABD0360038}" type="slidenum">
               <a:rPr lang="fr-FR" smtClean="0"/>
-              <a:t>17</a:t>
+              <a:t>18</a:t>
             </a:fld>
             <a:endParaRPr lang="fr-FR"/>
           </a:p>
@@ -4305,7 +4308,7 @@
           <a:p>
             <a:fld id="{7FED9F59-E5F7-4D0D-AFB1-35ABD0360038}" type="slidenum">
               <a:rPr lang="fr-FR" smtClean="0"/>
-              <a:t>18</a:t>
+              <a:t>19</a:t>
             </a:fld>
             <a:endParaRPr lang="fr-FR"/>
           </a:p>
@@ -4732,7 +4735,7 @@
           <a:p>
             <a:fld id="{7FED9F59-E5F7-4D0D-AFB1-35ABD0360038}" type="slidenum">
               <a:rPr lang="fr-FR" smtClean="0"/>
-              <a:t>19</a:t>
+              <a:t>20</a:t>
             </a:fld>
             <a:endParaRPr lang="fr-FR"/>
           </a:p>
@@ -5249,7 +5252,7 @@
           <a:p>
             <a:fld id="{7FED9F59-E5F7-4D0D-AFB1-35ABD0360038}" type="slidenum">
               <a:rPr lang="fr-FR" smtClean="0"/>
-              <a:t>20</a:t>
+              <a:t>21</a:t>
             </a:fld>
             <a:endParaRPr lang="fr-FR"/>
           </a:p>
@@ -5495,7 +5498,7 @@
           <a:p>
             <a:fld id="{7FED9F59-E5F7-4D0D-AFB1-35ABD0360038}" type="slidenum">
               <a:rPr lang="fr-FR" smtClean="0"/>
-              <a:t>3</a:t>
+              <a:t>4</a:t>
             </a:fld>
             <a:endParaRPr lang="fr-FR"/>
           </a:p>
@@ -5804,11 +5807,7 @@
             </a:pPr>
             <a:r>
               <a:rPr lang="fr-FR" baseline="0" dirty="0" smtClean="0"/>
-              <a:t>Sur l</a:t>
-            </a:r>
-            <a:r>
-              <a:rPr lang="fr-FR" baseline="0" dirty="0" smtClean="0"/>
-              <a:t>a couche relais, clic droit -&gt; SELECT</a:t>
+              <a:t>Sur la couche relais, clic droit -&gt; SELECT</a:t>
             </a:r>
           </a:p>
           <a:p>
@@ -5877,7 +5876,7 @@
           <a:p>
             <a:fld id="{7FED9F59-E5F7-4D0D-AFB1-35ABD0360038}" type="slidenum">
               <a:rPr lang="fr-FR" smtClean="0"/>
-              <a:t>21</a:t>
+              <a:t>22</a:t>
             </a:fld>
             <a:endParaRPr lang="fr-FR"/>
           </a:p>
@@ -6162,7 +6161,7 @@
           <a:p>
             <a:fld id="{7FED9F59-E5F7-4D0D-AFB1-35ABD0360038}" type="slidenum">
               <a:rPr lang="fr-FR" smtClean="0"/>
-              <a:t>22</a:t>
+              <a:t>23</a:t>
             </a:fld>
             <a:endParaRPr lang="fr-FR"/>
           </a:p>
@@ -6381,7 +6380,7 @@
           <a:p>
             <a:fld id="{7FED9F59-E5F7-4D0D-AFB1-35ABD0360038}" type="slidenum">
               <a:rPr lang="fr-FR" smtClean="0"/>
-              <a:t>23</a:t>
+              <a:t>24</a:t>
             </a:fld>
             <a:endParaRPr lang="fr-FR"/>
           </a:p>
@@ -6532,7 +6531,7 @@
               <a:t>selected</a:t>
             </a:r>
             <a:r>
-              <a:rPr lang="fr-FR" baseline="0" smtClean="0"/>
+              <a:rPr lang="fr-FR" baseline="0" dirty="0" smtClean="0"/>
               <a:t> area »</a:t>
             </a:r>
             <a:endParaRPr lang="fr-FR" dirty="0"/>
@@ -6556,7 +6555,7 @@
           <a:p>
             <a:fld id="{7FED9F59-E5F7-4D0D-AFB1-35ABD0360038}" type="slidenum">
               <a:rPr lang="fr-FR" smtClean="0"/>
-              <a:t>24</a:t>
+              <a:t>25</a:t>
             </a:fld>
             <a:endParaRPr lang="fr-FR"/>
           </a:p>
@@ -6566,6 +6565,490 @@
     <p:extLst>
       <p:ext uri="{BB962C8B-B14F-4D97-AF65-F5344CB8AC3E}">
         <p14:creationId xmlns:p14="http://schemas.microsoft.com/office/powerpoint/2010/main" val="411802914"/>
+      </p:ext>
+    </p:extLst>
+  </p:cSld>
+  <p:clrMapOvr>
+    <a:masterClrMapping/>
+  </p:clrMapOvr>
+</p:notes>
+</file>
+
+<file path=ppt/notesSlides/notesSlide24.xml><?xml version="1.0" encoding="utf-8"?>
+<p:notes xmlns:a="http://schemas.openxmlformats.org/drawingml/2006/main" xmlns:r="http://schemas.openxmlformats.org/officeDocument/2006/relationships" xmlns:p="http://schemas.openxmlformats.org/presentationml/2006/main">
+  <p:cSld>
+    <p:spTree>
+      <p:nvGrpSpPr>
+        <p:cNvPr id="1" name=""/>
+        <p:cNvGrpSpPr/>
+        <p:nvPr/>
+      </p:nvGrpSpPr>
+      <p:grpSpPr>
+        <a:xfrm>
+          <a:off x="0" y="0"/>
+          <a:ext cx="0" cy="0"/>
+          <a:chOff x="0" y="0"/>
+          <a:chExt cx="0" cy="0"/>
+        </a:xfrm>
+      </p:grpSpPr>
+      <p:sp>
+        <p:nvSpPr>
+          <p:cNvPr id="2" name="Espace réservé de l'image des diapositives 1"/>
+          <p:cNvSpPr>
+            <a:spLocks noGrp="1" noRot="1" noChangeAspect="1"/>
+          </p:cNvSpPr>
+          <p:nvPr>
+            <p:ph type="sldImg"/>
+          </p:nvPr>
+        </p:nvSpPr>
+        <p:spPr/>
+      </p:sp>
+      <p:sp>
+        <p:nvSpPr>
+          <p:cNvPr id="3" name="Espace réservé des commentaires 2"/>
+          <p:cNvSpPr>
+            <a:spLocks noGrp="1"/>
+          </p:cNvSpPr>
+          <p:nvPr>
+            <p:ph type="body" idx="1"/>
+          </p:nvPr>
+        </p:nvSpPr>
+        <p:spPr/>
+        <p:txBody>
+          <a:bodyPr/>
+          <a:lstStyle/>
+          <a:p>
+            <a:pPr marL="228600" indent="-228600">
+              <a:buAutoNum type="arabicParenR"/>
+            </a:pPr>
+            <a:r>
+              <a:rPr lang="fr-FR" baseline="0" dirty="0" smtClean="0"/>
+              <a:t>Etude de densité</a:t>
+            </a:r>
+          </a:p>
+          <a:p>
+            <a:pPr marL="685800" lvl="1" indent="-228600">
+              <a:buAutoNum type="arabicParenR"/>
+            </a:pPr>
+            <a:r>
+              <a:rPr lang="fr-FR" baseline="0" dirty="0" smtClean="0"/>
+              <a:t>Sur la couche trajets, clic droit -&gt; SELECT</a:t>
+            </a:r>
+          </a:p>
+          <a:p>
+            <a:pPr marL="685800" lvl="1" indent="-228600">
+              <a:buAutoNum type="arabicParenR"/>
+            </a:pPr>
+            <a:r>
+              <a:rPr lang="fr-FR" baseline="0" dirty="0" smtClean="0"/>
+              <a:t>Sur la carte clic droit -&gt; Advanced </a:t>
+            </a:r>
+            <a:r>
+              <a:rPr lang="fr-FR" baseline="0" dirty="0" err="1" smtClean="0"/>
+              <a:t>feature</a:t>
+            </a:r>
+            <a:r>
+              <a:rPr lang="fr-FR" baseline="0" dirty="0" smtClean="0"/>
+              <a:t> </a:t>
+            </a:r>
+            <a:r>
+              <a:rPr lang="fr-FR" baseline="0" dirty="0" err="1" smtClean="0"/>
+              <a:t>creation</a:t>
+            </a:r>
+            <a:r>
+              <a:rPr lang="fr-FR" baseline="0" dirty="0" smtClean="0"/>
+              <a:t> options -&gt; </a:t>
+            </a:r>
+            <a:r>
+              <a:rPr lang="fr-FR" baseline="0" dirty="0" err="1" smtClean="0"/>
+              <a:t>create</a:t>
+            </a:r>
+            <a:r>
+              <a:rPr lang="fr-FR" baseline="0" dirty="0" smtClean="0"/>
+              <a:t> point </a:t>
+            </a:r>
+            <a:r>
+              <a:rPr lang="fr-FR" baseline="0" dirty="0" err="1" smtClean="0"/>
+              <a:t>features</a:t>
+            </a:r>
+            <a:r>
+              <a:rPr lang="fr-FR" baseline="0" dirty="0" smtClean="0"/>
+              <a:t> </a:t>
+            </a:r>
+            <a:r>
+              <a:rPr lang="fr-FR" baseline="0" dirty="0" err="1" smtClean="0"/>
+              <a:t>spaced</a:t>
+            </a:r>
+            <a:r>
+              <a:rPr lang="fr-FR" baseline="0" dirty="0" smtClean="0"/>
+              <a:t> </a:t>
+            </a:r>
+            <a:r>
+              <a:rPr lang="fr-FR" baseline="0" dirty="0" err="1" smtClean="0"/>
+              <a:t>along</a:t>
+            </a:r>
+            <a:r>
+              <a:rPr lang="fr-FR" baseline="0" dirty="0" smtClean="0"/>
+              <a:t>..</a:t>
+            </a:r>
+          </a:p>
+          <a:p>
+            <a:pPr marL="685800" lvl="1" indent="-228600">
+              <a:buAutoNum type="arabicParenR"/>
+            </a:pPr>
+            <a:r>
+              <a:rPr lang="fr-FR" baseline="0" dirty="0" smtClean="0"/>
+              <a:t>Sélectionner « </a:t>
+            </a:r>
+            <a:r>
+              <a:rPr lang="fr-FR" baseline="0" dirty="0" err="1" smtClean="0"/>
+              <a:t>Sample</a:t>
+            </a:r>
+            <a:r>
+              <a:rPr lang="fr-FR" baseline="0" dirty="0" smtClean="0"/>
+              <a:t> </a:t>
+            </a:r>
+            <a:r>
+              <a:rPr lang="fr-FR" baseline="0" dirty="0" err="1" smtClean="0"/>
+              <a:t>features</a:t>
+            </a:r>
+            <a:r>
+              <a:rPr lang="fr-FR" baseline="0" dirty="0" smtClean="0"/>
+              <a:t> </a:t>
+            </a:r>
+            <a:r>
+              <a:rPr lang="fr-FR" baseline="0" dirty="0" err="1" smtClean="0"/>
+              <a:t>at</a:t>
+            </a:r>
+            <a:r>
+              <a:rPr lang="fr-FR" baseline="0" dirty="0" smtClean="0"/>
+              <a:t> </a:t>
+            </a:r>
+            <a:r>
+              <a:rPr lang="fr-FR" baseline="0" dirty="0" err="1" smtClean="0"/>
+              <a:t>fixed</a:t>
+            </a:r>
+            <a:r>
+              <a:rPr lang="fr-FR" baseline="0" dirty="0" smtClean="0"/>
+              <a:t> distance </a:t>
+            </a:r>
+            <a:r>
+              <a:rPr lang="fr-FR" baseline="0" dirty="0" err="1" smtClean="0"/>
+              <a:t>interval</a:t>
+            </a:r>
+            <a:r>
+              <a:rPr lang="fr-FR" baseline="0" dirty="0" smtClean="0"/>
+              <a:t> »</a:t>
+            </a:r>
+          </a:p>
+          <a:p>
+            <a:pPr marL="685800" lvl="1" indent="-228600">
+              <a:buAutoNum type="arabicParenR"/>
+            </a:pPr>
+            <a:r>
+              <a:rPr lang="fr-FR" baseline="0" dirty="0" smtClean="0"/>
+              <a:t>Indiquer une valeur de 50-100 m</a:t>
+            </a:r>
+          </a:p>
+          <a:p>
+            <a:pPr marL="685800" lvl="1" indent="-228600">
+              <a:buAutoNum type="arabicParenR"/>
+            </a:pPr>
+            <a:r>
+              <a:rPr lang="fr-FR" baseline="0" dirty="0" smtClean="0"/>
+              <a:t>Sur la nouvelle couche, clic droit -&gt; </a:t>
+            </a:r>
+            <a:r>
+              <a:rPr lang="fr-FR" baseline="0" dirty="0" err="1" smtClean="0"/>
+              <a:t>Analysis</a:t>
+            </a:r>
+            <a:r>
+              <a:rPr lang="fr-FR" baseline="0" dirty="0" smtClean="0"/>
+              <a:t> -&gt; DENSITY</a:t>
+            </a:r>
+          </a:p>
+          <a:p>
+            <a:pPr marL="685800" lvl="1" indent="-228600">
+              <a:buAutoNum type="arabicParenR"/>
+            </a:pPr>
+            <a:r>
+              <a:rPr lang="fr-FR" baseline="0" dirty="0" smtClean="0"/>
+              <a:t>Laissez les paramètres par défaut</a:t>
+            </a:r>
+          </a:p>
+          <a:p>
+            <a:pPr marL="685800" lvl="1" indent="-228600">
+              <a:buAutoNum type="arabicParenR"/>
+            </a:pPr>
+            <a:r>
+              <a:rPr lang="fr-FR" baseline="0" dirty="0" smtClean="0"/>
+              <a:t>Masquer les couches trajets et points</a:t>
+            </a:r>
+          </a:p>
+          <a:p>
+            <a:pPr marL="685800" lvl="1" indent="-228600">
+              <a:buAutoNum type="arabicParenR"/>
+            </a:pPr>
+            <a:endParaRPr lang="fr-FR" baseline="0" dirty="0" smtClean="0"/>
+          </a:p>
+          <a:p>
+            <a:pPr marL="228600" lvl="0" indent="-228600">
+              <a:buAutoNum type="arabicParenR"/>
+            </a:pPr>
+            <a:r>
+              <a:rPr lang="fr-FR" baseline="0" dirty="0" smtClean="0"/>
+              <a:t>Diagramme</a:t>
+            </a:r>
+          </a:p>
+          <a:p>
+            <a:pPr marL="685800" lvl="1" indent="-228600">
+              <a:buAutoNum type="arabicParenR"/>
+            </a:pPr>
+            <a:r>
+              <a:rPr lang="fr-FR" baseline="0" dirty="0" smtClean="0"/>
+              <a:t>Menu </a:t>
+            </a:r>
+            <a:r>
+              <a:rPr lang="fr-FR" baseline="0" dirty="0" err="1" smtClean="0"/>
+              <a:t>Analysis</a:t>
+            </a:r>
+            <a:r>
+              <a:rPr lang="fr-FR" baseline="0" dirty="0" smtClean="0"/>
+              <a:t> -&gt; </a:t>
+            </a:r>
+            <a:r>
+              <a:rPr lang="fr-FR" baseline="0" dirty="0" err="1" smtClean="0"/>
+              <a:t>Create</a:t>
+            </a:r>
+            <a:r>
+              <a:rPr lang="fr-FR" baseline="0" dirty="0" smtClean="0"/>
+              <a:t> </a:t>
+            </a:r>
+            <a:r>
+              <a:rPr lang="fr-FR" baseline="0" dirty="0" err="1" smtClean="0"/>
+              <a:t>Voronoi</a:t>
+            </a:r>
+            <a:r>
+              <a:rPr lang="fr-FR" baseline="0" dirty="0" smtClean="0"/>
+              <a:t>/</a:t>
+            </a:r>
+            <a:r>
+              <a:rPr lang="fr-FR" baseline="0" dirty="0" err="1" smtClean="0"/>
+              <a:t>Thiessen</a:t>
+            </a:r>
+            <a:r>
+              <a:rPr lang="fr-FR" baseline="0" dirty="0" smtClean="0"/>
+              <a:t> </a:t>
+            </a:r>
+            <a:r>
+              <a:rPr lang="fr-FR" baseline="0" dirty="0" err="1" smtClean="0"/>
+              <a:t>diagram</a:t>
+            </a:r>
+            <a:endParaRPr lang="fr-FR" dirty="0"/>
+          </a:p>
+        </p:txBody>
+      </p:sp>
+      <p:sp>
+        <p:nvSpPr>
+          <p:cNvPr id="4" name="Espace réservé du numéro de diapositive 3"/>
+          <p:cNvSpPr>
+            <a:spLocks noGrp="1"/>
+          </p:cNvSpPr>
+          <p:nvPr>
+            <p:ph type="sldNum" sz="quarter" idx="10"/>
+          </p:nvPr>
+        </p:nvSpPr>
+        <p:spPr/>
+        <p:txBody>
+          <a:bodyPr/>
+          <a:lstStyle/>
+          <a:p>
+            <a:fld id="{7FED9F59-E5F7-4D0D-AFB1-35ABD0360038}" type="slidenum">
+              <a:rPr lang="fr-FR" smtClean="0"/>
+              <a:t>26</a:t>
+            </a:fld>
+            <a:endParaRPr lang="fr-FR"/>
+          </a:p>
+        </p:txBody>
+      </p:sp>
+    </p:spTree>
+    <p:extLst>
+      <p:ext uri="{BB962C8B-B14F-4D97-AF65-F5344CB8AC3E}">
+        <p14:creationId xmlns:p14="http://schemas.microsoft.com/office/powerpoint/2010/main" val="2261096632"/>
+      </p:ext>
+    </p:extLst>
+  </p:cSld>
+  <p:clrMapOvr>
+    <a:masterClrMapping/>
+  </p:clrMapOvr>
+</p:notes>
+</file>
+
+<file path=ppt/notesSlides/notesSlide25.xml><?xml version="1.0" encoding="utf-8"?>
+<p:notes xmlns:a="http://schemas.openxmlformats.org/drawingml/2006/main" xmlns:r="http://schemas.openxmlformats.org/officeDocument/2006/relationships" xmlns:p="http://schemas.openxmlformats.org/presentationml/2006/main">
+  <p:cSld>
+    <p:spTree>
+      <p:nvGrpSpPr>
+        <p:cNvPr id="1" name=""/>
+        <p:cNvGrpSpPr/>
+        <p:nvPr/>
+      </p:nvGrpSpPr>
+      <p:grpSpPr>
+        <a:xfrm>
+          <a:off x="0" y="0"/>
+          <a:ext cx="0" cy="0"/>
+          <a:chOff x="0" y="0"/>
+          <a:chExt cx="0" cy="0"/>
+        </a:xfrm>
+      </p:grpSpPr>
+      <p:sp>
+        <p:nvSpPr>
+          <p:cNvPr id="2" name="Espace réservé de l'image des diapositives 1"/>
+          <p:cNvSpPr>
+            <a:spLocks noGrp="1" noRot="1" noChangeAspect="1"/>
+          </p:cNvSpPr>
+          <p:nvPr>
+            <p:ph type="sldImg"/>
+          </p:nvPr>
+        </p:nvSpPr>
+        <p:spPr/>
+      </p:sp>
+      <p:sp>
+        <p:nvSpPr>
+          <p:cNvPr id="3" name="Espace réservé des commentaires 2"/>
+          <p:cNvSpPr>
+            <a:spLocks noGrp="1"/>
+          </p:cNvSpPr>
+          <p:nvPr>
+            <p:ph type="body" idx="1"/>
+          </p:nvPr>
+        </p:nvSpPr>
+        <p:spPr/>
+        <p:txBody>
+          <a:bodyPr/>
+          <a:lstStyle/>
+          <a:p>
+            <a:pPr marL="228600" indent="-228600">
+              <a:buAutoNum type="arabicParenR"/>
+            </a:pPr>
+            <a:r>
+              <a:rPr lang="fr-FR" dirty="0" smtClean="0"/>
+              <a:t>Transformer la trace en ligne</a:t>
+            </a:r>
+          </a:p>
+          <a:p>
+            <a:pPr marL="685800" lvl="1" indent="-228600">
+              <a:buAutoNum type="arabicParenR"/>
+            </a:pPr>
+            <a:r>
+              <a:rPr lang="fr-FR" dirty="0" smtClean="0"/>
+              <a:t>Sur la couche trace</a:t>
+            </a:r>
+            <a:r>
+              <a:rPr lang="fr-FR" baseline="0" dirty="0" smtClean="0"/>
+              <a:t> GPS, clic droit -&gt; SELECT</a:t>
+            </a:r>
+          </a:p>
+          <a:p>
+            <a:pPr marL="685800" lvl="1" indent="-228600">
+              <a:buAutoNum type="arabicParenR"/>
+            </a:pPr>
+            <a:r>
+              <a:rPr lang="fr-FR" baseline="0" dirty="0" smtClean="0"/>
+              <a:t>Sur la carte, clic droit -&gt; </a:t>
+            </a:r>
+            <a:r>
+              <a:rPr lang="fr-FR" baseline="0" dirty="0" err="1" smtClean="0"/>
+              <a:t>Create</a:t>
+            </a:r>
+            <a:r>
+              <a:rPr lang="fr-FR" baseline="0" dirty="0" smtClean="0"/>
+              <a:t> line </a:t>
+            </a:r>
+            <a:r>
+              <a:rPr lang="fr-FR" baseline="0" dirty="0" err="1" smtClean="0"/>
+              <a:t>feature</a:t>
+            </a:r>
+            <a:r>
+              <a:rPr lang="fr-FR" baseline="0" dirty="0" smtClean="0"/>
+              <a:t> -&gt; </a:t>
+            </a:r>
+            <a:r>
+              <a:rPr lang="fr-FR" baseline="0" dirty="0" err="1" smtClean="0"/>
+              <a:t>create</a:t>
+            </a:r>
+            <a:r>
+              <a:rPr lang="fr-FR" baseline="0" dirty="0" smtClean="0"/>
+              <a:t> new line </a:t>
+            </a:r>
+            <a:r>
+              <a:rPr lang="fr-FR" baseline="0" dirty="0" err="1" smtClean="0"/>
+              <a:t>feature</a:t>
+            </a:r>
+            <a:r>
+              <a:rPr lang="fr-FR" baseline="0" dirty="0" smtClean="0"/>
+              <a:t> </a:t>
+            </a:r>
+            <a:r>
+              <a:rPr lang="fr-FR" baseline="0" dirty="0" err="1" smtClean="0"/>
+              <a:t>from</a:t>
+            </a:r>
+            <a:r>
+              <a:rPr lang="fr-FR" baseline="0" dirty="0" smtClean="0"/>
+              <a:t> </a:t>
+            </a:r>
+            <a:r>
+              <a:rPr lang="fr-FR" baseline="0" dirty="0" err="1" smtClean="0"/>
+              <a:t>selected</a:t>
+            </a:r>
+            <a:r>
+              <a:rPr lang="fr-FR" baseline="0" dirty="0" smtClean="0"/>
+              <a:t> points</a:t>
+            </a:r>
+          </a:p>
+          <a:p>
+            <a:pPr marL="685800" lvl="1" indent="-228600">
+              <a:buAutoNum type="arabicParenR"/>
+            </a:pPr>
+            <a:r>
+              <a:rPr lang="fr-FR" baseline="0" dirty="0" smtClean="0"/>
+              <a:t>Spécifier une distance maximale de 500-600 </a:t>
+            </a:r>
+            <a:r>
+              <a:rPr lang="fr-FR" baseline="0" smtClean="0"/>
+              <a:t>metres</a:t>
+            </a:r>
+            <a:endParaRPr lang="fr-FR" dirty="0"/>
+          </a:p>
+        </p:txBody>
+      </p:sp>
+      <p:sp>
+        <p:nvSpPr>
+          <p:cNvPr id="4" name="Espace réservé du numéro de diapositive 3"/>
+          <p:cNvSpPr>
+            <a:spLocks noGrp="1"/>
+          </p:cNvSpPr>
+          <p:nvPr>
+            <p:ph type="sldNum" sz="quarter" idx="10"/>
+          </p:nvPr>
+        </p:nvSpPr>
+        <p:spPr/>
+        <p:txBody>
+          <a:bodyPr/>
+          <a:lstStyle/>
+          <a:p>
+            <a:fld id="{7FED9F59-E5F7-4D0D-AFB1-35ABD0360038}" type="slidenum">
+              <a:rPr lang="fr-FR" smtClean="0"/>
+              <a:t>27</a:t>
+            </a:fld>
+            <a:endParaRPr lang="fr-FR"/>
+          </a:p>
+        </p:txBody>
+      </p:sp>
+    </p:spTree>
+    <p:extLst>
+      <p:ext uri="{BB962C8B-B14F-4D97-AF65-F5344CB8AC3E}">
+        <p14:creationId xmlns:p14="http://schemas.microsoft.com/office/powerpoint/2010/main" val="493818057"/>
       </p:ext>
     </p:extLst>
   </p:cSld>
@@ -6823,7 +7306,7 @@
           <a:p>
             <a:fld id="{7FED9F59-E5F7-4D0D-AFB1-35ABD0360038}" type="slidenum">
               <a:rPr lang="fr-FR" smtClean="0"/>
-              <a:t>4</a:t>
+              <a:t>5</a:t>
             </a:fld>
             <a:endParaRPr lang="fr-FR"/>
           </a:p>
@@ -7037,7 +7520,7 @@
           <a:p>
             <a:fld id="{7FED9F59-E5F7-4D0D-AFB1-35ABD0360038}" type="slidenum">
               <a:rPr lang="fr-FR" smtClean="0"/>
-              <a:t>5</a:t>
+              <a:t>6</a:t>
             </a:fld>
             <a:endParaRPr lang="fr-FR"/>
           </a:p>
@@ -7285,7 +7768,7 @@
           <a:p>
             <a:fld id="{7FED9F59-E5F7-4D0D-AFB1-35ABD0360038}" type="slidenum">
               <a:rPr lang="fr-FR" smtClean="0"/>
-              <a:t>6</a:t>
+              <a:t>7</a:t>
             </a:fld>
             <a:endParaRPr lang="fr-FR"/>
           </a:p>
@@ -7676,7 +8159,7 @@
           <a:p>
             <a:fld id="{7FED9F59-E5F7-4D0D-AFB1-35ABD0360038}" type="slidenum">
               <a:rPr lang="fr-FR" smtClean="0"/>
-              <a:t>7</a:t>
+              <a:t>8</a:t>
             </a:fld>
             <a:endParaRPr lang="fr-FR"/>
           </a:p>
@@ -7918,7 +8401,7 @@
           <a:p>
             <a:fld id="{7FED9F59-E5F7-4D0D-AFB1-35ABD0360038}" type="slidenum">
               <a:rPr lang="fr-FR" smtClean="0"/>
-              <a:t>8</a:t>
+              <a:t>9</a:t>
             </a:fld>
             <a:endParaRPr lang="fr-FR"/>
           </a:p>
@@ -8197,7 +8680,7 @@
           <a:p>
             <a:fld id="{7FED9F59-E5F7-4D0D-AFB1-35ABD0360038}" type="slidenum">
               <a:rPr lang="fr-FR" smtClean="0"/>
-              <a:t>9</a:t>
+              <a:t>10</a:t>
             </a:fld>
             <a:endParaRPr lang="fr-FR"/>
           </a:p>
@@ -8538,7 +9021,7 @@
           <a:p>
             <a:fld id="{7FED9F59-E5F7-4D0D-AFB1-35ABD0360038}" type="slidenum">
               <a:rPr lang="fr-FR" smtClean="0"/>
-              <a:t>10</a:t>
+              <a:t>11</a:t>
             </a:fld>
             <a:endParaRPr lang="fr-FR"/>
           </a:p>
@@ -8694,7 +9177,7 @@
           <a:p>
             <a:fld id="{A74F3EA5-292C-4331-BAB5-A6575F471254}" type="datetimeFigureOut">
               <a:rPr lang="fr-FR" smtClean="0"/>
-              <a:t>11/08/2022</a:t>
+              <a:t>06/09/2022</a:t>
             </a:fld>
             <a:endParaRPr lang="fr-FR"/>
           </a:p>
@@ -8880,7 +9363,7 @@
           <a:p>
             <a:fld id="{A74F3EA5-292C-4331-BAB5-A6575F471254}" type="datetimeFigureOut">
               <a:rPr lang="fr-FR" smtClean="0"/>
-              <a:t>11/08/2022</a:t>
+              <a:t>06/09/2022</a:t>
             </a:fld>
             <a:endParaRPr lang="fr-FR"/>
           </a:p>
@@ -9066,7 +9549,7 @@
           <a:p>
             <a:fld id="{A74F3EA5-292C-4331-BAB5-A6575F471254}" type="datetimeFigureOut">
               <a:rPr lang="fr-FR" smtClean="0"/>
-              <a:t>11/08/2022</a:t>
+              <a:t>06/09/2022</a:t>
             </a:fld>
             <a:endParaRPr lang="fr-FR"/>
           </a:p>
@@ -9258,7 +9741,7 @@
           <a:p>
             <a:fld id="{A74F3EA5-292C-4331-BAB5-A6575F471254}" type="datetimeFigureOut">
               <a:rPr lang="fr-FR" smtClean="0"/>
-              <a:t>11/08/2022</a:t>
+              <a:t>06/09/2022</a:t>
             </a:fld>
             <a:endParaRPr lang="fr-FR"/>
           </a:p>
@@ -9428,7 +9911,7 @@
           <a:p>
             <a:fld id="{A74F3EA5-292C-4331-BAB5-A6575F471254}" type="datetimeFigureOut">
               <a:rPr lang="fr-FR" smtClean="0"/>
-              <a:t>11/08/2022</a:t>
+              <a:t>06/09/2022</a:t>
             </a:fld>
             <a:endParaRPr lang="fr-FR"/>
           </a:p>
@@ -9674,7 +10157,7 @@
           <a:p>
             <a:fld id="{A74F3EA5-292C-4331-BAB5-A6575F471254}" type="datetimeFigureOut">
               <a:rPr lang="fr-FR" smtClean="0"/>
-              <a:t>11/08/2022</a:t>
+              <a:t>06/09/2022</a:t>
             </a:fld>
             <a:endParaRPr lang="fr-FR"/>
           </a:p>
@@ -9906,7 +10389,7 @@
           <a:p>
             <a:fld id="{A74F3EA5-292C-4331-BAB5-A6575F471254}" type="datetimeFigureOut">
               <a:rPr lang="fr-FR" smtClean="0"/>
-              <a:t>11/08/2022</a:t>
+              <a:t>06/09/2022</a:t>
             </a:fld>
             <a:endParaRPr lang="fr-FR"/>
           </a:p>
@@ -10273,7 +10756,7 @@
           <a:p>
             <a:fld id="{A74F3EA5-292C-4331-BAB5-A6575F471254}" type="datetimeFigureOut">
               <a:rPr lang="fr-FR" smtClean="0"/>
-              <a:t>11/08/2022</a:t>
+              <a:t>06/09/2022</a:t>
             </a:fld>
             <a:endParaRPr lang="fr-FR"/>
           </a:p>
@@ -10391,7 +10874,7 @@
           <a:p>
             <a:fld id="{A74F3EA5-292C-4331-BAB5-A6575F471254}" type="datetimeFigureOut">
               <a:rPr lang="fr-FR" smtClean="0"/>
-              <a:t>11/08/2022</a:t>
+              <a:t>06/09/2022</a:t>
             </a:fld>
             <a:endParaRPr lang="fr-FR"/>
           </a:p>
@@ -10486,7 +10969,7 @@
           <a:p>
             <a:fld id="{A74F3EA5-292C-4331-BAB5-A6575F471254}" type="datetimeFigureOut">
               <a:rPr lang="fr-FR" smtClean="0"/>
-              <a:t>11/08/2022</a:t>
+              <a:t>06/09/2022</a:t>
             </a:fld>
             <a:endParaRPr lang="fr-FR"/>
           </a:p>
@@ -10763,7 +11246,7 @@
           <a:p>
             <a:fld id="{A74F3EA5-292C-4331-BAB5-A6575F471254}" type="datetimeFigureOut">
               <a:rPr lang="fr-FR" smtClean="0"/>
-              <a:t>11/08/2022</a:t>
+              <a:t>06/09/2022</a:t>
             </a:fld>
             <a:endParaRPr lang="fr-FR"/>
           </a:p>
@@ -10949,7 +11432,7 @@
           <a:p>
             <a:fld id="{A74F3EA5-292C-4331-BAB5-A6575F471254}" type="datetimeFigureOut">
               <a:rPr lang="fr-FR" smtClean="0"/>
-              <a:t>11/08/2022</a:t>
+              <a:t>06/09/2022</a:t>
             </a:fld>
             <a:endParaRPr lang="fr-FR"/>
           </a:p>
@@ -11206,7 +11689,7 @@
           <a:p>
             <a:fld id="{A74F3EA5-292C-4331-BAB5-A6575F471254}" type="datetimeFigureOut">
               <a:rPr lang="fr-FR" smtClean="0"/>
-              <a:t>11/08/2022</a:t>
+              <a:t>06/09/2022</a:t>
             </a:fld>
             <a:endParaRPr lang="fr-FR"/>
           </a:p>
@@ -11376,7 +11859,7 @@
           <a:p>
             <a:fld id="{A74F3EA5-292C-4331-BAB5-A6575F471254}" type="datetimeFigureOut">
               <a:rPr lang="fr-FR" smtClean="0"/>
-              <a:t>11/08/2022</a:t>
+              <a:t>06/09/2022</a:t>
             </a:fld>
             <a:endParaRPr lang="fr-FR"/>
           </a:p>
@@ -11556,7 +12039,7 @@
           <a:p>
             <a:fld id="{A74F3EA5-292C-4331-BAB5-A6575F471254}" type="datetimeFigureOut">
               <a:rPr lang="fr-FR" smtClean="0"/>
-              <a:t>11/08/2022</a:t>
+              <a:t>06/09/2022</a:t>
             </a:fld>
             <a:endParaRPr lang="fr-FR"/>
           </a:p>
@@ -11808,7 +12291,7 @@
           <a:p>
             <a:fld id="{A74F3EA5-292C-4331-BAB5-A6575F471254}" type="datetimeFigureOut">
               <a:rPr lang="fr-FR" smtClean="0"/>
-              <a:t>11/08/2022</a:t>
+              <a:t>06/09/2022</a:t>
             </a:fld>
             <a:endParaRPr lang="fr-FR"/>
           </a:p>
@@ -12054,7 +12537,7 @@
           <a:p>
             <a:fld id="{A74F3EA5-292C-4331-BAB5-A6575F471254}" type="datetimeFigureOut">
               <a:rPr lang="fr-FR" smtClean="0"/>
-              <a:t>11/08/2022</a:t>
+              <a:t>06/09/2022</a:t>
             </a:fld>
             <a:endParaRPr lang="fr-FR"/>
           </a:p>
@@ -12436,7 +12919,7 @@
           <a:p>
             <a:fld id="{A74F3EA5-292C-4331-BAB5-A6575F471254}" type="datetimeFigureOut">
               <a:rPr lang="fr-FR" smtClean="0"/>
-              <a:t>11/08/2022</a:t>
+              <a:t>06/09/2022</a:t>
             </a:fld>
             <a:endParaRPr lang="fr-FR"/>
           </a:p>
@@ -12562,7 +13045,7 @@
           <a:p>
             <a:fld id="{A74F3EA5-292C-4331-BAB5-A6575F471254}" type="datetimeFigureOut">
               <a:rPr lang="fr-FR" smtClean="0"/>
-              <a:t>11/08/2022</a:t>
+              <a:t>06/09/2022</a:t>
             </a:fld>
             <a:endParaRPr lang="fr-FR"/>
           </a:p>
@@ -12657,7 +13140,7 @@
           <a:p>
             <a:fld id="{A74F3EA5-292C-4331-BAB5-A6575F471254}" type="datetimeFigureOut">
               <a:rPr lang="fr-FR" smtClean="0"/>
-              <a:t>11/08/2022</a:t>
+              <a:t>06/09/2022</a:t>
             </a:fld>
             <a:endParaRPr lang="fr-FR"/>
           </a:p>
@@ -12943,7 +13426,7 @@
           <a:p>
             <a:fld id="{A74F3EA5-292C-4331-BAB5-A6575F471254}" type="datetimeFigureOut">
               <a:rPr lang="fr-FR" smtClean="0"/>
-              <a:t>11/08/2022</a:t>
+              <a:t>06/09/2022</a:t>
             </a:fld>
             <a:endParaRPr lang="fr-FR"/>
           </a:p>
@@ -13205,7 +13688,7 @@
           <a:p>
             <a:fld id="{A74F3EA5-292C-4331-BAB5-A6575F471254}" type="datetimeFigureOut">
               <a:rPr lang="fr-FR" smtClean="0"/>
-              <a:t>11/08/2022</a:t>
+              <a:t>06/09/2022</a:t>
             </a:fld>
             <a:endParaRPr lang="fr-FR"/>
           </a:p>
@@ -13323,7 +13806,7 @@
           <a:p>
             <a:fld id="{A74F3EA5-292C-4331-BAB5-A6575F471254}" type="datetimeFigureOut">
               <a:rPr lang="fr-FR" smtClean="0"/>
-              <a:t>11/08/2022</a:t>
+              <a:t>06/09/2022</a:t>
             </a:fld>
             <a:endParaRPr lang="fr-FR"/>
           </a:p>
@@ -14163,7 +14646,7 @@
           <a:p>
             <a:fld id="{A74F3EA5-292C-4331-BAB5-A6575F471254}" type="datetimeFigureOut">
               <a:rPr lang="fr-FR" smtClean="0"/>
-              <a:t>11/08/2022</a:t>
+              <a:t>06/09/2022</a:t>
             </a:fld>
             <a:endParaRPr lang="fr-FR"/>
           </a:p>
@@ -14870,12 +15353,12 @@
       </p:grpSpPr>
       <p:sp>
         <p:nvSpPr>
-          <p:cNvPr id="2" name="Titre 1"/>
-          <p:cNvSpPr>
-            <a:spLocks noGrp="1"/>
-          </p:cNvSpPr>
-          <p:nvPr>
-            <p:ph type="ctrTitle"/>
+          <p:cNvPr id="4" name="Titre 3"/>
+          <p:cNvSpPr>
+            <a:spLocks noGrp="1"/>
+          </p:cNvSpPr>
+          <p:nvPr>
+            <p:ph type="title"/>
           </p:nvPr>
         </p:nvSpPr>
         <p:spPr/>
@@ -14883,22 +15366,18 @@
           <a:bodyPr/>
           <a:lstStyle/>
           <a:p>
-            <a:r>
-              <a:rPr lang="fr-FR" dirty="0" smtClean="0"/>
-              <a:t>Global Mapper</a:t>
-            </a:r>
-            <a:endParaRPr lang="fr-FR" dirty="0"/>
-          </a:p>
-        </p:txBody>
-      </p:sp>
-      <p:sp>
-        <p:nvSpPr>
-          <p:cNvPr id="3" name="Sous-titre 2"/>
-          <p:cNvSpPr>
-            <a:spLocks noGrp="1"/>
-          </p:cNvSpPr>
-          <p:nvPr>
-            <p:ph type="subTitle" idx="1"/>
+            <a:endParaRPr lang="fr-FR"/>
+          </a:p>
+        </p:txBody>
+      </p:sp>
+      <p:sp>
+        <p:nvSpPr>
+          <p:cNvPr id="5" name="Espace réservé du contenu 4"/>
+          <p:cNvSpPr>
+            <a:spLocks noGrp="1"/>
+          </p:cNvSpPr>
+          <p:nvPr>
+            <p:ph idx="1"/>
           </p:nvPr>
         </p:nvSpPr>
         <p:spPr/>
@@ -14908,7 +15387,107 @@
           <a:p>
             <a:r>
               <a:rPr lang="fr-FR" dirty="0" smtClean="0"/>
-              <a:t>Exercices pratiques</a:t>
+              <a:t>Exo 1 : import + enregistrement GMW</a:t>
+            </a:r>
+          </a:p>
+          <a:p>
+            <a:r>
+              <a:rPr lang="fr-FR" dirty="0" smtClean="0"/>
+              <a:t>Exo 2 : export</a:t>
+            </a:r>
+          </a:p>
+          <a:p>
+            <a:r>
+              <a:rPr lang="fr-FR" dirty="0" smtClean="0"/>
+              <a:t>Exo 3 : outils divers (recherche simple, vue, mesure, </a:t>
+            </a:r>
+            <a:r>
+              <a:rPr lang="fr-FR" dirty="0" err="1" smtClean="0"/>
+              <a:t>etc</a:t>
+            </a:r>
+            <a:r>
+              <a:rPr lang="fr-FR" dirty="0" smtClean="0"/>
+              <a:t>)</a:t>
+            </a:r>
+          </a:p>
+          <a:p>
+            <a:r>
+              <a:rPr lang="fr-FR" dirty="0" smtClean="0"/>
+              <a:t>Exo 4 : dessin vecteur + enregistrement GMP</a:t>
+            </a:r>
+          </a:p>
+          <a:p>
+            <a:r>
+              <a:rPr lang="fr-FR" dirty="0" smtClean="0"/>
+              <a:t>Exo 5 : modification vecteurs</a:t>
+            </a:r>
+            <a:endParaRPr lang="fr-FR" dirty="0"/>
+          </a:p>
+          <a:p>
+            <a:r>
+              <a:rPr lang="fr-FR" dirty="0" smtClean="0"/>
+              <a:t>Exo 6 : relief</a:t>
+            </a:r>
+          </a:p>
+          <a:p>
+            <a:r>
+              <a:rPr lang="fr-FR" dirty="0" smtClean="0"/>
+              <a:t>Exo 7 : import TXT / CSV</a:t>
+            </a:r>
+          </a:p>
+          <a:p>
+            <a:r>
+              <a:rPr lang="fr-FR" dirty="0" smtClean="0"/>
+              <a:t>Exo 8 : import symbole personnalisé, style de point, style de surface</a:t>
+            </a:r>
+          </a:p>
+          <a:p>
+            <a:r>
+              <a:rPr lang="fr-FR" dirty="0"/>
+              <a:t>Exo </a:t>
+            </a:r>
+            <a:r>
+              <a:rPr lang="fr-FR" dirty="0" smtClean="0"/>
+              <a:t>9 </a:t>
+            </a:r>
+            <a:r>
+              <a:rPr lang="fr-FR" dirty="0"/>
+              <a:t>: dessin vecteur + enregistrement GMP</a:t>
+            </a:r>
+          </a:p>
+          <a:p>
+            <a:r>
+              <a:rPr lang="fr-FR" dirty="0"/>
+              <a:t>Exo </a:t>
+            </a:r>
+            <a:r>
+              <a:rPr lang="fr-FR" dirty="0" smtClean="0"/>
+              <a:t>10 </a:t>
+            </a:r>
+            <a:r>
+              <a:rPr lang="fr-FR" dirty="0"/>
+              <a:t>: modification vecteurs</a:t>
+            </a:r>
+          </a:p>
+          <a:p>
+            <a:r>
+              <a:rPr lang="fr-FR" dirty="0" smtClean="0"/>
+              <a:t>Exo 11: </a:t>
+            </a:r>
+          </a:p>
+          <a:p>
+            <a:endParaRPr lang="fr-FR" dirty="0" smtClean="0"/>
+          </a:p>
+          <a:p>
+            <a:r>
+              <a:rPr lang="fr-FR" dirty="0" smtClean="0"/>
+              <a:t>BDD GONIO</a:t>
+            </a:r>
+          </a:p>
+          <a:p>
+            <a:r>
+              <a:rPr lang="fr-FR" dirty="0" smtClean="0"/>
+              <a:t>Exo 8 : Analyse (densité, nb de points)</a:t>
             </a:r>
             <a:endParaRPr lang="fr-FR" dirty="0"/>
           </a:p>
@@ -14917,7 +15496,7 @@
     </p:spTree>
     <p:extLst>
       <p:ext uri="{BB962C8B-B14F-4D97-AF65-F5344CB8AC3E}">
-        <p14:creationId xmlns:p14="http://schemas.microsoft.com/office/powerpoint/2010/main" val="4189460078"/>
+        <p14:creationId xmlns:p14="http://schemas.microsoft.com/office/powerpoint/2010/main" val="2372685503"/>
       </p:ext>
     </p:extLst>
   </p:cSld>
@@ -14961,7 +15540,7 @@
           <a:p>
             <a:r>
               <a:rPr lang="fr-FR" dirty="0" smtClean="0"/>
-              <a:t>Exercice 4</a:t>
+              <a:t>Exercice 3</a:t>
             </a:r>
             <a:endParaRPr lang="fr-FR" dirty="0"/>
           </a:p>
@@ -14979,72 +15558,95 @@
         </p:nvSpPr>
         <p:spPr/>
         <p:txBody>
-          <a:bodyPr/>
+          <a:bodyPr>
+            <a:normAutofit/>
+          </a:bodyPr>
           <a:lstStyle/>
           <a:p>
             <a:r>
               <a:rPr lang="fr-FR" dirty="0" smtClean="0"/>
-              <a:t>Importer </a:t>
-            </a:r>
-            <a:r>
-              <a:rPr lang="fr-FR" b="1" dirty="0" err="1" smtClean="0"/>
-              <a:t>exo_base.gmw</a:t>
-            </a:r>
-            <a:endParaRPr lang="fr-FR" b="1" dirty="0" smtClean="0"/>
-          </a:p>
-          <a:p>
-            <a:endParaRPr lang="fr-FR" dirty="0"/>
-          </a:p>
-          <a:p>
-            <a:r>
-              <a:rPr lang="fr-FR" dirty="0" smtClean="0"/>
-              <a:t>Importer les fichier</a:t>
+              <a:t>Exporter la couche alsace2.tif</a:t>
             </a:r>
           </a:p>
           <a:p>
             <a:pPr lvl="1"/>
             <a:r>
               <a:rPr lang="fr-FR" dirty="0" smtClean="0"/>
-              <a:t>Carte : </a:t>
+              <a:t>Format GEOTIFF</a:t>
+            </a:r>
+          </a:p>
+          <a:p>
+            <a:pPr lvl="1"/>
+            <a:r>
+              <a:rPr lang="fr-FR" dirty="0" smtClean="0"/>
+              <a:t>Exporter les données visibles à l’écran</a:t>
+            </a:r>
+          </a:p>
+          <a:p>
+            <a:pPr lvl="1"/>
+            <a:r>
+              <a:rPr lang="fr-FR" dirty="0" smtClean="0"/>
+              <a:t>Sous le nom « </a:t>
             </a:r>
             <a:r>
               <a:rPr lang="fr-FR" b="1" dirty="0" err="1" smtClean="0"/>
               <a:t>Printzheim.tif</a:t>
             </a:r>
-            <a:endParaRPr lang="fr-FR" b="1" dirty="0" smtClean="0"/>
+            <a:r>
+              <a:rPr lang="fr-FR" dirty="0" smtClean="0"/>
+              <a:t> »</a:t>
+            </a:r>
           </a:p>
           <a:p>
             <a:pPr lvl="1"/>
-            <a:r>
-              <a:rPr lang="fr-FR" dirty="0" smtClean="0"/>
-              <a:t>Relief : </a:t>
+            <a:endParaRPr lang="fr-FR" dirty="0"/>
+          </a:p>
+          <a:p>
+            <a:r>
+              <a:rPr lang="fr-FR" dirty="0" smtClean="0"/>
+              <a:t>Répéter la procédure pour les données relief</a:t>
+            </a:r>
+          </a:p>
+          <a:p>
+            <a:pPr lvl="1"/>
+            <a:r>
+              <a:rPr lang="fr-FR" dirty="0" smtClean="0"/>
+              <a:t>Exporter vers </a:t>
             </a:r>
             <a:r>
               <a:rPr lang="fr-FR" b="1" dirty="0" err="1" smtClean="0"/>
               <a:t>Printzheim_relief.tif</a:t>
             </a:r>
+            <a:endParaRPr lang="fr-FR" b="1" dirty="0" smtClean="0"/>
+          </a:p>
+          <a:p>
+            <a:pPr lvl="1"/>
             <a:endParaRPr lang="fr-FR" b="1" dirty="0"/>
           </a:p>
           <a:p>
+            <a:r>
+              <a:rPr lang="fr-FR" dirty="0"/>
+              <a:t>Enregistrer l’espace de travail </a:t>
+            </a:r>
+            <a:r>
+              <a:rPr lang="fr-FR" b="1" dirty="0" smtClean="0"/>
+              <a:t>exo3.gmw</a:t>
+            </a:r>
+            <a:endParaRPr lang="fr-FR" dirty="0"/>
+          </a:p>
+          <a:p>
+            <a:pPr lvl="1"/>
             <a:endParaRPr lang="fr-FR" b="1" dirty="0" smtClean="0"/>
           </a:p>
           <a:p>
-            <a:r>
-              <a:rPr lang="fr-FR" dirty="0" smtClean="0"/>
-              <a:t>Exporter </a:t>
-            </a:r>
-            <a:r>
-              <a:rPr lang="fr-FR" b="1" dirty="0" err="1" smtClean="0"/>
-              <a:t>Printzheim.tif</a:t>
-            </a:r>
-            <a:r>
-              <a:rPr lang="fr-FR" dirty="0" smtClean="0"/>
-              <a:t> en 5x5 tuiles</a:t>
-            </a:r>
+            <a:pPr lvl="1"/>
             <a:endParaRPr lang="fr-FR" dirty="0"/>
           </a:p>
           <a:p>
-            <a:pPr marL="457200" lvl="1" indent="0">
+            <a:endParaRPr lang="fr-FR" dirty="0" smtClean="0"/>
+          </a:p>
+          <a:p>
+            <a:pPr marL="0" indent="0">
               <a:buNone/>
             </a:pPr>
             <a:endParaRPr lang="fr-FR" dirty="0"/>
@@ -15054,7 +15656,7 @@
     </p:spTree>
     <p:extLst>
       <p:ext uri="{BB962C8B-B14F-4D97-AF65-F5344CB8AC3E}">
-        <p14:creationId xmlns:p14="http://schemas.microsoft.com/office/powerpoint/2010/main" val="1066168593"/>
+        <p14:creationId xmlns:p14="http://schemas.microsoft.com/office/powerpoint/2010/main" val="3127763321"/>
       </p:ext>
     </p:extLst>
   </p:cSld>
@@ -15116,29 +15718,18 @@
         </p:nvSpPr>
         <p:spPr/>
         <p:txBody>
-          <a:bodyPr>
-            <a:normAutofit/>
-          </a:bodyPr>
+          <a:bodyPr/>
           <a:lstStyle/>
           <a:p>
             <a:r>
               <a:rPr lang="fr-FR" dirty="0" smtClean="0"/>
-              <a:t>Trouver le point côté 228 à l’ouest de </a:t>
-            </a:r>
-            <a:r>
-              <a:rPr lang="fr-FR" dirty="0" err="1" smtClean="0"/>
-              <a:t>Printzheim</a:t>
-            </a:r>
-            <a:endParaRPr lang="fr-FR" dirty="0" smtClean="0"/>
-          </a:p>
-          <a:p>
-            <a:endParaRPr lang="fr-FR" dirty="0" smtClean="0"/>
-          </a:p>
-          <a:p>
-            <a:r>
-              <a:rPr lang="fr-FR" dirty="0" smtClean="0"/>
-              <a:t>Placer ici un point nommé « SAEB 1 »</a:t>
-            </a:r>
+              <a:t>Importer </a:t>
+            </a:r>
+            <a:r>
+              <a:rPr lang="fr-FR" b="1" dirty="0" err="1" smtClean="0"/>
+              <a:t>exo_base.gmw</a:t>
+            </a:r>
+            <a:endParaRPr lang="fr-FR" b="1" dirty="0" smtClean="0"/>
           </a:p>
           <a:p>
             <a:endParaRPr lang="fr-FR" dirty="0"/>
@@ -15146,21 +15737,53 @@
           <a:p>
             <a:r>
               <a:rPr lang="fr-FR" dirty="0" smtClean="0"/>
-              <a:t>En partant de ce point, mesurer une distance de 2,3km, azimut 244° pour localiser un croisement en T</a:t>
-            </a:r>
-          </a:p>
-          <a:p>
+              <a:t>Importer les fichier</a:t>
+            </a:r>
+          </a:p>
+          <a:p>
+            <a:pPr lvl="1"/>
+            <a:r>
+              <a:rPr lang="fr-FR" dirty="0" smtClean="0"/>
+              <a:t>Carte : </a:t>
+            </a:r>
+            <a:r>
+              <a:rPr lang="fr-FR" b="1" dirty="0" err="1" smtClean="0"/>
+              <a:t>Printzheim.tif</a:t>
+            </a:r>
+            <a:endParaRPr lang="fr-FR" b="1" dirty="0" smtClean="0"/>
+          </a:p>
+          <a:p>
+            <a:pPr lvl="1"/>
+            <a:r>
+              <a:rPr lang="fr-FR" dirty="0" smtClean="0"/>
+              <a:t>Relief : </a:t>
+            </a:r>
+            <a:r>
+              <a:rPr lang="fr-FR" b="1" dirty="0" err="1" smtClean="0"/>
+              <a:t>Printzheim_relief.tif</a:t>
+            </a:r>
+            <a:endParaRPr lang="fr-FR" b="1" dirty="0"/>
+          </a:p>
+          <a:p>
+            <a:endParaRPr lang="fr-FR" b="1" dirty="0" smtClean="0"/>
+          </a:p>
+          <a:p>
+            <a:r>
+              <a:rPr lang="fr-FR" dirty="0" smtClean="0"/>
+              <a:t>Exporter </a:t>
+            </a:r>
+            <a:r>
+              <a:rPr lang="fr-FR" b="1" dirty="0" err="1" smtClean="0"/>
+              <a:t>Printzheim.tif</a:t>
+            </a:r>
+            <a:r>
+              <a:rPr lang="fr-FR" dirty="0" smtClean="0"/>
+              <a:t> en 5x5 tuiles</a:t>
+            </a:r>
             <a:endParaRPr lang="fr-FR" dirty="0"/>
           </a:p>
           <a:p>
-            <a:r>
-              <a:rPr lang="fr-FR" dirty="0" smtClean="0"/>
-              <a:t>Dessiner une ellipse sur ce croisement</a:t>
-            </a:r>
-            <a:endParaRPr lang="fr-FR" dirty="0"/>
-          </a:p>
-          <a:p>
-            <a:pPr marL="0" indent="0">
+            <a:pPr marL="457200" lvl="1" indent="0">
               <a:buNone/>
             </a:pPr>
             <a:endParaRPr lang="fr-FR" dirty="0"/>
@@ -15170,7 +15793,7 @@
     </p:spTree>
     <p:extLst>
       <p:ext uri="{BB962C8B-B14F-4D97-AF65-F5344CB8AC3E}">
-        <p14:creationId xmlns:p14="http://schemas.microsoft.com/office/powerpoint/2010/main" val="4102292299"/>
+        <p14:creationId xmlns:p14="http://schemas.microsoft.com/office/powerpoint/2010/main" val="1066168593"/>
       </p:ext>
     </p:extLst>
   </p:cSld>
@@ -15238,71 +15861,47 @@
           <a:lstStyle/>
           <a:p>
             <a:r>
-              <a:rPr lang="fr-FR" dirty="0"/>
-              <a:t>Depuis le point </a:t>
-            </a:r>
-            <a:r>
-              <a:rPr lang="fr-FR" dirty="0" smtClean="0"/>
-              <a:t>SAEB 1, créer </a:t>
-            </a:r>
-            <a:r>
-              <a:rPr lang="fr-FR" dirty="0"/>
-              <a:t>une zone tampon </a:t>
-            </a:r>
-            <a:r>
-              <a:rPr lang="fr-FR" dirty="0" smtClean="0"/>
-              <a:t>d’1km</a:t>
-            </a:r>
-          </a:p>
-          <a:p>
-            <a:r>
-              <a:rPr lang="fr-FR" dirty="0" smtClean="0"/>
-              <a:t>Depuis le point SAEB 1, calculer l’</a:t>
+              <a:rPr lang="fr-FR" dirty="0" smtClean="0"/>
+              <a:t>Trouver le point côté 228 à l’ouest de </a:t>
             </a:r>
             <a:r>
               <a:rPr lang="fr-FR" dirty="0" err="1" smtClean="0"/>
-              <a:t>intervisibilité</a:t>
-            </a:r>
-            <a:r>
-              <a:rPr lang="fr-FR" dirty="0" smtClean="0"/>
-              <a:t> sur 3km</a:t>
-            </a:r>
+              <a:t>Printzheim</a:t>
+            </a:r>
+            <a:endParaRPr lang="fr-FR" dirty="0" smtClean="0"/>
+          </a:p>
+          <a:p>
+            <a:endParaRPr lang="fr-FR" dirty="0" smtClean="0"/>
+          </a:p>
+          <a:p>
+            <a:r>
+              <a:rPr lang="fr-FR" dirty="0" smtClean="0"/>
+              <a:t>Placer ici un point nommé « SAEB 1 »</a:t>
+            </a:r>
+          </a:p>
+          <a:p>
             <a:endParaRPr lang="fr-FR" dirty="0"/>
           </a:p>
           <a:p>
+            <a:r>
+              <a:rPr lang="fr-FR" dirty="0" smtClean="0"/>
+              <a:t>En partant de ce point, mesurer une distance de 2,3km, azimut 244° pour localiser un croisement en T</a:t>
+            </a:r>
+          </a:p>
+          <a:p>
+            <a:endParaRPr lang="fr-FR" dirty="0"/>
+          </a:p>
+          <a:p>
+            <a:r>
+              <a:rPr lang="fr-FR" dirty="0" smtClean="0"/>
+              <a:t>Dessiner une ellipse sur ce croisement</a:t>
+            </a:r>
+            <a:endParaRPr lang="fr-FR" dirty="0"/>
+          </a:p>
+          <a:p>
             <a:pPr marL="0" indent="0">
               <a:buNone/>
             </a:pPr>
-            <a:endParaRPr lang="fr-FR" dirty="0"/>
-          </a:p>
-          <a:p>
-            <a:r>
-              <a:rPr lang="fr-FR" dirty="0" smtClean="0"/>
-              <a:t>Créer le style de point « VAB » avec le symbole VAB</a:t>
-            </a:r>
-          </a:p>
-          <a:p>
-            <a:endParaRPr lang="fr-FR" dirty="0"/>
-          </a:p>
-          <a:p>
-            <a:r>
-              <a:rPr lang="fr-FR" dirty="0" smtClean="0"/>
-              <a:t>Définir le point « SAEB 1» comme étant de type VAB</a:t>
-            </a:r>
-            <a:endParaRPr lang="fr-FR" dirty="0"/>
-          </a:p>
-          <a:p>
-            <a:endParaRPr lang="fr-FR" dirty="0"/>
-          </a:p>
-          <a:p>
-            <a:r>
-              <a:rPr lang="fr-FR" dirty="0"/>
-              <a:t>Enregistrer l’espace de travail </a:t>
-            </a:r>
-            <a:r>
-              <a:rPr lang="fr-FR" b="1" dirty="0" smtClean="0"/>
-              <a:t>exo4_Printzheim.gmw</a:t>
-            </a:r>
             <a:endParaRPr lang="fr-FR" dirty="0"/>
           </a:p>
         </p:txBody>
@@ -15310,7 +15909,7 @@
     </p:spTree>
     <p:extLst>
       <p:ext uri="{BB962C8B-B14F-4D97-AF65-F5344CB8AC3E}">
-        <p14:creationId xmlns:p14="http://schemas.microsoft.com/office/powerpoint/2010/main" val="365335706"/>
+        <p14:creationId xmlns:p14="http://schemas.microsoft.com/office/powerpoint/2010/main" val="4102292299"/>
       </p:ext>
     </p:extLst>
   </p:cSld>
@@ -15339,7 +15938,7 @@
       </p:grpSpPr>
       <p:sp>
         <p:nvSpPr>
-          <p:cNvPr id="5" name="Titre 1"/>
+          <p:cNvPr id="2" name="Titre 1"/>
           <p:cNvSpPr>
             <a:spLocks noGrp="1"/>
           </p:cNvSpPr>
@@ -15354,7 +15953,7 @@
           <a:p>
             <a:r>
               <a:rPr lang="fr-FR" dirty="0" smtClean="0"/>
-              <a:t>Exercice 5</a:t>
+              <a:t>Exercice 4</a:t>
             </a:r>
             <a:endParaRPr lang="fr-FR" dirty="0"/>
           </a:p>
@@ -15373,106 +15972,84 @@
         <p:spPr/>
         <p:txBody>
           <a:bodyPr>
-            <a:normAutofit fontScale="92500" lnSpcReduction="20000"/>
+            <a:normAutofit/>
           </a:bodyPr>
           <a:lstStyle/>
           <a:p>
             <a:r>
-              <a:rPr lang="fr-FR" dirty="0" smtClean="0"/>
-              <a:t>Ouvrir </a:t>
+              <a:rPr lang="fr-FR" dirty="0"/>
+              <a:t>Depuis le point </a:t>
+            </a:r>
+            <a:r>
+              <a:rPr lang="fr-FR" dirty="0" smtClean="0"/>
+              <a:t>SAEB 1, créer </a:t>
+            </a:r>
+            <a:r>
+              <a:rPr lang="fr-FR" dirty="0"/>
+              <a:t>une zone tampon </a:t>
+            </a:r>
+            <a:r>
+              <a:rPr lang="fr-FR" dirty="0" smtClean="0"/>
+              <a:t>d’1km</a:t>
+            </a:r>
+          </a:p>
+          <a:p>
+            <a:r>
+              <a:rPr lang="fr-FR" dirty="0" smtClean="0"/>
+              <a:t>Depuis le point SAEB 1, calculer l’</a:t>
+            </a:r>
+            <a:r>
+              <a:rPr lang="fr-FR" dirty="0" err="1" smtClean="0"/>
+              <a:t>intervisibilité</a:t>
+            </a:r>
+            <a:r>
+              <a:rPr lang="fr-FR" dirty="0" smtClean="0"/>
+              <a:t> sur 3km</a:t>
+            </a:r>
+            <a:endParaRPr lang="fr-FR" dirty="0"/>
+          </a:p>
+          <a:p>
+            <a:pPr marL="0" indent="0">
+              <a:buNone/>
+            </a:pPr>
+            <a:endParaRPr lang="fr-FR" dirty="0"/>
+          </a:p>
+          <a:p>
+            <a:r>
+              <a:rPr lang="fr-FR" dirty="0" smtClean="0"/>
+              <a:t>Créer le style de point « VAB » avec le symbole VAB</a:t>
+            </a:r>
+          </a:p>
+          <a:p>
+            <a:endParaRPr lang="fr-FR" dirty="0"/>
+          </a:p>
+          <a:p>
+            <a:r>
+              <a:rPr lang="fr-FR" dirty="0" smtClean="0"/>
+              <a:t>Définir le point « SAEB 1» comme étant de type VAB</a:t>
+            </a:r>
+            <a:endParaRPr lang="fr-FR" dirty="0"/>
+          </a:p>
+          <a:p>
+            <a:endParaRPr lang="fr-FR" dirty="0"/>
+          </a:p>
+          <a:p>
+            <a:r>
+              <a:rPr lang="fr-FR" dirty="0"/>
+              <a:t>Enregistrer l’espace de travail </a:t>
             </a:r>
             <a:r>
               <a:rPr lang="fr-FR" b="1" dirty="0" smtClean="0"/>
-              <a:t>exo4_printzheim.gmw</a:t>
-            </a:r>
-            <a:r>
-              <a:rPr lang="fr-FR" dirty="0" smtClean="0"/>
-              <a:t>, centrer la vue sur </a:t>
-            </a:r>
-            <a:r>
-              <a:rPr lang="fr-FR" b="1" dirty="0" err="1" smtClean="0"/>
-              <a:t>Printzheim</a:t>
-            </a:r>
-            <a:endParaRPr lang="fr-FR" b="1" dirty="0"/>
-          </a:p>
-          <a:p>
-            <a:endParaRPr lang="fr-FR" dirty="0" smtClean="0"/>
-          </a:p>
-          <a:p>
-            <a:r>
-              <a:rPr lang="fr-FR" dirty="0" smtClean="0"/>
-              <a:t>Créer un style de surface Territoire ENI</a:t>
-            </a:r>
-          </a:p>
-          <a:p>
-            <a:pPr lvl="1"/>
-            <a:r>
-              <a:rPr lang="fr-FR" dirty="0" smtClean="0"/>
-              <a:t>Remplissage en rayures rouges</a:t>
-            </a:r>
-          </a:p>
-          <a:p>
-            <a:pPr lvl="1"/>
-            <a:r>
-              <a:rPr lang="fr-FR" dirty="0" smtClean="0"/>
-              <a:t>Délimiter en rouge sombre</a:t>
-            </a:r>
-          </a:p>
-          <a:p>
+              <a:t>exo4_Printzheim.gmw</a:t>
+            </a:r>
             <a:endParaRPr lang="fr-FR" dirty="0"/>
-          </a:p>
-          <a:p>
-            <a:r>
-              <a:rPr lang="fr-FR" dirty="0" smtClean="0"/>
-              <a:t>Créer un territoire ENI autour de </a:t>
-            </a:r>
-            <a:r>
-              <a:rPr lang="fr-FR" b="1" dirty="0" err="1" smtClean="0"/>
-              <a:t>Imbsheim</a:t>
-            </a:r>
-            <a:endParaRPr lang="fr-FR" dirty="0"/>
-          </a:p>
-          <a:p>
-            <a:r>
-              <a:rPr lang="fr-FR" dirty="0" smtClean="0"/>
-              <a:t>Modifier le territoire ENI pour englober </a:t>
-            </a:r>
-            <a:r>
-              <a:rPr lang="fr-FR" b="1" dirty="0" err="1" smtClean="0"/>
-              <a:t>Riedheim</a:t>
-            </a:r>
-            <a:endParaRPr lang="fr-FR" b="1" dirty="0" smtClean="0"/>
-          </a:p>
-          <a:p>
-            <a:endParaRPr lang="fr-FR" dirty="0"/>
-          </a:p>
-          <a:p>
-            <a:r>
-              <a:rPr lang="fr-FR" dirty="0" smtClean="0"/>
-              <a:t>Tracer une FLOT entre </a:t>
-            </a:r>
-            <a:r>
-              <a:rPr lang="fr-FR" b="1" dirty="0" err="1" smtClean="0"/>
-              <a:t>Printzheim</a:t>
-            </a:r>
-            <a:r>
-              <a:rPr lang="fr-FR" dirty="0" smtClean="0"/>
-              <a:t> et ce territoire ENI</a:t>
-            </a:r>
-          </a:p>
-          <a:p>
-            <a:pPr lvl="1"/>
-            <a:r>
-              <a:rPr lang="fr-FR" dirty="0" smtClean="0"/>
-              <a:t>Tirets jaunes, épaisseur de 3 pixels</a:t>
-            </a:r>
           </a:p>
         </p:txBody>
       </p:sp>
     </p:spTree>
     <p:extLst>
       <p:ext uri="{BB962C8B-B14F-4D97-AF65-F5344CB8AC3E}">
-        <p14:creationId xmlns:p14="http://schemas.microsoft.com/office/powerpoint/2010/main" val="3448961259"/>
+        <p14:creationId xmlns:p14="http://schemas.microsoft.com/office/powerpoint/2010/main" val="365335706"/>
       </p:ext>
     </p:extLst>
   </p:cSld>
@@ -15501,7 +16078,7 @@
       </p:grpSpPr>
       <p:sp>
         <p:nvSpPr>
-          <p:cNvPr id="2" name="Titre 1"/>
+          <p:cNvPr id="5" name="Titre 1"/>
           <p:cNvSpPr>
             <a:spLocks noGrp="1"/>
           </p:cNvSpPr>
@@ -15535,114 +16112,98 @@
         <p:spPr/>
         <p:txBody>
           <a:bodyPr>
-            <a:normAutofit/>
+            <a:normAutofit fontScale="92500" lnSpcReduction="20000"/>
           </a:bodyPr>
           <a:lstStyle/>
           <a:p>
-            <a:pPr hangingPunct="0">
-              <a:spcBef>
-                <a:spcPts val="0"/>
-              </a:spcBef>
-            </a:pPr>
-            <a:r>
-              <a:rPr lang="fr-FR" dirty="0" smtClean="0"/>
-              <a:t>Dans </a:t>
-            </a:r>
-            <a:r>
-              <a:rPr lang="fr-FR" dirty="0"/>
-              <a:t>le secteur d’</a:t>
-            </a:r>
-            <a:r>
-              <a:rPr lang="fr-FR" i="1" dirty="0"/>
-              <a:t>Haguenau</a:t>
-            </a:r>
-            <a:r>
-              <a:rPr lang="fr-FR" dirty="0"/>
-              <a:t>, créer </a:t>
-            </a:r>
-            <a:r>
-              <a:rPr lang="fr-FR" dirty="0" smtClean="0"/>
-              <a:t>deux surfaces</a:t>
-            </a:r>
+            <a:r>
+              <a:rPr lang="fr-FR" dirty="0" smtClean="0"/>
+              <a:t>Ouvrir </a:t>
+            </a:r>
+            <a:r>
+              <a:rPr lang="fr-FR" b="1" dirty="0" smtClean="0"/>
+              <a:t>exo4_printzheim.gmw</a:t>
+            </a:r>
+            <a:r>
+              <a:rPr lang="fr-FR" dirty="0" smtClean="0"/>
+              <a:t>, centrer la vue sur </a:t>
+            </a:r>
+            <a:r>
+              <a:rPr lang="fr-FR" b="1" dirty="0" err="1" smtClean="0"/>
+              <a:t>Printzheim</a:t>
+            </a:r>
+            <a:endParaRPr lang="fr-FR" b="1" dirty="0"/>
+          </a:p>
+          <a:p>
+            <a:endParaRPr lang="fr-FR" dirty="0" smtClean="0"/>
+          </a:p>
+          <a:p>
+            <a:r>
+              <a:rPr lang="fr-FR" dirty="0" smtClean="0"/>
+              <a:t>Créer un style de surface Territoire ENI</a:t>
+            </a:r>
+          </a:p>
+          <a:p>
+            <a:pPr lvl="1"/>
+            <a:r>
+              <a:rPr lang="fr-FR" dirty="0" smtClean="0"/>
+              <a:t>Remplissage en rayures rouges</a:t>
+            </a:r>
+          </a:p>
+          <a:p>
+            <a:pPr lvl="1"/>
+            <a:r>
+              <a:rPr lang="fr-FR" dirty="0" smtClean="0"/>
+              <a:t>Délimiter en rouge sombre</a:t>
+            </a:r>
+          </a:p>
+          <a:p>
             <a:endParaRPr lang="fr-FR" dirty="0"/>
           </a:p>
           <a:p>
-            <a:pPr lvl="1" hangingPunct="0">
-              <a:spcBef>
-                <a:spcPts val="0"/>
-              </a:spcBef>
-            </a:pPr>
-            <a:r>
-              <a:rPr lang="fr-FR" dirty="0"/>
-              <a:t>Le camp </a:t>
-            </a:r>
-            <a:r>
-              <a:rPr lang="fr-FR" dirty="0" smtClean="0"/>
-              <a:t>d’</a:t>
-            </a:r>
-            <a:r>
-              <a:rPr lang="fr-FR" dirty="0" err="1" smtClean="0"/>
-              <a:t>Oberhoffen</a:t>
-            </a:r>
-            <a:r>
-              <a:rPr lang="fr-FR" dirty="0" smtClean="0"/>
-              <a:t> (zone de manœuvre)</a:t>
+            <a:r>
+              <a:rPr lang="fr-FR" dirty="0" smtClean="0"/>
+              <a:t>Créer un territoire ENI autour de </a:t>
+            </a:r>
+            <a:r>
+              <a:rPr lang="fr-FR" b="1" dirty="0" err="1" smtClean="0"/>
+              <a:t>Imbsheim</a:t>
             </a:r>
             <a:endParaRPr lang="fr-FR" dirty="0"/>
           </a:p>
           <a:p>
-            <a:pPr lvl="1" hangingPunct="0">
-              <a:spcBef>
-                <a:spcPts val="0"/>
-              </a:spcBef>
-            </a:pPr>
-            <a:r>
-              <a:rPr lang="fr-FR" dirty="0"/>
-              <a:t>Le quartier </a:t>
-            </a:r>
-            <a:r>
-              <a:rPr lang="fr-FR" dirty="0" smtClean="0"/>
-              <a:t>Estienne (bâtiments)</a:t>
-            </a:r>
+            <a:r>
+              <a:rPr lang="fr-FR" dirty="0" smtClean="0"/>
+              <a:t>Modifier le territoire ENI pour englober </a:t>
+            </a:r>
+            <a:r>
+              <a:rPr lang="fr-FR" b="1" dirty="0" err="1" smtClean="0"/>
+              <a:t>Riedheim</a:t>
+            </a:r>
+            <a:endParaRPr lang="fr-FR" b="1" dirty="0" smtClean="0"/>
+          </a:p>
+          <a:p>
             <a:endParaRPr lang="fr-FR" dirty="0"/>
           </a:p>
           <a:p>
-            <a:pPr marL="0" indent="0" hangingPunct="0">
-              <a:spcBef>
-                <a:spcPts val="0"/>
-              </a:spcBef>
-              <a:buNone/>
-            </a:pPr>
-            <a:endParaRPr lang="fr-FR" dirty="0"/>
-          </a:p>
-          <a:p>
-            <a:pPr hangingPunct="0">
-              <a:spcBef>
-                <a:spcPts val="0"/>
-              </a:spcBef>
-            </a:pPr>
-            <a:r>
-              <a:rPr lang="fr-FR" dirty="0" smtClean="0"/>
-              <a:t>Fusionner les deux zones</a:t>
-            </a:r>
-          </a:p>
-          <a:p>
-            <a:pPr hangingPunct="0">
-              <a:spcBef>
-                <a:spcPts val="0"/>
-              </a:spcBef>
-            </a:pPr>
-            <a:endParaRPr lang="fr-FR" dirty="0"/>
-          </a:p>
-          <a:p>
-            <a:pPr hangingPunct="0">
-              <a:spcBef>
-                <a:spcPts val="0"/>
-              </a:spcBef>
-            </a:pPr>
-            <a:r>
-              <a:rPr lang="fr-FR" dirty="0"/>
-              <a:t>Créer une surface pour la zone de verdure autour du point 32 UMV 15450 07250 et la découper de la surface du camp</a:t>
+            <a:r>
+              <a:rPr lang="fr-FR" dirty="0" smtClean="0"/>
+              <a:t>Tracer une FLOT entre </a:t>
+            </a:r>
+            <a:r>
+              <a:rPr lang="fr-FR" b="1" dirty="0" err="1" smtClean="0"/>
+              <a:t>Printzheim</a:t>
+            </a:r>
+            <a:r>
+              <a:rPr lang="fr-FR" dirty="0" smtClean="0"/>
+              <a:t> et ce territoire ENI</a:t>
+            </a:r>
+          </a:p>
+          <a:p>
+            <a:pPr lvl="1"/>
+            <a:r>
+              <a:rPr lang="fr-FR" dirty="0" smtClean="0"/>
+              <a:t>Tirets jaunes, épaisseur de 3 pixels</a:t>
             </a:r>
           </a:p>
         </p:txBody>
@@ -15650,7 +16211,7 @@
     </p:spTree>
     <p:extLst>
       <p:ext uri="{BB962C8B-B14F-4D97-AF65-F5344CB8AC3E}">
-        <p14:creationId xmlns:p14="http://schemas.microsoft.com/office/powerpoint/2010/main" val="3559223914"/>
+        <p14:creationId xmlns:p14="http://schemas.microsoft.com/office/powerpoint/2010/main" val="3448961259"/>
       </p:ext>
     </p:extLst>
   </p:cSld>
@@ -15717,61 +16278,118 @@
           </a:bodyPr>
           <a:lstStyle/>
           <a:p>
-            <a:r>
-              <a:rPr lang="fr-FR" dirty="0" smtClean="0"/>
-              <a:t>Importer </a:t>
-            </a:r>
-            <a:r>
-              <a:rPr lang="fr-FR" b="1" dirty="0" err="1" smtClean="0"/>
-              <a:t>zones_emprises.shp</a:t>
-            </a:r>
-            <a:r>
-              <a:rPr lang="fr-FR" dirty="0" smtClean="0"/>
-              <a:t>. Affecter une couleur à chaque zone, selon l’attribut APPARTENANCE</a:t>
-            </a:r>
-          </a:p>
-          <a:p>
+            <a:pPr hangingPunct="0">
+              <a:spcBef>
+                <a:spcPts val="0"/>
+              </a:spcBef>
+            </a:pPr>
+            <a:r>
+              <a:rPr lang="fr-FR" dirty="0" smtClean="0"/>
+              <a:t>Dans </a:t>
+            </a:r>
+            <a:r>
+              <a:rPr lang="fr-FR" dirty="0"/>
+              <a:t>le secteur d’</a:t>
+            </a:r>
+            <a:r>
+              <a:rPr lang="fr-FR" i="1" dirty="0"/>
+              <a:t>Haguenau</a:t>
+            </a:r>
+            <a:r>
+              <a:rPr lang="fr-FR" dirty="0"/>
+              <a:t>, créer </a:t>
+            </a:r>
+            <a:r>
+              <a:rPr lang="fr-FR" dirty="0" smtClean="0"/>
+              <a:t>deux surfaces</a:t>
+            </a:r>
             <a:endParaRPr lang="fr-FR" dirty="0"/>
           </a:p>
           <a:p>
-            <a:r>
-              <a:rPr lang="fr-FR" dirty="0" smtClean="0"/>
-              <a:t>Fusionner les deux zones FDS pour ne former qu’une surface</a:t>
-            </a:r>
-          </a:p>
-          <a:p>
+            <a:pPr lvl="1" hangingPunct="0">
+              <a:spcBef>
+                <a:spcPts val="0"/>
+              </a:spcBef>
+            </a:pPr>
+            <a:r>
+              <a:rPr lang="fr-FR" dirty="0"/>
+              <a:t>Le camp </a:t>
+            </a:r>
+            <a:r>
+              <a:rPr lang="fr-FR" dirty="0" smtClean="0"/>
+              <a:t>d’</a:t>
+            </a:r>
+            <a:r>
+              <a:rPr lang="fr-FR" dirty="0" err="1" smtClean="0"/>
+              <a:t>Oberhoffen</a:t>
+            </a:r>
+            <a:r>
+              <a:rPr lang="fr-FR" dirty="0" smtClean="0"/>
+              <a:t> (zone de manœuvre)</a:t>
+            </a:r>
             <a:endParaRPr lang="fr-FR" dirty="0"/>
           </a:p>
           <a:p>
-            <a:r>
-              <a:rPr lang="fr-FR" dirty="0" smtClean="0"/>
-              <a:t>Créer un attribut « NOM_COURT » contenant les trois premières lettres de NAME</a:t>
-            </a:r>
-          </a:p>
-          <a:p>
-            <a:pPr lvl="1"/>
-            <a:r>
-              <a:rPr lang="fr-FR" dirty="0" smtClean="0"/>
-              <a:t>Modifier la couche pour que chaque </a:t>
-            </a:r>
-            <a:r>
-              <a:rPr lang="fr-FR" dirty="0" err="1" smtClean="0"/>
-              <a:t>feature</a:t>
-            </a:r>
-            <a:r>
-              <a:rPr lang="fr-FR" dirty="0" smtClean="0"/>
-              <a:t> affiche l’attribut NOM_COURT</a:t>
-            </a:r>
-          </a:p>
-          <a:p>
+            <a:pPr lvl="1" hangingPunct="0">
+              <a:spcBef>
+                <a:spcPts val="0"/>
+              </a:spcBef>
+            </a:pPr>
+            <a:r>
+              <a:rPr lang="fr-FR" dirty="0"/>
+              <a:t>Le quartier </a:t>
+            </a:r>
+            <a:r>
+              <a:rPr lang="fr-FR" dirty="0" smtClean="0"/>
+              <a:t>Estienne (bâtiments)</a:t>
+            </a:r>
             <a:endParaRPr lang="fr-FR" dirty="0"/>
+          </a:p>
+          <a:p>
+            <a:pPr marL="0" indent="0" hangingPunct="0">
+              <a:spcBef>
+                <a:spcPts val="0"/>
+              </a:spcBef>
+              <a:buNone/>
+            </a:pPr>
+            <a:endParaRPr lang="fr-FR" dirty="0"/>
+          </a:p>
+          <a:p>
+            <a:pPr hangingPunct="0">
+              <a:spcBef>
+                <a:spcPts val="0"/>
+              </a:spcBef>
+            </a:pPr>
+            <a:r>
+              <a:rPr lang="fr-FR" dirty="0" smtClean="0"/>
+              <a:t>Fusionner les deux zones</a:t>
+            </a:r>
+          </a:p>
+          <a:p>
+            <a:pPr hangingPunct="0">
+              <a:spcBef>
+                <a:spcPts val="0"/>
+              </a:spcBef>
+            </a:pPr>
+            <a:endParaRPr lang="fr-FR" dirty="0"/>
+          </a:p>
+          <a:p>
+            <a:pPr hangingPunct="0">
+              <a:spcBef>
+                <a:spcPts val="0"/>
+              </a:spcBef>
+            </a:pPr>
+            <a:r>
+              <a:rPr lang="fr-FR" dirty="0"/>
+              <a:t>Créer une surface pour la zone de verdure autour du point 32 UMV 15450 07250 et la découper de la surface du camp</a:t>
+            </a:r>
           </a:p>
         </p:txBody>
       </p:sp>
     </p:spTree>
     <p:extLst>
       <p:ext uri="{BB962C8B-B14F-4D97-AF65-F5344CB8AC3E}">
-        <p14:creationId xmlns:p14="http://schemas.microsoft.com/office/powerpoint/2010/main" val="2551274594"/>
+        <p14:creationId xmlns:p14="http://schemas.microsoft.com/office/powerpoint/2010/main" val="3559223914"/>
       </p:ext>
     </p:extLst>
   </p:cSld>
@@ -15815,7 +16433,7 @@
           <a:p>
             <a:r>
               <a:rPr lang="fr-FR" dirty="0" smtClean="0"/>
-              <a:t>Exercice 6</a:t>
+              <a:t>Exercice 5</a:t>
             </a:r>
             <a:endParaRPr lang="fr-FR" dirty="0"/>
           </a:p>
@@ -15833,70 +16451,56 @@
         </p:nvSpPr>
         <p:spPr/>
         <p:txBody>
-          <a:bodyPr/>
+          <a:bodyPr>
+            <a:normAutofit/>
+          </a:bodyPr>
           <a:lstStyle/>
           <a:p>
             <a:r>
               <a:rPr lang="fr-FR" dirty="0" smtClean="0"/>
-              <a:t>Configuration</a:t>
+              <a:t>Importer </a:t>
+            </a:r>
+            <a:r>
+              <a:rPr lang="fr-FR" b="1" dirty="0" err="1" smtClean="0"/>
+              <a:t>zones_emprises.shp</a:t>
+            </a:r>
+            <a:r>
+              <a:rPr lang="fr-FR" dirty="0" smtClean="0"/>
+              <a:t>. Affecter une couleur à chaque zone, selon l’attribut APPARTENANCE</a:t>
+            </a:r>
+          </a:p>
+          <a:p>
+            <a:endParaRPr lang="fr-FR" dirty="0"/>
+          </a:p>
+          <a:p>
+            <a:r>
+              <a:rPr lang="fr-FR" dirty="0" smtClean="0"/>
+              <a:t>Fusionner les deux zones FDS pour ne former qu’une surface</a:t>
+            </a:r>
+          </a:p>
+          <a:p>
+            <a:endParaRPr lang="fr-FR" dirty="0"/>
+          </a:p>
+          <a:p>
+            <a:r>
+              <a:rPr lang="fr-FR" dirty="0" smtClean="0"/>
+              <a:t>Créer un attribut « NOM_COURT » contenant les trois premières lettres de NAME</a:t>
             </a:r>
           </a:p>
           <a:p>
             <a:pPr lvl="1"/>
             <a:r>
               <a:rPr lang="fr-FR" dirty="0" smtClean="0"/>
-              <a:t>Afficher </a:t>
-            </a:r>
-            <a:r>
-              <a:rPr lang="fr-FR" dirty="0"/>
-              <a:t>le </a:t>
-            </a:r>
-            <a:r>
-              <a:rPr lang="fr-FR" dirty="0" smtClean="0"/>
-              <a:t>carroyage</a:t>
-            </a:r>
-          </a:p>
-          <a:p>
-            <a:pPr lvl="1"/>
-            <a:r>
-              <a:rPr lang="fr-FR" dirty="0" smtClean="0"/>
-              <a:t>Afficher le nord</a:t>
-            </a:r>
-          </a:p>
-          <a:p>
-            <a:pPr lvl="1"/>
-            <a:r>
-              <a:rPr lang="fr-FR" dirty="0" smtClean="0"/>
-              <a:t>Afficher les coordonnées en DMS</a:t>
-            </a:r>
-          </a:p>
-          <a:p>
-            <a:pPr lvl="1"/>
-            <a:endParaRPr lang="fr-FR" dirty="0"/>
-          </a:p>
-          <a:p>
-            <a:r>
-              <a:rPr lang="fr-FR" dirty="0"/>
-              <a:t>Créer un </a:t>
-            </a:r>
-            <a:r>
-              <a:rPr lang="fr-FR" dirty="0" smtClean="0"/>
-              <a:t>catalogue contenant le dossier DTED</a:t>
-            </a:r>
-          </a:p>
-          <a:p>
-            <a:endParaRPr lang="fr-FR" dirty="0" smtClean="0"/>
-          </a:p>
-          <a:p>
-            <a:r>
-              <a:rPr lang="fr-FR" dirty="0"/>
-              <a:t>Ajouter les données élévations à la couche </a:t>
-            </a:r>
-            <a:r>
-              <a:rPr lang="fr-FR" b="1" dirty="0" err="1" smtClean="0"/>
-              <a:t>villes_ouest.kmz</a:t>
-            </a:r>
-            <a:endParaRPr lang="fr-FR" b="1" dirty="0"/>
+              <a:t>Modifier la couche pour que chaque </a:t>
+            </a:r>
+            <a:r>
+              <a:rPr lang="fr-FR" dirty="0" err="1" smtClean="0"/>
+              <a:t>feature</a:t>
+            </a:r>
+            <a:r>
+              <a:rPr lang="fr-FR" dirty="0" smtClean="0"/>
+              <a:t> affiche l’attribut NOM_COURT</a:t>
+            </a:r>
           </a:p>
           <a:p>
             <a:endParaRPr lang="fr-FR" dirty="0"/>
@@ -15906,7 +16510,7 @@
     </p:spTree>
     <p:extLst>
       <p:ext uri="{BB962C8B-B14F-4D97-AF65-F5344CB8AC3E}">
-        <p14:creationId xmlns:p14="http://schemas.microsoft.com/office/powerpoint/2010/main" val="3862032269"/>
+        <p14:creationId xmlns:p14="http://schemas.microsoft.com/office/powerpoint/2010/main" val="2551274594"/>
       </p:ext>
     </p:extLst>
   </p:cSld>
@@ -15968,14 +16572,55 @@
         </p:nvSpPr>
         <p:spPr/>
         <p:txBody>
-          <a:bodyPr>
-            <a:normAutofit/>
-          </a:bodyPr>
+          <a:bodyPr/>
           <a:lstStyle/>
           <a:p>
             <a:r>
               <a:rPr lang="fr-FR" dirty="0" smtClean="0"/>
-              <a:t>Faire une recherche pour n’afficher que les localités située à plus de 270m d’altitude</a:t>
+              <a:t>Configuration</a:t>
+            </a:r>
+          </a:p>
+          <a:p>
+            <a:pPr lvl="1"/>
+            <a:r>
+              <a:rPr lang="fr-FR" dirty="0" smtClean="0"/>
+              <a:t>Afficher </a:t>
+            </a:r>
+            <a:r>
+              <a:rPr lang="fr-FR" dirty="0"/>
+              <a:t>le </a:t>
+            </a:r>
+            <a:r>
+              <a:rPr lang="fr-FR" dirty="0" smtClean="0"/>
+              <a:t>carroyage</a:t>
+            </a:r>
+          </a:p>
+          <a:p>
+            <a:pPr lvl="1"/>
+            <a:r>
+              <a:rPr lang="fr-FR" dirty="0" smtClean="0"/>
+              <a:t>Afficher le nord</a:t>
+            </a:r>
+          </a:p>
+          <a:p>
+            <a:pPr lvl="1"/>
+            <a:r>
+              <a:rPr lang="fr-FR" dirty="0" smtClean="0"/>
+              <a:t>Afficher les coordonnées en DMS</a:t>
+            </a:r>
+          </a:p>
+          <a:p>
+            <a:pPr lvl="1"/>
+            <a:endParaRPr lang="fr-FR" dirty="0"/>
+          </a:p>
+          <a:p>
+            <a:r>
+              <a:rPr lang="fr-FR" dirty="0"/>
+              <a:t>Créer un </a:t>
+            </a:r>
+            <a:r>
+              <a:rPr lang="fr-FR" dirty="0" smtClean="0"/>
+              <a:t>catalogue contenant le dossier DTED</a:t>
             </a:r>
           </a:p>
           <a:p>
@@ -15983,26 +16628,14 @@
           </a:p>
           <a:p>
             <a:r>
-              <a:rPr lang="fr-FR" dirty="0" smtClean="0"/>
-              <a:t>Calculer l’</a:t>
-            </a:r>
-            <a:r>
-              <a:rPr lang="fr-FR" dirty="0" err="1" smtClean="0"/>
-              <a:t>intervisibilité</a:t>
-            </a:r>
-            <a:r>
-              <a:rPr lang="fr-FR" dirty="0" smtClean="0"/>
-              <a:t> à partir des localités résultantes</a:t>
-            </a:r>
-          </a:p>
-          <a:p>
-            <a:endParaRPr lang="fr-FR" dirty="0"/>
-          </a:p>
-          <a:p>
-            <a:r>
               <a:rPr lang="fr-FR" dirty="0"/>
-              <a:t>Créer une carte des pentes</a:t>
-            </a:r>
+              <a:t>Ajouter les données élévations à la couche </a:t>
+            </a:r>
+            <a:r>
+              <a:rPr lang="fr-FR" b="1" dirty="0" err="1" smtClean="0"/>
+              <a:t>villes_ouest.kmz</a:t>
+            </a:r>
+            <a:endParaRPr lang="fr-FR" b="1" dirty="0"/>
           </a:p>
           <a:p>
             <a:endParaRPr lang="fr-FR" dirty="0"/>
@@ -16012,7 +16645,7 @@
     </p:spTree>
     <p:extLst>
       <p:ext uri="{BB962C8B-B14F-4D97-AF65-F5344CB8AC3E}">
-        <p14:creationId xmlns:p14="http://schemas.microsoft.com/office/powerpoint/2010/main" val="2373127748"/>
+        <p14:creationId xmlns:p14="http://schemas.microsoft.com/office/powerpoint/2010/main" val="3862032269"/>
       </p:ext>
     </p:extLst>
   </p:cSld>
@@ -16056,7 +16689,7 @@
           <a:p>
             <a:r>
               <a:rPr lang="fr-FR" dirty="0" smtClean="0"/>
-              <a:t>Exercice 7</a:t>
+              <a:t>Exercice 6</a:t>
             </a:r>
             <a:endParaRPr lang="fr-FR" dirty="0"/>
           </a:p>
@@ -16080,61 +16713,35 @@
           <a:lstStyle/>
           <a:p>
             <a:r>
+              <a:rPr lang="fr-FR" dirty="0" smtClean="0"/>
+              <a:t>Faire une recherche pour n’afficher que les localités située à plus de 270m d’altitude</a:t>
+            </a:r>
+          </a:p>
+          <a:p>
+            <a:endParaRPr lang="fr-FR" dirty="0" smtClean="0"/>
+          </a:p>
+          <a:p>
+            <a:r>
+              <a:rPr lang="fr-FR" dirty="0" smtClean="0"/>
+              <a:t>Calculer l’</a:t>
+            </a:r>
+            <a:r>
+              <a:rPr lang="fr-FR" dirty="0" err="1" smtClean="0"/>
+              <a:t>intervisibilité</a:t>
+            </a:r>
+            <a:r>
+              <a:rPr lang="fr-FR" dirty="0" smtClean="0"/>
+              <a:t> à partir des localités résultantes</a:t>
+            </a:r>
+          </a:p>
+          <a:p>
+            <a:endParaRPr lang="fr-FR" dirty="0"/>
+          </a:p>
+          <a:p>
+            <a:r>
               <a:rPr lang="fr-FR" dirty="0"/>
-              <a:t>Importer </a:t>
-            </a:r>
-            <a:r>
-              <a:rPr lang="fr-FR" b="1" dirty="0" smtClean="0"/>
-              <a:t>geonames_67.csv</a:t>
-            </a:r>
-          </a:p>
-          <a:p>
-            <a:endParaRPr lang="fr-FR" dirty="0"/>
-          </a:p>
-          <a:p>
-            <a:r>
-              <a:rPr lang="fr-FR" dirty="0" smtClean="0"/>
-              <a:t>Créer une carte de chaleur/grille de densité</a:t>
-            </a:r>
-          </a:p>
-          <a:p>
-            <a:endParaRPr lang="fr-FR" dirty="0" smtClean="0"/>
-          </a:p>
-          <a:p>
-            <a:r>
-              <a:rPr lang="fr-FR" dirty="0" smtClean="0"/>
-              <a:t>Créer une grille</a:t>
-            </a:r>
-          </a:p>
-          <a:p>
-            <a:pPr lvl="1"/>
-            <a:r>
-              <a:rPr lang="fr-FR" dirty="0" smtClean="0"/>
-              <a:t>Coin gauche situé sur </a:t>
-            </a:r>
-            <a:r>
-              <a:rPr lang="fr-FR" dirty="0" err="1" smtClean="0"/>
-              <a:t>Oberhausbergen</a:t>
-            </a:r>
-            <a:endParaRPr lang="fr-FR" dirty="0" smtClean="0"/>
-          </a:p>
-          <a:p>
-            <a:pPr lvl="1"/>
-            <a:r>
-              <a:rPr lang="fr-FR" dirty="0" smtClean="0"/>
-              <a:t>10 x 10 cases de 1km x 1km</a:t>
-            </a:r>
-          </a:p>
-          <a:p>
-            <a:pPr lvl="1"/>
-            <a:r>
-              <a:rPr lang="fr-FR" dirty="0" smtClean="0"/>
-              <a:t>Afficher pour chaque case le nombre de point contenus</a:t>
-            </a:r>
-          </a:p>
-          <a:p>
-            <a:pPr lvl="1"/>
-            <a:endParaRPr lang="fr-FR" dirty="0" smtClean="0"/>
+              <a:t>Créer une carte des pentes</a:t>
+            </a:r>
           </a:p>
           <a:p>
             <a:endParaRPr lang="fr-FR" dirty="0"/>
@@ -16144,7 +16751,7 @@
     </p:spTree>
     <p:extLst>
       <p:ext uri="{BB962C8B-B14F-4D97-AF65-F5344CB8AC3E}">
-        <p14:creationId xmlns:p14="http://schemas.microsoft.com/office/powerpoint/2010/main" val="3236756266"/>
+        <p14:creationId xmlns:p14="http://schemas.microsoft.com/office/powerpoint/2010/main" val="2373127748"/>
       </p:ext>
     </p:extLst>
   </p:cSld>
@@ -16213,10 +16820,10 @@
           <a:p>
             <a:r>
               <a:rPr lang="fr-FR" dirty="0"/>
-              <a:t>Créer une surface englobant les points de la couche </a:t>
-            </a:r>
-            <a:r>
-              <a:rPr lang="fr-FR" b="1" dirty="0"/>
+              <a:t>Importer </a:t>
+            </a:r>
+            <a:r>
+              <a:rPr lang="fr-FR" b="1" dirty="0" smtClean="0"/>
               <a:t>geonames_67.csv</a:t>
             </a:r>
           </a:p>
@@ -16225,33 +16832,48 @@
           </a:p>
           <a:p>
             <a:r>
-              <a:rPr lang="fr-FR" dirty="0"/>
-              <a:t>Créer un point central de cette zone</a:t>
-            </a:r>
-          </a:p>
-          <a:p>
-            <a:pPr marL="0" indent="0">
-              <a:buNone/>
-            </a:pPr>
-            <a:endParaRPr lang="fr-FR" dirty="0"/>
-          </a:p>
-          <a:p>
-            <a:r>
-              <a:rPr lang="fr-FR" dirty="0" smtClean="0"/>
-              <a:t>Trouver le point le plus haut de cette zone</a:t>
-            </a:r>
-          </a:p>
-          <a:p>
-            <a:endParaRPr lang="fr-FR" dirty="0"/>
-          </a:p>
-          <a:p>
-            <a:r>
-              <a:rPr lang="fr-FR" dirty="0" smtClean="0"/>
-              <a:t>Tampon autour du point central</a:t>
-            </a:r>
-          </a:p>
-          <a:p>
-            <a:endParaRPr lang="fr-FR" dirty="0"/>
+              <a:rPr lang="fr-FR" dirty="0" smtClean="0"/>
+              <a:t>Créer une carte de chaleur/grille de densité</a:t>
+            </a:r>
+          </a:p>
+          <a:p>
+            <a:endParaRPr lang="fr-FR" dirty="0" smtClean="0"/>
+          </a:p>
+          <a:p>
+            <a:r>
+              <a:rPr lang="fr-FR" dirty="0" smtClean="0"/>
+              <a:t>Créer une grille</a:t>
+            </a:r>
+          </a:p>
+          <a:p>
+            <a:pPr lvl="1"/>
+            <a:r>
+              <a:rPr lang="fr-FR" dirty="0" smtClean="0"/>
+              <a:t>Coin gauche situé sur </a:t>
+            </a:r>
+            <a:r>
+              <a:rPr lang="fr-FR" dirty="0" err="1" smtClean="0"/>
+              <a:t>Oberhausbergen</a:t>
+            </a:r>
+            <a:endParaRPr lang="fr-FR" dirty="0" smtClean="0"/>
+          </a:p>
+          <a:p>
+            <a:pPr lvl="1"/>
+            <a:r>
+              <a:rPr lang="fr-FR" dirty="0" smtClean="0"/>
+              <a:t>10 x 10 cases de 1km x 1km</a:t>
+            </a:r>
+          </a:p>
+          <a:p>
+            <a:pPr lvl="1"/>
+            <a:r>
+              <a:rPr lang="fr-FR" dirty="0" smtClean="0"/>
+              <a:t>Afficher pour chaque case le nombre de point contenus</a:t>
+            </a:r>
+          </a:p>
+          <a:p>
+            <a:pPr lvl="1"/>
+            <a:endParaRPr lang="fr-FR" dirty="0" smtClean="0"/>
           </a:p>
           <a:p>
             <a:endParaRPr lang="fr-FR" dirty="0"/>
@@ -16261,7 +16883,7 @@
     </p:spTree>
     <p:extLst>
       <p:ext uri="{BB962C8B-B14F-4D97-AF65-F5344CB8AC3E}">
-        <p14:creationId xmlns:p14="http://schemas.microsoft.com/office/powerpoint/2010/main" val="338508002"/>
+        <p14:creationId xmlns:p14="http://schemas.microsoft.com/office/powerpoint/2010/main" val="3236756266"/>
       </p:ext>
     </p:extLst>
   </p:cSld>
@@ -16274,11 +16896,6 @@
 <file path=ppt/slides/slide2.xml><?xml version="1.0" encoding="utf-8"?>
 <p:sld xmlns:a="http://schemas.openxmlformats.org/drawingml/2006/main" xmlns:r="http://schemas.openxmlformats.org/officeDocument/2006/relationships" xmlns:p="http://schemas.openxmlformats.org/presentationml/2006/main">
   <p:cSld>
-    <p:bg>
-      <p:bgRef idx="1001">
-        <a:schemeClr val="bg1"/>
-      </p:bgRef>
-    </p:bg>
     <p:spTree>
       <p:nvGrpSpPr>
         <p:cNvPr id="1" name=""/>
@@ -16300,7 +16917,7 @@
             <a:spLocks noGrp="1"/>
           </p:cNvSpPr>
           <p:nvPr>
-            <p:ph type="title"/>
+            <p:ph type="ctrTitle"/>
           </p:nvPr>
         </p:nvSpPr>
         <p:spPr/>
@@ -16310,7 +16927,7 @@
           <a:p>
             <a:r>
               <a:rPr lang="fr-FR" dirty="0" smtClean="0"/>
-              <a:t>Exercice 1</a:t>
+              <a:t>Global Mapper</a:t>
             </a:r>
             <a:endParaRPr lang="fr-FR" dirty="0"/>
           </a:p>
@@ -16318,78 +16935,36 @@
       </p:sp>
       <p:sp>
         <p:nvSpPr>
-          <p:cNvPr id="3" name="Espace réservé du contenu 2"/>
-          <p:cNvSpPr>
-            <a:spLocks noGrp="1"/>
-          </p:cNvSpPr>
-          <p:nvPr>
-            <p:ph idx="1"/>
+          <p:cNvPr id="3" name="Sous-titre 2"/>
+          <p:cNvSpPr>
+            <a:spLocks noGrp="1"/>
+          </p:cNvSpPr>
+          <p:nvPr>
+            <p:ph type="subTitle" idx="1"/>
           </p:nvPr>
         </p:nvSpPr>
         <p:spPr/>
         <p:txBody>
-          <a:bodyPr>
-            <a:normAutofit/>
-          </a:bodyPr>
+          <a:bodyPr/>
           <a:lstStyle/>
           <a:p>
             <a:r>
               <a:rPr lang="fr-FR" dirty="0" smtClean="0"/>
-              <a:t>Importer les fichiers </a:t>
-            </a:r>
-            <a:r>
-              <a:rPr lang="fr-FR" b="1" dirty="0" smtClean="0"/>
-              <a:t>CARTO/BDORTHO/*.ECW</a:t>
-            </a:r>
-          </a:p>
-          <a:p>
-            <a:endParaRPr lang="fr-FR" dirty="0" smtClean="0"/>
-          </a:p>
-          <a:p>
-            <a:r>
-              <a:rPr lang="fr-FR" dirty="0" smtClean="0"/>
-              <a:t>Importer tout le dossier </a:t>
-            </a:r>
-            <a:r>
-              <a:rPr lang="fr-FR" b="1" dirty="0" smtClean="0"/>
-              <a:t>CARTO/DTED</a:t>
-            </a:r>
-            <a:endParaRPr lang="fr-FR" b="1" dirty="0"/>
-          </a:p>
-          <a:p>
-            <a:endParaRPr lang="fr-FR" dirty="0" smtClean="0"/>
-          </a:p>
-          <a:p>
-            <a:r>
-              <a:rPr lang="fr-FR" dirty="0"/>
-              <a:t>Importer </a:t>
-            </a:r>
-            <a:r>
-              <a:rPr lang="fr-FR" dirty="0" smtClean="0"/>
-              <a:t>le fichier </a:t>
-            </a:r>
-            <a:r>
-              <a:rPr lang="fr-FR" b="1" dirty="0" smtClean="0"/>
-              <a:t>SCAN/alsace2.tif</a:t>
-            </a:r>
-          </a:p>
-          <a:p>
-            <a:pPr marL="0" indent="0">
-              <a:buNone/>
-            </a:pPr>
-            <a:endParaRPr lang="fr-FR" dirty="0" smtClean="0"/>
+              <a:t>Exercices pratiques</a:t>
+            </a:r>
+            <a:endParaRPr lang="fr-FR" dirty="0"/>
           </a:p>
         </p:txBody>
       </p:sp>
     </p:spTree>
     <p:extLst>
       <p:ext uri="{BB962C8B-B14F-4D97-AF65-F5344CB8AC3E}">
-        <p14:creationId xmlns:p14="http://schemas.microsoft.com/office/powerpoint/2010/main" val="4068381604"/>
+        <p14:creationId xmlns:p14="http://schemas.microsoft.com/office/powerpoint/2010/main" val="4189460078"/>
       </p:ext>
     </p:extLst>
   </p:cSld>
   <p:clrMapOvr>
-    <a:overrideClrMapping bg1="lt1" tx1="dk1" bg2="lt2" tx2="dk2" accent1="accent1" accent2="accent2" accent3="accent3" accent4="accent4" accent5="accent5" accent6="accent6" hlink="hlink" folHlink="folHlink"/>
+    <a:masterClrMapping/>
   </p:clrMapOvr>
 </p:sld>
 </file>
@@ -16452,89 +17027,56 @@
           <a:lstStyle/>
           <a:p>
             <a:r>
-              <a:rPr lang="fr-FR" dirty="0" smtClean="0"/>
-              <a:t>Importer </a:t>
-            </a:r>
-            <a:r>
-              <a:rPr lang="fr-FR" b="1" dirty="0" smtClean="0"/>
-              <a:t>alsace-</a:t>
-            </a:r>
-            <a:r>
-              <a:rPr lang="fr-FR" b="1" dirty="0" err="1" smtClean="0"/>
-              <a:t>moselle.tif</a:t>
-            </a:r>
-            <a:r>
-              <a:rPr lang="fr-FR" dirty="0" smtClean="0"/>
-              <a:t>. </a:t>
-            </a:r>
-          </a:p>
-          <a:p>
-            <a:pPr lvl="1"/>
-            <a:r>
-              <a:rPr lang="fr-FR" dirty="0" smtClean="0"/>
-              <a:t>Importer </a:t>
-            </a:r>
-            <a:r>
-              <a:rPr lang="fr-FR" b="1" dirty="0" smtClean="0"/>
-              <a:t>lauterbourg.png</a:t>
-            </a:r>
-            <a:r>
-              <a:rPr lang="fr-FR" dirty="0" smtClean="0"/>
-              <a:t> et la géo-référencer.</a:t>
-            </a:r>
-          </a:p>
-          <a:p>
-            <a:pPr lvl="1"/>
-            <a:r>
-              <a:rPr lang="fr-FR" dirty="0" smtClean="0"/>
-              <a:t>Utiliser l’outil </a:t>
-            </a:r>
-            <a:r>
-              <a:rPr lang="fr-FR" b="1" dirty="0" smtClean="0"/>
-              <a:t>Image </a:t>
-            </a:r>
-            <a:r>
-              <a:rPr lang="fr-FR" b="1" dirty="0" err="1" smtClean="0"/>
-              <a:t>swipe</a:t>
-            </a:r>
-            <a:r>
-              <a:rPr lang="fr-FR" dirty="0" smtClean="0"/>
-              <a:t> pour vérifier la cohérence.</a:t>
-            </a:r>
-          </a:p>
-          <a:p>
-            <a:endParaRPr lang="fr-FR" dirty="0" smtClean="0"/>
-          </a:p>
-          <a:p>
-            <a:r>
-              <a:rPr lang="fr-FR" dirty="0" smtClean="0"/>
-              <a:t>Exporter la couche </a:t>
-            </a:r>
-            <a:r>
-              <a:rPr lang="fr-FR" b="1" dirty="0" smtClean="0"/>
-              <a:t>alsace-</a:t>
-            </a:r>
-            <a:r>
-              <a:rPr lang="fr-FR" b="1" dirty="0" err="1" smtClean="0"/>
-              <a:t>moselle.tif</a:t>
-            </a:r>
-            <a:r>
-              <a:rPr lang="fr-FR" dirty="0" smtClean="0"/>
-              <a:t> et ne garder que la zone entourant Lauterbourg.</a:t>
+              <a:rPr lang="fr-FR" dirty="0"/>
+              <a:t>Créer une surface englobant les points de la couche </a:t>
+            </a:r>
+            <a:r>
+              <a:rPr lang="fr-FR" b="1" dirty="0"/>
+              <a:t>geonames_67.csv</a:t>
+            </a:r>
+          </a:p>
+          <a:p>
+            <a:endParaRPr lang="fr-FR" dirty="0"/>
+          </a:p>
+          <a:p>
+            <a:r>
+              <a:rPr lang="fr-FR" dirty="0"/>
+              <a:t>Créer un point central de cette zone</a:t>
             </a:r>
           </a:p>
           <a:p>
             <a:pPr marL="0" indent="0">
               <a:buNone/>
             </a:pPr>
-            <a:endParaRPr lang="fr-FR" dirty="0" smtClean="0"/>
+            <a:endParaRPr lang="fr-FR" dirty="0"/>
+          </a:p>
+          <a:p>
+            <a:r>
+              <a:rPr lang="fr-FR" dirty="0" smtClean="0"/>
+              <a:t>Trouver le point le plus haut de cette zone</a:t>
+            </a:r>
+          </a:p>
+          <a:p>
+            <a:endParaRPr lang="fr-FR" dirty="0"/>
+          </a:p>
+          <a:p>
+            <a:r>
+              <a:rPr lang="fr-FR" dirty="0" smtClean="0"/>
+              <a:t>Tampon autour du point central</a:t>
+            </a:r>
+          </a:p>
+          <a:p>
+            <a:endParaRPr lang="fr-FR" dirty="0"/>
+          </a:p>
+          <a:p>
+            <a:endParaRPr lang="fr-FR" dirty="0"/>
           </a:p>
         </p:txBody>
       </p:sp>
     </p:spTree>
     <p:extLst>
       <p:ext uri="{BB962C8B-B14F-4D97-AF65-F5344CB8AC3E}">
-        <p14:creationId xmlns:p14="http://schemas.microsoft.com/office/powerpoint/2010/main" val="735760639"/>
+        <p14:creationId xmlns:p14="http://schemas.microsoft.com/office/powerpoint/2010/main" val="338508002"/>
       </p:ext>
     </p:extLst>
   </p:cSld>
@@ -16578,7 +17120,7 @@
           <a:p>
             <a:r>
               <a:rPr lang="fr-FR" dirty="0" smtClean="0"/>
-              <a:t>Exercice 8</a:t>
+              <a:t>Exercice 7</a:t>
             </a:r>
             <a:endParaRPr lang="fr-FR" dirty="0"/>
           </a:p>
@@ -16596,38 +17138,60 @@
         </p:nvSpPr>
         <p:spPr/>
         <p:txBody>
-          <a:bodyPr/>
+          <a:bodyPr>
+            <a:normAutofit/>
+          </a:bodyPr>
           <a:lstStyle/>
           <a:p>
             <a:r>
               <a:rPr lang="fr-FR" dirty="0" smtClean="0"/>
-              <a:t>Importer relais.csv</a:t>
-            </a:r>
-          </a:p>
-          <a:p>
-            <a:endParaRPr lang="fr-FR" dirty="0"/>
-          </a:p>
-          <a:p>
-            <a:r>
-              <a:rPr lang="fr-FR" dirty="0" smtClean="0"/>
-              <a:t>Effectuer une jointure avec relais_data.csv</a:t>
+              <a:t>Importer </a:t>
+            </a:r>
+            <a:r>
+              <a:rPr lang="fr-FR" b="1" dirty="0" smtClean="0"/>
+              <a:t>alsace-</a:t>
+            </a:r>
+            <a:r>
+              <a:rPr lang="fr-FR" b="1" dirty="0" err="1" smtClean="0"/>
+              <a:t>moselle.tif</a:t>
+            </a:r>
+            <a:r>
+              <a:rPr lang="fr-FR" dirty="0" smtClean="0"/>
+              <a:t>. </a:t>
             </a:r>
           </a:p>
           <a:p>
             <a:pPr lvl="1"/>
             <a:r>
               <a:rPr lang="fr-FR" dirty="0" smtClean="0"/>
-              <a:t>Sur l’attribut OBJECTID</a:t>
+              <a:t>Importer </a:t>
+            </a:r>
+            <a:r>
+              <a:rPr lang="fr-FR" b="1" dirty="0" smtClean="0"/>
+              <a:t>lauterbourg.png</a:t>
+            </a:r>
+            <a:r>
+              <a:rPr lang="fr-FR" dirty="0" smtClean="0"/>
+              <a:t> et la géo-référencer.</a:t>
             </a:r>
           </a:p>
           <a:p>
             <a:pPr lvl="1"/>
-            <a:endParaRPr lang="fr-FR" dirty="0"/>
-          </a:p>
-          <a:p>
-            <a:r>
-              <a:rPr lang="fr-FR" dirty="0" smtClean="0"/>
-              <a:t>Affecter le type « relais » aux points de la couches relais</a:t>
+            <a:r>
+              <a:rPr lang="fr-FR" dirty="0" smtClean="0"/>
+              <a:t>Utiliser l’outil </a:t>
+            </a:r>
+            <a:r>
+              <a:rPr lang="fr-FR" b="1" dirty="0" smtClean="0"/>
+              <a:t>Image </a:t>
+            </a:r>
+            <a:r>
+              <a:rPr lang="fr-FR" b="1" dirty="0" err="1" smtClean="0"/>
+              <a:t>swipe</a:t>
+            </a:r>
+            <a:r>
+              <a:rPr lang="fr-FR" dirty="0" smtClean="0"/>
+              <a:t> pour vérifier la cohérence.</a:t>
             </a:r>
           </a:p>
           <a:p>
@@ -16636,19 +17200,33 @@
           <a:p>
             <a:r>
               <a:rPr lang="fr-FR" dirty="0" smtClean="0"/>
-              <a:t>Générer une zone tampon autour de chaque relais</a:t>
-            </a:r>
-            <a:endParaRPr lang="fr-FR" dirty="0"/>
-          </a:p>
-          <a:p>
-            <a:endParaRPr lang="fr-FR" dirty="0"/>
+              <a:t>Exporter la couche </a:t>
+            </a:r>
+            <a:r>
+              <a:rPr lang="fr-FR" b="1" dirty="0" smtClean="0"/>
+              <a:t>alsace-</a:t>
+            </a:r>
+            <a:r>
+              <a:rPr lang="fr-FR" b="1" dirty="0" err="1" smtClean="0"/>
+              <a:t>moselle.tif</a:t>
+            </a:r>
+            <a:r>
+              <a:rPr lang="fr-FR" dirty="0" smtClean="0"/>
+              <a:t> et ne garder que la zone entourant Lauterbourg.</a:t>
+            </a:r>
+          </a:p>
+          <a:p>
+            <a:pPr marL="0" indent="0">
+              <a:buNone/>
+            </a:pPr>
+            <a:endParaRPr lang="fr-FR" dirty="0" smtClean="0"/>
           </a:p>
         </p:txBody>
       </p:sp>
     </p:spTree>
     <p:extLst>
       <p:ext uri="{BB962C8B-B14F-4D97-AF65-F5344CB8AC3E}">
-        <p14:creationId xmlns:p14="http://schemas.microsoft.com/office/powerpoint/2010/main" val="1675770178"/>
+        <p14:creationId xmlns:p14="http://schemas.microsoft.com/office/powerpoint/2010/main" val="735760639"/>
       </p:ext>
     </p:extLst>
   </p:cSld>
@@ -16677,7 +17255,7 @@
       </p:grpSpPr>
       <p:sp>
         <p:nvSpPr>
-          <p:cNvPr id="4" name="Titre 3"/>
+          <p:cNvPr id="2" name="Titre 1"/>
           <p:cNvSpPr>
             <a:spLocks noGrp="1"/>
           </p:cNvSpPr>
@@ -16715,56 +17293,46 @@
           <a:p>
             <a:r>
               <a:rPr lang="fr-FR" dirty="0" smtClean="0"/>
-              <a:t>Importer données </a:t>
-            </a:r>
-            <a:r>
-              <a:rPr lang="fr-FR" dirty="0" err="1" smtClean="0"/>
-              <a:t>printzheim</a:t>
-            </a:r>
+              <a:t>Importer relais.csv</a:t>
+            </a:r>
+          </a:p>
+          <a:p>
+            <a:endParaRPr lang="fr-FR" dirty="0"/>
+          </a:p>
+          <a:p>
+            <a:r>
+              <a:rPr lang="fr-FR" dirty="0" smtClean="0"/>
+              <a:t>Effectuer une jointure avec relais_data.csv</a:t>
+            </a:r>
+          </a:p>
+          <a:p>
+            <a:pPr lvl="1"/>
+            <a:r>
+              <a:rPr lang="fr-FR" dirty="0" smtClean="0"/>
+              <a:t>Sur l’attribut OBJECTID</a:t>
+            </a:r>
+          </a:p>
+          <a:p>
+            <a:pPr lvl="1"/>
+            <a:endParaRPr lang="fr-FR" dirty="0"/>
+          </a:p>
+          <a:p>
+            <a:r>
+              <a:rPr lang="fr-FR" dirty="0" smtClean="0"/>
+              <a:t>Affecter le type « relais » aux points de la couches relais</a:t>
+            </a:r>
+          </a:p>
+          <a:p>
             <a:endParaRPr lang="fr-FR" dirty="0" smtClean="0"/>
           </a:p>
           <a:p>
-            <a:pPr lvl="1"/>
-            <a:r>
-              <a:rPr lang="fr-FR" dirty="0" err="1" smtClean="0"/>
-              <a:t>Carto</a:t>
-            </a:r>
-            <a:endParaRPr lang="fr-FR" dirty="0" smtClean="0"/>
-          </a:p>
-          <a:p>
-            <a:pPr lvl="1"/>
-            <a:r>
-              <a:rPr lang="fr-FR" dirty="0" smtClean="0"/>
-              <a:t>Relief</a:t>
+            <a:r>
+              <a:rPr lang="fr-FR" dirty="0" smtClean="0"/>
+              <a:t>Générer une zone tampon autour de chaque relais</a:t>
             </a:r>
             <a:endParaRPr lang="fr-FR" dirty="0"/>
           </a:p>
           <a:p>
-            <a:endParaRPr lang="fr-FR" dirty="0" smtClean="0"/>
-          </a:p>
-          <a:p>
-            <a:r>
-              <a:rPr lang="fr-FR" dirty="0" smtClean="0"/>
-              <a:t>Chercher le point le plus haut de la zone</a:t>
-            </a:r>
-          </a:p>
-          <a:p>
-            <a:endParaRPr lang="fr-FR" dirty="0" smtClean="0"/>
-          </a:p>
-          <a:p>
-            <a:r>
-              <a:rPr lang="fr-FR" dirty="0" smtClean="0"/>
-              <a:t>Afficher à l’échelle 1:30000</a:t>
-            </a:r>
-          </a:p>
-          <a:p>
-            <a:endParaRPr lang="fr-FR" dirty="0"/>
-          </a:p>
-          <a:p>
-            <a:r>
-              <a:rPr lang="fr-FR" dirty="0" smtClean="0"/>
-              <a:t>Enregistrer une vue</a:t>
-            </a:r>
             <a:endParaRPr lang="fr-FR" dirty="0"/>
           </a:p>
         </p:txBody>
@@ -16772,7 +17340,7 @@
     </p:spTree>
     <p:extLst>
       <p:ext uri="{BB962C8B-B14F-4D97-AF65-F5344CB8AC3E}">
-        <p14:creationId xmlns:p14="http://schemas.microsoft.com/office/powerpoint/2010/main" val="1877121751"/>
+        <p14:creationId xmlns:p14="http://schemas.microsoft.com/office/powerpoint/2010/main" val="1675770178"/>
       </p:ext>
     </p:extLst>
   </p:cSld>
@@ -16801,7 +17369,7 @@
       </p:grpSpPr>
       <p:sp>
         <p:nvSpPr>
-          <p:cNvPr id="2" name="Titre 1"/>
+          <p:cNvPr id="4" name="Titre 3"/>
           <p:cNvSpPr>
             <a:spLocks noGrp="1"/>
           </p:cNvSpPr>
@@ -16816,7 +17384,7 @@
           <a:p>
             <a:r>
               <a:rPr lang="fr-FR" dirty="0" smtClean="0"/>
-              <a:t>Exercice 9</a:t>
+              <a:t>Exercice 8</a:t>
             </a:r>
             <a:endParaRPr lang="fr-FR" dirty="0"/>
           </a:p>
@@ -16839,16 +17407,46 @@
           <a:p>
             <a:r>
               <a:rPr lang="fr-FR" dirty="0" smtClean="0"/>
-              <a:t>Générer les lignes de crêtes</a:t>
-            </a:r>
-          </a:p>
-          <a:p>
+              <a:t>Importer données </a:t>
+            </a:r>
+            <a:r>
+              <a:rPr lang="fr-FR" dirty="0" err="1" smtClean="0"/>
+              <a:t>printzheim</a:t>
+            </a:r>
+            <a:endParaRPr lang="fr-FR" dirty="0" smtClean="0"/>
+          </a:p>
+          <a:p>
+            <a:pPr lvl="1"/>
+            <a:r>
+              <a:rPr lang="fr-FR" dirty="0" err="1" smtClean="0"/>
+              <a:t>Carto</a:t>
+            </a:r>
+            <a:endParaRPr lang="fr-FR" dirty="0" smtClean="0"/>
+          </a:p>
+          <a:p>
+            <a:pPr lvl="1"/>
+            <a:r>
+              <a:rPr lang="fr-FR" dirty="0" smtClean="0"/>
+              <a:t>Relief</a:t>
+            </a:r>
             <a:endParaRPr lang="fr-FR" dirty="0"/>
           </a:p>
           <a:p>
-            <a:r>
-              <a:rPr lang="fr-FR" dirty="0" smtClean="0"/>
-              <a:t>Générer les lignes de thalweg</a:t>
+            <a:endParaRPr lang="fr-FR" dirty="0" smtClean="0"/>
+          </a:p>
+          <a:p>
+            <a:r>
+              <a:rPr lang="fr-FR" dirty="0" smtClean="0"/>
+              <a:t>Chercher le point le plus haut de la zone</a:t>
+            </a:r>
+          </a:p>
+          <a:p>
+            <a:endParaRPr lang="fr-FR" dirty="0" smtClean="0"/>
+          </a:p>
+          <a:p>
+            <a:r>
+              <a:rPr lang="fr-FR" dirty="0" smtClean="0"/>
+              <a:t>Afficher à l’échelle 1:30000</a:t>
             </a:r>
           </a:p>
           <a:p>
@@ -16857,18 +17455,8 @@
           <a:p>
             <a:r>
               <a:rPr lang="fr-FR" dirty="0" smtClean="0"/>
-              <a:t>Importer Quartier </a:t>
-            </a:r>
-            <a:r>
-              <a:rPr lang="fr-FR" dirty="0" err="1" smtClean="0"/>
-              <a:t>Estienne.osm</a:t>
-            </a:r>
-            <a:endParaRPr lang="fr-FR" dirty="0" smtClean="0"/>
-          </a:p>
-          <a:p>
-            <a:endParaRPr lang="fr-FR" dirty="0"/>
-          </a:p>
-          <a:p>
+              <a:t>Enregistrer une vue</a:t>
+            </a:r>
             <a:endParaRPr lang="fr-FR" dirty="0"/>
           </a:p>
         </p:txBody>
@@ -16876,7 +17464,7 @@
     </p:spTree>
     <p:extLst>
       <p:ext uri="{BB962C8B-B14F-4D97-AF65-F5344CB8AC3E}">
-        <p14:creationId xmlns:p14="http://schemas.microsoft.com/office/powerpoint/2010/main" val="2091622215"/>
+        <p14:creationId xmlns:p14="http://schemas.microsoft.com/office/powerpoint/2010/main" val="1877121751"/>
       </p:ext>
     </p:extLst>
   </p:cSld>
@@ -16942,36 +17530,32 @@
           <a:lstStyle/>
           <a:p>
             <a:r>
-              <a:rPr lang="fr-FR" dirty="0"/>
-              <a:t>Importer </a:t>
-            </a:r>
-            <a:r>
-              <a:rPr lang="fr-FR" dirty="0" smtClean="0"/>
-              <a:t>fr_populatedplaces_p.txt</a:t>
-            </a:r>
-          </a:p>
-          <a:p>
+              <a:rPr lang="fr-FR" dirty="0" smtClean="0"/>
+              <a:t>Générer les lignes de crêtes</a:t>
+            </a:r>
+          </a:p>
+          <a:p>
+            <a:endParaRPr lang="fr-FR" dirty="0"/>
+          </a:p>
+          <a:p>
+            <a:r>
+              <a:rPr lang="fr-FR" dirty="0" smtClean="0"/>
+              <a:t>Générer les lignes de thalweg</a:t>
+            </a:r>
+          </a:p>
+          <a:p>
+            <a:endParaRPr lang="fr-FR" dirty="0"/>
+          </a:p>
+          <a:p>
+            <a:r>
+              <a:rPr lang="fr-FR" dirty="0" smtClean="0"/>
+              <a:t>Importer Quartier </a:t>
+            </a:r>
+            <a:r>
+              <a:rPr lang="fr-FR" dirty="0" err="1" smtClean="0"/>
+              <a:t>Estienne.osm</a:t>
+            </a:r>
             <a:endParaRPr lang="fr-FR" dirty="0" smtClean="0"/>
-          </a:p>
-          <a:p>
-            <a:r>
-              <a:rPr lang="fr-FR" dirty="0" smtClean="0"/>
-              <a:t>Sauvegarder les villes d’alsace dans un nouveau fichier</a:t>
-            </a:r>
-          </a:p>
-          <a:p>
-            <a:pPr lvl="1"/>
-            <a:r>
-              <a:rPr lang="fr-FR" dirty="0" smtClean="0"/>
-              <a:t>Importer région</a:t>
-            </a:r>
-          </a:p>
-          <a:p>
-            <a:pPr lvl="1"/>
-            <a:r>
-              <a:rPr lang="fr-FR" dirty="0" smtClean="0"/>
-              <a:t>Exporter selon contour</a:t>
-            </a:r>
           </a:p>
           <a:p>
             <a:endParaRPr lang="fr-FR" dirty="0"/>
@@ -16984,7 +17568,7 @@
     </p:spTree>
     <p:extLst>
       <p:ext uri="{BB962C8B-B14F-4D97-AF65-F5344CB8AC3E}">
-        <p14:creationId xmlns:p14="http://schemas.microsoft.com/office/powerpoint/2010/main" val="1102591644"/>
+        <p14:creationId xmlns:p14="http://schemas.microsoft.com/office/powerpoint/2010/main" val="2091622215"/>
       </p:ext>
     </p:extLst>
   </p:cSld>
@@ -16994,7 +17578,7 @@
 </p:sld>
 </file>
 
-<file path=ppt/slides/slide3.xml><?xml version="1.0" encoding="utf-8"?>
+<file path=ppt/slides/slide25.xml><?xml version="1.0" encoding="utf-8"?>
 <p:sld xmlns:a="http://schemas.openxmlformats.org/drawingml/2006/main" xmlns:r="http://schemas.openxmlformats.org/officeDocument/2006/relationships" xmlns:p="http://schemas.openxmlformats.org/presentationml/2006/main">
   <p:cSld>
     <p:spTree>
@@ -17028,7 +17612,7 @@
           <a:p>
             <a:r>
               <a:rPr lang="fr-FR" dirty="0" smtClean="0"/>
-              <a:t>Exercice 1</a:t>
+              <a:t>Exercice 9</a:t>
             </a:r>
             <a:endParaRPr lang="fr-FR" dirty="0"/>
           </a:p>
@@ -17046,88 +17630,390 @@
         </p:nvSpPr>
         <p:spPr/>
         <p:txBody>
-          <a:bodyPr>
-            <a:normAutofit/>
-          </a:bodyPr>
+          <a:bodyPr/>
           <a:lstStyle/>
           <a:p>
             <a:r>
               <a:rPr lang="fr-FR" dirty="0"/>
-              <a:t>Importer le vecteur </a:t>
-            </a:r>
-            <a:r>
-              <a:rPr lang="fr-FR" b="1" dirty="0" err="1"/>
-              <a:t>villes_alsace.kmz</a:t>
-            </a:r>
-            <a:endParaRPr lang="fr-FR" b="1" dirty="0"/>
+              <a:t>Importer </a:t>
+            </a:r>
+            <a:r>
+              <a:rPr lang="fr-FR" dirty="0" smtClean="0"/>
+              <a:t>fr_populatedplaces_p.txt</a:t>
+            </a:r>
+          </a:p>
+          <a:p>
+            <a:endParaRPr lang="fr-FR" dirty="0" smtClean="0"/>
+          </a:p>
+          <a:p>
+            <a:r>
+              <a:rPr lang="fr-FR" dirty="0" smtClean="0"/>
+              <a:t>Sauvegarder les villes d’alsace dans un nouveau fichier</a:t>
+            </a:r>
+          </a:p>
+          <a:p>
+            <a:pPr lvl="1"/>
+            <a:r>
+              <a:rPr lang="fr-FR" dirty="0" smtClean="0"/>
+              <a:t>Importer région</a:t>
+            </a:r>
+          </a:p>
+          <a:p>
+            <a:pPr lvl="1"/>
+            <a:r>
+              <a:rPr lang="fr-FR" dirty="0" smtClean="0"/>
+              <a:t>Exporter selon contour</a:t>
+            </a:r>
           </a:p>
           <a:p>
             <a:endParaRPr lang="fr-FR" dirty="0"/>
           </a:p>
           <a:p>
-            <a:r>
-              <a:rPr lang="fr-FR" dirty="0"/>
-              <a:t>Importer le vecteur </a:t>
-            </a:r>
-            <a:r>
-              <a:rPr lang="fr-FR" b="1" dirty="0" err="1" smtClean="0"/>
-              <a:t>villes_ouest.kmz</a:t>
-            </a:r>
-            <a:endParaRPr lang="fr-FR" b="1" dirty="0" smtClean="0"/>
-          </a:p>
-          <a:p>
-            <a:endParaRPr lang="fr-FR" b="1" dirty="0"/>
-          </a:p>
-          <a:p>
-            <a:r>
-              <a:rPr lang="fr-FR" dirty="0" smtClean="0"/>
-              <a:t>Centrer </a:t>
-            </a:r>
-            <a:r>
-              <a:rPr lang="fr-FR" dirty="0"/>
-              <a:t>la vue sur </a:t>
-            </a:r>
-            <a:r>
-              <a:rPr lang="pl-PL" dirty="0"/>
-              <a:t>32 U LV 54890 </a:t>
-            </a:r>
-            <a:r>
-              <a:rPr lang="pl-PL" dirty="0" smtClean="0"/>
-              <a:t>21021</a:t>
-            </a:r>
-            <a:endParaRPr lang="fr-FR" dirty="0" smtClean="0"/>
-          </a:p>
-          <a:p>
-            <a:pPr marL="0" indent="0">
-              <a:buNone/>
-            </a:pPr>
-            <a:endParaRPr lang="fr-FR" dirty="0" smtClean="0"/>
-          </a:p>
-          <a:p>
-            <a:r>
-              <a:rPr lang="fr-FR" dirty="0" smtClean="0"/>
-              <a:t>Enregistrer l’espace de travail « </a:t>
-            </a:r>
-            <a:r>
-              <a:rPr lang="fr-FR" b="1" dirty="0" err="1" smtClean="0"/>
-              <a:t>exo_base.gmw</a:t>
-            </a:r>
-            <a:r>
-              <a:rPr lang="fr-FR" dirty="0" smtClean="0"/>
-              <a:t> »</a:t>
-            </a:r>
+            <a:endParaRPr lang="fr-FR" dirty="0"/>
           </a:p>
         </p:txBody>
       </p:sp>
     </p:spTree>
     <p:extLst>
       <p:ext uri="{BB962C8B-B14F-4D97-AF65-F5344CB8AC3E}">
-        <p14:creationId xmlns:p14="http://schemas.microsoft.com/office/powerpoint/2010/main" val="4214700777"/>
+        <p14:creationId xmlns:p14="http://schemas.microsoft.com/office/powerpoint/2010/main" val="1102591644"/>
       </p:ext>
     </p:extLst>
   </p:cSld>
   <p:clrMapOvr>
     <a:masterClrMapping/>
+  </p:clrMapOvr>
+</p:sld>
+</file>
+
+<file path=ppt/slides/slide26.xml><?xml version="1.0" encoding="utf-8"?>
+<p:sld xmlns:a="http://schemas.openxmlformats.org/drawingml/2006/main" xmlns:r="http://schemas.openxmlformats.org/officeDocument/2006/relationships" xmlns:p="http://schemas.openxmlformats.org/presentationml/2006/main">
+  <p:cSld>
+    <p:spTree>
+      <p:nvGrpSpPr>
+        <p:cNvPr id="1" name=""/>
+        <p:cNvGrpSpPr/>
+        <p:nvPr/>
+      </p:nvGrpSpPr>
+      <p:grpSpPr>
+        <a:xfrm>
+          <a:off x="0" y="0"/>
+          <a:ext cx="0" cy="0"/>
+          <a:chOff x="0" y="0"/>
+          <a:chExt cx="0" cy="0"/>
+        </a:xfrm>
+      </p:grpSpPr>
+      <p:sp>
+        <p:nvSpPr>
+          <p:cNvPr id="2" name="Titre 1"/>
+          <p:cNvSpPr>
+            <a:spLocks noGrp="1"/>
+          </p:cNvSpPr>
+          <p:nvPr>
+            <p:ph type="title"/>
+          </p:nvPr>
+        </p:nvSpPr>
+        <p:spPr/>
+        <p:txBody>
+          <a:bodyPr/>
+          <a:lstStyle/>
+          <a:p>
+            <a:r>
+              <a:rPr lang="fr-FR" dirty="0" smtClean="0"/>
+              <a:t>Exercice 10</a:t>
+            </a:r>
+            <a:endParaRPr lang="fr-FR" dirty="0"/>
+          </a:p>
+        </p:txBody>
+      </p:sp>
+      <p:sp>
+        <p:nvSpPr>
+          <p:cNvPr id="3" name="Espace réservé du contenu 2"/>
+          <p:cNvSpPr>
+            <a:spLocks noGrp="1"/>
+          </p:cNvSpPr>
+          <p:nvPr>
+            <p:ph idx="1"/>
+          </p:nvPr>
+        </p:nvSpPr>
+        <p:spPr/>
+        <p:txBody>
+          <a:bodyPr/>
+          <a:lstStyle/>
+          <a:p>
+            <a:r>
+              <a:rPr lang="fr-FR" dirty="0" smtClean="0"/>
+              <a:t>Importer le vecteur trajets</a:t>
+            </a:r>
+          </a:p>
+          <a:p>
+            <a:endParaRPr lang="fr-FR" dirty="0"/>
+          </a:p>
+          <a:p>
+            <a:r>
+              <a:rPr lang="fr-FR" dirty="0" smtClean="0"/>
+              <a:t>Réaliser une étude de densité sur la couche trajets</a:t>
+            </a:r>
+          </a:p>
+          <a:p>
+            <a:endParaRPr lang="fr-FR" dirty="0"/>
+          </a:p>
+          <a:p>
+            <a:r>
+              <a:rPr lang="fr-FR" dirty="0" smtClean="0"/>
+              <a:t>Importer les relais</a:t>
+            </a:r>
+          </a:p>
+          <a:p>
+            <a:endParaRPr lang="fr-FR" dirty="0"/>
+          </a:p>
+          <a:p>
+            <a:r>
+              <a:rPr lang="fr-FR" dirty="0" smtClean="0"/>
+              <a:t>Réaliser un diagramme de </a:t>
+            </a:r>
+            <a:r>
+              <a:rPr lang="fr-FR" dirty="0" err="1" smtClean="0"/>
+              <a:t>Vornoi</a:t>
+            </a:r>
+            <a:r>
+              <a:rPr lang="fr-FR" dirty="0" smtClean="0"/>
+              <a:t>/</a:t>
+            </a:r>
+            <a:r>
+              <a:rPr lang="fr-FR" dirty="0" err="1" smtClean="0"/>
+              <a:t>Thiessen</a:t>
+            </a:r>
+            <a:r>
+              <a:rPr lang="fr-FR" dirty="0" smtClean="0"/>
+              <a:t> sur les relais</a:t>
+            </a:r>
+          </a:p>
+          <a:p>
+            <a:endParaRPr lang="fr-FR" dirty="0"/>
+          </a:p>
+          <a:p>
+            <a:endParaRPr lang="fr-FR" dirty="0"/>
+          </a:p>
+        </p:txBody>
+      </p:sp>
+    </p:spTree>
+    <p:extLst>
+      <p:ext uri="{BB962C8B-B14F-4D97-AF65-F5344CB8AC3E}">
+        <p14:creationId xmlns:p14="http://schemas.microsoft.com/office/powerpoint/2010/main" val="1507155692"/>
+      </p:ext>
+    </p:extLst>
+  </p:cSld>
+  <p:clrMapOvr>
+    <a:masterClrMapping/>
+  </p:clrMapOvr>
+</p:sld>
+</file>
+
+<file path=ppt/slides/slide27.xml><?xml version="1.0" encoding="utf-8"?>
+<p:sld xmlns:a="http://schemas.openxmlformats.org/drawingml/2006/main" xmlns:r="http://schemas.openxmlformats.org/officeDocument/2006/relationships" xmlns:p="http://schemas.openxmlformats.org/presentationml/2006/main">
+  <p:cSld>
+    <p:spTree>
+      <p:nvGrpSpPr>
+        <p:cNvPr id="1" name=""/>
+        <p:cNvGrpSpPr/>
+        <p:nvPr/>
+      </p:nvGrpSpPr>
+      <p:grpSpPr>
+        <a:xfrm>
+          <a:off x="0" y="0"/>
+          <a:ext cx="0" cy="0"/>
+          <a:chOff x="0" y="0"/>
+          <a:chExt cx="0" cy="0"/>
+        </a:xfrm>
+      </p:grpSpPr>
+      <p:sp>
+        <p:nvSpPr>
+          <p:cNvPr id="2" name="Titre 1"/>
+          <p:cNvSpPr>
+            <a:spLocks noGrp="1"/>
+          </p:cNvSpPr>
+          <p:nvPr>
+            <p:ph type="title"/>
+          </p:nvPr>
+        </p:nvSpPr>
+        <p:spPr/>
+        <p:txBody>
+          <a:bodyPr/>
+          <a:lstStyle/>
+          <a:p>
+            <a:r>
+              <a:rPr lang="fr-FR" dirty="0" smtClean="0"/>
+              <a:t>Exercice 10</a:t>
+            </a:r>
+            <a:endParaRPr lang="fr-FR" dirty="0"/>
+          </a:p>
+        </p:txBody>
+      </p:sp>
+      <p:sp>
+        <p:nvSpPr>
+          <p:cNvPr id="3" name="Espace réservé du contenu 2"/>
+          <p:cNvSpPr>
+            <a:spLocks noGrp="1"/>
+          </p:cNvSpPr>
+          <p:nvPr>
+            <p:ph idx="1"/>
+          </p:nvPr>
+        </p:nvSpPr>
+        <p:spPr/>
+        <p:txBody>
+          <a:bodyPr/>
+          <a:lstStyle/>
+          <a:p>
+            <a:r>
+              <a:rPr lang="fr-FR" dirty="0" smtClean="0"/>
+              <a:t>Importer la trace GPS</a:t>
+            </a:r>
+            <a:endParaRPr lang="fr-FR" dirty="0"/>
+          </a:p>
+          <a:p>
+            <a:endParaRPr lang="fr-FR" dirty="0" smtClean="0"/>
+          </a:p>
+          <a:p>
+            <a:r>
+              <a:rPr lang="fr-FR" dirty="0" smtClean="0"/>
+              <a:t>Transformer la suite de points en ligne</a:t>
+            </a:r>
+          </a:p>
+        </p:txBody>
+      </p:sp>
+    </p:spTree>
+    <p:extLst>
+      <p:ext uri="{BB962C8B-B14F-4D97-AF65-F5344CB8AC3E}">
+        <p14:creationId xmlns:p14="http://schemas.microsoft.com/office/powerpoint/2010/main" val="1595350903"/>
+      </p:ext>
+    </p:extLst>
+  </p:cSld>
+  <p:clrMapOvr>
+    <a:masterClrMapping/>
+  </p:clrMapOvr>
+</p:sld>
+</file>
+
+<file path=ppt/slides/slide3.xml><?xml version="1.0" encoding="utf-8"?>
+<p:sld xmlns:a="http://schemas.openxmlformats.org/drawingml/2006/main" xmlns:r="http://schemas.openxmlformats.org/officeDocument/2006/relationships" xmlns:p="http://schemas.openxmlformats.org/presentationml/2006/main">
+  <p:cSld>
+    <p:bg>
+      <p:bgRef idx="1001">
+        <a:schemeClr val="bg1"/>
+      </p:bgRef>
+    </p:bg>
+    <p:spTree>
+      <p:nvGrpSpPr>
+        <p:cNvPr id="1" name=""/>
+        <p:cNvGrpSpPr/>
+        <p:nvPr/>
+      </p:nvGrpSpPr>
+      <p:grpSpPr>
+        <a:xfrm>
+          <a:off x="0" y="0"/>
+          <a:ext cx="0" cy="0"/>
+          <a:chOff x="0" y="0"/>
+          <a:chExt cx="0" cy="0"/>
+        </a:xfrm>
+      </p:grpSpPr>
+      <p:sp>
+        <p:nvSpPr>
+          <p:cNvPr id="2" name="Titre 1"/>
+          <p:cNvSpPr>
+            <a:spLocks noGrp="1"/>
+          </p:cNvSpPr>
+          <p:nvPr>
+            <p:ph type="title"/>
+          </p:nvPr>
+        </p:nvSpPr>
+        <p:spPr/>
+        <p:txBody>
+          <a:bodyPr/>
+          <a:lstStyle/>
+          <a:p>
+            <a:r>
+              <a:rPr lang="fr-FR" dirty="0" smtClean="0"/>
+              <a:t>Exercice 1</a:t>
+            </a:r>
+            <a:endParaRPr lang="fr-FR" dirty="0"/>
+          </a:p>
+        </p:txBody>
+      </p:sp>
+      <p:sp>
+        <p:nvSpPr>
+          <p:cNvPr id="3" name="Espace réservé du contenu 2"/>
+          <p:cNvSpPr>
+            <a:spLocks noGrp="1"/>
+          </p:cNvSpPr>
+          <p:nvPr>
+            <p:ph idx="1"/>
+          </p:nvPr>
+        </p:nvSpPr>
+        <p:spPr/>
+        <p:txBody>
+          <a:bodyPr>
+            <a:normAutofit/>
+          </a:bodyPr>
+          <a:lstStyle/>
+          <a:p>
+            <a:r>
+              <a:rPr lang="fr-FR" dirty="0" smtClean="0"/>
+              <a:t>Importer les fichiers </a:t>
+            </a:r>
+            <a:r>
+              <a:rPr lang="fr-FR" b="1" dirty="0" smtClean="0"/>
+              <a:t>CARTO/BDORTHO/*.ECW</a:t>
+            </a:r>
+          </a:p>
+          <a:p>
+            <a:endParaRPr lang="fr-FR" dirty="0" smtClean="0"/>
+          </a:p>
+          <a:p>
+            <a:r>
+              <a:rPr lang="fr-FR" dirty="0" smtClean="0"/>
+              <a:t>Importer tout le dossier </a:t>
+            </a:r>
+            <a:r>
+              <a:rPr lang="fr-FR" b="1" dirty="0" smtClean="0"/>
+              <a:t>CARTO/DTED</a:t>
+            </a:r>
+            <a:endParaRPr lang="fr-FR" b="1" dirty="0"/>
+          </a:p>
+          <a:p>
+            <a:endParaRPr lang="fr-FR" dirty="0" smtClean="0"/>
+          </a:p>
+          <a:p>
+            <a:r>
+              <a:rPr lang="fr-FR" dirty="0"/>
+              <a:t>Importer </a:t>
+            </a:r>
+            <a:r>
+              <a:rPr lang="fr-FR" dirty="0" smtClean="0"/>
+              <a:t>le fichier </a:t>
+            </a:r>
+            <a:r>
+              <a:rPr lang="fr-FR" b="1" dirty="0" smtClean="0"/>
+              <a:t>SCAN/alsace2.tif</a:t>
+            </a:r>
+          </a:p>
+          <a:p>
+            <a:pPr marL="0" indent="0">
+              <a:buNone/>
+            </a:pPr>
+            <a:endParaRPr lang="fr-FR" dirty="0" smtClean="0"/>
+          </a:p>
+        </p:txBody>
+      </p:sp>
+    </p:spTree>
+    <p:extLst>
+      <p:ext uri="{BB962C8B-B14F-4D97-AF65-F5344CB8AC3E}">
+        <p14:creationId xmlns:p14="http://schemas.microsoft.com/office/powerpoint/2010/main" val="4068381604"/>
+      </p:ext>
+    </p:extLst>
+  </p:cSld>
+  <p:clrMapOvr>
+    <a:overrideClrMapping bg1="lt1" tx1="dk1" bg2="lt2" tx2="dk2" accent1="accent1" accent2="accent2" accent3="accent3" accent4="accent4" accent5="accent5" accent6="accent6" hlink="hlink" folHlink="folHlink"/>
   </p:clrMapOvr>
 </p:sld>
 </file>
@@ -17191,102 +18077,76 @@
           <a:p>
             <a:r>
               <a:rPr lang="fr-FR" dirty="0"/>
-              <a:t>Tracer un </a:t>
-            </a:r>
-            <a:r>
-              <a:rPr lang="fr-FR" dirty="0" smtClean="0"/>
-              <a:t>itinéraire</a:t>
-            </a:r>
-          </a:p>
-          <a:p>
-            <a:pPr lvl="1"/>
-            <a:r>
-              <a:rPr lang="fr-FR" dirty="0" smtClean="0"/>
-              <a:t>Départ : </a:t>
-            </a:r>
-            <a:r>
-              <a:rPr lang="pl-PL" b="1" dirty="0"/>
-              <a:t>32ULV 54890 </a:t>
-            </a:r>
-            <a:r>
-              <a:rPr lang="pl-PL" b="1" dirty="0" smtClean="0"/>
+              <a:t>Importer le vecteur </a:t>
+            </a:r>
+            <a:r>
+              <a:rPr lang="fr-FR" b="1" dirty="0" err="1"/>
+              <a:t>villes_alsace.kmz</a:t>
+            </a:r>
+            <a:endParaRPr lang="fr-FR" b="1" dirty="0"/>
+          </a:p>
+          <a:p>
+            <a:endParaRPr lang="fr-FR" dirty="0"/>
+          </a:p>
+          <a:p>
+            <a:r>
+              <a:rPr lang="fr-FR" dirty="0"/>
+              <a:t>Importer le vecteur </a:t>
+            </a:r>
+            <a:r>
+              <a:rPr lang="fr-FR" b="1" dirty="0" err="1" smtClean="0"/>
+              <a:t>villes_ouest.kmz</a:t>
+            </a:r>
+            <a:endParaRPr lang="fr-FR" b="1" dirty="0" smtClean="0"/>
+          </a:p>
+          <a:p>
+            <a:endParaRPr lang="fr-FR" b="1" dirty="0"/>
+          </a:p>
+          <a:p>
+            <a:r>
+              <a:rPr lang="fr-FR" dirty="0" smtClean="0"/>
+              <a:t>Centrer </a:t>
+            </a:r>
+            <a:r>
+              <a:rPr lang="fr-FR" dirty="0"/>
+              <a:t>la vue sur </a:t>
+            </a:r>
+            <a:r>
+              <a:rPr lang="pl-PL" dirty="0"/>
+              <a:t>32 U LV 54890 </a:t>
+            </a:r>
+            <a:r>
+              <a:rPr lang="pl-PL" dirty="0" smtClean="0"/>
               <a:t>21021</a:t>
             </a:r>
-            <a:endParaRPr lang="fr-FR" b="1" dirty="0" smtClean="0"/>
-          </a:p>
-          <a:p>
-            <a:pPr lvl="1"/>
-            <a:r>
-              <a:rPr lang="fr-FR" dirty="0" smtClean="0"/>
-              <a:t>Arrivée : </a:t>
-            </a:r>
-            <a:r>
-              <a:rPr lang="pl-PL" b="1" dirty="0" smtClean="0"/>
-              <a:t>32ULV </a:t>
-            </a:r>
-            <a:r>
-              <a:rPr lang="pl-PL" b="1" dirty="0"/>
-              <a:t>53274 19025</a:t>
-            </a:r>
-            <a:endParaRPr lang="fr-FR" b="1" dirty="0"/>
-          </a:p>
-          <a:p>
-            <a:pPr lvl="1"/>
-            <a:r>
-              <a:rPr lang="fr-FR" dirty="0"/>
-              <a:t>Style : ligne en pointillé, rouge, épaisseur de </a:t>
-            </a:r>
-            <a:r>
-              <a:rPr lang="fr-FR" dirty="0" smtClean="0"/>
-              <a:t>3</a:t>
-            </a:r>
-          </a:p>
-          <a:p>
-            <a:pPr lvl="1"/>
-            <a:r>
-              <a:rPr lang="fr-FR" dirty="0" smtClean="0"/>
-              <a:t>Enregistrer dans une couche « itinéraire »</a:t>
-            </a:r>
-          </a:p>
-          <a:p>
-            <a:endParaRPr lang="fr-FR" dirty="0"/>
-          </a:p>
-          <a:p>
-            <a:r>
-              <a:rPr lang="fr-FR" dirty="0" smtClean="0"/>
-              <a:t>Ajouter un PPO sur chaque croisement rencontré</a:t>
-            </a:r>
-          </a:p>
-          <a:p>
             <a:endParaRPr lang="fr-FR" dirty="0" smtClean="0"/>
           </a:p>
           <a:p>
-            <a:r>
-              <a:rPr lang="fr-FR" dirty="0"/>
-              <a:t>Effectuer le </a:t>
-            </a:r>
-            <a:r>
-              <a:rPr lang="fr-FR" b="1" dirty="0"/>
-              <a:t>profil du tracé</a:t>
-            </a:r>
-            <a:r>
-              <a:rPr lang="fr-FR" dirty="0"/>
-              <a:t> sur cet itinéraire</a:t>
-            </a:r>
-          </a:p>
-          <a:p>
-            <a:pPr lvl="1"/>
-            <a:endParaRPr lang="fr-FR" dirty="0"/>
-          </a:p>
-          <a:p>
-            <a:endParaRPr lang="fr-FR" dirty="0"/>
+            <a:pPr marL="0" indent="0">
+              <a:buNone/>
+            </a:pPr>
+            <a:endParaRPr lang="fr-FR" dirty="0" smtClean="0"/>
+          </a:p>
+          <a:p>
+            <a:r>
+              <a:rPr lang="fr-FR" dirty="0" smtClean="0"/>
+              <a:t>Enregistrer l’espace de travail « </a:t>
+            </a:r>
+            <a:r>
+              <a:rPr lang="fr-FR" b="1" dirty="0" err="1" smtClean="0"/>
+              <a:t>exo_base.gmw</a:t>
+            </a:r>
+            <a:r>
+              <a:rPr lang="fr-FR" dirty="0" smtClean="0"/>
+              <a:t> »</a:t>
+            </a:r>
           </a:p>
         </p:txBody>
       </p:sp>
     </p:spTree>
     <p:extLst>
       <p:ext uri="{BB962C8B-B14F-4D97-AF65-F5344CB8AC3E}">
-        <p14:creationId xmlns:p14="http://schemas.microsoft.com/office/powerpoint/2010/main" val="3140496080"/>
+        <p14:creationId xmlns:p14="http://schemas.microsoft.com/office/powerpoint/2010/main" val="4214700777"/>
       </p:ext>
     </p:extLst>
   </p:cSld>
@@ -17354,6 +18214,170 @@
           <a:lstStyle/>
           <a:p>
             <a:r>
+              <a:rPr lang="fr-FR" dirty="0"/>
+              <a:t>Tracer un </a:t>
+            </a:r>
+            <a:r>
+              <a:rPr lang="fr-FR" dirty="0" smtClean="0"/>
+              <a:t>itinéraire</a:t>
+            </a:r>
+          </a:p>
+          <a:p>
+            <a:pPr lvl="1"/>
+            <a:r>
+              <a:rPr lang="fr-FR" dirty="0" smtClean="0"/>
+              <a:t>Départ : </a:t>
+            </a:r>
+            <a:r>
+              <a:rPr lang="pl-PL" b="1" dirty="0"/>
+              <a:t>32ULV 54890 </a:t>
+            </a:r>
+            <a:r>
+              <a:rPr lang="pl-PL" b="1" dirty="0" smtClean="0"/>
+              <a:t>21021</a:t>
+            </a:r>
+            <a:endParaRPr lang="fr-FR" b="1" dirty="0" smtClean="0"/>
+          </a:p>
+          <a:p>
+            <a:pPr lvl="1"/>
+            <a:r>
+              <a:rPr lang="fr-FR" dirty="0" smtClean="0"/>
+              <a:t>Arrivée : </a:t>
+            </a:r>
+            <a:r>
+              <a:rPr lang="pl-PL" b="1" dirty="0" smtClean="0"/>
+              <a:t>32ULV </a:t>
+            </a:r>
+            <a:r>
+              <a:rPr lang="pl-PL" b="1" dirty="0"/>
+              <a:t>53274 19025</a:t>
+            </a:r>
+            <a:endParaRPr lang="fr-FR" b="1" dirty="0"/>
+          </a:p>
+          <a:p>
+            <a:pPr lvl="1"/>
+            <a:r>
+              <a:rPr lang="fr-FR" dirty="0"/>
+              <a:t>Style : ligne en pointillé, rouge, épaisseur de </a:t>
+            </a:r>
+            <a:r>
+              <a:rPr lang="fr-FR" dirty="0" smtClean="0"/>
+              <a:t>3</a:t>
+            </a:r>
+          </a:p>
+          <a:p>
+            <a:pPr lvl="1"/>
+            <a:r>
+              <a:rPr lang="fr-FR" dirty="0" smtClean="0"/>
+              <a:t>Enregistrer dans une couche « itinéraire »</a:t>
+            </a:r>
+          </a:p>
+          <a:p>
+            <a:endParaRPr lang="fr-FR" dirty="0"/>
+          </a:p>
+          <a:p>
+            <a:r>
+              <a:rPr lang="fr-FR" dirty="0" smtClean="0"/>
+              <a:t>Ajouter un PPO sur chaque croisement rencontré</a:t>
+            </a:r>
+          </a:p>
+          <a:p>
+            <a:endParaRPr lang="fr-FR" dirty="0" smtClean="0"/>
+          </a:p>
+          <a:p>
+            <a:r>
+              <a:rPr lang="fr-FR" dirty="0"/>
+              <a:t>Effectuer le </a:t>
+            </a:r>
+            <a:r>
+              <a:rPr lang="fr-FR" b="1" dirty="0"/>
+              <a:t>profil du tracé</a:t>
+            </a:r>
+            <a:r>
+              <a:rPr lang="fr-FR" dirty="0"/>
+              <a:t> sur cet itinéraire</a:t>
+            </a:r>
+          </a:p>
+          <a:p>
+            <a:pPr lvl="1"/>
+            <a:endParaRPr lang="fr-FR" dirty="0"/>
+          </a:p>
+          <a:p>
+            <a:endParaRPr lang="fr-FR" dirty="0"/>
+          </a:p>
+        </p:txBody>
+      </p:sp>
+    </p:spTree>
+    <p:extLst>
+      <p:ext uri="{BB962C8B-B14F-4D97-AF65-F5344CB8AC3E}">
+        <p14:creationId xmlns:p14="http://schemas.microsoft.com/office/powerpoint/2010/main" val="3140496080"/>
+      </p:ext>
+    </p:extLst>
+  </p:cSld>
+  <p:clrMapOvr>
+    <a:masterClrMapping/>
+  </p:clrMapOvr>
+</p:sld>
+</file>
+
+<file path=ppt/slides/slide6.xml><?xml version="1.0" encoding="utf-8"?>
+<p:sld xmlns:a="http://schemas.openxmlformats.org/drawingml/2006/main" xmlns:r="http://schemas.openxmlformats.org/officeDocument/2006/relationships" xmlns:p="http://schemas.openxmlformats.org/presentationml/2006/main">
+  <p:cSld>
+    <p:spTree>
+      <p:nvGrpSpPr>
+        <p:cNvPr id="1" name=""/>
+        <p:cNvGrpSpPr/>
+        <p:nvPr/>
+      </p:nvGrpSpPr>
+      <p:grpSpPr>
+        <a:xfrm>
+          <a:off x="0" y="0"/>
+          <a:ext cx="0" cy="0"/>
+          <a:chOff x="0" y="0"/>
+          <a:chExt cx="0" cy="0"/>
+        </a:xfrm>
+      </p:grpSpPr>
+      <p:sp>
+        <p:nvSpPr>
+          <p:cNvPr id="2" name="Titre 1"/>
+          <p:cNvSpPr>
+            <a:spLocks noGrp="1"/>
+          </p:cNvSpPr>
+          <p:nvPr>
+            <p:ph type="title"/>
+          </p:nvPr>
+        </p:nvSpPr>
+        <p:spPr/>
+        <p:txBody>
+          <a:bodyPr/>
+          <a:lstStyle/>
+          <a:p>
+            <a:r>
+              <a:rPr lang="fr-FR" dirty="0" smtClean="0"/>
+              <a:t>Exercice 1</a:t>
+            </a:r>
+            <a:endParaRPr lang="fr-FR" dirty="0"/>
+          </a:p>
+        </p:txBody>
+      </p:sp>
+      <p:sp>
+        <p:nvSpPr>
+          <p:cNvPr id="3" name="Espace réservé du contenu 2"/>
+          <p:cNvSpPr>
+            <a:spLocks noGrp="1"/>
+          </p:cNvSpPr>
+          <p:nvPr>
+            <p:ph idx="1"/>
+          </p:nvPr>
+        </p:nvSpPr>
+        <p:spPr/>
+        <p:txBody>
+          <a:bodyPr>
+            <a:normAutofit/>
+          </a:bodyPr>
+          <a:lstStyle/>
+          <a:p>
+            <a:r>
               <a:rPr lang="fr-FR" dirty="0" smtClean="0"/>
               <a:t>Exporter l’itinéraire</a:t>
             </a:r>
@@ -17421,7 +18445,7 @@
 </p:sld>
 </file>
 
-<file path=ppt/slides/slide6.xml><?xml version="1.0" encoding="utf-8"?>
+<file path=ppt/slides/slide7.xml><?xml version="1.0" encoding="utf-8"?>
 <p:sld xmlns:a="http://schemas.openxmlformats.org/drawingml/2006/main" xmlns:r="http://schemas.openxmlformats.org/officeDocument/2006/relationships" xmlns:p="http://schemas.openxmlformats.org/presentationml/2006/main">
   <p:cSld>
     <p:spTree>
@@ -17844,141 +18868,6 @@
 </p:sld>
 </file>
 
-<file path=ppt/slides/slide7.xml><?xml version="1.0" encoding="utf-8"?>
-<p:sld xmlns:a="http://schemas.openxmlformats.org/drawingml/2006/main" xmlns:r="http://schemas.openxmlformats.org/officeDocument/2006/relationships" xmlns:p="http://schemas.openxmlformats.org/presentationml/2006/main">
-  <p:cSld>
-    <p:spTree>
-      <p:nvGrpSpPr>
-        <p:cNvPr id="1" name=""/>
-        <p:cNvGrpSpPr/>
-        <p:nvPr/>
-      </p:nvGrpSpPr>
-      <p:grpSpPr>
-        <a:xfrm>
-          <a:off x="0" y="0"/>
-          <a:ext cx="0" cy="0"/>
-          <a:chOff x="0" y="0"/>
-          <a:chExt cx="0" cy="0"/>
-        </a:xfrm>
-      </p:grpSpPr>
-      <p:sp>
-        <p:nvSpPr>
-          <p:cNvPr id="2" name="Titre 1"/>
-          <p:cNvSpPr>
-            <a:spLocks noGrp="1"/>
-          </p:cNvSpPr>
-          <p:nvPr>
-            <p:ph type="title"/>
-          </p:nvPr>
-        </p:nvSpPr>
-        <p:spPr/>
-        <p:txBody>
-          <a:bodyPr/>
-          <a:lstStyle/>
-          <a:p>
-            <a:r>
-              <a:rPr lang="fr-FR" dirty="0" smtClean="0"/>
-              <a:t>Exercice 2</a:t>
-            </a:r>
-            <a:endParaRPr lang="fr-FR" dirty="0"/>
-          </a:p>
-        </p:txBody>
-      </p:sp>
-      <p:sp>
-        <p:nvSpPr>
-          <p:cNvPr id="3" name="Espace réservé du contenu 2"/>
-          <p:cNvSpPr>
-            <a:spLocks noGrp="1"/>
-          </p:cNvSpPr>
-          <p:nvPr>
-            <p:ph idx="1"/>
-          </p:nvPr>
-        </p:nvSpPr>
-        <p:spPr/>
-        <p:txBody>
-          <a:bodyPr>
-            <a:normAutofit fontScale="92500" lnSpcReduction="10000"/>
-          </a:bodyPr>
-          <a:lstStyle/>
-          <a:p>
-            <a:r>
-              <a:rPr lang="fr-FR" dirty="0" smtClean="0"/>
-              <a:t>Dessiner une box autour de la zone mise en évidence</a:t>
-            </a:r>
-          </a:p>
-          <a:p>
-            <a:pPr lvl="1"/>
-            <a:r>
-              <a:rPr lang="fr-FR" dirty="0" smtClean="0"/>
-              <a:t>Définir le style intérieur en hachure rouge</a:t>
-            </a:r>
-          </a:p>
-          <a:p>
-            <a:pPr lvl="1"/>
-            <a:endParaRPr lang="fr-FR" dirty="0"/>
-          </a:p>
-          <a:p>
-            <a:r>
-              <a:rPr lang="fr-FR" dirty="0" smtClean="0"/>
-              <a:t>Aller en </a:t>
-            </a:r>
-            <a:r>
-              <a:rPr lang="pl-PL" dirty="0"/>
-              <a:t>32 U LV 54828 </a:t>
-            </a:r>
-            <a:r>
-              <a:rPr lang="pl-PL" dirty="0" smtClean="0"/>
-              <a:t>19723</a:t>
-            </a:r>
-            <a:endParaRPr lang="fr-FR" dirty="0" smtClean="0"/>
-          </a:p>
-          <a:p>
-            <a:endParaRPr lang="fr-FR" dirty="0"/>
-          </a:p>
-          <a:p>
-            <a:r>
-              <a:rPr lang="fr-FR" dirty="0" smtClean="0"/>
-              <a:t>Dessiner un polygone autour du bassin</a:t>
-            </a:r>
-          </a:p>
-          <a:p>
-            <a:endParaRPr lang="fr-FR" dirty="0"/>
-          </a:p>
-          <a:p>
-            <a:r>
-              <a:rPr lang="fr-FR" dirty="0" smtClean="0"/>
-              <a:t>Modifier le polygone pour inclure le carré boisé à l’est</a:t>
-            </a:r>
-          </a:p>
-          <a:p>
-            <a:endParaRPr lang="fr-FR" dirty="0" smtClean="0"/>
-          </a:p>
-          <a:p>
-            <a:r>
-              <a:rPr lang="fr-FR" dirty="0" smtClean="0"/>
-              <a:t>Enregistrer l’espace </a:t>
-            </a:r>
-            <a:r>
-              <a:rPr lang="fr-FR" b="1" dirty="0" smtClean="0"/>
-              <a:t>exo2.gmw</a:t>
-            </a:r>
-            <a:endParaRPr lang="fr-FR" dirty="0"/>
-          </a:p>
-        </p:txBody>
-      </p:sp>
-    </p:spTree>
-    <p:extLst>
-      <p:ext uri="{BB962C8B-B14F-4D97-AF65-F5344CB8AC3E}">
-        <p14:creationId xmlns:p14="http://schemas.microsoft.com/office/powerpoint/2010/main" val="1808507157"/>
-      </p:ext>
-    </p:extLst>
-  </p:cSld>
-  <p:clrMapOvr>
-    <a:masterClrMapping/>
-  </p:clrMapOvr>
-</p:sld>
-</file>
-
 <file path=ppt/slides/slide8.xml><?xml version="1.0" encoding="utf-8"?>
 <p:sld xmlns:a="http://schemas.openxmlformats.org/drawingml/2006/main" xmlns:r="http://schemas.openxmlformats.org/officeDocument/2006/relationships" xmlns:p="http://schemas.openxmlformats.org/presentationml/2006/main">
   <p:cSld>
@@ -18013,7 +18902,7 @@
           <a:p>
             <a:r>
               <a:rPr lang="fr-FR" dirty="0" smtClean="0"/>
-              <a:t>Exercice 3</a:t>
+              <a:t>Exercice 2</a:t>
             </a:r>
             <a:endParaRPr lang="fr-FR" dirty="0"/>
           </a:p>
@@ -18032,59 +18921,79 @@
         <p:spPr/>
         <p:txBody>
           <a:bodyPr>
-            <a:normAutofit/>
+            <a:normAutofit fontScale="92500" lnSpcReduction="10000"/>
           </a:bodyPr>
           <a:lstStyle/>
           <a:p>
             <a:r>
               <a:rPr lang="fr-FR" dirty="0" smtClean="0"/>
-              <a:t>Ouvrir </a:t>
-            </a:r>
-            <a:r>
-              <a:rPr lang="fr-FR" b="1" dirty="0" err="1" smtClean="0"/>
-              <a:t>exo_base.gmw</a:t>
-            </a:r>
-            <a:endParaRPr lang="fr-FR" b="1" dirty="0"/>
-          </a:p>
-          <a:p>
-            <a:pPr marL="0" indent="0">
-              <a:buNone/>
-            </a:pPr>
+              <a:t>Dessiner une box autour de la zone mise en évidence</a:t>
+            </a:r>
+          </a:p>
+          <a:p>
+            <a:pPr lvl="1"/>
+            <a:r>
+              <a:rPr lang="fr-FR" dirty="0" smtClean="0"/>
+              <a:t>Définir le style intérieur en hachure rouge</a:t>
+            </a:r>
+          </a:p>
+          <a:p>
+            <a:pPr lvl="1"/>
+            <a:endParaRPr lang="fr-FR" dirty="0"/>
+          </a:p>
+          <a:p>
+            <a:r>
+              <a:rPr lang="fr-FR" dirty="0" smtClean="0"/>
+              <a:t>Aller en </a:t>
+            </a:r>
+            <a:r>
+              <a:rPr lang="pl-PL" dirty="0"/>
+              <a:t>32 U LV 54828 </a:t>
+            </a:r>
+            <a:r>
+              <a:rPr lang="pl-PL" dirty="0" smtClean="0"/>
+              <a:t>19723</a:t>
+            </a:r>
             <a:endParaRPr lang="fr-FR" dirty="0" smtClean="0"/>
           </a:p>
           <a:p>
-            <a:r>
-              <a:rPr lang="fr-FR" dirty="0" smtClean="0"/>
-              <a:t>Utiliser l’outil recherche </a:t>
-            </a:r>
-            <a:r>
-              <a:rPr lang="fr-FR" dirty="0"/>
-              <a:t>pour localiser </a:t>
-            </a:r>
-            <a:r>
-              <a:rPr lang="fr-FR" dirty="0" err="1"/>
-              <a:t>Printzheim</a:t>
-            </a:r>
             <a:endParaRPr lang="fr-FR" dirty="0"/>
           </a:p>
           <a:p>
+            <a:r>
+              <a:rPr lang="fr-FR" dirty="0" smtClean="0"/>
+              <a:t>Dessiner un polygone autour du bassin</a:t>
+            </a:r>
+          </a:p>
+          <a:p>
+            <a:endParaRPr lang="fr-FR" dirty="0"/>
+          </a:p>
+          <a:p>
+            <a:r>
+              <a:rPr lang="fr-FR" dirty="0" smtClean="0"/>
+              <a:t>Modifier le polygone pour inclure le carré boisé à l’est</a:t>
+            </a:r>
+          </a:p>
+          <a:p>
             <a:endParaRPr lang="fr-FR" dirty="0" smtClean="0"/>
           </a:p>
           <a:p>
             <a:r>
-              <a:rPr lang="fr-FR" dirty="0"/>
-              <a:t>Zoomer à l’échelle 1:50000</a:t>
-            </a:r>
-          </a:p>
-          <a:p>
-            <a:endParaRPr lang="fr-FR" dirty="0" smtClean="0"/>
+              <a:rPr lang="fr-FR" dirty="0" smtClean="0"/>
+              <a:t>Enregistrer l’espace </a:t>
+            </a:r>
+            <a:r>
+              <a:rPr lang="fr-FR" b="1" dirty="0" smtClean="0"/>
+              <a:t>exo2.gmw</a:t>
+            </a:r>
+            <a:endParaRPr lang="fr-FR" dirty="0"/>
           </a:p>
         </p:txBody>
       </p:sp>
     </p:spTree>
     <p:extLst>
       <p:ext uri="{BB962C8B-B14F-4D97-AF65-F5344CB8AC3E}">
-        <p14:creationId xmlns:p14="http://schemas.microsoft.com/office/powerpoint/2010/main" val="4230654763"/>
+        <p14:creationId xmlns:p14="http://schemas.microsoft.com/office/powerpoint/2010/main" val="1808507157"/>
       </p:ext>
     </p:extLst>
   </p:cSld>
@@ -18153,98 +19062,53 @@
           <a:p>
             <a:r>
               <a:rPr lang="fr-FR" dirty="0" smtClean="0"/>
-              <a:t>Exporter la couche alsace2.tif</a:t>
-            </a:r>
-          </a:p>
-          <a:p>
-            <a:pPr lvl="1"/>
-            <a:r>
-              <a:rPr lang="fr-FR" dirty="0" smtClean="0"/>
-              <a:t>Format GEOTIFF</a:t>
-            </a:r>
-          </a:p>
-          <a:p>
-            <a:pPr lvl="1"/>
-            <a:r>
-              <a:rPr lang="fr-FR" dirty="0" smtClean="0"/>
-              <a:t>Exporter les données visibles à l’écran</a:t>
-            </a:r>
-          </a:p>
-          <a:p>
-            <a:pPr lvl="1"/>
-            <a:r>
-              <a:rPr lang="fr-FR" dirty="0" smtClean="0"/>
-              <a:t>Sous le nom « </a:t>
+              <a:t>Ouvrir </a:t>
             </a:r>
             <a:r>
               <a:rPr lang="fr-FR" b="1" dirty="0" err="1" smtClean="0"/>
-              <a:t>Printzheim.tif</a:t>
-            </a:r>
-            <a:r>
-              <a:rPr lang="fr-FR" dirty="0" smtClean="0"/>
-              <a:t> »</a:t>
-            </a:r>
-          </a:p>
-          <a:p>
-            <a:pPr lvl="1"/>
+              <a:t>exo_base.gmw</a:t>
+            </a:r>
+            <a:endParaRPr lang="fr-FR" b="1" dirty="0"/>
+          </a:p>
+          <a:p>
+            <a:pPr marL="0" indent="0">
+              <a:buNone/>
+            </a:pPr>
+            <a:endParaRPr lang="fr-FR" dirty="0" smtClean="0"/>
+          </a:p>
+          <a:p>
+            <a:r>
+              <a:rPr lang="fr-FR" dirty="0" smtClean="0"/>
+              <a:t>Utiliser l’outil recherche </a:t>
+            </a:r>
+            <a:r>
+              <a:rPr lang="fr-FR" dirty="0"/>
+              <a:t>pour localiser </a:t>
+            </a:r>
+            <a:r>
+              <a:rPr lang="fr-FR" dirty="0" err="1"/>
+              <a:t>Printzheim</a:t>
+            </a:r>
             <a:endParaRPr lang="fr-FR" dirty="0"/>
           </a:p>
           <a:p>
-            <a:r>
-              <a:rPr lang="fr-FR" dirty="0" smtClean="0"/>
-              <a:t>Répéter la procédure pour les données relief</a:t>
-            </a:r>
-          </a:p>
-          <a:p>
-            <a:pPr lvl="1"/>
-            <a:r>
-              <a:rPr lang="fr-FR" dirty="0" smtClean="0"/>
-              <a:t>Exporter vers </a:t>
-            </a:r>
-            <a:r>
-              <a:rPr lang="fr-FR" b="1" dirty="0" err="1" smtClean="0"/>
-              <a:t>Printzheim_relief.tif</a:t>
-            </a:r>
-            <a:endParaRPr lang="fr-FR" b="1" dirty="0" smtClean="0"/>
-          </a:p>
-          <a:p>
-            <a:pPr lvl="1"/>
-            <a:endParaRPr lang="fr-FR" b="1" dirty="0"/>
+            <a:endParaRPr lang="fr-FR" dirty="0" smtClean="0"/>
           </a:p>
           <a:p>
             <a:r>
               <a:rPr lang="fr-FR" dirty="0"/>
-              <a:t>Enregistrer l’espace de travail </a:t>
-            </a:r>
-            <a:r>
-              <a:rPr lang="fr-FR" b="1" dirty="0" smtClean="0"/>
-              <a:t>exo3.gmw</a:t>
-            </a:r>
-            <a:endParaRPr lang="fr-FR" dirty="0"/>
-          </a:p>
-          <a:p>
-            <a:pPr lvl="1"/>
-            <a:endParaRPr lang="fr-FR" b="1" dirty="0" smtClean="0"/>
-          </a:p>
-          <a:p>
-            <a:pPr lvl="1"/>
-            <a:endParaRPr lang="fr-FR" dirty="0"/>
+              <a:t>Zoomer à l’échelle 1:50000</a:t>
+            </a:r>
           </a:p>
           <a:p>
             <a:endParaRPr lang="fr-FR" dirty="0" smtClean="0"/>
-          </a:p>
-          <a:p>
-            <a:pPr marL="0" indent="0">
-              <a:buNone/>
-            </a:pPr>
-            <a:endParaRPr lang="fr-FR" dirty="0"/>
           </a:p>
         </p:txBody>
       </p:sp>
     </p:spTree>
     <p:extLst>
       <p:ext uri="{BB962C8B-B14F-4D97-AF65-F5344CB8AC3E}">
-        <p14:creationId xmlns:p14="http://schemas.microsoft.com/office/powerpoint/2010/main" val="3127763321"/>
+        <p14:creationId xmlns:p14="http://schemas.microsoft.com/office/powerpoint/2010/main" val="4230654763"/>
       </p:ext>
     </p:extLst>
   </p:cSld>
